--- a/J_Graphics_PP.pptx
+++ b/J_Graphics_PP.pptx
@@ -9,6 +9,7 @@
     <p:sldId id="259" r:id="rId3"/>
     <p:sldId id="260" r:id="rId4"/>
     <p:sldId id="261" r:id="rId5"/>
+    <p:sldId id="262" r:id="rId6"/>
   </p:sldIdLst>
   <p:sldSz cx="12192000" cy="6858000"/>
   <p:notesSz cx="6858000" cy="9144000"/>
@@ -107,6 +108,11 @@
       </a:defRPr>
     </a:lvl9pPr>
   </p:defaultTextStyle>
+  <p:extLst>
+    <p:ext uri="{EFAFB233-063F-42B5-8137-9DF3F51BA10A}">
+      <p15:sldGuideLst xmlns:p15="http://schemas.microsoft.com/office/powerpoint/2012/main"/>
+    </p:ext>
+  </p:extLst>
 </p:presentation>
 </file>
 
@@ -1801,7 +1807,7 @@
           <a:p>
             <a:fld id="{D8DD123C-D314-4DDA-BD7B-79F1D0830E10}" type="datetimeFigureOut">
               <a:rPr lang="en-IE" smtClean="0"/>
-              <a:t>13/09/2022</a:t>
+              <a:t>18/09/2022</a:t>
             </a:fld>
             <a:endParaRPr lang="en-IE"/>
           </a:p>
@@ -2001,7 +2007,7 @@
           <a:p>
             <a:fld id="{D8DD123C-D314-4DDA-BD7B-79F1D0830E10}" type="datetimeFigureOut">
               <a:rPr lang="en-IE" smtClean="0"/>
-              <a:t>13/09/2022</a:t>
+              <a:t>18/09/2022</a:t>
             </a:fld>
             <a:endParaRPr lang="en-IE"/>
           </a:p>
@@ -2211,7 +2217,7 @@
           <a:p>
             <a:fld id="{D8DD123C-D314-4DDA-BD7B-79F1D0830E10}" type="datetimeFigureOut">
               <a:rPr lang="en-IE" smtClean="0"/>
-              <a:t>13/09/2022</a:t>
+              <a:t>18/09/2022</a:t>
             </a:fld>
             <a:endParaRPr lang="en-IE"/>
           </a:p>
@@ -2411,7 +2417,7 @@
           <a:p>
             <a:fld id="{D8DD123C-D314-4DDA-BD7B-79F1D0830E10}" type="datetimeFigureOut">
               <a:rPr lang="en-IE" smtClean="0"/>
-              <a:t>13/09/2022</a:t>
+              <a:t>18/09/2022</a:t>
             </a:fld>
             <a:endParaRPr lang="en-IE"/>
           </a:p>
@@ -2687,7 +2693,7 @@
           <a:p>
             <a:fld id="{D8DD123C-D314-4DDA-BD7B-79F1D0830E10}" type="datetimeFigureOut">
               <a:rPr lang="en-IE" smtClean="0"/>
-              <a:t>13/09/2022</a:t>
+              <a:t>18/09/2022</a:t>
             </a:fld>
             <a:endParaRPr lang="en-IE"/>
           </a:p>
@@ -2955,7 +2961,7 @@
           <a:p>
             <a:fld id="{D8DD123C-D314-4DDA-BD7B-79F1D0830E10}" type="datetimeFigureOut">
               <a:rPr lang="en-IE" smtClean="0"/>
-              <a:t>13/09/2022</a:t>
+              <a:t>18/09/2022</a:t>
             </a:fld>
             <a:endParaRPr lang="en-IE"/>
           </a:p>
@@ -3370,7 +3376,7 @@
           <a:p>
             <a:fld id="{D8DD123C-D314-4DDA-BD7B-79F1D0830E10}" type="datetimeFigureOut">
               <a:rPr lang="en-IE" smtClean="0"/>
-              <a:t>13/09/2022</a:t>
+              <a:t>18/09/2022</a:t>
             </a:fld>
             <a:endParaRPr lang="en-IE"/>
           </a:p>
@@ -3512,7 +3518,7 @@
           <a:p>
             <a:fld id="{D8DD123C-D314-4DDA-BD7B-79F1D0830E10}" type="datetimeFigureOut">
               <a:rPr lang="en-IE" smtClean="0"/>
-              <a:t>13/09/2022</a:t>
+              <a:t>18/09/2022</a:t>
             </a:fld>
             <a:endParaRPr lang="en-IE"/>
           </a:p>
@@ -3625,7 +3631,7 @@
           <a:p>
             <a:fld id="{D8DD123C-D314-4DDA-BD7B-79F1D0830E10}" type="datetimeFigureOut">
               <a:rPr lang="en-IE" smtClean="0"/>
-              <a:t>13/09/2022</a:t>
+              <a:t>18/09/2022</a:t>
             </a:fld>
             <a:endParaRPr lang="en-IE"/>
           </a:p>
@@ -3938,7 +3944,7 @@
           <a:p>
             <a:fld id="{D8DD123C-D314-4DDA-BD7B-79F1D0830E10}" type="datetimeFigureOut">
               <a:rPr lang="en-IE" smtClean="0"/>
-              <a:t>13/09/2022</a:t>
+              <a:t>18/09/2022</a:t>
             </a:fld>
             <a:endParaRPr lang="en-IE"/>
           </a:p>
@@ -4227,7 +4233,7 @@
           <a:p>
             <a:fld id="{D8DD123C-D314-4DDA-BD7B-79F1D0830E10}" type="datetimeFigureOut">
               <a:rPr lang="en-IE" smtClean="0"/>
-              <a:t>13/09/2022</a:t>
+              <a:t>18/09/2022</a:t>
             </a:fld>
             <a:endParaRPr lang="en-IE"/>
           </a:p>
@@ -4470,7 +4476,7 @@
           <a:p>
             <a:fld id="{D8DD123C-D314-4DDA-BD7B-79F1D0830E10}" type="datetimeFigureOut">
               <a:rPr lang="en-IE" smtClean="0"/>
-              <a:t>13/09/2022</a:t>
+              <a:t>18/09/2022</a:t>
             </a:fld>
             <a:endParaRPr lang="en-IE"/>
           </a:p>
@@ -4917,8 +4923,8 @@
           </a:prstGeom>
         </p:spPr>
       </p:pic>
-      <mc:AlternateContent xmlns:mc="http://schemas.openxmlformats.org/markup-compatibility/2006">
-        <mc:Choice xmlns:p14="http://schemas.microsoft.com/office/powerpoint/2010/main" Requires="p14">
+      <mc:AlternateContent xmlns:mc="http://schemas.openxmlformats.org/markup-compatibility/2006" xmlns:p14="http://schemas.microsoft.com/office/powerpoint/2010/main">
+        <mc:Choice Requires="p14">
           <p:contentPart p14:bwMode="auto" r:id="rId3">
             <p14:nvContentPartPr>
               <p14:cNvPr id="5" name="Ink 4">
@@ -4937,7 +4943,7 @@
             </p14:xfrm>
           </p:contentPart>
         </mc:Choice>
-        <mc:Fallback>
+        <mc:Fallback xmlns="">
           <p:pic>
             <p:nvPicPr>
               <p:cNvPr id="5" name="Ink 4">
@@ -4968,8 +4974,8 @@
           </p:pic>
         </mc:Fallback>
       </mc:AlternateContent>
-      <mc:AlternateContent xmlns:mc="http://schemas.openxmlformats.org/markup-compatibility/2006">
-        <mc:Choice xmlns:p14="http://schemas.microsoft.com/office/powerpoint/2010/main" Requires="p14">
+      <mc:AlternateContent xmlns:mc="http://schemas.openxmlformats.org/markup-compatibility/2006" xmlns:p14="http://schemas.microsoft.com/office/powerpoint/2010/main">
+        <mc:Choice Requires="p14">
           <p:contentPart p14:bwMode="auto" r:id="rId5">
             <p14:nvContentPartPr>
               <p14:cNvPr id="6" name="Ink 5">
@@ -4988,7 +4994,7 @@
             </p14:xfrm>
           </p:contentPart>
         </mc:Choice>
-        <mc:Fallback>
+        <mc:Fallback xmlns="">
           <p:pic>
             <p:nvPicPr>
               <p:cNvPr id="6" name="Ink 5">
@@ -5019,8 +5025,8 @@
           </p:pic>
         </mc:Fallback>
       </mc:AlternateContent>
-      <mc:AlternateContent xmlns:mc="http://schemas.openxmlformats.org/markup-compatibility/2006">
-        <mc:Choice xmlns:p14="http://schemas.microsoft.com/office/powerpoint/2010/main" Requires="p14">
+      <mc:AlternateContent xmlns:mc="http://schemas.openxmlformats.org/markup-compatibility/2006" xmlns:p14="http://schemas.microsoft.com/office/powerpoint/2010/main">
+        <mc:Choice Requires="p14">
           <p:contentPart p14:bwMode="auto" r:id="rId7">
             <p14:nvContentPartPr>
               <p14:cNvPr id="7" name="Ink 6">
@@ -5039,7 +5045,7 @@
             </p14:xfrm>
           </p:contentPart>
         </mc:Choice>
-        <mc:Fallback>
+        <mc:Fallback xmlns="">
           <p:pic>
             <p:nvPicPr>
               <p:cNvPr id="7" name="Ink 6">
@@ -5070,8 +5076,8 @@
           </p:pic>
         </mc:Fallback>
       </mc:AlternateContent>
-      <mc:AlternateContent xmlns:mc="http://schemas.openxmlformats.org/markup-compatibility/2006">
-        <mc:Choice xmlns:p14="http://schemas.microsoft.com/office/powerpoint/2010/main" Requires="p14">
+      <mc:AlternateContent xmlns:mc="http://schemas.openxmlformats.org/markup-compatibility/2006" xmlns:p14="http://schemas.microsoft.com/office/powerpoint/2010/main">
+        <mc:Choice Requires="p14">
           <p:contentPart p14:bwMode="auto" r:id="rId9">
             <p14:nvContentPartPr>
               <p14:cNvPr id="8" name="Ink 7">
@@ -5090,7 +5096,7 @@
             </p14:xfrm>
           </p:contentPart>
         </mc:Choice>
-        <mc:Fallback>
+        <mc:Fallback xmlns="">
           <p:pic>
             <p:nvPicPr>
               <p:cNvPr id="8" name="Ink 7">
@@ -5121,8 +5127,8 @@
           </p:pic>
         </mc:Fallback>
       </mc:AlternateContent>
-      <mc:AlternateContent xmlns:mc="http://schemas.openxmlformats.org/markup-compatibility/2006">
-        <mc:Choice xmlns:p14="http://schemas.microsoft.com/office/powerpoint/2010/main" Requires="p14">
+      <mc:AlternateContent xmlns:mc="http://schemas.openxmlformats.org/markup-compatibility/2006" xmlns:p14="http://schemas.microsoft.com/office/powerpoint/2010/main">
+        <mc:Choice Requires="p14">
           <p:contentPart p14:bwMode="auto" r:id="rId11">
             <p14:nvContentPartPr>
               <p14:cNvPr id="9" name="Ink 8">
@@ -5141,7 +5147,7 @@
             </p14:xfrm>
           </p:contentPart>
         </mc:Choice>
-        <mc:Fallback>
+        <mc:Fallback xmlns="">
           <p:pic>
             <p:nvPicPr>
               <p:cNvPr id="9" name="Ink 8">
@@ -5172,8 +5178,8 @@
           </p:pic>
         </mc:Fallback>
       </mc:AlternateContent>
-      <mc:AlternateContent xmlns:mc="http://schemas.openxmlformats.org/markup-compatibility/2006">
-        <mc:Choice xmlns:p14="http://schemas.microsoft.com/office/powerpoint/2010/main" Requires="p14">
+      <mc:AlternateContent xmlns:mc="http://schemas.openxmlformats.org/markup-compatibility/2006" xmlns:p14="http://schemas.microsoft.com/office/powerpoint/2010/main">
+        <mc:Choice Requires="p14">
           <p:contentPart p14:bwMode="auto" r:id="rId13">
             <p14:nvContentPartPr>
               <p14:cNvPr id="10" name="Ink 9">
@@ -5192,7 +5198,7 @@
             </p14:xfrm>
           </p:contentPart>
         </mc:Choice>
-        <mc:Fallback>
+        <mc:Fallback xmlns="">
           <p:pic>
             <p:nvPicPr>
               <p:cNvPr id="10" name="Ink 9">
@@ -5223,8 +5229,8 @@
           </p:pic>
         </mc:Fallback>
       </mc:AlternateContent>
-      <mc:AlternateContent xmlns:mc="http://schemas.openxmlformats.org/markup-compatibility/2006">
-        <mc:Choice xmlns:p14="http://schemas.microsoft.com/office/powerpoint/2010/main" Requires="p14">
+      <mc:AlternateContent xmlns:mc="http://schemas.openxmlformats.org/markup-compatibility/2006" xmlns:p14="http://schemas.microsoft.com/office/powerpoint/2010/main">
+        <mc:Choice Requires="p14">
           <p:contentPart p14:bwMode="auto" r:id="rId15">
             <p14:nvContentPartPr>
               <p14:cNvPr id="11" name="Ink 10">
@@ -5243,7 +5249,7 @@
             </p14:xfrm>
           </p:contentPart>
         </mc:Choice>
-        <mc:Fallback>
+        <mc:Fallback xmlns="">
           <p:pic>
             <p:nvPicPr>
               <p:cNvPr id="11" name="Ink 10">
@@ -5274,8 +5280,8 @@
           </p:pic>
         </mc:Fallback>
       </mc:AlternateContent>
-      <mc:AlternateContent xmlns:mc="http://schemas.openxmlformats.org/markup-compatibility/2006">
-        <mc:Choice xmlns:p14="http://schemas.microsoft.com/office/powerpoint/2010/main" Requires="p14">
+      <mc:AlternateContent xmlns:mc="http://schemas.openxmlformats.org/markup-compatibility/2006" xmlns:p14="http://schemas.microsoft.com/office/powerpoint/2010/main">
+        <mc:Choice Requires="p14">
           <p:contentPart p14:bwMode="auto" r:id="rId17">
             <p14:nvContentPartPr>
               <p14:cNvPr id="12" name="Ink 11">
@@ -5294,7 +5300,7 @@
             </p14:xfrm>
           </p:contentPart>
         </mc:Choice>
-        <mc:Fallback>
+        <mc:Fallback xmlns="">
           <p:pic>
             <p:nvPicPr>
               <p:cNvPr id="12" name="Ink 11">
@@ -5325,8 +5331,8 @@
           </p:pic>
         </mc:Fallback>
       </mc:AlternateContent>
-      <mc:AlternateContent xmlns:mc="http://schemas.openxmlformats.org/markup-compatibility/2006">
-        <mc:Choice xmlns:p14="http://schemas.microsoft.com/office/powerpoint/2010/main" Requires="p14">
+      <mc:AlternateContent xmlns:mc="http://schemas.openxmlformats.org/markup-compatibility/2006" xmlns:p14="http://schemas.microsoft.com/office/powerpoint/2010/main">
+        <mc:Choice Requires="p14">
           <p:contentPart p14:bwMode="auto" r:id="rId19">
             <p14:nvContentPartPr>
               <p14:cNvPr id="13" name="Ink 12">
@@ -5345,7 +5351,7 @@
             </p14:xfrm>
           </p:contentPart>
         </mc:Choice>
-        <mc:Fallback>
+        <mc:Fallback xmlns="">
           <p:pic>
             <p:nvPicPr>
               <p:cNvPr id="13" name="Ink 12">
@@ -5376,8 +5382,8 @@
           </p:pic>
         </mc:Fallback>
       </mc:AlternateContent>
-      <mc:AlternateContent xmlns:mc="http://schemas.openxmlformats.org/markup-compatibility/2006">
-        <mc:Choice xmlns:p14="http://schemas.microsoft.com/office/powerpoint/2010/main" Requires="p14">
+      <mc:AlternateContent xmlns:mc="http://schemas.openxmlformats.org/markup-compatibility/2006" xmlns:p14="http://schemas.microsoft.com/office/powerpoint/2010/main">
+        <mc:Choice Requires="p14">
           <p:contentPart p14:bwMode="auto" r:id="rId21">
             <p14:nvContentPartPr>
               <p14:cNvPr id="14" name="Ink 13">
@@ -5396,7 +5402,7 @@
             </p14:xfrm>
           </p:contentPart>
         </mc:Choice>
-        <mc:Fallback>
+        <mc:Fallback xmlns="">
           <p:pic>
             <p:nvPicPr>
               <p:cNvPr id="14" name="Ink 13">
@@ -5427,8 +5433,8 @@
           </p:pic>
         </mc:Fallback>
       </mc:AlternateContent>
-      <mc:AlternateContent xmlns:mc="http://schemas.openxmlformats.org/markup-compatibility/2006">
-        <mc:Choice xmlns:p14="http://schemas.microsoft.com/office/powerpoint/2010/main" Requires="p14">
+      <mc:AlternateContent xmlns:mc="http://schemas.openxmlformats.org/markup-compatibility/2006" xmlns:p14="http://schemas.microsoft.com/office/powerpoint/2010/main">
+        <mc:Choice Requires="p14">
           <p:contentPart p14:bwMode="auto" r:id="rId23">
             <p14:nvContentPartPr>
               <p14:cNvPr id="15" name="Ink 14">
@@ -5447,7 +5453,7 @@
             </p14:xfrm>
           </p:contentPart>
         </mc:Choice>
-        <mc:Fallback>
+        <mc:Fallback xmlns="">
           <p:pic>
             <p:nvPicPr>
               <p:cNvPr id="15" name="Ink 14">
@@ -5863,8 +5869,8 @@
           </a:p>
         </p:txBody>
       </p:sp>
-      <mc:AlternateContent xmlns:mc="http://schemas.openxmlformats.org/markup-compatibility/2006">
-        <mc:Choice xmlns:p14="http://schemas.microsoft.com/office/powerpoint/2010/main" Requires="p14">
+      <mc:AlternateContent xmlns:mc="http://schemas.openxmlformats.org/markup-compatibility/2006" xmlns:p14="http://schemas.microsoft.com/office/powerpoint/2010/main">
+        <mc:Choice Requires="p14">
           <p:contentPart p14:bwMode="auto" r:id="rId25">
             <p14:nvContentPartPr>
               <p14:cNvPr id="43" name="Ink 42">
@@ -5883,7 +5889,7 @@
             </p14:xfrm>
           </p:contentPart>
         </mc:Choice>
-        <mc:Fallback>
+        <mc:Fallback xmlns="">
           <p:pic>
             <p:nvPicPr>
               <p:cNvPr id="43" name="Ink 42">
@@ -5914,8 +5920,8 @@
           </p:pic>
         </mc:Fallback>
       </mc:AlternateContent>
-      <mc:AlternateContent xmlns:mc="http://schemas.openxmlformats.org/markup-compatibility/2006">
-        <mc:Choice xmlns:p14="http://schemas.microsoft.com/office/powerpoint/2010/main" Requires="p14">
+      <mc:AlternateContent xmlns:mc="http://schemas.openxmlformats.org/markup-compatibility/2006" xmlns:p14="http://schemas.microsoft.com/office/powerpoint/2010/main">
+        <mc:Choice Requires="p14">
           <p:contentPart p14:bwMode="auto" r:id="rId27">
             <p14:nvContentPartPr>
               <p14:cNvPr id="44" name="Ink 43">
@@ -5934,7 +5940,7 @@
             </p14:xfrm>
           </p:contentPart>
         </mc:Choice>
-        <mc:Fallback>
+        <mc:Fallback xmlns="">
           <p:pic>
             <p:nvPicPr>
               <p:cNvPr id="44" name="Ink 43">
@@ -6025,8 +6031,8 @@
           </a:prstGeom>
         </p:spPr>
       </p:pic>
-      <mc:AlternateContent xmlns:mc="http://schemas.openxmlformats.org/markup-compatibility/2006">
-        <mc:Choice xmlns:p14="http://schemas.microsoft.com/office/powerpoint/2010/main" Requires="p14">
+      <mc:AlternateContent xmlns:mc="http://schemas.openxmlformats.org/markup-compatibility/2006" xmlns:p14="http://schemas.microsoft.com/office/powerpoint/2010/main">
+        <mc:Choice Requires="p14">
           <p:contentPart p14:bwMode="auto" r:id="rId3">
             <p14:nvContentPartPr>
               <p14:cNvPr id="5" name="Ink 4">
@@ -6045,7 +6051,7 @@
             </p14:xfrm>
           </p:contentPart>
         </mc:Choice>
-        <mc:Fallback>
+        <mc:Fallback xmlns="">
           <p:pic>
             <p:nvPicPr>
               <p:cNvPr id="5" name="Ink 4">
@@ -6076,8 +6082,8 @@
           </p:pic>
         </mc:Fallback>
       </mc:AlternateContent>
-      <mc:AlternateContent xmlns:mc="http://schemas.openxmlformats.org/markup-compatibility/2006">
-        <mc:Choice xmlns:p14="http://schemas.microsoft.com/office/powerpoint/2010/main" Requires="p14">
+      <mc:AlternateContent xmlns:mc="http://schemas.openxmlformats.org/markup-compatibility/2006" xmlns:p14="http://schemas.microsoft.com/office/powerpoint/2010/main">
+        <mc:Choice Requires="p14">
           <p:contentPart p14:bwMode="auto" r:id="rId5">
             <p14:nvContentPartPr>
               <p14:cNvPr id="6" name="Ink 5">
@@ -6096,7 +6102,7 @@
             </p14:xfrm>
           </p:contentPart>
         </mc:Choice>
-        <mc:Fallback>
+        <mc:Fallback xmlns="">
           <p:pic>
             <p:nvPicPr>
               <p:cNvPr id="6" name="Ink 5">
@@ -6127,8 +6133,8 @@
           </p:pic>
         </mc:Fallback>
       </mc:AlternateContent>
-      <mc:AlternateContent xmlns:mc="http://schemas.openxmlformats.org/markup-compatibility/2006">
-        <mc:Choice xmlns:p14="http://schemas.microsoft.com/office/powerpoint/2010/main" Requires="p14">
+      <mc:AlternateContent xmlns:mc="http://schemas.openxmlformats.org/markup-compatibility/2006" xmlns:p14="http://schemas.microsoft.com/office/powerpoint/2010/main">
+        <mc:Choice Requires="p14">
           <p:contentPart p14:bwMode="auto" r:id="rId7">
             <p14:nvContentPartPr>
               <p14:cNvPr id="7" name="Ink 6">
@@ -6147,7 +6153,7 @@
             </p14:xfrm>
           </p:contentPart>
         </mc:Choice>
-        <mc:Fallback>
+        <mc:Fallback xmlns="">
           <p:pic>
             <p:nvPicPr>
               <p:cNvPr id="7" name="Ink 6">
@@ -6178,8 +6184,8 @@
           </p:pic>
         </mc:Fallback>
       </mc:AlternateContent>
-      <mc:AlternateContent xmlns:mc="http://schemas.openxmlformats.org/markup-compatibility/2006">
-        <mc:Choice xmlns:p14="http://schemas.microsoft.com/office/powerpoint/2010/main" Requires="p14">
+      <mc:AlternateContent xmlns:mc="http://schemas.openxmlformats.org/markup-compatibility/2006" xmlns:p14="http://schemas.microsoft.com/office/powerpoint/2010/main">
+        <mc:Choice Requires="p14">
           <p:contentPart p14:bwMode="auto" r:id="rId9">
             <p14:nvContentPartPr>
               <p14:cNvPr id="8" name="Ink 7">
@@ -6198,7 +6204,7 @@
             </p14:xfrm>
           </p:contentPart>
         </mc:Choice>
-        <mc:Fallback>
+        <mc:Fallback xmlns="">
           <p:pic>
             <p:nvPicPr>
               <p:cNvPr id="8" name="Ink 7">
@@ -6229,8 +6235,8 @@
           </p:pic>
         </mc:Fallback>
       </mc:AlternateContent>
-      <mc:AlternateContent xmlns:mc="http://schemas.openxmlformats.org/markup-compatibility/2006">
-        <mc:Choice xmlns:p14="http://schemas.microsoft.com/office/powerpoint/2010/main" Requires="p14">
+      <mc:AlternateContent xmlns:mc="http://schemas.openxmlformats.org/markup-compatibility/2006" xmlns:p14="http://schemas.microsoft.com/office/powerpoint/2010/main">
+        <mc:Choice Requires="p14">
           <p:contentPart p14:bwMode="auto" r:id="rId11">
             <p14:nvContentPartPr>
               <p14:cNvPr id="9" name="Ink 8">
@@ -6249,7 +6255,7 @@
             </p14:xfrm>
           </p:contentPart>
         </mc:Choice>
-        <mc:Fallback>
+        <mc:Fallback xmlns="">
           <p:pic>
             <p:nvPicPr>
               <p:cNvPr id="9" name="Ink 8">
@@ -6280,8 +6286,8 @@
           </p:pic>
         </mc:Fallback>
       </mc:AlternateContent>
-      <mc:AlternateContent xmlns:mc="http://schemas.openxmlformats.org/markup-compatibility/2006">
-        <mc:Choice xmlns:p14="http://schemas.microsoft.com/office/powerpoint/2010/main" Requires="p14">
+      <mc:AlternateContent xmlns:mc="http://schemas.openxmlformats.org/markup-compatibility/2006" xmlns:p14="http://schemas.microsoft.com/office/powerpoint/2010/main">
+        <mc:Choice Requires="p14">
           <p:contentPart p14:bwMode="auto" r:id="rId13">
             <p14:nvContentPartPr>
               <p14:cNvPr id="10" name="Ink 9">
@@ -6300,7 +6306,7 @@
             </p14:xfrm>
           </p:contentPart>
         </mc:Choice>
-        <mc:Fallback>
+        <mc:Fallback xmlns="">
           <p:pic>
             <p:nvPicPr>
               <p:cNvPr id="10" name="Ink 9">
@@ -6331,8 +6337,8 @@
           </p:pic>
         </mc:Fallback>
       </mc:AlternateContent>
-      <mc:AlternateContent xmlns:mc="http://schemas.openxmlformats.org/markup-compatibility/2006">
-        <mc:Choice xmlns:p14="http://schemas.microsoft.com/office/powerpoint/2010/main" Requires="p14">
+      <mc:AlternateContent xmlns:mc="http://schemas.openxmlformats.org/markup-compatibility/2006" xmlns:p14="http://schemas.microsoft.com/office/powerpoint/2010/main">
+        <mc:Choice Requires="p14">
           <p:contentPart p14:bwMode="auto" r:id="rId15">
             <p14:nvContentPartPr>
               <p14:cNvPr id="11" name="Ink 10">
@@ -6351,7 +6357,7 @@
             </p14:xfrm>
           </p:contentPart>
         </mc:Choice>
-        <mc:Fallback>
+        <mc:Fallback xmlns="">
           <p:pic>
             <p:nvPicPr>
               <p:cNvPr id="11" name="Ink 10">
@@ -6382,8 +6388,8 @@
           </p:pic>
         </mc:Fallback>
       </mc:AlternateContent>
-      <mc:AlternateContent xmlns:mc="http://schemas.openxmlformats.org/markup-compatibility/2006">
-        <mc:Choice xmlns:p14="http://schemas.microsoft.com/office/powerpoint/2010/main" Requires="p14">
+      <mc:AlternateContent xmlns:mc="http://schemas.openxmlformats.org/markup-compatibility/2006" xmlns:p14="http://schemas.microsoft.com/office/powerpoint/2010/main">
+        <mc:Choice Requires="p14">
           <p:contentPart p14:bwMode="auto" r:id="rId17">
             <p14:nvContentPartPr>
               <p14:cNvPr id="12" name="Ink 11">
@@ -6402,7 +6408,7 @@
             </p14:xfrm>
           </p:contentPart>
         </mc:Choice>
-        <mc:Fallback>
+        <mc:Fallback xmlns="">
           <p:pic>
             <p:nvPicPr>
               <p:cNvPr id="12" name="Ink 11">
@@ -6433,8 +6439,8 @@
           </p:pic>
         </mc:Fallback>
       </mc:AlternateContent>
-      <mc:AlternateContent xmlns:mc="http://schemas.openxmlformats.org/markup-compatibility/2006">
-        <mc:Choice xmlns:p14="http://schemas.microsoft.com/office/powerpoint/2010/main" Requires="p14">
+      <mc:AlternateContent xmlns:mc="http://schemas.openxmlformats.org/markup-compatibility/2006" xmlns:p14="http://schemas.microsoft.com/office/powerpoint/2010/main">
+        <mc:Choice Requires="p14">
           <p:contentPart p14:bwMode="auto" r:id="rId19">
             <p14:nvContentPartPr>
               <p14:cNvPr id="13" name="Ink 12">
@@ -6453,7 +6459,7 @@
             </p14:xfrm>
           </p:contentPart>
         </mc:Choice>
-        <mc:Fallback>
+        <mc:Fallback xmlns="">
           <p:pic>
             <p:nvPicPr>
               <p:cNvPr id="13" name="Ink 12">
@@ -6484,8 +6490,8 @@
           </p:pic>
         </mc:Fallback>
       </mc:AlternateContent>
-      <mc:AlternateContent xmlns:mc="http://schemas.openxmlformats.org/markup-compatibility/2006">
-        <mc:Choice xmlns:p14="http://schemas.microsoft.com/office/powerpoint/2010/main" Requires="p14">
+      <mc:AlternateContent xmlns:mc="http://schemas.openxmlformats.org/markup-compatibility/2006" xmlns:p14="http://schemas.microsoft.com/office/powerpoint/2010/main">
+        <mc:Choice Requires="p14">
           <p:contentPart p14:bwMode="auto" r:id="rId21">
             <p14:nvContentPartPr>
               <p14:cNvPr id="14" name="Ink 13">
@@ -6504,7 +6510,7 @@
             </p14:xfrm>
           </p:contentPart>
         </mc:Choice>
-        <mc:Fallback>
+        <mc:Fallback xmlns="">
           <p:pic>
             <p:nvPicPr>
               <p:cNvPr id="14" name="Ink 13">
@@ -6535,8 +6541,8 @@
           </p:pic>
         </mc:Fallback>
       </mc:AlternateContent>
-      <mc:AlternateContent xmlns:mc="http://schemas.openxmlformats.org/markup-compatibility/2006">
-        <mc:Choice xmlns:p14="http://schemas.microsoft.com/office/powerpoint/2010/main" Requires="p14">
+      <mc:AlternateContent xmlns:mc="http://schemas.openxmlformats.org/markup-compatibility/2006" xmlns:p14="http://schemas.microsoft.com/office/powerpoint/2010/main">
+        <mc:Choice Requires="p14">
           <p:contentPart p14:bwMode="auto" r:id="rId23">
             <p14:nvContentPartPr>
               <p14:cNvPr id="15" name="Ink 14">
@@ -6555,7 +6561,7 @@
             </p14:xfrm>
           </p:contentPart>
         </mc:Choice>
-        <mc:Fallback>
+        <mc:Fallback xmlns="">
           <p:pic>
             <p:nvPicPr>
               <p:cNvPr id="15" name="Ink 14">
@@ -6971,8 +6977,8 @@
           </a:p>
         </p:txBody>
       </p:sp>
-      <mc:AlternateContent xmlns:mc="http://schemas.openxmlformats.org/markup-compatibility/2006">
-        <mc:Choice xmlns:p14="http://schemas.microsoft.com/office/powerpoint/2010/main" Requires="p14">
+      <mc:AlternateContent xmlns:mc="http://schemas.openxmlformats.org/markup-compatibility/2006" xmlns:p14="http://schemas.microsoft.com/office/powerpoint/2010/main">
+        <mc:Choice Requires="p14">
           <p:contentPart p14:bwMode="auto" r:id="rId25">
             <p14:nvContentPartPr>
               <p14:cNvPr id="43" name="Ink 42">
@@ -6991,7 +6997,7 @@
             </p14:xfrm>
           </p:contentPart>
         </mc:Choice>
-        <mc:Fallback>
+        <mc:Fallback xmlns="">
           <p:pic>
             <p:nvPicPr>
               <p:cNvPr id="43" name="Ink 42">
@@ -7022,8 +7028,8 @@
           </p:pic>
         </mc:Fallback>
       </mc:AlternateContent>
-      <mc:AlternateContent xmlns:mc="http://schemas.openxmlformats.org/markup-compatibility/2006">
-        <mc:Choice xmlns:p14="http://schemas.microsoft.com/office/powerpoint/2010/main" Requires="p14">
+      <mc:AlternateContent xmlns:mc="http://schemas.openxmlformats.org/markup-compatibility/2006" xmlns:p14="http://schemas.microsoft.com/office/powerpoint/2010/main">
+        <mc:Choice Requires="p14">
           <p:contentPart p14:bwMode="auto" r:id="rId27">
             <p14:nvContentPartPr>
               <p14:cNvPr id="44" name="Ink 43">
@@ -7042,7 +7048,7 @@
             </p14:xfrm>
           </p:contentPart>
         </mc:Choice>
-        <mc:Fallback>
+        <mc:Fallback xmlns="">
           <p:pic>
             <p:nvPicPr>
               <p:cNvPr id="44" name="Ink 43">
@@ -7433,8 +7439,8 @@
           </a:prstGeom>
         </p:spPr>
       </p:pic>
-      <mc:AlternateContent xmlns:mc="http://schemas.openxmlformats.org/markup-compatibility/2006">
-        <mc:Choice xmlns:p14="http://schemas.microsoft.com/office/powerpoint/2010/main" Requires="p14">
+      <mc:AlternateContent xmlns:mc="http://schemas.openxmlformats.org/markup-compatibility/2006" xmlns:p14="http://schemas.microsoft.com/office/powerpoint/2010/main">
+        <mc:Choice Requires="p14">
           <p:contentPart p14:bwMode="auto" r:id="rId3">
             <p14:nvContentPartPr>
               <p14:cNvPr id="3" name="Ink 2">
@@ -7453,7 +7459,7 @@
             </p14:xfrm>
           </p:contentPart>
         </mc:Choice>
-        <mc:Fallback>
+        <mc:Fallback xmlns="">
           <p:pic>
             <p:nvPicPr>
               <p:cNvPr id="3" name="Ink 2">
@@ -7484,8 +7490,8 @@
           </p:pic>
         </mc:Fallback>
       </mc:AlternateContent>
-      <mc:AlternateContent xmlns:mc="http://schemas.openxmlformats.org/markup-compatibility/2006">
-        <mc:Choice xmlns:p14="http://schemas.microsoft.com/office/powerpoint/2010/main" Requires="p14">
+      <mc:AlternateContent xmlns:mc="http://schemas.openxmlformats.org/markup-compatibility/2006" xmlns:p14="http://schemas.microsoft.com/office/powerpoint/2010/main">
+        <mc:Choice Requires="p14">
           <p:contentPart p14:bwMode="auto" r:id="rId5">
             <p14:nvContentPartPr>
               <p14:cNvPr id="4" name="Ink 3">
@@ -7504,7 +7510,7 @@
             </p14:xfrm>
           </p:contentPart>
         </mc:Choice>
-        <mc:Fallback>
+        <mc:Fallback xmlns="">
           <p:pic>
             <p:nvPicPr>
               <p:cNvPr id="4" name="Ink 3">
@@ -7535,8 +7541,8 @@
           </p:pic>
         </mc:Fallback>
       </mc:AlternateContent>
-      <mc:AlternateContent xmlns:mc="http://schemas.openxmlformats.org/markup-compatibility/2006">
-        <mc:Choice xmlns:p14="http://schemas.microsoft.com/office/powerpoint/2010/main" Requires="p14">
+      <mc:AlternateContent xmlns:mc="http://schemas.openxmlformats.org/markup-compatibility/2006" xmlns:p14="http://schemas.microsoft.com/office/powerpoint/2010/main">
+        <mc:Choice Requires="p14">
           <p:contentPart p14:bwMode="auto" r:id="rId7">
             <p14:nvContentPartPr>
               <p14:cNvPr id="5" name="Ink 4">
@@ -7555,7 +7561,7 @@
             </p14:xfrm>
           </p:contentPart>
         </mc:Choice>
-        <mc:Fallback>
+        <mc:Fallback xmlns="">
           <p:pic>
             <p:nvPicPr>
               <p:cNvPr id="5" name="Ink 4">
@@ -7586,8 +7592,8 @@
           </p:pic>
         </mc:Fallback>
       </mc:AlternateContent>
-      <mc:AlternateContent xmlns:mc="http://schemas.openxmlformats.org/markup-compatibility/2006">
-        <mc:Choice xmlns:p14="http://schemas.microsoft.com/office/powerpoint/2010/main" Requires="p14">
+      <mc:AlternateContent xmlns:mc="http://schemas.openxmlformats.org/markup-compatibility/2006" xmlns:p14="http://schemas.microsoft.com/office/powerpoint/2010/main">
+        <mc:Choice Requires="p14">
           <p:contentPart p14:bwMode="auto" r:id="rId9">
             <p14:nvContentPartPr>
               <p14:cNvPr id="6" name="Ink 5">
@@ -7606,7 +7612,7 @@
             </p14:xfrm>
           </p:contentPart>
         </mc:Choice>
-        <mc:Fallback>
+        <mc:Fallback xmlns="">
           <p:pic>
             <p:nvPicPr>
               <p:cNvPr id="6" name="Ink 5">
@@ -7637,8 +7643,8 @@
           </p:pic>
         </mc:Fallback>
       </mc:AlternateContent>
-      <mc:AlternateContent xmlns:mc="http://schemas.openxmlformats.org/markup-compatibility/2006">
-        <mc:Choice xmlns:p14="http://schemas.microsoft.com/office/powerpoint/2010/main" Requires="p14">
+      <mc:AlternateContent xmlns:mc="http://schemas.openxmlformats.org/markup-compatibility/2006" xmlns:p14="http://schemas.microsoft.com/office/powerpoint/2010/main">
+        <mc:Choice Requires="p14">
           <p:contentPart p14:bwMode="auto" r:id="rId11">
             <p14:nvContentPartPr>
               <p14:cNvPr id="7" name="Ink 6">
@@ -7657,7 +7663,7 @@
             </p14:xfrm>
           </p:contentPart>
         </mc:Choice>
-        <mc:Fallback>
+        <mc:Fallback xmlns="">
           <p:pic>
             <p:nvPicPr>
               <p:cNvPr id="7" name="Ink 6">
@@ -7688,8 +7694,8 @@
           </p:pic>
         </mc:Fallback>
       </mc:AlternateContent>
-      <mc:AlternateContent xmlns:mc="http://schemas.openxmlformats.org/markup-compatibility/2006">
-        <mc:Choice xmlns:p14="http://schemas.microsoft.com/office/powerpoint/2010/main" Requires="p14">
+      <mc:AlternateContent xmlns:mc="http://schemas.openxmlformats.org/markup-compatibility/2006" xmlns:p14="http://schemas.microsoft.com/office/powerpoint/2010/main">
+        <mc:Choice Requires="p14">
           <p:contentPart p14:bwMode="auto" r:id="rId13">
             <p14:nvContentPartPr>
               <p14:cNvPr id="8" name="Ink 7">
@@ -7708,7 +7714,7 @@
             </p14:xfrm>
           </p:contentPart>
         </mc:Choice>
-        <mc:Fallback>
+        <mc:Fallback xmlns="">
           <p:pic>
             <p:nvPicPr>
               <p:cNvPr id="8" name="Ink 7">
@@ -7739,8 +7745,8 @@
           </p:pic>
         </mc:Fallback>
       </mc:AlternateContent>
-      <mc:AlternateContent xmlns:mc="http://schemas.openxmlformats.org/markup-compatibility/2006">
-        <mc:Choice xmlns:p14="http://schemas.microsoft.com/office/powerpoint/2010/main" Requires="p14">
+      <mc:AlternateContent xmlns:mc="http://schemas.openxmlformats.org/markup-compatibility/2006" xmlns:p14="http://schemas.microsoft.com/office/powerpoint/2010/main">
+        <mc:Choice Requires="p14">
           <p:contentPart p14:bwMode="auto" r:id="rId15">
             <p14:nvContentPartPr>
               <p14:cNvPr id="9" name="Ink 8">
@@ -7759,7 +7765,7 @@
             </p14:xfrm>
           </p:contentPart>
         </mc:Choice>
-        <mc:Fallback>
+        <mc:Fallback xmlns="">
           <p:pic>
             <p:nvPicPr>
               <p:cNvPr id="9" name="Ink 8">
@@ -7790,8 +7796,8 @@
           </p:pic>
         </mc:Fallback>
       </mc:AlternateContent>
-      <mc:AlternateContent xmlns:mc="http://schemas.openxmlformats.org/markup-compatibility/2006">
-        <mc:Choice xmlns:p14="http://schemas.microsoft.com/office/powerpoint/2010/main" Requires="p14">
+      <mc:AlternateContent xmlns:mc="http://schemas.openxmlformats.org/markup-compatibility/2006" xmlns:p14="http://schemas.microsoft.com/office/powerpoint/2010/main">
+        <mc:Choice Requires="p14">
           <p:contentPart p14:bwMode="auto" r:id="rId17">
             <p14:nvContentPartPr>
               <p14:cNvPr id="10" name="Ink 9">
@@ -7810,7 +7816,7 @@
             </p14:xfrm>
           </p:contentPart>
         </mc:Choice>
-        <mc:Fallback>
+        <mc:Fallback xmlns="">
           <p:pic>
             <p:nvPicPr>
               <p:cNvPr id="10" name="Ink 9">
@@ -7841,8 +7847,8 @@
           </p:pic>
         </mc:Fallback>
       </mc:AlternateContent>
-      <mc:AlternateContent xmlns:mc="http://schemas.openxmlformats.org/markup-compatibility/2006">
-        <mc:Choice xmlns:p14="http://schemas.microsoft.com/office/powerpoint/2010/main" Requires="p14">
+      <mc:AlternateContent xmlns:mc="http://schemas.openxmlformats.org/markup-compatibility/2006" xmlns:p14="http://schemas.microsoft.com/office/powerpoint/2010/main">
+        <mc:Choice Requires="p14">
           <p:contentPart p14:bwMode="auto" r:id="rId19">
             <p14:nvContentPartPr>
               <p14:cNvPr id="11" name="Ink 10">
@@ -7861,7 +7867,7 @@
             </p14:xfrm>
           </p:contentPart>
         </mc:Choice>
-        <mc:Fallback>
+        <mc:Fallback xmlns="">
           <p:pic>
             <p:nvPicPr>
               <p:cNvPr id="11" name="Ink 10">
@@ -7892,8 +7898,8 @@
           </p:pic>
         </mc:Fallback>
       </mc:AlternateContent>
-      <mc:AlternateContent xmlns:mc="http://schemas.openxmlformats.org/markup-compatibility/2006">
-        <mc:Choice xmlns:p14="http://schemas.microsoft.com/office/powerpoint/2010/main" Requires="p14">
+      <mc:AlternateContent xmlns:mc="http://schemas.openxmlformats.org/markup-compatibility/2006" xmlns:p14="http://schemas.microsoft.com/office/powerpoint/2010/main">
+        <mc:Choice Requires="p14">
           <p:contentPart p14:bwMode="auto" r:id="rId21">
             <p14:nvContentPartPr>
               <p14:cNvPr id="12" name="Ink 11">
@@ -7912,7 +7918,7 @@
             </p14:xfrm>
           </p:contentPart>
         </mc:Choice>
-        <mc:Fallback>
+        <mc:Fallback xmlns="">
           <p:pic>
             <p:nvPicPr>
               <p:cNvPr id="12" name="Ink 11">
@@ -7943,8 +7949,8 @@
           </p:pic>
         </mc:Fallback>
       </mc:AlternateContent>
-      <mc:AlternateContent xmlns:mc="http://schemas.openxmlformats.org/markup-compatibility/2006">
-        <mc:Choice xmlns:p14="http://schemas.microsoft.com/office/powerpoint/2010/main" Requires="p14">
+      <mc:AlternateContent xmlns:mc="http://schemas.openxmlformats.org/markup-compatibility/2006" xmlns:p14="http://schemas.microsoft.com/office/powerpoint/2010/main">
+        <mc:Choice Requires="p14">
           <p:contentPart p14:bwMode="auto" r:id="rId23">
             <p14:nvContentPartPr>
               <p14:cNvPr id="13" name="Ink 12">
@@ -7963,7 +7969,7 @@
             </p14:xfrm>
           </p:contentPart>
         </mc:Choice>
-        <mc:Fallback>
+        <mc:Fallback xmlns="">
           <p:pic>
             <p:nvPicPr>
               <p:cNvPr id="13" name="Ink 12">
@@ -7994,8 +8000,8 @@
           </p:pic>
         </mc:Fallback>
       </mc:AlternateContent>
-      <mc:AlternateContent xmlns:mc="http://schemas.openxmlformats.org/markup-compatibility/2006">
-        <mc:Choice xmlns:p14="http://schemas.microsoft.com/office/powerpoint/2010/main" Requires="p14">
+      <mc:AlternateContent xmlns:mc="http://schemas.openxmlformats.org/markup-compatibility/2006" xmlns:p14="http://schemas.microsoft.com/office/powerpoint/2010/main">
+        <mc:Choice Requires="p14">
           <p:contentPart p14:bwMode="auto" r:id="rId25">
             <p14:nvContentPartPr>
               <p14:cNvPr id="16" name="Ink 15">
@@ -8014,7 +8020,7 @@
             </p14:xfrm>
           </p:contentPart>
         </mc:Choice>
-        <mc:Fallback>
+        <mc:Fallback xmlns="">
           <p:pic>
             <p:nvPicPr>
               <p:cNvPr id="16" name="Ink 15">
@@ -8525,8 +8531,8 @@
           </a:prstGeom>
         </p:spPr>
       </p:pic>
-      <mc:AlternateContent xmlns:mc="http://schemas.openxmlformats.org/markup-compatibility/2006">
-        <mc:Choice xmlns:p14="http://schemas.microsoft.com/office/powerpoint/2010/main" Requires="p14">
+      <mc:AlternateContent xmlns:mc="http://schemas.openxmlformats.org/markup-compatibility/2006" xmlns:p14="http://schemas.microsoft.com/office/powerpoint/2010/main">
+        <mc:Choice Requires="p14">
           <p:contentPart p14:bwMode="auto" r:id="rId3">
             <p14:nvContentPartPr>
               <p14:cNvPr id="3" name="Ink 2">
@@ -8545,7 +8551,7 @@
             </p14:xfrm>
           </p:contentPart>
         </mc:Choice>
-        <mc:Fallback>
+        <mc:Fallback xmlns="">
           <p:pic>
             <p:nvPicPr>
               <p:cNvPr id="3" name="Ink 2">
@@ -8576,8 +8582,8 @@
           </p:pic>
         </mc:Fallback>
       </mc:AlternateContent>
-      <mc:AlternateContent xmlns:mc="http://schemas.openxmlformats.org/markup-compatibility/2006">
-        <mc:Choice xmlns:p14="http://schemas.microsoft.com/office/powerpoint/2010/main" Requires="p14">
+      <mc:AlternateContent xmlns:mc="http://schemas.openxmlformats.org/markup-compatibility/2006" xmlns:p14="http://schemas.microsoft.com/office/powerpoint/2010/main">
+        <mc:Choice Requires="p14">
           <p:contentPart p14:bwMode="auto" r:id="rId5">
             <p14:nvContentPartPr>
               <p14:cNvPr id="4" name="Ink 3">
@@ -8596,7 +8602,7 @@
             </p14:xfrm>
           </p:contentPart>
         </mc:Choice>
-        <mc:Fallback>
+        <mc:Fallback xmlns="">
           <p:pic>
             <p:nvPicPr>
               <p:cNvPr id="4" name="Ink 3">
@@ -8627,8 +8633,8 @@
           </p:pic>
         </mc:Fallback>
       </mc:AlternateContent>
-      <mc:AlternateContent xmlns:mc="http://schemas.openxmlformats.org/markup-compatibility/2006">
-        <mc:Choice xmlns:p14="http://schemas.microsoft.com/office/powerpoint/2010/main" Requires="p14">
+      <mc:AlternateContent xmlns:mc="http://schemas.openxmlformats.org/markup-compatibility/2006" xmlns:p14="http://schemas.microsoft.com/office/powerpoint/2010/main">
+        <mc:Choice Requires="p14">
           <p:contentPart p14:bwMode="auto" r:id="rId7">
             <p14:nvContentPartPr>
               <p14:cNvPr id="5" name="Ink 4">
@@ -8647,7 +8653,7 @@
             </p14:xfrm>
           </p:contentPart>
         </mc:Choice>
-        <mc:Fallback>
+        <mc:Fallback xmlns="">
           <p:pic>
             <p:nvPicPr>
               <p:cNvPr id="5" name="Ink 4">
@@ -8678,8 +8684,8 @@
           </p:pic>
         </mc:Fallback>
       </mc:AlternateContent>
-      <mc:AlternateContent xmlns:mc="http://schemas.openxmlformats.org/markup-compatibility/2006">
-        <mc:Choice xmlns:p14="http://schemas.microsoft.com/office/powerpoint/2010/main" Requires="p14">
+      <mc:AlternateContent xmlns:mc="http://schemas.openxmlformats.org/markup-compatibility/2006" xmlns:p14="http://schemas.microsoft.com/office/powerpoint/2010/main">
+        <mc:Choice Requires="p14">
           <p:contentPart p14:bwMode="auto" r:id="rId9">
             <p14:nvContentPartPr>
               <p14:cNvPr id="6" name="Ink 5">
@@ -8698,7 +8704,7 @@
             </p14:xfrm>
           </p:contentPart>
         </mc:Choice>
-        <mc:Fallback>
+        <mc:Fallback xmlns="">
           <p:pic>
             <p:nvPicPr>
               <p:cNvPr id="6" name="Ink 5">
@@ -8729,8 +8735,8 @@
           </p:pic>
         </mc:Fallback>
       </mc:AlternateContent>
-      <mc:AlternateContent xmlns:mc="http://schemas.openxmlformats.org/markup-compatibility/2006">
-        <mc:Choice xmlns:p14="http://schemas.microsoft.com/office/powerpoint/2010/main" Requires="p14">
+      <mc:AlternateContent xmlns:mc="http://schemas.openxmlformats.org/markup-compatibility/2006" xmlns:p14="http://schemas.microsoft.com/office/powerpoint/2010/main">
+        <mc:Choice Requires="p14">
           <p:contentPart p14:bwMode="auto" r:id="rId11">
             <p14:nvContentPartPr>
               <p14:cNvPr id="7" name="Ink 6">
@@ -8749,7 +8755,7 @@
             </p14:xfrm>
           </p:contentPart>
         </mc:Choice>
-        <mc:Fallback>
+        <mc:Fallback xmlns="">
           <p:pic>
             <p:nvPicPr>
               <p:cNvPr id="7" name="Ink 6">
@@ -8780,8 +8786,8 @@
           </p:pic>
         </mc:Fallback>
       </mc:AlternateContent>
-      <mc:AlternateContent xmlns:mc="http://schemas.openxmlformats.org/markup-compatibility/2006">
-        <mc:Choice xmlns:p14="http://schemas.microsoft.com/office/powerpoint/2010/main" Requires="p14">
+      <mc:AlternateContent xmlns:mc="http://schemas.openxmlformats.org/markup-compatibility/2006" xmlns:p14="http://schemas.microsoft.com/office/powerpoint/2010/main">
+        <mc:Choice Requires="p14">
           <p:contentPart p14:bwMode="auto" r:id="rId13">
             <p14:nvContentPartPr>
               <p14:cNvPr id="8" name="Ink 7">
@@ -8800,7 +8806,7 @@
             </p14:xfrm>
           </p:contentPart>
         </mc:Choice>
-        <mc:Fallback>
+        <mc:Fallback xmlns="">
           <p:pic>
             <p:nvPicPr>
               <p:cNvPr id="8" name="Ink 7">
@@ -8831,8 +8837,8 @@
           </p:pic>
         </mc:Fallback>
       </mc:AlternateContent>
-      <mc:AlternateContent xmlns:mc="http://schemas.openxmlformats.org/markup-compatibility/2006">
-        <mc:Choice xmlns:p14="http://schemas.microsoft.com/office/powerpoint/2010/main" Requires="p14">
+      <mc:AlternateContent xmlns:mc="http://schemas.openxmlformats.org/markup-compatibility/2006" xmlns:p14="http://schemas.microsoft.com/office/powerpoint/2010/main">
+        <mc:Choice Requires="p14">
           <p:contentPart p14:bwMode="auto" r:id="rId15">
             <p14:nvContentPartPr>
               <p14:cNvPr id="9" name="Ink 8">
@@ -8851,7 +8857,7 @@
             </p14:xfrm>
           </p:contentPart>
         </mc:Choice>
-        <mc:Fallback>
+        <mc:Fallback xmlns="">
           <p:pic>
             <p:nvPicPr>
               <p:cNvPr id="9" name="Ink 8">
@@ -8882,8 +8888,8 @@
           </p:pic>
         </mc:Fallback>
       </mc:AlternateContent>
-      <mc:AlternateContent xmlns:mc="http://schemas.openxmlformats.org/markup-compatibility/2006">
-        <mc:Choice xmlns:p14="http://schemas.microsoft.com/office/powerpoint/2010/main" Requires="p14">
+      <mc:AlternateContent xmlns:mc="http://schemas.openxmlformats.org/markup-compatibility/2006" xmlns:p14="http://schemas.microsoft.com/office/powerpoint/2010/main">
+        <mc:Choice Requires="p14">
           <p:contentPart p14:bwMode="auto" r:id="rId17">
             <p14:nvContentPartPr>
               <p14:cNvPr id="10" name="Ink 9">
@@ -8902,7 +8908,7 @@
             </p14:xfrm>
           </p:contentPart>
         </mc:Choice>
-        <mc:Fallback>
+        <mc:Fallback xmlns="">
           <p:pic>
             <p:nvPicPr>
               <p:cNvPr id="10" name="Ink 9">
@@ -8933,8 +8939,8 @@
           </p:pic>
         </mc:Fallback>
       </mc:AlternateContent>
-      <mc:AlternateContent xmlns:mc="http://schemas.openxmlformats.org/markup-compatibility/2006">
-        <mc:Choice xmlns:p14="http://schemas.microsoft.com/office/powerpoint/2010/main" Requires="p14">
+      <mc:AlternateContent xmlns:mc="http://schemas.openxmlformats.org/markup-compatibility/2006" xmlns:p14="http://schemas.microsoft.com/office/powerpoint/2010/main">
+        <mc:Choice Requires="p14">
           <p:contentPart p14:bwMode="auto" r:id="rId19">
             <p14:nvContentPartPr>
               <p14:cNvPr id="11" name="Ink 10">
@@ -8953,7 +8959,7 @@
             </p14:xfrm>
           </p:contentPart>
         </mc:Choice>
-        <mc:Fallback>
+        <mc:Fallback xmlns="">
           <p:pic>
             <p:nvPicPr>
               <p:cNvPr id="11" name="Ink 10">
@@ -8984,8 +8990,8 @@
           </p:pic>
         </mc:Fallback>
       </mc:AlternateContent>
-      <mc:AlternateContent xmlns:mc="http://schemas.openxmlformats.org/markup-compatibility/2006">
-        <mc:Choice xmlns:p14="http://schemas.microsoft.com/office/powerpoint/2010/main" Requires="p14">
+      <mc:AlternateContent xmlns:mc="http://schemas.openxmlformats.org/markup-compatibility/2006" xmlns:p14="http://schemas.microsoft.com/office/powerpoint/2010/main">
+        <mc:Choice Requires="p14">
           <p:contentPart p14:bwMode="auto" r:id="rId21">
             <p14:nvContentPartPr>
               <p14:cNvPr id="12" name="Ink 11">
@@ -9004,7 +9010,7 @@
             </p14:xfrm>
           </p:contentPart>
         </mc:Choice>
-        <mc:Fallback>
+        <mc:Fallback xmlns="">
           <p:pic>
             <p:nvPicPr>
               <p:cNvPr id="12" name="Ink 11">
@@ -9035,8 +9041,8 @@
           </p:pic>
         </mc:Fallback>
       </mc:AlternateContent>
-      <mc:AlternateContent xmlns:mc="http://schemas.openxmlformats.org/markup-compatibility/2006">
-        <mc:Choice xmlns:p14="http://schemas.microsoft.com/office/powerpoint/2010/main" Requires="p14">
+      <mc:AlternateContent xmlns:mc="http://schemas.openxmlformats.org/markup-compatibility/2006" xmlns:p14="http://schemas.microsoft.com/office/powerpoint/2010/main">
+        <mc:Choice Requires="p14">
           <p:contentPart p14:bwMode="auto" r:id="rId23">
             <p14:nvContentPartPr>
               <p14:cNvPr id="13" name="Ink 12">
@@ -9055,7 +9061,7 @@
             </p14:xfrm>
           </p:contentPart>
         </mc:Choice>
-        <mc:Fallback>
+        <mc:Fallback xmlns="">
           <p:pic>
             <p:nvPicPr>
               <p:cNvPr id="13" name="Ink 12">
@@ -9086,8 +9092,8 @@
           </p:pic>
         </mc:Fallback>
       </mc:AlternateContent>
-      <mc:AlternateContent xmlns:mc="http://schemas.openxmlformats.org/markup-compatibility/2006">
-        <mc:Choice xmlns:p14="http://schemas.microsoft.com/office/powerpoint/2010/main" Requires="p14">
+      <mc:AlternateContent xmlns:mc="http://schemas.openxmlformats.org/markup-compatibility/2006" xmlns:p14="http://schemas.microsoft.com/office/powerpoint/2010/main">
+        <mc:Choice Requires="p14">
           <p:contentPart p14:bwMode="auto" r:id="rId25">
             <p14:nvContentPartPr>
               <p14:cNvPr id="16" name="Ink 15">
@@ -9106,7 +9112,7 @@
             </p14:xfrm>
           </p:contentPart>
         </mc:Choice>
-        <mc:Fallback>
+        <mc:Fallback xmlns="">
           <p:pic>
             <p:nvPicPr>
               <p:cNvPr id="16" name="Ink 15">
@@ -9862,6 +9868,1719 @@
     <p:extLst>
       <p:ext uri="{BB962C8B-B14F-4D97-AF65-F5344CB8AC3E}">
         <p14:creationId xmlns:p14="http://schemas.microsoft.com/office/powerpoint/2010/main" val="1957895164"/>
+      </p:ext>
+    </p:extLst>
+  </p:cSld>
+  <p:clrMapOvr>
+    <a:masterClrMapping/>
+  </p:clrMapOvr>
+</p:sld>
+</file>
+
+<file path=ppt/slides/slide5.xml><?xml version="1.0" encoding="utf-8"?>
+<p:sld xmlns:a="http://schemas.openxmlformats.org/drawingml/2006/main" xmlns:r="http://schemas.openxmlformats.org/officeDocument/2006/relationships" xmlns:p="http://schemas.openxmlformats.org/presentationml/2006/main">
+  <p:cSld>
+    <p:spTree>
+      <p:nvGrpSpPr>
+        <p:cNvPr id="1" name=""/>
+        <p:cNvGrpSpPr/>
+        <p:nvPr/>
+      </p:nvGrpSpPr>
+      <p:grpSpPr>
+        <a:xfrm>
+          <a:off x="0" y="0"/>
+          <a:ext cx="0" cy="0"/>
+          <a:chOff x="0" y="0"/>
+          <a:chExt cx="0" cy="0"/>
+        </a:xfrm>
+      </p:grpSpPr>
+      <p:pic>
+        <p:nvPicPr>
+          <p:cNvPr id="3" name="Picture 2">
+            <a:extLst>
+              <a:ext uri="{FF2B5EF4-FFF2-40B4-BE49-F238E27FC236}">
+                <a16:creationId xmlns:a16="http://schemas.microsoft.com/office/drawing/2014/main" id="{9600EE45-5B3A-1586-07C1-9DB08D405EF3}"/>
+              </a:ext>
+            </a:extLst>
+          </p:cNvPr>
+          <p:cNvPicPr>
+            <a:picLocks noChangeAspect="1"/>
+          </p:cNvPicPr>
+          <p:nvPr/>
+        </p:nvPicPr>
+        <p:blipFill>
+          <a:blip r:embed="rId2"/>
+          <a:stretch>
+            <a:fillRect/>
+          </a:stretch>
+        </p:blipFill>
+        <p:spPr>
+          <a:xfrm>
+            <a:off x="3667328" y="220754"/>
+            <a:ext cx="5038927" cy="6656361"/>
+          </a:xfrm>
+          <a:prstGeom prst="rect">
+            <a:avLst/>
+          </a:prstGeom>
+        </p:spPr>
+      </p:pic>
+      <p:sp>
+        <p:nvSpPr>
+          <p:cNvPr id="4" name="TextBox 3">
+            <a:extLst>
+              <a:ext uri="{FF2B5EF4-FFF2-40B4-BE49-F238E27FC236}">
+                <a16:creationId xmlns:a16="http://schemas.microsoft.com/office/drawing/2014/main" id="{7CBD22B6-4090-8D66-B697-6DBFD91AA7D8}"/>
+              </a:ext>
+            </a:extLst>
+          </p:cNvPr>
+          <p:cNvSpPr txBox="1"/>
+          <p:nvPr/>
+        </p:nvSpPr>
+        <p:spPr>
+          <a:xfrm>
+            <a:off x="4961107" y="1595337"/>
+            <a:ext cx="301686" cy="369332"/>
+          </a:xfrm>
+          <a:prstGeom prst="rect">
+            <a:avLst/>
+          </a:prstGeom>
+          <a:noFill/>
+        </p:spPr>
+        <p:txBody>
+          <a:bodyPr wrap="none" rtlCol="0">
+            <a:spAutoFit/>
+          </a:bodyPr>
+          <a:lstStyle/>
+          <a:p>
+            <a:r>
+              <a:rPr lang="en-IE" dirty="0"/>
+              <a:t>1</a:t>
+            </a:r>
+          </a:p>
+        </p:txBody>
+      </p:sp>
+      <p:sp>
+        <p:nvSpPr>
+          <p:cNvPr id="5" name="TextBox 4">
+            <a:extLst>
+              <a:ext uri="{FF2B5EF4-FFF2-40B4-BE49-F238E27FC236}">
+                <a16:creationId xmlns:a16="http://schemas.microsoft.com/office/drawing/2014/main" id="{7960B654-BFAA-5A89-27E1-208D7450D997}"/>
+              </a:ext>
+            </a:extLst>
+          </p:cNvPr>
+          <p:cNvSpPr txBox="1"/>
+          <p:nvPr/>
+        </p:nvSpPr>
+        <p:spPr>
+          <a:xfrm>
+            <a:off x="4659421" y="465944"/>
+            <a:ext cx="418704" cy="369332"/>
+          </a:xfrm>
+          <a:prstGeom prst="rect">
+            <a:avLst/>
+          </a:prstGeom>
+          <a:noFill/>
+        </p:spPr>
+        <p:txBody>
+          <a:bodyPr wrap="none" rtlCol="0">
+            <a:spAutoFit/>
+          </a:bodyPr>
+          <a:lstStyle/>
+          <a:p>
+            <a:r>
+              <a:rPr lang="en-IE" dirty="0"/>
+              <a:t>13</a:t>
+            </a:r>
+          </a:p>
+        </p:txBody>
+      </p:sp>
+      <p:sp>
+        <p:nvSpPr>
+          <p:cNvPr id="6" name="TextBox 5">
+            <a:extLst>
+              <a:ext uri="{FF2B5EF4-FFF2-40B4-BE49-F238E27FC236}">
+                <a16:creationId xmlns:a16="http://schemas.microsoft.com/office/drawing/2014/main" id="{22F2C9DE-43BE-7F0C-D3DF-586938F33165}"/>
+              </a:ext>
+            </a:extLst>
+          </p:cNvPr>
+          <p:cNvSpPr txBox="1"/>
+          <p:nvPr/>
+        </p:nvSpPr>
+        <p:spPr>
+          <a:xfrm>
+            <a:off x="3962736" y="1344965"/>
+            <a:ext cx="418704" cy="369332"/>
+          </a:xfrm>
+          <a:prstGeom prst="rect">
+            <a:avLst/>
+          </a:prstGeom>
+          <a:noFill/>
+        </p:spPr>
+        <p:txBody>
+          <a:bodyPr wrap="none" rtlCol="0">
+            <a:spAutoFit/>
+          </a:bodyPr>
+          <a:lstStyle/>
+          <a:p>
+            <a:r>
+              <a:rPr lang="en-IE" dirty="0"/>
+              <a:t>13</a:t>
+            </a:r>
+          </a:p>
+        </p:txBody>
+      </p:sp>
+      <p:sp>
+        <p:nvSpPr>
+          <p:cNvPr id="8" name="TextBox 7">
+            <a:extLst>
+              <a:ext uri="{FF2B5EF4-FFF2-40B4-BE49-F238E27FC236}">
+                <a16:creationId xmlns:a16="http://schemas.microsoft.com/office/drawing/2014/main" id="{CBBB0C1C-2459-D8E4-1458-B7278216953E}"/>
+              </a:ext>
+            </a:extLst>
+          </p:cNvPr>
+          <p:cNvSpPr txBox="1"/>
+          <p:nvPr/>
+        </p:nvSpPr>
+        <p:spPr>
+          <a:xfrm>
+            <a:off x="3962736" y="2028044"/>
+            <a:ext cx="418704" cy="369332"/>
+          </a:xfrm>
+          <a:prstGeom prst="rect">
+            <a:avLst/>
+          </a:prstGeom>
+          <a:noFill/>
+        </p:spPr>
+        <p:txBody>
+          <a:bodyPr wrap="none" rtlCol="0">
+            <a:spAutoFit/>
+          </a:bodyPr>
+          <a:lstStyle/>
+          <a:p>
+            <a:r>
+              <a:rPr lang="en-IE" dirty="0"/>
+              <a:t>15</a:t>
+            </a:r>
+          </a:p>
+        </p:txBody>
+      </p:sp>
+      <p:sp>
+        <p:nvSpPr>
+          <p:cNvPr id="9" name="TextBox 8">
+            <a:extLst>
+              <a:ext uri="{FF2B5EF4-FFF2-40B4-BE49-F238E27FC236}">
+                <a16:creationId xmlns:a16="http://schemas.microsoft.com/office/drawing/2014/main" id="{A6C9B674-89BE-32DE-8A22-FAC6543BDAB7}"/>
+              </a:ext>
+            </a:extLst>
+          </p:cNvPr>
+          <p:cNvSpPr txBox="1"/>
+          <p:nvPr/>
+        </p:nvSpPr>
+        <p:spPr>
+          <a:xfrm>
+            <a:off x="4640311" y="2922167"/>
+            <a:ext cx="418704" cy="369332"/>
+          </a:xfrm>
+          <a:prstGeom prst="rect">
+            <a:avLst/>
+          </a:prstGeom>
+          <a:noFill/>
+        </p:spPr>
+        <p:txBody>
+          <a:bodyPr wrap="none" rtlCol="0">
+            <a:spAutoFit/>
+          </a:bodyPr>
+          <a:lstStyle/>
+          <a:p>
+            <a:r>
+              <a:rPr lang="en-IE" dirty="0"/>
+              <a:t>15</a:t>
+            </a:r>
+          </a:p>
+        </p:txBody>
+      </p:sp>
+      <p:sp>
+        <p:nvSpPr>
+          <p:cNvPr id="10" name="TextBox 9">
+            <a:extLst>
+              <a:ext uri="{FF2B5EF4-FFF2-40B4-BE49-F238E27FC236}">
+                <a16:creationId xmlns:a16="http://schemas.microsoft.com/office/drawing/2014/main" id="{3D09FB8B-0FA4-A601-8A1E-BF9493F66671}"/>
+              </a:ext>
+            </a:extLst>
+          </p:cNvPr>
+          <p:cNvSpPr txBox="1"/>
+          <p:nvPr/>
+        </p:nvSpPr>
+        <p:spPr>
+          <a:xfrm>
+            <a:off x="4927282" y="1961914"/>
+            <a:ext cx="301686" cy="369332"/>
+          </a:xfrm>
+          <a:prstGeom prst="rect">
+            <a:avLst/>
+          </a:prstGeom>
+          <a:noFill/>
+        </p:spPr>
+        <p:txBody>
+          <a:bodyPr wrap="none" rtlCol="0">
+            <a:spAutoFit/>
+          </a:bodyPr>
+          <a:lstStyle/>
+          <a:p>
+            <a:r>
+              <a:rPr lang="en-IE" dirty="0"/>
+              <a:t>3</a:t>
+            </a:r>
+          </a:p>
+        </p:txBody>
+      </p:sp>
+      <p:sp>
+        <p:nvSpPr>
+          <p:cNvPr id="11" name="TextBox 10">
+            <a:extLst>
+              <a:ext uri="{FF2B5EF4-FFF2-40B4-BE49-F238E27FC236}">
+                <a16:creationId xmlns:a16="http://schemas.microsoft.com/office/drawing/2014/main" id="{D1106F61-69F5-4F42-8A89-4FB12E790223}"/>
+              </a:ext>
+            </a:extLst>
+          </p:cNvPr>
+          <p:cNvSpPr txBox="1"/>
+          <p:nvPr/>
+        </p:nvSpPr>
+        <p:spPr>
+          <a:xfrm>
+            <a:off x="7911529" y="580244"/>
+            <a:ext cx="418704" cy="369332"/>
+          </a:xfrm>
+          <a:prstGeom prst="rect">
+            <a:avLst/>
+          </a:prstGeom>
+          <a:noFill/>
+        </p:spPr>
+        <p:txBody>
+          <a:bodyPr wrap="none" rtlCol="0">
+            <a:spAutoFit/>
+          </a:bodyPr>
+          <a:lstStyle/>
+          <a:p>
+            <a:r>
+              <a:rPr lang="en-IE" dirty="0"/>
+              <a:t>14</a:t>
+            </a:r>
+          </a:p>
+        </p:txBody>
+      </p:sp>
+      <p:sp>
+        <p:nvSpPr>
+          <p:cNvPr id="12" name="TextBox 11">
+            <a:extLst>
+              <a:ext uri="{FF2B5EF4-FFF2-40B4-BE49-F238E27FC236}">
+                <a16:creationId xmlns:a16="http://schemas.microsoft.com/office/drawing/2014/main" id="{C0E712EE-4DF3-6182-A4EF-466C550F6C0C}"/>
+              </a:ext>
+            </a:extLst>
+          </p:cNvPr>
+          <p:cNvSpPr txBox="1"/>
+          <p:nvPr/>
+        </p:nvSpPr>
+        <p:spPr>
+          <a:xfrm>
+            <a:off x="8706255" y="1344965"/>
+            <a:ext cx="418704" cy="369332"/>
+          </a:xfrm>
+          <a:prstGeom prst="rect">
+            <a:avLst/>
+          </a:prstGeom>
+          <a:noFill/>
+        </p:spPr>
+        <p:txBody>
+          <a:bodyPr wrap="none" rtlCol="0">
+            <a:spAutoFit/>
+          </a:bodyPr>
+          <a:lstStyle/>
+          <a:p>
+            <a:r>
+              <a:rPr lang="en-IE" dirty="0"/>
+              <a:t>14</a:t>
+            </a:r>
+          </a:p>
+        </p:txBody>
+      </p:sp>
+      <p:sp>
+        <p:nvSpPr>
+          <p:cNvPr id="13" name="TextBox 12">
+            <a:extLst>
+              <a:ext uri="{FF2B5EF4-FFF2-40B4-BE49-F238E27FC236}">
+                <a16:creationId xmlns:a16="http://schemas.microsoft.com/office/drawing/2014/main" id="{D92724B9-4AFD-5E3E-4A8B-AECCC752C835}"/>
+              </a:ext>
+            </a:extLst>
+          </p:cNvPr>
+          <p:cNvSpPr txBox="1"/>
+          <p:nvPr/>
+        </p:nvSpPr>
+        <p:spPr>
+          <a:xfrm>
+            <a:off x="7615550" y="1592582"/>
+            <a:ext cx="301686" cy="369332"/>
+          </a:xfrm>
+          <a:prstGeom prst="rect">
+            <a:avLst/>
+          </a:prstGeom>
+          <a:noFill/>
+        </p:spPr>
+        <p:txBody>
+          <a:bodyPr wrap="none" rtlCol="0">
+            <a:spAutoFit/>
+          </a:bodyPr>
+          <a:lstStyle/>
+          <a:p>
+            <a:r>
+              <a:rPr lang="en-IE" dirty="0"/>
+              <a:t>2</a:t>
+            </a:r>
+          </a:p>
+        </p:txBody>
+      </p:sp>
+      <p:sp>
+        <p:nvSpPr>
+          <p:cNvPr id="14" name="TextBox 13">
+            <a:extLst>
+              <a:ext uri="{FF2B5EF4-FFF2-40B4-BE49-F238E27FC236}">
+                <a16:creationId xmlns:a16="http://schemas.microsoft.com/office/drawing/2014/main" id="{CA272FCA-244A-AE4B-E378-242EE89A9962}"/>
+              </a:ext>
+            </a:extLst>
+          </p:cNvPr>
+          <p:cNvSpPr txBox="1"/>
+          <p:nvPr/>
+        </p:nvSpPr>
+        <p:spPr>
+          <a:xfrm>
+            <a:off x="7615550" y="1952072"/>
+            <a:ext cx="301686" cy="369332"/>
+          </a:xfrm>
+          <a:prstGeom prst="rect">
+            <a:avLst/>
+          </a:prstGeom>
+          <a:noFill/>
+        </p:spPr>
+        <p:txBody>
+          <a:bodyPr wrap="none" rtlCol="0">
+            <a:spAutoFit/>
+          </a:bodyPr>
+          <a:lstStyle/>
+          <a:p>
+            <a:r>
+              <a:rPr lang="en-IE" dirty="0"/>
+              <a:t>4</a:t>
+            </a:r>
+          </a:p>
+        </p:txBody>
+      </p:sp>
+      <p:sp>
+        <p:nvSpPr>
+          <p:cNvPr id="15" name="TextBox 14">
+            <a:extLst>
+              <a:ext uri="{FF2B5EF4-FFF2-40B4-BE49-F238E27FC236}">
+                <a16:creationId xmlns:a16="http://schemas.microsoft.com/office/drawing/2014/main" id="{DEE97330-93AD-A62E-34FF-2CBC529DCBF4}"/>
+              </a:ext>
+            </a:extLst>
+          </p:cNvPr>
+          <p:cNvSpPr txBox="1"/>
+          <p:nvPr/>
+        </p:nvSpPr>
+        <p:spPr>
+          <a:xfrm>
+            <a:off x="8582959" y="2136738"/>
+            <a:ext cx="418704" cy="369332"/>
+          </a:xfrm>
+          <a:prstGeom prst="rect">
+            <a:avLst/>
+          </a:prstGeom>
+          <a:noFill/>
+        </p:spPr>
+        <p:txBody>
+          <a:bodyPr wrap="none" rtlCol="0">
+            <a:spAutoFit/>
+          </a:bodyPr>
+          <a:lstStyle/>
+          <a:p>
+            <a:r>
+              <a:rPr lang="en-IE" dirty="0"/>
+              <a:t>16</a:t>
+            </a:r>
+          </a:p>
+        </p:txBody>
+      </p:sp>
+      <p:sp>
+        <p:nvSpPr>
+          <p:cNvPr id="16" name="TextBox 15">
+            <a:extLst>
+              <a:ext uri="{FF2B5EF4-FFF2-40B4-BE49-F238E27FC236}">
+                <a16:creationId xmlns:a16="http://schemas.microsoft.com/office/drawing/2014/main" id="{9854B3DA-DE97-D9A4-C765-E275C877E02F}"/>
+              </a:ext>
+            </a:extLst>
+          </p:cNvPr>
+          <p:cNvSpPr txBox="1"/>
+          <p:nvPr/>
+        </p:nvSpPr>
+        <p:spPr>
+          <a:xfrm>
+            <a:off x="7911529" y="2737501"/>
+            <a:ext cx="418704" cy="369332"/>
+          </a:xfrm>
+          <a:prstGeom prst="rect">
+            <a:avLst/>
+          </a:prstGeom>
+          <a:noFill/>
+        </p:spPr>
+        <p:txBody>
+          <a:bodyPr wrap="none" rtlCol="0">
+            <a:spAutoFit/>
+          </a:bodyPr>
+          <a:lstStyle/>
+          <a:p>
+            <a:r>
+              <a:rPr lang="en-IE" dirty="0"/>
+              <a:t>16</a:t>
+            </a:r>
+          </a:p>
+        </p:txBody>
+      </p:sp>
+      <p:sp>
+        <p:nvSpPr>
+          <p:cNvPr id="17" name="TextBox 16">
+            <a:extLst>
+              <a:ext uri="{FF2B5EF4-FFF2-40B4-BE49-F238E27FC236}">
+                <a16:creationId xmlns:a16="http://schemas.microsoft.com/office/drawing/2014/main" id="{43F639CB-CA94-991E-3F74-7FFA8440C4EB}"/>
+              </a:ext>
+            </a:extLst>
+          </p:cNvPr>
+          <p:cNvSpPr txBox="1"/>
+          <p:nvPr/>
+        </p:nvSpPr>
+        <p:spPr>
+          <a:xfrm>
+            <a:off x="6556572" y="1864784"/>
+            <a:ext cx="418704" cy="369332"/>
+          </a:xfrm>
+          <a:prstGeom prst="rect">
+            <a:avLst/>
+          </a:prstGeom>
+          <a:noFill/>
+        </p:spPr>
+        <p:txBody>
+          <a:bodyPr wrap="square" rtlCol="0">
+            <a:spAutoFit/>
+          </a:bodyPr>
+          <a:lstStyle/>
+          <a:p>
+            <a:r>
+              <a:rPr lang="en-IE" dirty="0"/>
+              <a:t>6</a:t>
+            </a:r>
+          </a:p>
+        </p:txBody>
+      </p:sp>
+      <p:sp>
+        <p:nvSpPr>
+          <p:cNvPr id="18" name="TextBox 17">
+            <a:extLst>
+              <a:ext uri="{FF2B5EF4-FFF2-40B4-BE49-F238E27FC236}">
+                <a16:creationId xmlns:a16="http://schemas.microsoft.com/office/drawing/2014/main" id="{50287471-CC87-BC37-D541-7AEFC4D18BEB}"/>
+              </a:ext>
+            </a:extLst>
+          </p:cNvPr>
+          <p:cNvSpPr txBox="1"/>
+          <p:nvPr/>
+        </p:nvSpPr>
+        <p:spPr>
+          <a:xfrm>
+            <a:off x="6070218" y="1843378"/>
+            <a:ext cx="418704" cy="369332"/>
+          </a:xfrm>
+          <a:prstGeom prst="rect">
+            <a:avLst/>
+          </a:prstGeom>
+          <a:noFill/>
+        </p:spPr>
+        <p:txBody>
+          <a:bodyPr wrap="square" rtlCol="0">
+            <a:spAutoFit/>
+          </a:bodyPr>
+          <a:lstStyle/>
+          <a:p>
+            <a:r>
+              <a:rPr lang="en-IE" dirty="0"/>
+              <a:t>5</a:t>
+            </a:r>
+          </a:p>
+        </p:txBody>
+      </p:sp>
+      <p:sp>
+        <p:nvSpPr>
+          <p:cNvPr id="19" name="TextBox 18">
+            <a:extLst>
+              <a:ext uri="{FF2B5EF4-FFF2-40B4-BE49-F238E27FC236}">
+                <a16:creationId xmlns:a16="http://schemas.microsoft.com/office/drawing/2014/main" id="{E38D17FE-4726-0652-E98F-ADE4DC81AE70}"/>
+              </a:ext>
+            </a:extLst>
+          </p:cNvPr>
+          <p:cNvSpPr txBox="1"/>
+          <p:nvPr/>
+        </p:nvSpPr>
+        <p:spPr>
+          <a:xfrm>
+            <a:off x="7138443" y="2574404"/>
+            <a:ext cx="418704" cy="369332"/>
+          </a:xfrm>
+          <a:prstGeom prst="rect">
+            <a:avLst/>
+          </a:prstGeom>
+          <a:noFill/>
+        </p:spPr>
+        <p:txBody>
+          <a:bodyPr wrap="square" rtlCol="0">
+            <a:spAutoFit/>
+          </a:bodyPr>
+          <a:lstStyle/>
+          <a:p>
+            <a:r>
+              <a:rPr lang="en-IE" dirty="0"/>
+              <a:t>17</a:t>
+            </a:r>
+          </a:p>
+        </p:txBody>
+      </p:sp>
+      <p:sp>
+        <p:nvSpPr>
+          <p:cNvPr id="20" name="TextBox 19">
+            <a:extLst>
+              <a:ext uri="{FF2B5EF4-FFF2-40B4-BE49-F238E27FC236}">
+                <a16:creationId xmlns:a16="http://schemas.microsoft.com/office/drawing/2014/main" id="{A034800B-3F18-45F0-3E11-FEE7014E5EA2}"/>
+              </a:ext>
+            </a:extLst>
+          </p:cNvPr>
+          <p:cNvSpPr txBox="1"/>
+          <p:nvPr/>
+        </p:nvSpPr>
+        <p:spPr>
+          <a:xfrm>
+            <a:off x="5387979" y="2563148"/>
+            <a:ext cx="418704" cy="369332"/>
+          </a:xfrm>
+          <a:prstGeom prst="rect">
+            <a:avLst/>
+          </a:prstGeom>
+          <a:noFill/>
+        </p:spPr>
+        <p:txBody>
+          <a:bodyPr wrap="square" rtlCol="0">
+            <a:spAutoFit/>
+          </a:bodyPr>
+          <a:lstStyle/>
+          <a:p>
+            <a:r>
+              <a:rPr lang="en-IE" dirty="0"/>
+              <a:t>18</a:t>
+            </a:r>
+          </a:p>
+        </p:txBody>
+      </p:sp>
+      <p:sp>
+        <p:nvSpPr>
+          <p:cNvPr id="22" name="TextBox 21">
+            <a:extLst>
+              <a:ext uri="{FF2B5EF4-FFF2-40B4-BE49-F238E27FC236}">
+                <a16:creationId xmlns:a16="http://schemas.microsoft.com/office/drawing/2014/main" id="{F0470C5D-182F-212F-F43F-4F16F9ACE18F}"/>
+              </a:ext>
+            </a:extLst>
+          </p:cNvPr>
+          <p:cNvSpPr txBox="1"/>
+          <p:nvPr/>
+        </p:nvSpPr>
+        <p:spPr>
+          <a:xfrm>
+            <a:off x="7406198" y="5297386"/>
+            <a:ext cx="418704" cy="369332"/>
+          </a:xfrm>
+          <a:prstGeom prst="rect">
+            <a:avLst/>
+          </a:prstGeom>
+          <a:noFill/>
+        </p:spPr>
+        <p:txBody>
+          <a:bodyPr wrap="square" rtlCol="0">
+            <a:spAutoFit/>
+          </a:bodyPr>
+          <a:lstStyle/>
+          <a:p>
+            <a:r>
+              <a:rPr lang="en-IE" dirty="0"/>
+              <a:t>20</a:t>
+            </a:r>
+          </a:p>
+        </p:txBody>
+      </p:sp>
+      <p:sp>
+        <p:nvSpPr>
+          <p:cNvPr id="23" name="TextBox 22">
+            <a:extLst>
+              <a:ext uri="{FF2B5EF4-FFF2-40B4-BE49-F238E27FC236}">
+                <a16:creationId xmlns:a16="http://schemas.microsoft.com/office/drawing/2014/main" id="{C15D6DEC-762A-37DC-B326-C2324A432849}"/>
+              </a:ext>
+            </a:extLst>
+          </p:cNvPr>
+          <p:cNvSpPr txBox="1"/>
+          <p:nvPr/>
+        </p:nvSpPr>
+        <p:spPr>
+          <a:xfrm>
+            <a:off x="6478294" y="5225748"/>
+            <a:ext cx="418704" cy="369332"/>
+          </a:xfrm>
+          <a:prstGeom prst="rect">
+            <a:avLst/>
+          </a:prstGeom>
+          <a:noFill/>
+        </p:spPr>
+        <p:txBody>
+          <a:bodyPr wrap="square" rtlCol="0">
+            <a:spAutoFit/>
+          </a:bodyPr>
+          <a:lstStyle/>
+          <a:p>
+            <a:r>
+              <a:rPr lang="en-IE" dirty="0"/>
+              <a:t>8</a:t>
+            </a:r>
+          </a:p>
+        </p:txBody>
+      </p:sp>
+      <p:sp>
+        <p:nvSpPr>
+          <p:cNvPr id="24" name="TextBox 23">
+            <a:extLst>
+              <a:ext uri="{FF2B5EF4-FFF2-40B4-BE49-F238E27FC236}">
+                <a16:creationId xmlns:a16="http://schemas.microsoft.com/office/drawing/2014/main" id="{D2D70F67-FC7B-E964-6BB4-5FA2CE7096A3}"/>
+              </a:ext>
+            </a:extLst>
+          </p:cNvPr>
+          <p:cNvSpPr txBox="1"/>
+          <p:nvPr/>
+        </p:nvSpPr>
+        <p:spPr>
+          <a:xfrm>
+            <a:off x="5804990" y="5112720"/>
+            <a:ext cx="418704" cy="369332"/>
+          </a:xfrm>
+          <a:prstGeom prst="rect">
+            <a:avLst/>
+          </a:prstGeom>
+          <a:noFill/>
+        </p:spPr>
+        <p:txBody>
+          <a:bodyPr wrap="square" rtlCol="0">
+            <a:spAutoFit/>
+          </a:bodyPr>
+          <a:lstStyle/>
+          <a:p>
+            <a:r>
+              <a:rPr lang="en-IE" dirty="0"/>
+              <a:t>7</a:t>
+            </a:r>
+          </a:p>
+        </p:txBody>
+      </p:sp>
+      <p:sp>
+        <p:nvSpPr>
+          <p:cNvPr id="25" name="TextBox 24">
+            <a:extLst>
+              <a:ext uri="{FF2B5EF4-FFF2-40B4-BE49-F238E27FC236}">
+                <a16:creationId xmlns:a16="http://schemas.microsoft.com/office/drawing/2014/main" id="{BC760EF9-F773-D18E-E537-E09ECC272213}"/>
+              </a:ext>
+            </a:extLst>
+          </p:cNvPr>
+          <p:cNvSpPr txBox="1"/>
+          <p:nvPr/>
+        </p:nvSpPr>
+        <p:spPr>
+          <a:xfrm>
+            <a:off x="7218486" y="5909876"/>
+            <a:ext cx="418704" cy="369332"/>
+          </a:xfrm>
+          <a:prstGeom prst="rect">
+            <a:avLst/>
+          </a:prstGeom>
+          <a:noFill/>
+        </p:spPr>
+        <p:txBody>
+          <a:bodyPr wrap="square" rtlCol="0">
+            <a:spAutoFit/>
+          </a:bodyPr>
+          <a:lstStyle/>
+          <a:p>
+            <a:r>
+              <a:rPr lang="en-IE" dirty="0"/>
+              <a:t>20</a:t>
+            </a:r>
+          </a:p>
+        </p:txBody>
+      </p:sp>
+      <p:sp>
+        <p:nvSpPr>
+          <p:cNvPr id="26" name="TextBox 25">
+            <a:extLst>
+              <a:ext uri="{FF2B5EF4-FFF2-40B4-BE49-F238E27FC236}">
+                <a16:creationId xmlns:a16="http://schemas.microsoft.com/office/drawing/2014/main" id="{E6FEDBD9-C329-4F65-B5D1-945EBEAE28FA}"/>
+              </a:ext>
+            </a:extLst>
+          </p:cNvPr>
+          <p:cNvSpPr txBox="1"/>
+          <p:nvPr/>
+        </p:nvSpPr>
+        <p:spPr>
+          <a:xfrm>
+            <a:off x="6586377" y="6507783"/>
+            <a:ext cx="418704" cy="369332"/>
+          </a:xfrm>
+          <a:prstGeom prst="rect">
+            <a:avLst/>
+          </a:prstGeom>
+          <a:noFill/>
+        </p:spPr>
+        <p:txBody>
+          <a:bodyPr wrap="square" rtlCol="0">
+            <a:spAutoFit/>
+          </a:bodyPr>
+          <a:lstStyle/>
+          <a:p>
+            <a:r>
+              <a:rPr lang="en-IE" dirty="0"/>
+              <a:t>21</a:t>
+            </a:r>
+          </a:p>
+        </p:txBody>
+      </p:sp>
+      <p:sp>
+        <p:nvSpPr>
+          <p:cNvPr id="27" name="TextBox 26">
+            <a:extLst>
+              <a:ext uri="{FF2B5EF4-FFF2-40B4-BE49-F238E27FC236}">
+                <a16:creationId xmlns:a16="http://schemas.microsoft.com/office/drawing/2014/main" id="{D5AD58E0-303A-6BA0-908B-C76202192464}"/>
+              </a:ext>
+            </a:extLst>
+          </p:cNvPr>
+          <p:cNvSpPr txBox="1"/>
+          <p:nvPr/>
+        </p:nvSpPr>
+        <p:spPr>
+          <a:xfrm>
+            <a:off x="5940069" y="5810251"/>
+            <a:ext cx="418704" cy="369332"/>
+          </a:xfrm>
+          <a:prstGeom prst="rect">
+            <a:avLst/>
+          </a:prstGeom>
+          <a:noFill/>
+        </p:spPr>
+        <p:txBody>
+          <a:bodyPr wrap="square" rtlCol="0">
+            <a:spAutoFit/>
+          </a:bodyPr>
+          <a:lstStyle/>
+          <a:p>
+            <a:r>
+              <a:rPr lang="en-IE" dirty="0"/>
+              <a:t>9</a:t>
+            </a:r>
+          </a:p>
+        </p:txBody>
+      </p:sp>
+      <p:sp>
+        <p:nvSpPr>
+          <p:cNvPr id="28" name="TextBox 27">
+            <a:extLst>
+              <a:ext uri="{FF2B5EF4-FFF2-40B4-BE49-F238E27FC236}">
+                <a16:creationId xmlns:a16="http://schemas.microsoft.com/office/drawing/2014/main" id="{C0CDE658-7EFE-ACE2-A838-B79EACE55039}"/>
+              </a:ext>
+            </a:extLst>
+          </p:cNvPr>
+          <p:cNvSpPr txBox="1"/>
+          <p:nvPr/>
+        </p:nvSpPr>
+        <p:spPr>
+          <a:xfrm>
+            <a:off x="5874342" y="6488668"/>
+            <a:ext cx="418704" cy="369332"/>
+          </a:xfrm>
+          <a:prstGeom prst="rect">
+            <a:avLst/>
+          </a:prstGeom>
+          <a:noFill/>
+        </p:spPr>
+        <p:txBody>
+          <a:bodyPr wrap="square" rtlCol="0">
+            <a:spAutoFit/>
+          </a:bodyPr>
+          <a:lstStyle/>
+          <a:p>
+            <a:r>
+              <a:rPr lang="en-IE" dirty="0"/>
+              <a:t>21</a:t>
+            </a:r>
+          </a:p>
+        </p:txBody>
+      </p:sp>
+      <p:sp>
+        <p:nvSpPr>
+          <p:cNvPr id="29" name="TextBox 28">
+            <a:extLst>
+              <a:ext uri="{FF2B5EF4-FFF2-40B4-BE49-F238E27FC236}">
+                <a16:creationId xmlns:a16="http://schemas.microsoft.com/office/drawing/2014/main" id="{5428775A-6085-ED08-FC1A-3448CC8D6B60}"/>
+              </a:ext>
+            </a:extLst>
+          </p:cNvPr>
+          <p:cNvSpPr txBox="1"/>
+          <p:nvPr/>
+        </p:nvSpPr>
+        <p:spPr>
+          <a:xfrm>
+            <a:off x="4246029" y="6488668"/>
+            <a:ext cx="418704" cy="369332"/>
+          </a:xfrm>
+          <a:prstGeom prst="rect">
+            <a:avLst/>
+          </a:prstGeom>
+          <a:noFill/>
+        </p:spPr>
+        <p:txBody>
+          <a:bodyPr wrap="square" rtlCol="0">
+            <a:spAutoFit/>
+          </a:bodyPr>
+          <a:lstStyle/>
+          <a:p>
+            <a:r>
+              <a:rPr lang="en-IE" dirty="0"/>
+              <a:t>23</a:t>
+            </a:r>
+          </a:p>
+        </p:txBody>
+      </p:sp>
+      <p:sp>
+        <p:nvSpPr>
+          <p:cNvPr id="30" name="TextBox 29">
+            <a:extLst>
+              <a:ext uri="{FF2B5EF4-FFF2-40B4-BE49-F238E27FC236}">
+                <a16:creationId xmlns:a16="http://schemas.microsoft.com/office/drawing/2014/main" id="{22CD2244-4A73-A934-1989-C4BFC636B8D6}"/>
+              </a:ext>
+            </a:extLst>
+          </p:cNvPr>
+          <p:cNvSpPr txBox="1"/>
+          <p:nvPr/>
+        </p:nvSpPr>
+        <p:spPr>
+          <a:xfrm>
+            <a:off x="3526860" y="6179583"/>
+            <a:ext cx="418704" cy="369332"/>
+          </a:xfrm>
+          <a:prstGeom prst="rect">
+            <a:avLst/>
+          </a:prstGeom>
+          <a:noFill/>
+        </p:spPr>
+        <p:txBody>
+          <a:bodyPr wrap="square" rtlCol="0">
+            <a:spAutoFit/>
+          </a:bodyPr>
+          <a:lstStyle/>
+          <a:p>
+            <a:r>
+              <a:rPr lang="en-IE" dirty="0"/>
+              <a:t>23</a:t>
+            </a:r>
+          </a:p>
+        </p:txBody>
+      </p:sp>
+      <p:sp>
+        <p:nvSpPr>
+          <p:cNvPr id="31" name="TextBox 30">
+            <a:extLst>
+              <a:ext uri="{FF2B5EF4-FFF2-40B4-BE49-F238E27FC236}">
+                <a16:creationId xmlns:a16="http://schemas.microsoft.com/office/drawing/2014/main" id="{AAFC9A9D-1541-5F04-2C7B-C07E825709B3}"/>
+              </a:ext>
+            </a:extLst>
+          </p:cNvPr>
+          <p:cNvSpPr txBox="1"/>
+          <p:nvPr/>
+        </p:nvSpPr>
+        <p:spPr>
+          <a:xfrm>
+            <a:off x="3549344" y="5143703"/>
+            <a:ext cx="418704" cy="369332"/>
+          </a:xfrm>
+          <a:prstGeom prst="rect">
+            <a:avLst/>
+          </a:prstGeom>
+          <a:noFill/>
+        </p:spPr>
+        <p:txBody>
+          <a:bodyPr wrap="square" rtlCol="0">
+            <a:spAutoFit/>
+          </a:bodyPr>
+          <a:lstStyle/>
+          <a:p>
+            <a:r>
+              <a:rPr lang="en-IE" dirty="0"/>
+              <a:t>22</a:t>
+            </a:r>
+          </a:p>
+        </p:txBody>
+      </p:sp>
+      <p:sp>
+        <p:nvSpPr>
+          <p:cNvPr id="32" name="TextBox 31">
+            <a:extLst>
+              <a:ext uri="{FF2B5EF4-FFF2-40B4-BE49-F238E27FC236}">
+                <a16:creationId xmlns:a16="http://schemas.microsoft.com/office/drawing/2014/main" id="{138CA099-87FA-2F4A-DCED-5907597A55CC}"/>
+              </a:ext>
+            </a:extLst>
+          </p:cNvPr>
+          <p:cNvSpPr txBox="1"/>
+          <p:nvPr/>
+        </p:nvSpPr>
+        <p:spPr>
+          <a:xfrm>
+            <a:off x="4172088" y="4452579"/>
+            <a:ext cx="418704" cy="369332"/>
+          </a:xfrm>
+          <a:prstGeom prst="rect">
+            <a:avLst/>
+          </a:prstGeom>
+          <a:noFill/>
+        </p:spPr>
+        <p:txBody>
+          <a:bodyPr wrap="square" rtlCol="0">
+            <a:spAutoFit/>
+          </a:bodyPr>
+          <a:lstStyle/>
+          <a:p>
+            <a:r>
+              <a:rPr lang="en-IE" dirty="0"/>
+              <a:t>22</a:t>
+            </a:r>
+          </a:p>
+        </p:txBody>
+      </p:sp>
+      <p:sp>
+        <p:nvSpPr>
+          <p:cNvPr id="33" name="TextBox 32">
+            <a:extLst>
+              <a:ext uri="{FF2B5EF4-FFF2-40B4-BE49-F238E27FC236}">
+                <a16:creationId xmlns:a16="http://schemas.microsoft.com/office/drawing/2014/main" id="{08C146B5-90D0-0910-A5B7-376100F4FF99}"/>
+              </a:ext>
+            </a:extLst>
+          </p:cNvPr>
+          <p:cNvSpPr txBox="1"/>
+          <p:nvPr/>
+        </p:nvSpPr>
+        <p:spPr>
+          <a:xfrm>
+            <a:off x="5265859" y="4452579"/>
+            <a:ext cx="418704" cy="369332"/>
+          </a:xfrm>
+          <a:prstGeom prst="rect">
+            <a:avLst/>
+          </a:prstGeom>
+          <a:noFill/>
+        </p:spPr>
+        <p:txBody>
+          <a:bodyPr wrap="square" rtlCol="0">
+            <a:spAutoFit/>
+          </a:bodyPr>
+          <a:lstStyle/>
+          <a:p>
+            <a:r>
+              <a:rPr lang="en-IE" dirty="0"/>
+              <a:t>19</a:t>
+            </a:r>
+          </a:p>
+        </p:txBody>
+      </p:sp>
+      <p:sp>
+        <p:nvSpPr>
+          <p:cNvPr id="34" name="TextBox 33">
+            <a:extLst>
+              <a:ext uri="{FF2B5EF4-FFF2-40B4-BE49-F238E27FC236}">
+                <a16:creationId xmlns:a16="http://schemas.microsoft.com/office/drawing/2014/main" id="{AD09E4F0-1D0E-46B9-7F23-07A44E294FD6}"/>
+              </a:ext>
+            </a:extLst>
+          </p:cNvPr>
+          <p:cNvSpPr txBox="1"/>
+          <p:nvPr/>
+        </p:nvSpPr>
+        <p:spPr>
+          <a:xfrm>
+            <a:off x="4317455" y="5072341"/>
+            <a:ext cx="418704" cy="369332"/>
+          </a:xfrm>
+          <a:prstGeom prst="rect">
+            <a:avLst/>
+          </a:prstGeom>
+          <a:noFill/>
+        </p:spPr>
+        <p:txBody>
+          <a:bodyPr wrap="square" rtlCol="0">
+            <a:spAutoFit/>
+          </a:bodyPr>
+          <a:lstStyle/>
+          <a:p>
+            <a:r>
+              <a:rPr lang="en-IE" dirty="0"/>
+              <a:t>10</a:t>
+            </a:r>
+          </a:p>
+        </p:txBody>
+      </p:sp>
+      <p:sp>
+        <p:nvSpPr>
+          <p:cNvPr id="35" name="TextBox 34">
+            <a:extLst>
+              <a:ext uri="{FF2B5EF4-FFF2-40B4-BE49-F238E27FC236}">
+                <a16:creationId xmlns:a16="http://schemas.microsoft.com/office/drawing/2014/main" id="{22A30446-C59E-1EA9-24A2-763E9446B3E2}"/>
+              </a:ext>
+            </a:extLst>
+          </p:cNvPr>
+          <p:cNvSpPr txBox="1"/>
+          <p:nvPr/>
+        </p:nvSpPr>
+        <p:spPr>
+          <a:xfrm>
+            <a:off x="4317455" y="5790062"/>
+            <a:ext cx="418704" cy="369332"/>
+          </a:xfrm>
+          <a:prstGeom prst="rect">
+            <a:avLst/>
+          </a:prstGeom>
+          <a:noFill/>
+        </p:spPr>
+        <p:txBody>
+          <a:bodyPr wrap="square" rtlCol="0">
+            <a:spAutoFit/>
+          </a:bodyPr>
+          <a:lstStyle/>
+          <a:p>
+            <a:r>
+              <a:rPr lang="en-IE" dirty="0"/>
+              <a:t>11</a:t>
+            </a:r>
+          </a:p>
+        </p:txBody>
+      </p:sp>
+      <p:cxnSp>
+        <p:nvCxnSpPr>
+          <p:cNvPr id="40" name="Straight Connector 39">
+            <a:extLst>
+              <a:ext uri="{FF2B5EF4-FFF2-40B4-BE49-F238E27FC236}">
+                <a16:creationId xmlns:a16="http://schemas.microsoft.com/office/drawing/2014/main" id="{153058DD-8FE0-3901-0DB4-B25AD0B70C3C}"/>
+              </a:ext>
+            </a:extLst>
+          </p:cNvPr>
+          <p:cNvCxnSpPr>
+            <a:cxnSpLocks/>
+          </p:cNvCxnSpPr>
+          <p:nvPr/>
+        </p:nvCxnSpPr>
+        <p:spPr>
+          <a:xfrm flipH="1" flipV="1">
+            <a:off x="4286717" y="1632640"/>
+            <a:ext cx="640565" cy="593375"/>
+          </a:xfrm>
+          <a:prstGeom prst="line">
+            <a:avLst/>
+          </a:prstGeom>
+          <a:ln w="76200">
+            <a:solidFill>
+              <a:srgbClr val="FF0000"/>
+            </a:solidFill>
+          </a:ln>
+        </p:spPr>
+        <p:style>
+          <a:lnRef idx="1">
+            <a:schemeClr val="accent1"/>
+          </a:lnRef>
+          <a:fillRef idx="0">
+            <a:schemeClr val="accent1"/>
+          </a:fillRef>
+          <a:effectRef idx="0">
+            <a:schemeClr val="accent1"/>
+          </a:effectRef>
+          <a:fontRef idx="minor">
+            <a:schemeClr val="tx1"/>
+          </a:fontRef>
+        </p:style>
+      </p:cxnSp>
+      <p:cxnSp>
+        <p:nvCxnSpPr>
+          <p:cNvPr id="43" name="Straight Connector 42">
+            <a:extLst>
+              <a:ext uri="{FF2B5EF4-FFF2-40B4-BE49-F238E27FC236}">
+                <a16:creationId xmlns:a16="http://schemas.microsoft.com/office/drawing/2014/main" id="{82D3FF79-7420-2D86-03DB-EAC5015EDD4F}"/>
+              </a:ext>
+            </a:extLst>
+          </p:cNvPr>
+          <p:cNvCxnSpPr>
+            <a:cxnSpLocks/>
+          </p:cNvCxnSpPr>
+          <p:nvPr/>
+        </p:nvCxnSpPr>
+        <p:spPr>
+          <a:xfrm flipH="1" flipV="1">
+            <a:off x="4907077" y="2290910"/>
+            <a:ext cx="655629" cy="652249"/>
+          </a:xfrm>
+          <a:prstGeom prst="line">
+            <a:avLst/>
+          </a:prstGeom>
+          <a:ln w="76200">
+            <a:solidFill>
+              <a:srgbClr val="FF0000"/>
+            </a:solidFill>
+          </a:ln>
+        </p:spPr>
+        <p:style>
+          <a:lnRef idx="1">
+            <a:schemeClr val="accent1"/>
+          </a:lnRef>
+          <a:fillRef idx="0">
+            <a:schemeClr val="accent1"/>
+          </a:fillRef>
+          <a:effectRef idx="0">
+            <a:schemeClr val="accent1"/>
+          </a:effectRef>
+          <a:fontRef idx="minor">
+            <a:schemeClr val="tx1"/>
+          </a:fontRef>
+        </p:style>
+      </p:cxnSp>
+      <p:cxnSp>
+        <p:nvCxnSpPr>
+          <p:cNvPr id="45" name="Straight Connector 44">
+            <a:extLst>
+              <a:ext uri="{FF2B5EF4-FFF2-40B4-BE49-F238E27FC236}">
+                <a16:creationId xmlns:a16="http://schemas.microsoft.com/office/drawing/2014/main" id="{3443C8D5-761B-6B38-C7E3-2FF5FFF63883}"/>
+              </a:ext>
+            </a:extLst>
+          </p:cNvPr>
+          <p:cNvCxnSpPr>
+            <a:cxnSpLocks/>
+          </p:cNvCxnSpPr>
+          <p:nvPr/>
+        </p:nvCxnSpPr>
+        <p:spPr>
+          <a:xfrm flipH="1">
+            <a:off x="4277783" y="4834040"/>
+            <a:ext cx="1285202" cy="661413"/>
+          </a:xfrm>
+          <a:prstGeom prst="line">
+            <a:avLst/>
+          </a:prstGeom>
+          <a:ln w="76200">
+            <a:solidFill>
+              <a:srgbClr val="FF0000"/>
+            </a:solidFill>
+          </a:ln>
+        </p:spPr>
+        <p:style>
+          <a:lnRef idx="1">
+            <a:schemeClr val="accent1"/>
+          </a:lnRef>
+          <a:fillRef idx="0">
+            <a:schemeClr val="accent1"/>
+          </a:fillRef>
+          <a:effectRef idx="0">
+            <a:schemeClr val="accent1"/>
+          </a:effectRef>
+          <a:fontRef idx="minor">
+            <a:schemeClr val="tx1"/>
+          </a:fontRef>
+        </p:style>
+      </p:cxnSp>
+      <p:cxnSp>
+        <p:nvCxnSpPr>
+          <p:cNvPr id="54" name="Straight Connector 53">
+            <a:extLst>
+              <a:ext uri="{FF2B5EF4-FFF2-40B4-BE49-F238E27FC236}">
+                <a16:creationId xmlns:a16="http://schemas.microsoft.com/office/drawing/2014/main" id="{A5568E5B-5F60-D3BD-C993-7E6AC2306E3C}"/>
+              </a:ext>
+            </a:extLst>
+          </p:cNvPr>
+          <p:cNvCxnSpPr>
+            <a:cxnSpLocks/>
+          </p:cNvCxnSpPr>
+          <p:nvPr/>
+        </p:nvCxnSpPr>
+        <p:spPr>
+          <a:xfrm flipH="1" flipV="1">
+            <a:off x="3688336" y="5492284"/>
+            <a:ext cx="631974" cy="679255"/>
+          </a:xfrm>
+          <a:prstGeom prst="line">
+            <a:avLst/>
+          </a:prstGeom>
+          <a:ln w="76200">
+            <a:solidFill>
+              <a:srgbClr val="FF0000"/>
+            </a:solidFill>
+          </a:ln>
+        </p:spPr>
+        <p:style>
+          <a:lnRef idx="1">
+            <a:schemeClr val="accent1"/>
+          </a:lnRef>
+          <a:fillRef idx="0">
+            <a:schemeClr val="accent1"/>
+          </a:fillRef>
+          <a:effectRef idx="0">
+            <a:schemeClr val="accent1"/>
+          </a:effectRef>
+          <a:fontRef idx="minor">
+            <a:schemeClr val="tx1"/>
+          </a:fontRef>
+        </p:style>
+      </p:cxnSp>
+      <p:cxnSp>
+        <p:nvCxnSpPr>
+          <p:cNvPr id="56" name="Straight Connector 55">
+            <a:extLst>
+              <a:ext uri="{FF2B5EF4-FFF2-40B4-BE49-F238E27FC236}">
+                <a16:creationId xmlns:a16="http://schemas.microsoft.com/office/drawing/2014/main" id="{43269925-51CF-30EF-8346-CF5F2C45795B}"/>
+              </a:ext>
+            </a:extLst>
+          </p:cNvPr>
+          <p:cNvCxnSpPr>
+            <a:cxnSpLocks/>
+          </p:cNvCxnSpPr>
+          <p:nvPr/>
+        </p:nvCxnSpPr>
+        <p:spPr>
+          <a:xfrm flipH="1">
+            <a:off x="4317455" y="6222150"/>
+            <a:ext cx="1831966" cy="623981"/>
+          </a:xfrm>
+          <a:prstGeom prst="line">
+            <a:avLst/>
+          </a:prstGeom>
+          <a:ln w="76200">
+            <a:solidFill>
+              <a:srgbClr val="FF0000"/>
+            </a:solidFill>
+          </a:ln>
+        </p:spPr>
+        <p:style>
+          <a:lnRef idx="1">
+            <a:schemeClr val="accent1"/>
+          </a:lnRef>
+          <a:fillRef idx="0">
+            <a:schemeClr val="accent1"/>
+          </a:fillRef>
+          <a:effectRef idx="0">
+            <a:schemeClr val="accent1"/>
+          </a:effectRef>
+          <a:fontRef idx="minor">
+            <a:schemeClr val="tx1"/>
+          </a:fontRef>
+        </p:style>
+      </p:cxnSp>
+      <p:cxnSp>
+        <p:nvCxnSpPr>
+          <p:cNvPr id="64" name="Straight Connector 63">
+            <a:extLst>
+              <a:ext uri="{FF2B5EF4-FFF2-40B4-BE49-F238E27FC236}">
+                <a16:creationId xmlns:a16="http://schemas.microsoft.com/office/drawing/2014/main" id="{AED1DB1B-7110-6249-4E80-F2B2C0316A02}"/>
+              </a:ext>
+            </a:extLst>
+          </p:cNvPr>
+          <p:cNvCxnSpPr>
+            <a:cxnSpLocks/>
+          </p:cNvCxnSpPr>
+          <p:nvPr/>
+        </p:nvCxnSpPr>
+        <p:spPr>
+          <a:xfrm flipH="1">
+            <a:off x="5508847" y="2271795"/>
+            <a:ext cx="640574" cy="650372"/>
+          </a:xfrm>
+          <a:prstGeom prst="line">
+            <a:avLst/>
+          </a:prstGeom>
+          <a:ln w="76200">
+            <a:solidFill>
+              <a:srgbClr val="FF0000"/>
+            </a:solidFill>
+          </a:ln>
+        </p:spPr>
+        <p:style>
+          <a:lnRef idx="1">
+            <a:schemeClr val="accent1"/>
+          </a:lnRef>
+          <a:fillRef idx="0">
+            <a:schemeClr val="accent1"/>
+          </a:fillRef>
+          <a:effectRef idx="0">
+            <a:schemeClr val="accent1"/>
+          </a:effectRef>
+          <a:fontRef idx="minor">
+            <a:schemeClr val="tx1"/>
+          </a:fontRef>
+        </p:style>
+      </p:cxnSp>
+      <p:cxnSp>
+        <p:nvCxnSpPr>
+          <p:cNvPr id="67" name="Straight Connector 66">
+            <a:extLst>
+              <a:ext uri="{FF2B5EF4-FFF2-40B4-BE49-F238E27FC236}">
+                <a16:creationId xmlns:a16="http://schemas.microsoft.com/office/drawing/2014/main" id="{63986F06-33DD-F12A-F1B4-A2CE3954DB1E}"/>
+              </a:ext>
+            </a:extLst>
+          </p:cNvPr>
+          <p:cNvCxnSpPr>
+            <a:cxnSpLocks/>
+          </p:cNvCxnSpPr>
+          <p:nvPr/>
+        </p:nvCxnSpPr>
+        <p:spPr>
+          <a:xfrm flipH="1" flipV="1">
+            <a:off x="5535035" y="2922167"/>
+            <a:ext cx="629441" cy="2602452"/>
+          </a:xfrm>
+          <a:prstGeom prst="line">
+            <a:avLst/>
+          </a:prstGeom>
+          <a:ln w="76200">
+            <a:solidFill>
+              <a:srgbClr val="FF0000"/>
+            </a:solidFill>
+          </a:ln>
+        </p:spPr>
+        <p:style>
+          <a:lnRef idx="1">
+            <a:schemeClr val="accent1"/>
+          </a:lnRef>
+          <a:fillRef idx="0">
+            <a:schemeClr val="accent1"/>
+          </a:fillRef>
+          <a:effectRef idx="0">
+            <a:schemeClr val="accent1"/>
+          </a:effectRef>
+          <a:fontRef idx="minor">
+            <a:schemeClr val="tx1"/>
+          </a:fontRef>
+        </p:style>
+      </p:cxnSp>
+      <p:cxnSp>
+        <p:nvCxnSpPr>
+          <p:cNvPr id="70" name="Straight Connector 69">
+            <a:extLst>
+              <a:ext uri="{FF2B5EF4-FFF2-40B4-BE49-F238E27FC236}">
+                <a16:creationId xmlns:a16="http://schemas.microsoft.com/office/drawing/2014/main" id="{8E55E3D2-8737-A235-81BA-9F4EA89EB321}"/>
+              </a:ext>
+            </a:extLst>
+          </p:cNvPr>
+          <p:cNvCxnSpPr>
+            <a:cxnSpLocks/>
+            <a:endCxn id="33" idx="2"/>
+          </p:cNvCxnSpPr>
+          <p:nvPr/>
+        </p:nvCxnSpPr>
+        <p:spPr>
+          <a:xfrm flipH="1" flipV="1">
+            <a:off x="5475211" y="4821911"/>
+            <a:ext cx="697689" cy="714837"/>
+          </a:xfrm>
+          <a:prstGeom prst="line">
+            <a:avLst/>
+          </a:prstGeom>
+          <a:ln w="76200">
+            <a:solidFill>
+              <a:srgbClr val="FF0000"/>
+            </a:solidFill>
+          </a:ln>
+        </p:spPr>
+        <p:style>
+          <a:lnRef idx="1">
+            <a:schemeClr val="accent1"/>
+          </a:lnRef>
+          <a:fillRef idx="0">
+            <a:schemeClr val="accent1"/>
+          </a:fillRef>
+          <a:effectRef idx="0">
+            <a:schemeClr val="accent1"/>
+          </a:effectRef>
+          <a:fontRef idx="minor">
+            <a:schemeClr val="tx1"/>
+          </a:fontRef>
+        </p:style>
+      </p:cxnSp>
+      <p:cxnSp>
+        <p:nvCxnSpPr>
+          <p:cNvPr id="74" name="Straight Connector 73">
+            <a:extLst>
+              <a:ext uri="{FF2B5EF4-FFF2-40B4-BE49-F238E27FC236}">
+                <a16:creationId xmlns:a16="http://schemas.microsoft.com/office/drawing/2014/main" id="{ABB8B043-0610-339D-5CA0-0A402A6C4108}"/>
+              </a:ext>
+            </a:extLst>
+          </p:cNvPr>
+          <p:cNvCxnSpPr>
+            <a:cxnSpLocks/>
+          </p:cNvCxnSpPr>
+          <p:nvPr/>
+        </p:nvCxnSpPr>
+        <p:spPr>
+          <a:xfrm flipH="1">
+            <a:off x="6754433" y="5513035"/>
+            <a:ext cx="50358" cy="1294383"/>
+          </a:xfrm>
+          <a:prstGeom prst="line">
+            <a:avLst/>
+          </a:prstGeom>
+          <a:ln w="76200">
+            <a:solidFill>
+              <a:srgbClr val="FF0000"/>
+            </a:solidFill>
+          </a:ln>
+        </p:spPr>
+        <p:style>
+          <a:lnRef idx="1">
+            <a:schemeClr val="accent1"/>
+          </a:lnRef>
+          <a:fillRef idx="0">
+            <a:schemeClr val="accent1"/>
+          </a:fillRef>
+          <a:effectRef idx="0">
+            <a:schemeClr val="accent1"/>
+          </a:effectRef>
+          <a:fontRef idx="minor">
+            <a:schemeClr val="tx1"/>
+          </a:fontRef>
+        </p:style>
+      </p:cxnSp>
+      <p:cxnSp>
+        <p:nvCxnSpPr>
+          <p:cNvPr id="76" name="Straight Connector 75">
+            <a:extLst>
+              <a:ext uri="{FF2B5EF4-FFF2-40B4-BE49-F238E27FC236}">
+                <a16:creationId xmlns:a16="http://schemas.microsoft.com/office/drawing/2014/main" id="{1FE65D3A-6E84-2B45-593E-61341F021B46}"/>
+              </a:ext>
+            </a:extLst>
+          </p:cNvPr>
+          <p:cNvCxnSpPr>
+            <a:cxnSpLocks/>
+          </p:cNvCxnSpPr>
+          <p:nvPr/>
+        </p:nvCxnSpPr>
+        <p:spPr>
+          <a:xfrm>
+            <a:off x="6828706" y="2234116"/>
+            <a:ext cx="577492" cy="3278919"/>
+          </a:xfrm>
+          <a:prstGeom prst="line">
+            <a:avLst/>
+          </a:prstGeom>
+          <a:ln w="76200">
+            <a:solidFill>
+              <a:srgbClr val="FF0000"/>
+            </a:solidFill>
+          </a:ln>
+        </p:spPr>
+        <p:style>
+          <a:lnRef idx="1">
+            <a:schemeClr val="accent1"/>
+          </a:lnRef>
+          <a:fillRef idx="0">
+            <a:schemeClr val="accent1"/>
+          </a:fillRef>
+          <a:effectRef idx="0">
+            <a:schemeClr val="accent1"/>
+          </a:effectRef>
+          <a:fontRef idx="minor">
+            <a:schemeClr val="tx1"/>
+          </a:fontRef>
+        </p:style>
+      </p:cxnSp>
+      <p:cxnSp>
+        <p:nvCxnSpPr>
+          <p:cNvPr id="79" name="Straight Connector 78">
+            <a:extLst>
+              <a:ext uri="{FF2B5EF4-FFF2-40B4-BE49-F238E27FC236}">
+                <a16:creationId xmlns:a16="http://schemas.microsoft.com/office/drawing/2014/main" id="{7248073A-D9C1-EEE9-5B3C-30A84F2FD7FD}"/>
+              </a:ext>
+            </a:extLst>
+          </p:cNvPr>
+          <p:cNvCxnSpPr>
+            <a:cxnSpLocks/>
+          </p:cNvCxnSpPr>
+          <p:nvPr/>
+        </p:nvCxnSpPr>
+        <p:spPr>
+          <a:xfrm>
+            <a:off x="6794081" y="2250083"/>
+            <a:ext cx="674220" cy="693076"/>
+          </a:xfrm>
+          <a:prstGeom prst="line">
+            <a:avLst/>
+          </a:prstGeom>
+          <a:ln w="76200">
+            <a:solidFill>
+              <a:srgbClr val="FF0000"/>
+            </a:solidFill>
+          </a:ln>
+        </p:spPr>
+        <p:style>
+          <a:lnRef idx="1">
+            <a:schemeClr val="accent1"/>
+          </a:lnRef>
+          <a:fillRef idx="0">
+            <a:schemeClr val="accent1"/>
+          </a:fillRef>
+          <a:effectRef idx="0">
+            <a:schemeClr val="accent1"/>
+          </a:effectRef>
+          <a:fontRef idx="minor">
+            <a:schemeClr val="tx1"/>
+          </a:fontRef>
+        </p:style>
+      </p:cxnSp>
+      <p:cxnSp>
+        <p:nvCxnSpPr>
+          <p:cNvPr id="84" name="Straight Connector 83">
+            <a:extLst>
+              <a:ext uri="{FF2B5EF4-FFF2-40B4-BE49-F238E27FC236}">
+                <a16:creationId xmlns:a16="http://schemas.microsoft.com/office/drawing/2014/main" id="{3E83A6A3-9B34-3996-23B9-8533458EBD99}"/>
+              </a:ext>
+            </a:extLst>
+          </p:cNvPr>
+          <p:cNvCxnSpPr>
+            <a:cxnSpLocks/>
+          </p:cNvCxnSpPr>
+          <p:nvPr/>
+        </p:nvCxnSpPr>
+        <p:spPr>
+          <a:xfrm flipV="1">
+            <a:off x="7468301" y="2271795"/>
+            <a:ext cx="587697" cy="671364"/>
+          </a:xfrm>
+          <a:prstGeom prst="line">
+            <a:avLst/>
+          </a:prstGeom>
+          <a:ln w="76200">
+            <a:solidFill>
+              <a:srgbClr val="FF0000"/>
+            </a:solidFill>
+          </a:ln>
+        </p:spPr>
+        <p:style>
+          <a:lnRef idx="1">
+            <a:schemeClr val="accent1"/>
+          </a:lnRef>
+          <a:fillRef idx="0">
+            <a:schemeClr val="accent1"/>
+          </a:fillRef>
+          <a:effectRef idx="0">
+            <a:schemeClr val="accent1"/>
+          </a:effectRef>
+          <a:fontRef idx="minor">
+            <a:schemeClr val="tx1"/>
+          </a:fontRef>
+        </p:style>
+      </p:cxnSp>
+      <p:cxnSp>
+        <p:nvCxnSpPr>
+          <p:cNvPr id="87" name="Straight Connector 86">
+            <a:extLst>
+              <a:ext uri="{FF2B5EF4-FFF2-40B4-BE49-F238E27FC236}">
+                <a16:creationId xmlns:a16="http://schemas.microsoft.com/office/drawing/2014/main" id="{9FCC731D-EA44-F3BA-B0A0-97419DA75B06}"/>
+              </a:ext>
+            </a:extLst>
+          </p:cNvPr>
+          <p:cNvCxnSpPr>
+            <a:cxnSpLocks/>
+          </p:cNvCxnSpPr>
+          <p:nvPr/>
+        </p:nvCxnSpPr>
+        <p:spPr>
+          <a:xfrm flipH="1" flipV="1">
+            <a:off x="8082617" y="1589836"/>
+            <a:ext cx="657463" cy="701074"/>
+          </a:xfrm>
+          <a:prstGeom prst="line">
+            <a:avLst/>
+          </a:prstGeom>
+          <a:ln w="76200">
+            <a:solidFill>
+              <a:srgbClr val="FF0000"/>
+            </a:solidFill>
+          </a:ln>
+        </p:spPr>
+        <p:style>
+          <a:lnRef idx="1">
+            <a:schemeClr val="accent1"/>
+          </a:lnRef>
+          <a:fillRef idx="0">
+            <a:schemeClr val="accent1"/>
+          </a:fillRef>
+          <a:effectRef idx="0">
+            <a:schemeClr val="accent1"/>
+          </a:effectRef>
+          <a:fontRef idx="minor">
+            <a:schemeClr val="tx1"/>
+          </a:fontRef>
+        </p:style>
+      </p:cxnSp>
+      <p:cxnSp>
+        <p:nvCxnSpPr>
+          <p:cNvPr id="90" name="Straight Connector 89">
+            <a:extLst>
+              <a:ext uri="{FF2B5EF4-FFF2-40B4-BE49-F238E27FC236}">
+                <a16:creationId xmlns:a16="http://schemas.microsoft.com/office/drawing/2014/main" id="{81330C7D-692D-0959-7925-3EDFB2CA60BD}"/>
+              </a:ext>
+            </a:extLst>
+          </p:cNvPr>
+          <p:cNvCxnSpPr>
+            <a:cxnSpLocks/>
+          </p:cNvCxnSpPr>
+          <p:nvPr/>
+        </p:nvCxnSpPr>
+        <p:spPr>
+          <a:xfrm flipH="1" flipV="1">
+            <a:off x="4907077" y="860899"/>
+            <a:ext cx="3148921" cy="716126"/>
+          </a:xfrm>
+          <a:prstGeom prst="line">
+            <a:avLst/>
+          </a:prstGeom>
+          <a:ln w="76200">
+            <a:solidFill>
+              <a:srgbClr val="FF0000"/>
+            </a:solidFill>
+          </a:ln>
+        </p:spPr>
+        <p:style>
+          <a:lnRef idx="1">
+            <a:schemeClr val="accent1"/>
+          </a:lnRef>
+          <a:fillRef idx="0">
+            <a:schemeClr val="accent1"/>
+          </a:fillRef>
+          <a:effectRef idx="0">
+            <a:schemeClr val="accent1"/>
+          </a:effectRef>
+          <a:fontRef idx="minor">
+            <a:schemeClr val="tx1"/>
+          </a:fontRef>
+        </p:style>
+      </p:cxnSp>
+    </p:spTree>
+    <p:extLst>
+      <p:ext uri="{BB962C8B-B14F-4D97-AF65-F5344CB8AC3E}">
+        <p14:creationId xmlns:p14="http://schemas.microsoft.com/office/powerpoint/2010/main" val="860867413"/>
       </p:ext>
     </p:extLst>
   </p:cSld>

--- a/J_Graphics_PP.pptx
+++ b/J_Graphics_PP.pptx
@@ -10,6 +10,7 @@
     <p:sldId id="260" r:id="rId4"/>
     <p:sldId id="261" r:id="rId5"/>
     <p:sldId id="262" r:id="rId6"/>
+    <p:sldId id="263" r:id="rId7"/>
   </p:sldIdLst>
   <p:sldSz cx="12192000" cy="6858000"/>
   <p:notesSz cx="6858000" cy="9144000"/>
@@ -1807,7 +1808,7 @@
           <a:p>
             <a:fld id="{D8DD123C-D314-4DDA-BD7B-79F1D0830E10}" type="datetimeFigureOut">
               <a:rPr lang="en-IE" smtClean="0"/>
-              <a:t>18/09/2022</a:t>
+              <a:t>26/09/2022</a:t>
             </a:fld>
             <a:endParaRPr lang="en-IE"/>
           </a:p>
@@ -2007,7 +2008,7 @@
           <a:p>
             <a:fld id="{D8DD123C-D314-4DDA-BD7B-79F1D0830E10}" type="datetimeFigureOut">
               <a:rPr lang="en-IE" smtClean="0"/>
-              <a:t>18/09/2022</a:t>
+              <a:t>26/09/2022</a:t>
             </a:fld>
             <a:endParaRPr lang="en-IE"/>
           </a:p>
@@ -2217,7 +2218,7 @@
           <a:p>
             <a:fld id="{D8DD123C-D314-4DDA-BD7B-79F1D0830E10}" type="datetimeFigureOut">
               <a:rPr lang="en-IE" smtClean="0"/>
-              <a:t>18/09/2022</a:t>
+              <a:t>26/09/2022</a:t>
             </a:fld>
             <a:endParaRPr lang="en-IE"/>
           </a:p>
@@ -2417,7 +2418,7 @@
           <a:p>
             <a:fld id="{D8DD123C-D314-4DDA-BD7B-79F1D0830E10}" type="datetimeFigureOut">
               <a:rPr lang="en-IE" smtClean="0"/>
-              <a:t>18/09/2022</a:t>
+              <a:t>26/09/2022</a:t>
             </a:fld>
             <a:endParaRPr lang="en-IE"/>
           </a:p>
@@ -2693,7 +2694,7 @@
           <a:p>
             <a:fld id="{D8DD123C-D314-4DDA-BD7B-79F1D0830E10}" type="datetimeFigureOut">
               <a:rPr lang="en-IE" smtClean="0"/>
-              <a:t>18/09/2022</a:t>
+              <a:t>26/09/2022</a:t>
             </a:fld>
             <a:endParaRPr lang="en-IE"/>
           </a:p>
@@ -2961,7 +2962,7 @@
           <a:p>
             <a:fld id="{D8DD123C-D314-4DDA-BD7B-79F1D0830E10}" type="datetimeFigureOut">
               <a:rPr lang="en-IE" smtClean="0"/>
-              <a:t>18/09/2022</a:t>
+              <a:t>26/09/2022</a:t>
             </a:fld>
             <a:endParaRPr lang="en-IE"/>
           </a:p>
@@ -3376,7 +3377,7 @@
           <a:p>
             <a:fld id="{D8DD123C-D314-4DDA-BD7B-79F1D0830E10}" type="datetimeFigureOut">
               <a:rPr lang="en-IE" smtClean="0"/>
-              <a:t>18/09/2022</a:t>
+              <a:t>26/09/2022</a:t>
             </a:fld>
             <a:endParaRPr lang="en-IE"/>
           </a:p>
@@ -3518,7 +3519,7 @@
           <a:p>
             <a:fld id="{D8DD123C-D314-4DDA-BD7B-79F1D0830E10}" type="datetimeFigureOut">
               <a:rPr lang="en-IE" smtClean="0"/>
-              <a:t>18/09/2022</a:t>
+              <a:t>26/09/2022</a:t>
             </a:fld>
             <a:endParaRPr lang="en-IE"/>
           </a:p>
@@ -3631,7 +3632,7 @@
           <a:p>
             <a:fld id="{D8DD123C-D314-4DDA-BD7B-79F1D0830E10}" type="datetimeFigureOut">
               <a:rPr lang="en-IE" smtClean="0"/>
-              <a:t>18/09/2022</a:t>
+              <a:t>26/09/2022</a:t>
             </a:fld>
             <a:endParaRPr lang="en-IE"/>
           </a:p>
@@ -3944,7 +3945,7 @@
           <a:p>
             <a:fld id="{D8DD123C-D314-4DDA-BD7B-79F1D0830E10}" type="datetimeFigureOut">
               <a:rPr lang="en-IE" smtClean="0"/>
-              <a:t>18/09/2022</a:t>
+              <a:t>26/09/2022</a:t>
             </a:fld>
             <a:endParaRPr lang="en-IE"/>
           </a:p>
@@ -4233,7 +4234,7 @@
           <a:p>
             <a:fld id="{D8DD123C-D314-4DDA-BD7B-79F1D0830E10}" type="datetimeFigureOut">
               <a:rPr lang="en-IE" smtClean="0"/>
-              <a:t>18/09/2022</a:t>
+              <a:t>26/09/2022</a:t>
             </a:fld>
             <a:endParaRPr lang="en-IE"/>
           </a:p>
@@ -4476,7 +4477,7 @@
           <a:p>
             <a:fld id="{D8DD123C-D314-4DDA-BD7B-79F1D0830E10}" type="datetimeFigureOut">
               <a:rPr lang="en-IE" smtClean="0"/>
-              <a:t>18/09/2022</a:t>
+              <a:t>26/09/2022</a:t>
             </a:fld>
             <a:endParaRPr lang="en-IE"/>
           </a:p>
@@ -11590,6 +11591,6904 @@
 </p:sld>
 </file>
 
+<file path=ppt/slides/slide6.xml><?xml version="1.0" encoding="utf-8"?>
+<p:sld xmlns:a="http://schemas.openxmlformats.org/drawingml/2006/main" xmlns:r="http://schemas.openxmlformats.org/officeDocument/2006/relationships" xmlns:p="http://schemas.openxmlformats.org/presentationml/2006/main">
+  <p:cSld>
+    <p:spTree>
+      <p:nvGrpSpPr>
+        <p:cNvPr id="1" name=""/>
+        <p:cNvGrpSpPr/>
+        <p:nvPr/>
+      </p:nvGrpSpPr>
+      <p:grpSpPr>
+        <a:xfrm>
+          <a:off x="0" y="0"/>
+          <a:ext cx="0" cy="0"/>
+          <a:chOff x="0" y="0"/>
+          <a:chExt cx="0" cy="0"/>
+        </a:xfrm>
+      </p:grpSpPr>
+      <p:graphicFrame>
+        <p:nvGraphicFramePr>
+          <p:cNvPr id="5" name="Table 4">
+            <a:extLst>
+              <a:ext uri="{FF2B5EF4-FFF2-40B4-BE49-F238E27FC236}">
+                <a16:creationId xmlns:a16="http://schemas.microsoft.com/office/drawing/2014/main" id="{A55EAA06-2DD0-4EEB-9544-83C3E7F3E077}"/>
+              </a:ext>
+            </a:extLst>
+          </p:cNvPr>
+          <p:cNvGraphicFramePr>
+            <a:graphicFrameLocks noGrp="1"/>
+          </p:cNvGraphicFramePr>
+          <p:nvPr>
+            <p:extLst>
+              <p:ext uri="{D42A27DB-BD31-4B8C-83A1-F6EECF244321}">
+                <p14:modId xmlns:p14="http://schemas.microsoft.com/office/powerpoint/2010/main" val="548377174"/>
+              </p:ext>
+            </p:extLst>
+          </p:nvPr>
+        </p:nvGraphicFramePr>
+        <p:xfrm>
+          <a:off x="478171" y="-1408"/>
+          <a:ext cx="9605392" cy="6843845"/>
+        </p:xfrm>
+        <a:graphic>
+          <a:graphicData uri="http://schemas.openxmlformats.org/drawingml/2006/table">
+            <a:tbl>
+              <a:tblPr/>
+              <a:tblGrid>
+                <a:gridCol w="600337">
+                  <a:extLst>
+                    <a:ext uri="{9D8B030D-6E8A-4147-A177-3AD203B41FA5}">
+                      <a16:colId xmlns:a16="http://schemas.microsoft.com/office/drawing/2014/main" val="3663822822"/>
+                    </a:ext>
+                  </a:extLst>
+                </a:gridCol>
+                <a:gridCol w="600337">
+                  <a:extLst>
+                    <a:ext uri="{9D8B030D-6E8A-4147-A177-3AD203B41FA5}">
+                      <a16:colId xmlns:a16="http://schemas.microsoft.com/office/drawing/2014/main" val="579570622"/>
+                    </a:ext>
+                  </a:extLst>
+                </a:gridCol>
+                <a:gridCol w="600337">
+                  <a:extLst>
+                    <a:ext uri="{9D8B030D-6E8A-4147-A177-3AD203B41FA5}">
+                      <a16:colId xmlns:a16="http://schemas.microsoft.com/office/drawing/2014/main" val="3161634667"/>
+                    </a:ext>
+                  </a:extLst>
+                </a:gridCol>
+                <a:gridCol w="600337">
+                  <a:extLst>
+                    <a:ext uri="{9D8B030D-6E8A-4147-A177-3AD203B41FA5}">
+                      <a16:colId xmlns:a16="http://schemas.microsoft.com/office/drawing/2014/main" val="2725077271"/>
+                    </a:ext>
+                  </a:extLst>
+                </a:gridCol>
+                <a:gridCol w="600337">
+                  <a:extLst>
+                    <a:ext uri="{9D8B030D-6E8A-4147-A177-3AD203B41FA5}">
+                      <a16:colId xmlns:a16="http://schemas.microsoft.com/office/drawing/2014/main" val="105205462"/>
+                    </a:ext>
+                  </a:extLst>
+                </a:gridCol>
+                <a:gridCol w="600337">
+                  <a:extLst>
+                    <a:ext uri="{9D8B030D-6E8A-4147-A177-3AD203B41FA5}">
+                      <a16:colId xmlns:a16="http://schemas.microsoft.com/office/drawing/2014/main" val="3717566695"/>
+                    </a:ext>
+                  </a:extLst>
+                </a:gridCol>
+                <a:gridCol w="600337">
+                  <a:extLst>
+                    <a:ext uri="{9D8B030D-6E8A-4147-A177-3AD203B41FA5}">
+                      <a16:colId xmlns:a16="http://schemas.microsoft.com/office/drawing/2014/main" val="127181346"/>
+                    </a:ext>
+                  </a:extLst>
+                </a:gridCol>
+                <a:gridCol w="600337">
+                  <a:extLst>
+                    <a:ext uri="{9D8B030D-6E8A-4147-A177-3AD203B41FA5}">
+                      <a16:colId xmlns:a16="http://schemas.microsoft.com/office/drawing/2014/main" val="958375261"/>
+                    </a:ext>
+                  </a:extLst>
+                </a:gridCol>
+                <a:gridCol w="600337">
+                  <a:extLst>
+                    <a:ext uri="{9D8B030D-6E8A-4147-A177-3AD203B41FA5}">
+                      <a16:colId xmlns:a16="http://schemas.microsoft.com/office/drawing/2014/main" val="664022067"/>
+                    </a:ext>
+                  </a:extLst>
+                </a:gridCol>
+                <a:gridCol w="600337">
+                  <a:extLst>
+                    <a:ext uri="{9D8B030D-6E8A-4147-A177-3AD203B41FA5}">
+                      <a16:colId xmlns:a16="http://schemas.microsoft.com/office/drawing/2014/main" val="4125163085"/>
+                    </a:ext>
+                  </a:extLst>
+                </a:gridCol>
+                <a:gridCol w="600337">
+                  <a:extLst>
+                    <a:ext uri="{9D8B030D-6E8A-4147-A177-3AD203B41FA5}">
+                      <a16:colId xmlns:a16="http://schemas.microsoft.com/office/drawing/2014/main" val="490908573"/>
+                    </a:ext>
+                  </a:extLst>
+                </a:gridCol>
+                <a:gridCol w="600337">
+                  <a:extLst>
+                    <a:ext uri="{9D8B030D-6E8A-4147-A177-3AD203B41FA5}">
+                      <a16:colId xmlns:a16="http://schemas.microsoft.com/office/drawing/2014/main" val="3096555001"/>
+                    </a:ext>
+                  </a:extLst>
+                </a:gridCol>
+                <a:gridCol w="600337">
+                  <a:extLst>
+                    <a:ext uri="{9D8B030D-6E8A-4147-A177-3AD203B41FA5}">
+                      <a16:colId xmlns:a16="http://schemas.microsoft.com/office/drawing/2014/main" val="1505714964"/>
+                    </a:ext>
+                  </a:extLst>
+                </a:gridCol>
+                <a:gridCol w="600337">
+                  <a:extLst>
+                    <a:ext uri="{9D8B030D-6E8A-4147-A177-3AD203B41FA5}">
+                      <a16:colId xmlns:a16="http://schemas.microsoft.com/office/drawing/2014/main" val="4135544356"/>
+                    </a:ext>
+                  </a:extLst>
+                </a:gridCol>
+                <a:gridCol w="600337">
+                  <a:extLst>
+                    <a:ext uri="{9D8B030D-6E8A-4147-A177-3AD203B41FA5}">
+                      <a16:colId xmlns:a16="http://schemas.microsoft.com/office/drawing/2014/main" val="4061194517"/>
+                    </a:ext>
+                  </a:extLst>
+                </a:gridCol>
+                <a:gridCol w="600337">
+                  <a:extLst>
+                    <a:ext uri="{9D8B030D-6E8A-4147-A177-3AD203B41FA5}">
+                      <a16:colId xmlns:a16="http://schemas.microsoft.com/office/drawing/2014/main" val="3894808794"/>
+                    </a:ext>
+                  </a:extLst>
+                </a:gridCol>
+              </a:tblGrid>
+              <a:tr h="600337">
+                <a:tc>
+                  <a:txBody>
+                    <a:bodyPr/>
+                    <a:lstStyle/>
+                    <a:p>
+                      <a:pPr algn="ctr" fontAlgn="ctr"/>
+                      <a:endParaRPr lang="en-IE" sz="3500" b="0" i="0" u="none" strike="noStrike">
+                        <a:solidFill>
+                          <a:srgbClr val="000000"/>
+                        </a:solidFill>
+                        <a:effectLst/>
+                        <a:latin typeface="Calibri" panose="020F0502020204030204" pitchFamily="34" charset="0"/>
+                      </a:endParaRPr>
+                    </a:p>
+                  </a:txBody>
+                  <a:tcPr marL="30017" marR="30017" marT="30017" marB="0" anchor="ctr">
+                    <a:lnL>
+                      <a:noFill/>
+                    </a:lnL>
+                    <a:lnR>
+                      <a:noFill/>
+                    </a:lnR>
+                    <a:lnT>
+                      <a:noFill/>
+                    </a:lnT>
+                    <a:lnB>
+                      <a:noFill/>
+                    </a:lnB>
+                  </a:tcPr>
+                </a:tc>
+                <a:tc>
+                  <a:txBody>
+                    <a:bodyPr/>
+                    <a:lstStyle/>
+                    <a:p>
+                      <a:pPr algn="ctr" fontAlgn="ctr"/>
+                      <a:endParaRPr lang="en-IE" sz="3500" b="0" i="0" u="none" strike="noStrike">
+                        <a:solidFill>
+                          <a:srgbClr val="000000"/>
+                        </a:solidFill>
+                        <a:effectLst/>
+                        <a:latin typeface="Calibri" panose="020F0502020204030204" pitchFamily="34" charset="0"/>
+                      </a:endParaRPr>
+                    </a:p>
+                  </a:txBody>
+                  <a:tcPr marL="30017" marR="30017" marT="30017" marB="0" anchor="ctr">
+                    <a:lnL>
+                      <a:noFill/>
+                    </a:lnL>
+                    <a:lnR>
+                      <a:noFill/>
+                    </a:lnR>
+                    <a:lnT>
+                      <a:noFill/>
+                    </a:lnT>
+                    <a:lnB>
+                      <a:noFill/>
+                    </a:lnB>
+                  </a:tcPr>
+                </a:tc>
+                <a:tc>
+                  <a:txBody>
+                    <a:bodyPr/>
+                    <a:lstStyle/>
+                    <a:p>
+                      <a:pPr algn="ctr" fontAlgn="ctr"/>
+                      <a:endParaRPr lang="en-IE" sz="3500" b="0" i="0" u="none" strike="noStrike">
+                        <a:solidFill>
+                          <a:srgbClr val="000000"/>
+                        </a:solidFill>
+                        <a:effectLst/>
+                        <a:latin typeface="Calibri" panose="020F0502020204030204" pitchFamily="34" charset="0"/>
+                      </a:endParaRPr>
+                    </a:p>
+                  </a:txBody>
+                  <a:tcPr marL="30017" marR="30017" marT="30017" marB="0" anchor="ctr">
+                    <a:lnL>
+                      <a:noFill/>
+                    </a:lnL>
+                    <a:lnR>
+                      <a:noFill/>
+                    </a:lnR>
+                    <a:lnT>
+                      <a:noFill/>
+                    </a:lnT>
+                    <a:lnB>
+                      <a:noFill/>
+                    </a:lnB>
+                  </a:tcPr>
+                </a:tc>
+                <a:tc>
+                  <a:txBody>
+                    <a:bodyPr/>
+                    <a:lstStyle/>
+                    <a:p>
+                      <a:pPr algn="ctr" fontAlgn="ctr"/>
+                      <a:endParaRPr lang="en-IE" sz="3500" b="0" i="0" u="none" strike="noStrike">
+                        <a:solidFill>
+                          <a:srgbClr val="000000"/>
+                        </a:solidFill>
+                        <a:effectLst/>
+                        <a:latin typeface="Calibri" panose="020F0502020204030204" pitchFamily="34" charset="0"/>
+                      </a:endParaRPr>
+                    </a:p>
+                  </a:txBody>
+                  <a:tcPr marL="30017" marR="30017" marT="30017" marB="0" anchor="ctr">
+                    <a:lnL>
+                      <a:noFill/>
+                    </a:lnL>
+                    <a:lnR>
+                      <a:noFill/>
+                    </a:lnR>
+                    <a:lnT>
+                      <a:noFill/>
+                    </a:lnT>
+                    <a:lnB w="6350" cap="flat" cmpd="sng" algn="ctr">
+                      <a:solidFill>
+                        <a:srgbClr val="000000"/>
+                      </a:solidFill>
+                      <a:prstDash val="dashDot"/>
+                      <a:round/>
+                      <a:headEnd type="none" w="med" len="med"/>
+                      <a:tailEnd type="none" w="med" len="med"/>
+                    </a:lnB>
+                  </a:tcPr>
+                </a:tc>
+                <a:tc>
+                  <a:txBody>
+                    <a:bodyPr/>
+                    <a:lstStyle/>
+                    <a:p>
+                      <a:pPr algn="ctr" fontAlgn="ctr"/>
+                      <a:endParaRPr lang="en-IE" sz="3500" b="0" i="0" u="none" strike="noStrike">
+                        <a:solidFill>
+                          <a:srgbClr val="000000"/>
+                        </a:solidFill>
+                        <a:effectLst/>
+                        <a:latin typeface="Calibri" panose="020F0502020204030204" pitchFamily="34" charset="0"/>
+                      </a:endParaRPr>
+                    </a:p>
+                  </a:txBody>
+                  <a:tcPr marL="30017" marR="30017" marT="30017" marB="0" anchor="ctr">
+                    <a:lnL>
+                      <a:noFill/>
+                    </a:lnL>
+                    <a:lnR>
+                      <a:noFill/>
+                    </a:lnR>
+                    <a:lnT>
+                      <a:noFill/>
+                    </a:lnT>
+                    <a:lnB w="6350" cap="flat" cmpd="sng" algn="ctr">
+                      <a:solidFill>
+                        <a:srgbClr val="000000"/>
+                      </a:solidFill>
+                      <a:prstDash val="dashDot"/>
+                      <a:round/>
+                      <a:headEnd type="none" w="med" len="med"/>
+                      <a:tailEnd type="none" w="med" len="med"/>
+                    </a:lnB>
+                  </a:tcPr>
+                </a:tc>
+                <a:tc>
+                  <a:txBody>
+                    <a:bodyPr/>
+                    <a:lstStyle/>
+                    <a:p>
+                      <a:pPr algn="ctr" fontAlgn="ctr"/>
+                      <a:endParaRPr lang="en-IE" sz="3500" b="0" i="0" u="none" strike="noStrike">
+                        <a:solidFill>
+                          <a:srgbClr val="000000"/>
+                        </a:solidFill>
+                        <a:effectLst/>
+                        <a:latin typeface="Calibri" panose="020F0502020204030204" pitchFamily="34" charset="0"/>
+                      </a:endParaRPr>
+                    </a:p>
+                  </a:txBody>
+                  <a:tcPr marL="30017" marR="30017" marT="30017" marB="0" anchor="ctr">
+                    <a:lnL>
+                      <a:noFill/>
+                    </a:lnL>
+                    <a:lnR>
+                      <a:noFill/>
+                    </a:lnR>
+                    <a:lnT>
+                      <a:noFill/>
+                    </a:lnT>
+                    <a:lnB w="6350" cap="flat" cmpd="sng" algn="ctr">
+                      <a:solidFill>
+                        <a:srgbClr val="000000"/>
+                      </a:solidFill>
+                      <a:prstDash val="dashDot"/>
+                      <a:round/>
+                      <a:headEnd type="none" w="med" len="med"/>
+                      <a:tailEnd type="none" w="med" len="med"/>
+                    </a:lnB>
+                  </a:tcPr>
+                </a:tc>
+                <a:tc>
+                  <a:txBody>
+                    <a:bodyPr/>
+                    <a:lstStyle/>
+                    <a:p>
+                      <a:pPr algn="ctr" fontAlgn="ctr"/>
+                      <a:endParaRPr lang="en-IE" sz="3500" b="0" i="0" u="none" strike="noStrike">
+                        <a:solidFill>
+                          <a:srgbClr val="000000"/>
+                        </a:solidFill>
+                        <a:effectLst/>
+                        <a:latin typeface="Calibri" panose="020F0502020204030204" pitchFamily="34" charset="0"/>
+                      </a:endParaRPr>
+                    </a:p>
+                  </a:txBody>
+                  <a:tcPr marL="30017" marR="30017" marT="30017" marB="0" anchor="ctr">
+                    <a:lnL>
+                      <a:noFill/>
+                    </a:lnL>
+                    <a:lnR>
+                      <a:noFill/>
+                    </a:lnR>
+                    <a:lnT>
+                      <a:noFill/>
+                    </a:lnT>
+                    <a:lnB w="6350" cap="flat" cmpd="sng" algn="ctr">
+                      <a:solidFill>
+                        <a:srgbClr val="000000"/>
+                      </a:solidFill>
+                      <a:prstDash val="dashDot"/>
+                      <a:round/>
+                      <a:headEnd type="none" w="med" len="med"/>
+                      <a:tailEnd type="none" w="med" len="med"/>
+                    </a:lnB>
+                  </a:tcPr>
+                </a:tc>
+                <a:tc>
+                  <a:txBody>
+                    <a:bodyPr/>
+                    <a:lstStyle/>
+                    <a:p>
+                      <a:pPr algn="ctr" fontAlgn="ctr"/>
+                      <a:endParaRPr lang="en-IE" sz="3500" b="0" i="0" u="none" strike="noStrike">
+                        <a:solidFill>
+                          <a:srgbClr val="000000"/>
+                        </a:solidFill>
+                        <a:effectLst/>
+                        <a:latin typeface="Calibri" panose="020F0502020204030204" pitchFamily="34" charset="0"/>
+                      </a:endParaRPr>
+                    </a:p>
+                  </a:txBody>
+                  <a:tcPr marL="30017" marR="30017" marT="30017" marB="0" anchor="ctr">
+                    <a:lnL>
+                      <a:noFill/>
+                    </a:lnL>
+                    <a:lnR>
+                      <a:noFill/>
+                    </a:lnR>
+                    <a:lnT>
+                      <a:noFill/>
+                    </a:lnT>
+                    <a:lnB w="6350" cap="flat" cmpd="sng" algn="ctr">
+                      <a:solidFill>
+                        <a:srgbClr val="000000"/>
+                      </a:solidFill>
+                      <a:prstDash val="dashDot"/>
+                      <a:round/>
+                      <a:headEnd type="none" w="med" len="med"/>
+                      <a:tailEnd type="none" w="med" len="med"/>
+                    </a:lnB>
+                  </a:tcPr>
+                </a:tc>
+                <a:tc>
+                  <a:txBody>
+                    <a:bodyPr/>
+                    <a:lstStyle/>
+                    <a:p>
+                      <a:pPr algn="ctr" fontAlgn="ctr"/>
+                      <a:endParaRPr lang="en-IE" sz="3500" b="0" i="0" u="none" strike="noStrike">
+                        <a:solidFill>
+                          <a:srgbClr val="000000"/>
+                        </a:solidFill>
+                        <a:effectLst/>
+                        <a:latin typeface="Calibri" panose="020F0502020204030204" pitchFamily="34" charset="0"/>
+                      </a:endParaRPr>
+                    </a:p>
+                  </a:txBody>
+                  <a:tcPr marL="30017" marR="30017" marT="30017" marB="0" anchor="ctr">
+                    <a:lnL>
+                      <a:noFill/>
+                    </a:lnL>
+                    <a:lnR>
+                      <a:noFill/>
+                    </a:lnR>
+                    <a:lnT>
+                      <a:noFill/>
+                    </a:lnT>
+                    <a:lnB>
+                      <a:noFill/>
+                    </a:lnB>
+                  </a:tcPr>
+                </a:tc>
+                <a:tc>
+                  <a:txBody>
+                    <a:bodyPr/>
+                    <a:lstStyle/>
+                    <a:p>
+                      <a:pPr algn="ctr" fontAlgn="ctr"/>
+                      <a:endParaRPr lang="en-IE" sz="3500" b="0" i="0" u="none" strike="noStrike">
+                        <a:solidFill>
+                          <a:srgbClr val="000000"/>
+                        </a:solidFill>
+                        <a:effectLst/>
+                        <a:latin typeface="Calibri" panose="020F0502020204030204" pitchFamily="34" charset="0"/>
+                      </a:endParaRPr>
+                    </a:p>
+                  </a:txBody>
+                  <a:tcPr marL="30017" marR="30017" marT="30017" marB="0" anchor="ctr">
+                    <a:lnL>
+                      <a:noFill/>
+                    </a:lnL>
+                    <a:lnR>
+                      <a:noFill/>
+                    </a:lnR>
+                    <a:lnT>
+                      <a:noFill/>
+                    </a:lnT>
+                    <a:lnB>
+                      <a:noFill/>
+                    </a:lnB>
+                  </a:tcPr>
+                </a:tc>
+                <a:tc>
+                  <a:txBody>
+                    <a:bodyPr/>
+                    <a:lstStyle/>
+                    <a:p>
+                      <a:pPr algn="ctr" fontAlgn="ctr"/>
+                      <a:endParaRPr lang="en-IE" sz="3500" b="0" i="0" u="none" strike="noStrike">
+                        <a:solidFill>
+                          <a:srgbClr val="000000"/>
+                        </a:solidFill>
+                        <a:effectLst/>
+                        <a:latin typeface="Calibri" panose="020F0502020204030204" pitchFamily="34" charset="0"/>
+                      </a:endParaRPr>
+                    </a:p>
+                  </a:txBody>
+                  <a:tcPr marL="30017" marR="30017" marT="30017" marB="0" anchor="ctr">
+                    <a:lnL>
+                      <a:noFill/>
+                    </a:lnL>
+                    <a:lnR>
+                      <a:noFill/>
+                    </a:lnR>
+                    <a:lnT>
+                      <a:noFill/>
+                    </a:lnT>
+                    <a:lnB>
+                      <a:noFill/>
+                    </a:lnB>
+                  </a:tcPr>
+                </a:tc>
+                <a:tc>
+                  <a:txBody>
+                    <a:bodyPr/>
+                    <a:lstStyle/>
+                    <a:p>
+                      <a:pPr algn="ctr" fontAlgn="ctr"/>
+                      <a:endParaRPr lang="en-IE" sz="3500" b="0" i="0" u="none" strike="noStrike">
+                        <a:solidFill>
+                          <a:srgbClr val="000000"/>
+                        </a:solidFill>
+                        <a:effectLst/>
+                        <a:latin typeface="Calibri" panose="020F0502020204030204" pitchFamily="34" charset="0"/>
+                      </a:endParaRPr>
+                    </a:p>
+                  </a:txBody>
+                  <a:tcPr marL="30017" marR="30017" marT="30017" marB="0" anchor="ctr">
+                    <a:lnL>
+                      <a:noFill/>
+                    </a:lnL>
+                    <a:lnR>
+                      <a:noFill/>
+                    </a:lnR>
+                    <a:lnT>
+                      <a:noFill/>
+                    </a:lnT>
+                    <a:lnB>
+                      <a:noFill/>
+                    </a:lnB>
+                  </a:tcPr>
+                </a:tc>
+                <a:tc>
+                  <a:txBody>
+                    <a:bodyPr/>
+                    <a:lstStyle/>
+                    <a:p>
+                      <a:pPr algn="ctr" fontAlgn="ctr"/>
+                      <a:endParaRPr lang="en-IE" sz="3500" b="0" i="0" u="none" strike="noStrike">
+                        <a:solidFill>
+                          <a:srgbClr val="000000"/>
+                        </a:solidFill>
+                        <a:effectLst/>
+                        <a:latin typeface="Calibri" panose="020F0502020204030204" pitchFamily="34" charset="0"/>
+                      </a:endParaRPr>
+                    </a:p>
+                  </a:txBody>
+                  <a:tcPr marL="30017" marR="30017" marT="30017" marB="0" anchor="ctr">
+                    <a:lnL>
+                      <a:noFill/>
+                    </a:lnL>
+                    <a:lnR>
+                      <a:noFill/>
+                    </a:lnR>
+                    <a:lnT>
+                      <a:noFill/>
+                    </a:lnT>
+                    <a:lnB>
+                      <a:noFill/>
+                    </a:lnB>
+                  </a:tcPr>
+                </a:tc>
+                <a:tc>
+                  <a:txBody>
+                    <a:bodyPr/>
+                    <a:lstStyle/>
+                    <a:p>
+                      <a:pPr algn="ctr" fontAlgn="ctr"/>
+                      <a:endParaRPr lang="en-IE" sz="3500" b="0" i="0" u="none" strike="noStrike">
+                        <a:solidFill>
+                          <a:srgbClr val="000000"/>
+                        </a:solidFill>
+                        <a:effectLst/>
+                        <a:latin typeface="Calibri" panose="020F0502020204030204" pitchFamily="34" charset="0"/>
+                      </a:endParaRPr>
+                    </a:p>
+                  </a:txBody>
+                  <a:tcPr marL="30017" marR="30017" marT="30017" marB="0" anchor="ctr">
+                    <a:lnL>
+                      <a:noFill/>
+                    </a:lnL>
+                    <a:lnR>
+                      <a:noFill/>
+                    </a:lnR>
+                    <a:lnT>
+                      <a:noFill/>
+                    </a:lnT>
+                    <a:lnB>
+                      <a:noFill/>
+                    </a:lnB>
+                  </a:tcPr>
+                </a:tc>
+                <a:tc>
+                  <a:txBody>
+                    <a:bodyPr/>
+                    <a:lstStyle/>
+                    <a:p>
+                      <a:pPr algn="ctr" fontAlgn="ctr"/>
+                      <a:endParaRPr lang="en-IE" sz="3500" b="0" i="0" u="none" strike="noStrike">
+                        <a:solidFill>
+                          <a:srgbClr val="000000"/>
+                        </a:solidFill>
+                        <a:effectLst/>
+                        <a:latin typeface="Calibri" panose="020F0502020204030204" pitchFamily="34" charset="0"/>
+                      </a:endParaRPr>
+                    </a:p>
+                  </a:txBody>
+                  <a:tcPr marL="30017" marR="30017" marT="30017" marB="0" anchor="ctr">
+                    <a:lnL>
+                      <a:noFill/>
+                    </a:lnL>
+                    <a:lnR>
+                      <a:noFill/>
+                    </a:lnR>
+                    <a:lnT>
+                      <a:noFill/>
+                    </a:lnT>
+                    <a:lnB>
+                      <a:noFill/>
+                    </a:lnB>
+                  </a:tcPr>
+                </a:tc>
+                <a:tc>
+                  <a:txBody>
+                    <a:bodyPr/>
+                    <a:lstStyle/>
+                    <a:p>
+                      <a:pPr algn="ctr" fontAlgn="ctr"/>
+                      <a:endParaRPr lang="en-IE" sz="3500" b="0" i="0" u="none" strike="noStrike">
+                        <a:solidFill>
+                          <a:srgbClr val="000000"/>
+                        </a:solidFill>
+                        <a:effectLst/>
+                        <a:latin typeface="Calibri" panose="020F0502020204030204" pitchFamily="34" charset="0"/>
+                      </a:endParaRPr>
+                    </a:p>
+                  </a:txBody>
+                  <a:tcPr marL="30017" marR="30017" marT="30017" marB="0" anchor="ctr">
+                    <a:lnL>
+                      <a:noFill/>
+                    </a:lnL>
+                    <a:lnR>
+                      <a:noFill/>
+                    </a:lnR>
+                    <a:lnT>
+                      <a:noFill/>
+                    </a:lnT>
+                    <a:lnB>
+                      <a:noFill/>
+                    </a:lnB>
+                  </a:tcPr>
+                </a:tc>
+                <a:extLst>
+                  <a:ext uri="{0D108BD9-81ED-4DB2-BD59-A6C34878D82A}">
+                    <a16:rowId xmlns:a16="http://schemas.microsoft.com/office/drawing/2014/main" val="611076012"/>
+                  </a:ext>
+                </a:extLst>
+              </a:tr>
+              <a:tr h="630354">
+                <a:tc>
+                  <a:txBody>
+                    <a:bodyPr/>
+                    <a:lstStyle/>
+                    <a:p>
+                      <a:pPr algn="ctr" fontAlgn="ctr"/>
+                      <a:endParaRPr lang="en-IE" sz="3500" b="0" i="0" u="none" strike="noStrike">
+                        <a:solidFill>
+                          <a:srgbClr val="000000"/>
+                        </a:solidFill>
+                        <a:effectLst/>
+                        <a:latin typeface="Calibri" panose="020F0502020204030204" pitchFamily="34" charset="0"/>
+                      </a:endParaRPr>
+                    </a:p>
+                  </a:txBody>
+                  <a:tcPr marL="30017" marR="30017" marT="30017" marB="0" anchor="ctr">
+                    <a:lnL>
+                      <a:noFill/>
+                    </a:lnL>
+                    <a:lnR>
+                      <a:noFill/>
+                    </a:lnR>
+                    <a:lnT>
+                      <a:noFill/>
+                    </a:lnT>
+                    <a:lnB>
+                      <a:noFill/>
+                    </a:lnB>
+                  </a:tcPr>
+                </a:tc>
+                <a:tc>
+                  <a:txBody>
+                    <a:bodyPr/>
+                    <a:lstStyle/>
+                    <a:p>
+                      <a:pPr algn="l" fontAlgn="b"/>
+                      <a:endParaRPr lang="en-IE" sz="3500" b="0" i="0" u="none" strike="noStrike">
+                        <a:solidFill>
+                          <a:srgbClr val="000000"/>
+                        </a:solidFill>
+                        <a:effectLst/>
+                        <a:latin typeface="Calibri" panose="020F0502020204030204" pitchFamily="34" charset="0"/>
+                      </a:endParaRPr>
+                    </a:p>
+                  </a:txBody>
+                  <a:tcPr marL="30017" marR="30017" marT="30017" marB="0" anchor="b">
+                    <a:lnL>
+                      <a:noFill/>
+                    </a:lnL>
+                    <a:lnR>
+                      <a:noFill/>
+                    </a:lnR>
+                    <a:lnT>
+                      <a:noFill/>
+                    </a:lnT>
+                    <a:lnB>
+                      <a:noFill/>
+                    </a:lnB>
+                  </a:tcPr>
+                </a:tc>
+                <a:tc>
+                  <a:txBody>
+                    <a:bodyPr/>
+                    <a:lstStyle/>
+                    <a:p>
+                      <a:pPr algn="l" fontAlgn="b"/>
+                      <a:r>
+                        <a:rPr lang="en-IE" sz="3500" b="0" i="0" u="none" strike="noStrike">
+                          <a:solidFill>
+                            <a:srgbClr val="000000"/>
+                          </a:solidFill>
+                          <a:effectLst/>
+                          <a:latin typeface="Calibri" panose="020F0502020204030204" pitchFamily="34" charset="0"/>
+                        </a:rPr>
+                        <a:t> </a:t>
+                      </a:r>
+                    </a:p>
+                  </a:txBody>
+                  <a:tcPr marL="30017" marR="30017" marT="30017" marB="0" anchor="b">
+                    <a:lnL>
+                      <a:noFill/>
+                    </a:lnL>
+                    <a:lnR w="6350" cap="flat" cmpd="sng" algn="ctr">
+                      <a:solidFill>
+                        <a:srgbClr val="000000"/>
+                      </a:solidFill>
+                      <a:prstDash val="dashDot"/>
+                      <a:round/>
+                      <a:headEnd type="none" w="med" len="med"/>
+                      <a:tailEnd type="none" w="med" len="med"/>
+                    </a:lnR>
+                    <a:lnT>
+                      <a:noFill/>
+                    </a:lnT>
+                    <a:lnB w="6350" cap="flat" cmpd="sng" algn="ctr">
+                      <a:solidFill>
+                        <a:srgbClr val="000000"/>
+                      </a:solidFill>
+                      <a:prstDash val="dashDot"/>
+                      <a:round/>
+                      <a:headEnd type="none" w="med" len="med"/>
+                      <a:tailEnd type="none" w="med" len="med"/>
+                    </a:lnB>
+                  </a:tcPr>
+                </a:tc>
+                <a:tc>
+                  <a:txBody>
+                    <a:bodyPr/>
+                    <a:lstStyle/>
+                    <a:p>
+                      <a:pPr algn="l" fontAlgn="b"/>
+                      <a:r>
+                        <a:rPr lang="en-IE" sz="3500" b="0" i="0" u="none" strike="noStrike">
+                          <a:solidFill>
+                            <a:srgbClr val="000000"/>
+                          </a:solidFill>
+                          <a:effectLst/>
+                          <a:latin typeface="Calibri" panose="020F0502020204030204" pitchFamily="34" charset="0"/>
+                        </a:rPr>
+                        <a:t> </a:t>
+                      </a:r>
+                    </a:p>
+                  </a:txBody>
+                  <a:tcPr marL="30017" marR="30017" marT="30017" marB="0" anchor="b">
+                    <a:lnL w="6350" cap="flat" cmpd="sng" algn="ctr">
+                      <a:solidFill>
+                        <a:srgbClr val="000000"/>
+                      </a:solidFill>
+                      <a:prstDash val="dashDot"/>
+                      <a:round/>
+                      <a:headEnd type="none" w="med" len="med"/>
+                      <a:tailEnd type="none" w="med" len="med"/>
+                    </a:lnL>
+                    <a:lnR>
+                      <a:noFill/>
+                    </a:lnR>
+                    <a:lnT w="6350" cap="flat" cmpd="sng" algn="ctr">
+                      <a:solidFill>
+                        <a:srgbClr val="000000"/>
+                      </a:solidFill>
+                      <a:prstDash val="dashDot"/>
+                      <a:round/>
+                      <a:headEnd type="none" w="med" len="med"/>
+                      <a:tailEnd type="none" w="med" len="med"/>
+                    </a:lnT>
+                    <a:lnB w="19050" cap="flat" cmpd="sng" algn="ctr">
+                      <a:solidFill>
+                        <a:srgbClr val="000000"/>
+                      </a:solidFill>
+                      <a:prstDash val="solid"/>
+                      <a:round/>
+                      <a:headEnd type="none" w="med" len="med"/>
+                      <a:tailEnd type="none" w="med" len="med"/>
+                    </a:lnB>
+                  </a:tcPr>
+                </a:tc>
+                <a:tc>
+                  <a:txBody>
+                    <a:bodyPr/>
+                    <a:lstStyle/>
+                    <a:p>
+                      <a:pPr algn="l" fontAlgn="b"/>
+                      <a:r>
+                        <a:rPr lang="en-IE" sz="3500" b="0" i="0" u="none" strike="noStrike">
+                          <a:solidFill>
+                            <a:srgbClr val="000000"/>
+                          </a:solidFill>
+                          <a:effectLst/>
+                          <a:latin typeface="Calibri" panose="020F0502020204030204" pitchFamily="34" charset="0"/>
+                        </a:rPr>
+                        <a:t> </a:t>
+                      </a:r>
+                    </a:p>
+                  </a:txBody>
+                  <a:tcPr marL="30017" marR="30017" marT="30017" marB="0" anchor="b">
+                    <a:lnL>
+                      <a:noFill/>
+                    </a:lnL>
+                    <a:lnR>
+                      <a:noFill/>
+                    </a:lnR>
+                    <a:lnT w="6350" cap="flat" cmpd="sng" algn="ctr">
+                      <a:solidFill>
+                        <a:srgbClr val="000000"/>
+                      </a:solidFill>
+                      <a:prstDash val="dashDot"/>
+                      <a:round/>
+                      <a:headEnd type="none" w="med" len="med"/>
+                      <a:tailEnd type="none" w="med" len="med"/>
+                    </a:lnT>
+                    <a:lnB w="19050" cap="flat" cmpd="sng" algn="ctr">
+                      <a:solidFill>
+                        <a:srgbClr val="000000"/>
+                      </a:solidFill>
+                      <a:prstDash val="solid"/>
+                      <a:round/>
+                      <a:headEnd type="none" w="med" len="med"/>
+                      <a:tailEnd type="none" w="med" len="med"/>
+                    </a:lnB>
+                  </a:tcPr>
+                </a:tc>
+                <a:tc>
+                  <a:txBody>
+                    <a:bodyPr/>
+                    <a:lstStyle/>
+                    <a:p>
+                      <a:pPr algn="l" fontAlgn="b"/>
+                      <a:r>
+                        <a:rPr lang="en-IE" sz="3500" b="0" i="0" u="none" strike="noStrike">
+                          <a:solidFill>
+                            <a:srgbClr val="000000"/>
+                          </a:solidFill>
+                          <a:effectLst/>
+                          <a:latin typeface="Calibri" panose="020F0502020204030204" pitchFamily="34" charset="0"/>
+                        </a:rPr>
+                        <a:t> </a:t>
+                      </a:r>
+                    </a:p>
+                  </a:txBody>
+                  <a:tcPr marL="30017" marR="30017" marT="30017" marB="0" anchor="b">
+                    <a:lnL>
+                      <a:noFill/>
+                    </a:lnL>
+                    <a:lnR>
+                      <a:noFill/>
+                    </a:lnR>
+                    <a:lnT w="6350" cap="flat" cmpd="sng" algn="ctr">
+                      <a:solidFill>
+                        <a:srgbClr val="000000"/>
+                      </a:solidFill>
+                      <a:prstDash val="dashDot"/>
+                      <a:round/>
+                      <a:headEnd type="none" w="med" len="med"/>
+                      <a:tailEnd type="none" w="med" len="med"/>
+                    </a:lnT>
+                    <a:lnB w="19050" cap="flat" cmpd="sng" algn="ctr">
+                      <a:solidFill>
+                        <a:srgbClr val="000000"/>
+                      </a:solidFill>
+                      <a:prstDash val="solid"/>
+                      <a:round/>
+                      <a:headEnd type="none" w="med" len="med"/>
+                      <a:tailEnd type="none" w="med" len="med"/>
+                    </a:lnB>
+                  </a:tcPr>
+                </a:tc>
+                <a:tc>
+                  <a:txBody>
+                    <a:bodyPr/>
+                    <a:lstStyle/>
+                    <a:p>
+                      <a:pPr algn="l" fontAlgn="b"/>
+                      <a:r>
+                        <a:rPr lang="en-IE" sz="3500" b="0" i="0" u="none" strike="noStrike">
+                          <a:solidFill>
+                            <a:srgbClr val="000000"/>
+                          </a:solidFill>
+                          <a:effectLst/>
+                          <a:latin typeface="Calibri" panose="020F0502020204030204" pitchFamily="34" charset="0"/>
+                        </a:rPr>
+                        <a:t> </a:t>
+                      </a:r>
+                    </a:p>
+                  </a:txBody>
+                  <a:tcPr marL="30017" marR="30017" marT="30017" marB="0" anchor="b">
+                    <a:lnL>
+                      <a:noFill/>
+                    </a:lnL>
+                    <a:lnR>
+                      <a:noFill/>
+                    </a:lnR>
+                    <a:lnT w="6350" cap="flat" cmpd="sng" algn="ctr">
+                      <a:solidFill>
+                        <a:srgbClr val="000000"/>
+                      </a:solidFill>
+                      <a:prstDash val="dashDot"/>
+                      <a:round/>
+                      <a:headEnd type="none" w="med" len="med"/>
+                      <a:tailEnd type="none" w="med" len="med"/>
+                    </a:lnT>
+                    <a:lnB w="19050" cap="flat" cmpd="sng" algn="ctr">
+                      <a:solidFill>
+                        <a:srgbClr val="000000"/>
+                      </a:solidFill>
+                      <a:prstDash val="solid"/>
+                      <a:round/>
+                      <a:headEnd type="none" w="med" len="med"/>
+                      <a:tailEnd type="none" w="med" len="med"/>
+                    </a:lnB>
+                  </a:tcPr>
+                </a:tc>
+                <a:tc>
+                  <a:txBody>
+                    <a:bodyPr/>
+                    <a:lstStyle/>
+                    <a:p>
+                      <a:pPr algn="l" fontAlgn="b"/>
+                      <a:r>
+                        <a:rPr lang="en-IE" sz="3500" b="0" i="0" u="none" strike="noStrike">
+                          <a:solidFill>
+                            <a:srgbClr val="000000"/>
+                          </a:solidFill>
+                          <a:effectLst/>
+                          <a:latin typeface="Calibri" panose="020F0502020204030204" pitchFamily="34" charset="0"/>
+                        </a:rPr>
+                        <a:t> </a:t>
+                      </a:r>
+                    </a:p>
+                  </a:txBody>
+                  <a:tcPr marL="30017" marR="30017" marT="30017" marB="0" anchor="b">
+                    <a:lnL>
+                      <a:noFill/>
+                    </a:lnL>
+                    <a:lnR w="6350" cap="flat" cmpd="sng" algn="ctr">
+                      <a:solidFill>
+                        <a:srgbClr val="000000"/>
+                      </a:solidFill>
+                      <a:prstDash val="dashDot"/>
+                      <a:round/>
+                      <a:headEnd type="none" w="med" len="med"/>
+                      <a:tailEnd type="none" w="med" len="med"/>
+                    </a:lnR>
+                    <a:lnT w="6350" cap="flat" cmpd="sng" algn="ctr">
+                      <a:solidFill>
+                        <a:srgbClr val="000000"/>
+                      </a:solidFill>
+                      <a:prstDash val="dashDot"/>
+                      <a:round/>
+                      <a:headEnd type="none" w="med" len="med"/>
+                      <a:tailEnd type="none" w="med" len="med"/>
+                    </a:lnT>
+                    <a:lnB w="19050" cap="flat" cmpd="sng" algn="ctr">
+                      <a:solidFill>
+                        <a:srgbClr val="000000"/>
+                      </a:solidFill>
+                      <a:prstDash val="solid"/>
+                      <a:round/>
+                      <a:headEnd type="none" w="med" len="med"/>
+                      <a:tailEnd type="none" w="med" len="med"/>
+                    </a:lnB>
+                  </a:tcPr>
+                </a:tc>
+                <a:tc>
+                  <a:txBody>
+                    <a:bodyPr/>
+                    <a:lstStyle/>
+                    <a:p>
+                      <a:pPr algn="l" fontAlgn="b"/>
+                      <a:r>
+                        <a:rPr lang="en-IE" sz="3500" b="0" i="0" u="none" strike="noStrike">
+                          <a:solidFill>
+                            <a:srgbClr val="000000"/>
+                          </a:solidFill>
+                          <a:effectLst/>
+                          <a:latin typeface="Calibri" panose="020F0502020204030204" pitchFamily="34" charset="0"/>
+                        </a:rPr>
+                        <a:t> </a:t>
+                      </a:r>
+                    </a:p>
+                  </a:txBody>
+                  <a:tcPr marL="30017" marR="30017" marT="30017" marB="0" anchor="b">
+                    <a:lnL w="6350" cap="flat" cmpd="sng" algn="ctr">
+                      <a:solidFill>
+                        <a:srgbClr val="000000"/>
+                      </a:solidFill>
+                      <a:prstDash val="dashDot"/>
+                      <a:round/>
+                      <a:headEnd type="none" w="med" len="med"/>
+                      <a:tailEnd type="none" w="med" len="med"/>
+                    </a:lnL>
+                    <a:lnR>
+                      <a:noFill/>
+                    </a:lnR>
+                    <a:lnT>
+                      <a:noFill/>
+                    </a:lnT>
+                    <a:lnB w="6350" cap="flat" cmpd="sng" algn="ctr">
+                      <a:solidFill>
+                        <a:srgbClr val="000000"/>
+                      </a:solidFill>
+                      <a:prstDash val="dashDot"/>
+                      <a:round/>
+                      <a:headEnd type="none" w="med" len="med"/>
+                      <a:tailEnd type="none" w="med" len="med"/>
+                    </a:lnB>
+                  </a:tcPr>
+                </a:tc>
+                <a:tc>
+                  <a:txBody>
+                    <a:bodyPr/>
+                    <a:lstStyle/>
+                    <a:p>
+                      <a:pPr algn="l" fontAlgn="b"/>
+                      <a:r>
+                        <a:rPr lang="en-IE" sz="3500" b="0" i="0" u="none" strike="noStrike">
+                          <a:solidFill>
+                            <a:srgbClr val="000000"/>
+                          </a:solidFill>
+                          <a:effectLst/>
+                          <a:latin typeface="Calibri" panose="020F0502020204030204" pitchFamily="34" charset="0"/>
+                        </a:rPr>
+                        <a:t> </a:t>
+                      </a:r>
+                    </a:p>
+                  </a:txBody>
+                  <a:tcPr marL="30017" marR="30017" marT="30017" marB="0" anchor="b">
+                    <a:lnL>
+                      <a:noFill/>
+                    </a:lnL>
+                    <a:lnR>
+                      <a:noFill/>
+                    </a:lnR>
+                    <a:lnT>
+                      <a:noFill/>
+                    </a:lnT>
+                    <a:lnB w="19050" cap="flat" cmpd="sng" algn="ctr">
+                      <a:solidFill>
+                        <a:srgbClr val="000000"/>
+                      </a:solidFill>
+                      <a:prstDash val="solid"/>
+                      <a:round/>
+                      <a:headEnd type="none" w="med" len="med"/>
+                      <a:tailEnd type="none" w="med" len="med"/>
+                    </a:lnB>
+                  </a:tcPr>
+                </a:tc>
+                <a:tc>
+                  <a:txBody>
+                    <a:bodyPr/>
+                    <a:lstStyle/>
+                    <a:p>
+                      <a:pPr algn="l" fontAlgn="b"/>
+                      <a:r>
+                        <a:rPr lang="en-IE" sz="3500" b="0" i="0" u="none" strike="noStrike">
+                          <a:solidFill>
+                            <a:srgbClr val="000000"/>
+                          </a:solidFill>
+                          <a:effectLst/>
+                          <a:latin typeface="Calibri" panose="020F0502020204030204" pitchFamily="34" charset="0"/>
+                        </a:rPr>
+                        <a:t> </a:t>
+                      </a:r>
+                    </a:p>
+                  </a:txBody>
+                  <a:tcPr marL="30017" marR="30017" marT="30017" marB="0" anchor="b">
+                    <a:lnL>
+                      <a:noFill/>
+                    </a:lnL>
+                    <a:lnR>
+                      <a:noFill/>
+                    </a:lnR>
+                    <a:lnT>
+                      <a:noFill/>
+                    </a:lnT>
+                    <a:lnB w="19050" cap="flat" cmpd="sng" algn="ctr">
+                      <a:solidFill>
+                        <a:srgbClr val="000000"/>
+                      </a:solidFill>
+                      <a:prstDash val="solid"/>
+                      <a:round/>
+                      <a:headEnd type="none" w="med" len="med"/>
+                      <a:tailEnd type="none" w="med" len="med"/>
+                    </a:lnB>
+                  </a:tcPr>
+                </a:tc>
+                <a:tc>
+                  <a:txBody>
+                    <a:bodyPr/>
+                    <a:lstStyle/>
+                    <a:p>
+                      <a:pPr algn="l" fontAlgn="b"/>
+                      <a:r>
+                        <a:rPr lang="en-IE" sz="3500" b="0" i="0" u="none" strike="noStrike">
+                          <a:solidFill>
+                            <a:srgbClr val="000000"/>
+                          </a:solidFill>
+                          <a:effectLst/>
+                          <a:latin typeface="Calibri" panose="020F0502020204030204" pitchFamily="34" charset="0"/>
+                        </a:rPr>
+                        <a:t> </a:t>
+                      </a:r>
+                    </a:p>
+                  </a:txBody>
+                  <a:tcPr marL="30017" marR="30017" marT="30017" marB="0" anchor="b">
+                    <a:lnL>
+                      <a:noFill/>
+                    </a:lnL>
+                    <a:lnR>
+                      <a:noFill/>
+                    </a:lnR>
+                    <a:lnT>
+                      <a:noFill/>
+                    </a:lnT>
+                    <a:lnB w="19050" cap="flat" cmpd="sng" algn="ctr">
+                      <a:solidFill>
+                        <a:srgbClr val="000000"/>
+                      </a:solidFill>
+                      <a:prstDash val="solid"/>
+                      <a:round/>
+                      <a:headEnd type="none" w="med" len="med"/>
+                      <a:tailEnd type="none" w="med" len="med"/>
+                    </a:lnB>
+                  </a:tcPr>
+                </a:tc>
+                <a:tc>
+                  <a:txBody>
+                    <a:bodyPr/>
+                    <a:lstStyle/>
+                    <a:p>
+                      <a:pPr algn="l" fontAlgn="b"/>
+                      <a:r>
+                        <a:rPr lang="en-IE" sz="3500" b="0" i="0" u="none" strike="noStrike">
+                          <a:solidFill>
+                            <a:srgbClr val="000000"/>
+                          </a:solidFill>
+                          <a:effectLst/>
+                          <a:latin typeface="Calibri" panose="020F0502020204030204" pitchFamily="34" charset="0"/>
+                        </a:rPr>
+                        <a:t> </a:t>
+                      </a:r>
+                    </a:p>
+                  </a:txBody>
+                  <a:tcPr marL="30017" marR="30017" marT="30017" marB="0" anchor="b">
+                    <a:lnL>
+                      <a:noFill/>
+                    </a:lnL>
+                    <a:lnR>
+                      <a:noFill/>
+                    </a:lnR>
+                    <a:lnT>
+                      <a:noFill/>
+                    </a:lnT>
+                    <a:lnB w="19050" cap="flat" cmpd="sng" algn="ctr">
+                      <a:solidFill>
+                        <a:srgbClr val="000000"/>
+                      </a:solidFill>
+                      <a:prstDash val="solid"/>
+                      <a:round/>
+                      <a:headEnd type="none" w="med" len="med"/>
+                      <a:tailEnd type="none" w="med" len="med"/>
+                    </a:lnB>
+                  </a:tcPr>
+                </a:tc>
+                <a:tc>
+                  <a:txBody>
+                    <a:bodyPr/>
+                    <a:lstStyle/>
+                    <a:p>
+                      <a:pPr algn="l" fontAlgn="b"/>
+                      <a:r>
+                        <a:rPr lang="en-IE" sz="3500" b="0" i="0" u="none" strike="noStrike">
+                          <a:solidFill>
+                            <a:srgbClr val="000000"/>
+                          </a:solidFill>
+                          <a:effectLst/>
+                          <a:latin typeface="Calibri" panose="020F0502020204030204" pitchFamily="34" charset="0"/>
+                        </a:rPr>
+                        <a:t> </a:t>
+                      </a:r>
+                    </a:p>
+                  </a:txBody>
+                  <a:tcPr marL="30017" marR="30017" marT="30017" marB="0" anchor="b">
+                    <a:lnL>
+                      <a:noFill/>
+                    </a:lnL>
+                    <a:lnR>
+                      <a:noFill/>
+                    </a:lnR>
+                    <a:lnT>
+                      <a:noFill/>
+                    </a:lnT>
+                    <a:lnB w="19050" cap="flat" cmpd="sng" algn="ctr">
+                      <a:solidFill>
+                        <a:srgbClr val="000000"/>
+                      </a:solidFill>
+                      <a:prstDash val="solid"/>
+                      <a:round/>
+                      <a:headEnd type="none" w="med" len="med"/>
+                      <a:tailEnd type="none" w="med" len="med"/>
+                    </a:lnB>
+                  </a:tcPr>
+                </a:tc>
+                <a:tc>
+                  <a:txBody>
+                    <a:bodyPr/>
+                    <a:lstStyle/>
+                    <a:p>
+                      <a:pPr algn="ctr" fontAlgn="ctr"/>
+                      <a:endParaRPr lang="en-IE" sz="3500" b="0" i="0" u="none" strike="noStrike">
+                        <a:solidFill>
+                          <a:srgbClr val="000000"/>
+                        </a:solidFill>
+                        <a:effectLst/>
+                        <a:latin typeface="Calibri" panose="020F0502020204030204" pitchFamily="34" charset="0"/>
+                      </a:endParaRPr>
+                    </a:p>
+                  </a:txBody>
+                  <a:tcPr marL="30017" marR="30017" marT="30017" marB="0" anchor="ctr">
+                    <a:lnL>
+                      <a:noFill/>
+                    </a:lnL>
+                    <a:lnR>
+                      <a:noFill/>
+                    </a:lnR>
+                    <a:lnT>
+                      <a:noFill/>
+                    </a:lnT>
+                    <a:lnB>
+                      <a:noFill/>
+                    </a:lnB>
+                  </a:tcPr>
+                </a:tc>
+                <a:tc>
+                  <a:txBody>
+                    <a:bodyPr/>
+                    <a:lstStyle/>
+                    <a:p>
+                      <a:pPr algn="ctr" fontAlgn="ctr"/>
+                      <a:endParaRPr lang="en-IE" sz="3500" b="0" i="0" u="none" strike="noStrike">
+                        <a:solidFill>
+                          <a:srgbClr val="000000"/>
+                        </a:solidFill>
+                        <a:effectLst/>
+                        <a:latin typeface="Calibri" panose="020F0502020204030204" pitchFamily="34" charset="0"/>
+                      </a:endParaRPr>
+                    </a:p>
+                  </a:txBody>
+                  <a:tcPr marL="30017" marR="30017" marT="30017" marB="0" anchor="ctr">
+                    <a:lnL>
+                      <a:noFill/>
+                    </a:lnL>
+                    <a:lnR>
+                      <a:noFill/>
+                    </a:lnR>
+                    <a:lnT>
+                      <a:noFill/>
+                    </a:lnT>
+                    <a:lnB>
+                      <a:noFill/>
+                    </a:lnB>
+                  </a:tcPr>
+                </a:tc>
+                <a:extLst>
+                  <a:ext uri="{0D108BD9-81ED-4DB2-BD59-A6C34878D82A}">
+                    <a16:rowId xmlns:a16="http://schemas.microsoft.com/office/drawing/2014/main" val="925996136"/>
+                  </a:ext>
+                </a:extLst>
+              </a:tr>
+              <a:tr h="660372">
+                <a:tc>
+                  <a:txBody>
+                    <a:bodyPr/>
+                    <a:lstStyle/>
+                    <a:p>
+                      <a:pPr algn="ctr" fontAlgn="ctr"/>
+                      <a:endParaRPr lang="en-IE" sz="3500" b="0" i="0" u="none" strike="noStrike">
+                        <a:solidFill>
+                          <a:srgbClr val="000000"/>
+                        </a:solidFill>
+                        <a:effectLst/>
+                        <a:latin typeface="Calibri" panose="020F0502020204030204" pitchFamily="34" charset="0"/>
+                      </a:endParaRPr>
+                    </a:p>
+                  </a:txBody>
+                  <a:tcPr marL="30017" marR="30017" marT="30017" marB="0" anchor="ctr">
+                    <a:lnL>
+                      <a:noFill/>
+                    </a:lnL>
+                    <a:lnR>
+                      <a:noFill/>
+                    </a:lnR>
+                    <a:lnT>
+                      <a:noFill/>
+                    </a:lnT>
+                    <a:lnB>
+                      <a:noFill/>
+                    </a:lnB>
+                  </a:tcPr>
+                </a:tc>
+                <a:tc>
+                  <a:txBody>
+                    <a:bodyPr/>
+                    <a:lstStyle/>
+                    <a:p>
+                      <a:pPr algn="l" fontAlgn="b"/>
+                      <a:r>
+                        <a:rPr lang="en-IE" sz="3500" b="0" i="0" u="none" strike="noStrike">
+                          <a:solidFill>
+                            <a:srgbClr val="000000"/>
+                          </a:solidFill>
+                          <a:effectLst/>
+                          <a:latin typeface="Calibri" panose="020F0502020204030204" pitchFamily="34" charset="0"/>
+                        </a:rPr>
+                        <a:t> </a:t>
+                      </a:r>
+                    </a:p>
+                  </a:txBody>
+                  <a:tcPr marL="30017" marR="30017" marT="30017" marB="0" anchor="b">
+                    <a:lnL>
+                      <a:noFill/>
+                    </a:lnL>
+                    <a:lnR w="6350" cap="flat" cmpd="sng" algn="ctr">
+                      <a:solidFill>
+                        <a:srgbClr val="000000"/>
+                      </a:solidFill>
+                      <a:prstDash val="dashDot"/>
+                      <a:round/>
+                      <a:headEnd type="none" w="med" len="med"/>
+                      <a:tailEnd type="none" w="med" len="med"/>
+                    </a:lnR>
+                    <a:lnT>
+                      <a:noFill/>
+                    </a:lnT>
+                    <a:lnB>
+                      <a:noFill/>
+                    </a:lnB>
+                  </a:tcPr>
+                </a:tc>
+                <a:tc>
+                  <a:txBody>
+                    <a:bodyPr/>
+                    <a:lstStyle/>
+                    <a:p>
+                      <a:pPr algn="l" fontAlgn="b"/>
+                      <a:r>
+                        <a:rPr lang="en-IE" sz="2600" b="0" i="0" u="none" strike="noStrike">
+                          <a:solidFill>
+                            <a:srgbClr val="000000"/>
+                          </a:solidFill>
+                          <a:effectLst/>
+                          <a:latin typeface="Calibri" panose="020F0502020204030204" pitchFamily="34" charset="0"/>
+                        </a:rPr>
+                        <a:t> </a:t>
+                      </a:r>
+                    </a:p>
+                  </a:txBody>
+                  <a:tcPr marL="30017" marR="30017" marT="30017" marB="0" anchor="b">
+                    <a:lnL w="6350" cap="flat" cmpd="sng" algn="ctr">
+                      <a:solidFill>
+                        <a:srgbClr val="000000"/>
+                      </a:solidFill>
+                      <a:prstDash val="dashDot"/>
+                      <a:round/>
+                      <a:headEnd type="none" w="med" len="med"/>
+                      <a:tailEnd type="none" w="med" len="med"/>
+                    </a:lnL>
+                    <a:lnR w="19050" cap="flat" cmpd="sng" algn="ctr">
+                      <a:solidFill>
+                        <a:srgbClr val="000000"/>
+                      </a:solidFill>
+                      <a:prstDash val="solid"/>
+                      <a:round/>
+                      <a:headEnd type="none" w="med" len="med"/>
+                      <a:tailEnd type="none" w="med" len="med"/>
+                    </a:lnR>
+                    <a:lnT w="6350" cap="flat" cmpd="sng" algn="ctr">
+                      <a:solidFill>
+                        <a:srgbClr val="000000"/>
+                      </a:solidFill>
+                      <a:prstDash val="dashDot"/>
+                      <a:round/>
+                      <a:headEnd type="none" w="med" len="med"/>
+                      <a:tailEnd type="none" w="med" len="med"/>
+                    </a:lnT>
+                    <a:lnB w="6350" cap="flat" cmpd="sng" algn="ctr">
+                      <a:solidFill>
+                        <a:srgbClr val="000000"/>
+                      </a:solidFill>
+                      <a:prstDash val="dashDot"/>
+                      <a:round/>
+                      <a:headEnd type="none" w="med" len="med"/>
+                      <a:tailEnd type="none" w="med" len="med"/>
+                    </a:lnB>
+                  </a:tcPr>
+                </a:tc>
+                <a:tc>
+                  <a:txBody>
+                    <a:bodyPr/>
+                    <a:lstStyle/>
+                    <a:p>
+                      <a:pPr algn="l" fontAlgn="b"/>
+                      <a:r>
+                        <a:rPr lang="en-IE" sz="3500" b="0" i="0" u="none" strike="noStrike">
+                          <a:solidFill>
+                            <a:srgbClr val="000000"/>
+                          </a:solidFill>
+                          <a:effectLst/>
+                          <a:latin typeface="Calibri" panose="020F0502020204030204" pitchFamily="34" charset="0"/>
+                        </a:rPr>
+                        <a:t> </a:t>
+                      </a:r>
+                    </a:p>
+                  </a:txBody>
+                  <a:tcPr marL="30017" marR="30017" marT="30017" marB="0" anchor="b">
+                    <a:lnL w="19050" cap="flat" cmpd="sng" algn="ctr">
+                      <a:solidFill>
+                        <a:srgbClr val="000000"/>
+                      </a:solidFill>
+                      <a:prstDash val="solid"/>
+                      <a:round/>
+                      <a:headEnd type="none" w="med" len="med"/>
+                      <a:tailEnd type="none" w="med" len="med"/>
+                    </a:lnL>
+                    <a:lnR>
+                      <a:noFill/>
+                    </a:lnR>
+                    <a:lnT w="19050" cap="flat" cmpd="sng" algn="ctr">
+                      <a:solidFill>
+                        <a:srgbClr val="000000"/>
+                      </a:solidFill>
+                      <a:prstDash val="solid"/>
+                      <a:round/>
+                      <a:headEnd type="none" w="med" len="med"/>
+                      <a:tailEnd type="none" w="med" len="med"/>
+                    </a:lnT>
+                    <a:lnB w="19050" cap="flat" cmpd="sng" algn="ctr">
+                      <a:solidFill>
+                        <a:srgbClr val="000000"/>
+                      </a:solidFill>
+                      <a:prstDash val="solid"/>
+                      <a:round/>
+                      <a:headEnd type="none" w="med" len="med"/>
+                      <a:tailEnd type="none" w="med" len="med"/>
+                    </a:lnB>
+                  </a:tcPr>
+                </a:tc>
+                <a:tc>
+                  <a:txBody>
+                    <a:bodyPr/>
+                    <a:lstStyle/>
+                    <a:p>
+                      <a:pPr algn="l" fontAlgn="b"/>
+                      <a:r>
+                        <a:rPr lang="en-IE" sz="3500" b="0" i="0" u="none" strike="noStrike">
+                          <a:solidFill>
+                            <a:srgbClr val="000000"/>
+                          </a:solidFill>
+                          <a:effectLst/>
+                          <a:latin typeface="Calibri" panose="020F0502020204030204" pitchFamily="34" charset="0"/>
+                        </a:rPr>
+                        <a:t> </a:t>
+                      </a:r>
+                    </a:p>
+                  </a:txBody>
+                  <a:tcPr marL="30017" marR="30017" marT="30017" marB="0" anchor="b">
+                    <a:lnL>
+                      <a:noFill/>
+                    </a:lnL>
+                    <a:lnR>
+                      <a:noFill/>
+                    </a:lnR>
+                    <a:lnT w="19050" cap="flat" cmpd="sng" algn="ctr">
+                      <a:solidFill>
+                        <a:srgbClr val="000000"/>
+                      </a:solidFill>
+                      <a:prstDash val="solid"/>
+                      <a:round/>
+                      <a:headEnd type="none" w="med" len="med"/>
+                      <a:tailEnd type="none" w="med" len="med"/>
+                    </a:lnT>
+                    <a:lnB w="19050" cap="flat" cmpd="sng" algn="ctr">
+                      <a:solidFill>
+                        <a:srgbClr val="000000"/>
+                      </a:solidFill>
+                      <a:prstDash val="solid"/>
+                      <a:round/>
+                      <a:headEnd type="none" w="med" len="med"/>
+                      <a:tailEnd type="none" w="med" len="med"/>
+                    </a:lnB>
+                  </a:tcPr>
+                </a:tc>
+                <a:tc>
+                  <a:txBody>
+                    <a:bodyPr/>
+                    <a:lstStyle/>
+                    <a:p>
+                      <a:pPr algn="l" fontAlgn="b"/>
+                      <a:endParaRPr lang="en-IE" sz="3500" b="0" i="0" u="none" strike="noStrike">
+                        <a:solidFill>
+                          <a:srgbClr val="000000"/>
+                        </a:solidFill>
+                        <a:effectLst/>
+                        <a:latin typeface="Calibri" panose="020F0502020204030204" pitchFamily="34" charset="0"/>
+                      </a:endParaRPr>
+                    </a:p>
+                  </a:txBody>
+                  <a:tcPr marL="30017" marR="30017" marT="30017" marB="0" anchor="b">
+                    <a:lnL>
+                      <a:noFill/>
+                    </a:lnL>
+                    <a:lnR>
+                      <a:noFill/>
+                    </a:lnR>
+                    <a:lnT w="19050" cap="flat" cmpd="sng" algn="ctr">
+                      <a:solidFill>
+                        <a:srgbClr val="000000"/>
+                      </a:solidFill>
+                      <a:prstDash val="solid"/>
+                      <a:round/>
+                      <a:headEnd type="none" w="med" len="med"/>
+                      <a:tailEnd type="none" w="med" len="med"/>
+                    </a:lnT>
+                    <a:lnB>
+                      <a:noFill/>
+                    </a:lnB>
+                  </a:tcPr>
+                </a:tc>
+                <a:tc>
+                  <a:txBody>
+                    <a:bodyPr/>
+                    <a:lstStyle/>
+                    <a:p>
+                      <a:pPr algn="l" fontAlgn="b"/>
+                      <a:r>
+                        <a:rPr lang="en-IE" sz="3500" b="0" i="0" u="none" strike="noStrike">
+                          <a:solidFill>
+                            <a:srgbClr val="000000"/>
+                          </a:solidFill>
+                          <a:effectLst/>
+                          <a:latin typeface="Calibri" panose="020F0502020204030204" pitchFamily="34" charset="0"/>
+                        </a:rPr>
+                        <a:t> </a:t>
+                      </a:r>
+                    </a:p>
+                  </a:txBody>
+                  <a:tcPr marL="30017" marR="30017" marT="30017" marB="0" anchor="b">
+                    <a:lnL>
+                      <a:noFill/>
+                    </a:lnL>
+                    <a:lnR>
+                      <a:noFill/>
+                    </a:lnR>
+                    <a:lnT w="19050" cap="flat" cmpd="sng" algn="ctr">
+                      <a:solidFill>
+                        <a:srgbClr val="000000"/>
+                      </a:solidFill>
+                      <a:prstDash val="solid"/>
+                      <a:round/>
+                      <a:headEnd type="none" w="med" len="med"/>
+                      <a:tailEnd type="none" w="med" len="med"/>
+                    </a:lnT>
+                    <a:lnB w="19050" cap="flat" cmpd="sng" algn="ctr">
+                      <a:solidFill>
+                        <a:srgbClr val="000000"/>
+                      </a:solidFill>
+                      <a:prstDash val="solid"/>
+                      <a:round/>
+                      <a:headEnd type="none" w="med" len="med"/>
+                      <a:tailEnd type="none" w="med" len="med"/>
+                    </a:lnB>
+                  </a:tcPr>
+                </a:tc>
+                <a:tc>
+                  <a:txBody>
+                    <a:bodyPr/>
+                    <a:lstStyle/>
+                    <a:p>
+                      <a:pPr algn="l" fontAlgn="b"/>
+                      <a:r>
+                        <a:rPr lang="en-IE" sz="3500" b="0" i="0" u="none" strike="noStrike">
+                          <a:solidFill>
+                            <a:srgbClr val="000000"/>
+                          </a:solidFill>
+                          <a:effectLst/>
+                          <a:latin typeface="Calibri" panose="020F0502020204030204" pitchFamily="34" charset="0"/>
+                        </a:rPr>
+                        <a:t> </a:t>
+                      </a:r>
+                    </a:p>
+                  </a:txBody>
+                  <a:tcPr marL="30017" marR="30017" marT="30017" marB="0" anchor="b">
+                    <a:lnL>
+                      <a:noFill/>
+                    </a:lnL>
+                    <a:lnR w="19050" cap="flat" cmpd="sng" algn="ctr">
+                      <a:solidFill>
+                        <a:srgbClr val="000000"/>
+                      </a:solidFill>
+                      <a:prstDash val="solid"/>
+                      <a:round/>
+                      <a:headEnd type="none" w="med" len="med"/>
+                      <a:tailEnd type="none" w="med" len="med"/>
+                    </a:lnR>
+                    <a:lnT w="19050" cap="flat" cmpd="sng" algn="ctr">
+                      <a:solidFill>
+                        <a:srgbClr val="000000"/>
+                      </a:solidFill>
+                      <a:prstDash val="solid"/>
+                      <a:round/>
+                      <a:headEnd type="none" w="med" len="med"/>
+                      <a:tailEnd type="none" w="med" len="med"/>
+                    </a:lnT>
+                    <a:lnB w="19050" cap="flat" cmpd="sng" algn="ctr">
+                      <a:solidFill>
+                        <a:srgbClr val="000000"/>
+                      </a:solidFill>
+                      <a:prstDash val="solid"/>
+                      <a:round/>
+                      <a:headEnd type="none" w="med" len="med"/>
+                      <a:tailEnd type="none" w="med" len="med"/>
+                    </a:lnB>
+                  </a:tcPr>
+                </a:tc>
+                <a:tc>
+                  <a:txBody>
+                    <a:bodyPr/>
+                    <a:lstStyle/>
+                    <a:p>
+                      <a:pPr algn="l" fontAlgn="b"/>
+                      <a:r>
+                        <a:rPr lang="en-IE" sz="3500" b="0" i="0" u="none" strike="noStrike">
+                          <a:solidFill>
+                            <a:srgbClr val="000000"/>
+                          </a:solidFill>
+                          <a:effectLst/>
+                          <a:latin typeface="Calibri" panose="020F0502020204030204" pitchFamily="34" charset="0"/>
+                        </a:rPr>
+                        <a:t> </a:t>
+                      </a:r>
+                    </a:p>
+                  </a:txBody>
+                  <a:tcPr marL="30017" marR="30017" marT="30017" marB="0" anchor="b">
+                    <a:lnL w="19050" cap="flat" cmpd="sng" algn="ctr">
+                      <a:solidFill>
+                        <a:srgbClr val="000000"/>
+                      </a:solidFill>
+                      <a:prstDash val="solid"/>
+                      <a:round/>
+                      <a:headEnd type="none" w="med" len="med"/>
+                      <a:tailEnd type="none" w="med" len="med"/>
+                    </a:lnL>
+                    <a:lnR w="19050" cap="flat" cmpd="sng" algn="ctr">
+                      <a:solidFill>
+                        <a:srgbClr val="000000"/>
+                      </a:solidFill>
+                      <a:prstDash val="solid"/>
+                      <a:round/>
+                      <a:headEnd type="none" w="med" len="med"/>
+                      <a:tailEnd type="none" w="med" len="med"/>
+                    </a:lnR>
+                    <a:lnT w="6350" cap="flat" cmpd="sng" algn="ctr">
+                      <a:solidFill>
+                        <a:srgbClr val="000000"/>
+                      </a:solidFill>
+                      <a:prstDash val="dashDot"/>
+                      <a:round/>
+                      <a:headEnd type="none" w="med" len="med"/>
+                      <a:tailEnd type="none" w="med" len="med"/>
+                    </a:lnT>
+                    <a:lnB w="6350" cap="flat" cmpd="sng" algn="ctr">
+                      <a:solidFill>
+                        <a:srgbClr val="000000"/>
+                      </a:solidFill>
+                      <a:prstDash val="dashDot"/>
+                      <a:round/>
+                      <a:headEnd type="none" w="med" len="med"/>
+                      <a:tailEnd type="none" w="med" len="med"/>
+                    </a:lnB>
+                  </a:tcPr>
+                </a:tc>
+                <a:tc>
+                  <a:txBody>
+                    <a:bodyPr/>
+                    <a:lstStyle/>
+                    <a:p>
+                      <a:pPr algn="l" fontAlgn="b"/>
+                      <a:r>
+                        <a:rPr lang="en-IE" sz="3500" b="0" i="0" u="none" strike="noStrike">
+                          <a:solidFill>
+                            <a:srgbClr val="000000"/>
+                          </a:solidFill>
+                          <a:effectLst/>
+                          <a:latin typeface="Calibri" panose="020F0502020204030204" pitchFamily="34" charset="0"/>
+                        </a:rPr>
+                        <a:t> </a:t>
+                      </a:r>
+                    </a:p>
+                  </a:txBody>
+                  <a:tcPr marL="30017" marR="30017" marT="30017" marB="0" anchor="b">
+                    <a:lnL w="19050" cap="flat" cmpd="sng" algn="ctr">
+                      <a:solidFill>
+                        <a:srgbClr val="000000"/>
+                      </a:solidFill>
+                      <a:prstDash val="solid"/>
+                      <a:round/>
+                      <a:headEnd type="none" w="med" len="med"/>
+                      <a:tailEnd type="none" w="med" len="med"/>
+                    </a:lnL>
+                    <a:lnR>
+                      <a:noFill/>
+                    </a:lnR>
+                    <a:lnT w="19050" cap="flat" cmpd="sng" algn="ctr">
+                      <a:solidFill>
+                        <a:srgbClr val="000000"/>
+                      </a:solidFill>
+                      <a:prstDash val="solid"/>
+                      <a:round/>
+                      <a:headEnd type="none" w="med" len="med"/>
+                      <a:tailEnd type="none" w="med" len="med"/>
+                    </a:lnT>
+                    <a:lnB w="19050" cap="flat" cmpd="sng" algn="ctr">
+                      <a:solidFill>
+                        <a:srgbClr val="000000"/>
+                      </a:solidFill>
+                      <a:prstDash val="solid"/>
+                      <a:round/>
+                      <a:headEnd type="none" w="med" len="med"/>
+                      <a:tailEnd type="none" w="med" len="med"/>
+                    </a:lnB>
+                  </a:tcPr>
+                </a:tc>
+                <a:tc>
+                  <a:txBody>
+                    <a:bodyPr/>
+                    <a:lstStyle/>
+                    <a:p>
+                      <a:pPr algn="l" fontAlgn="b"/>
+                      <a:r>
+                        <a:rPr lang="en-IE" sz="3500" b="0" i="0" u="none" strike="noStrike">
+                          <a:solidFill>
+                            <a:srgbClr val="000000"/>
+                          </a:solidFill>
+                          <a:effectLst/>
+                          <a:latin typeface="Calibri" panose="020F0502020204030204" pitchFamily="34" charset="0"/>
+                        </a:rPr>
+                        <a:t> </a:t>
+                      </a:r>
+                    </a:p>
+                  </a:txBody>
+                  <a:tcPr marL="30017" marR="30017" marT="30017" marB="0" anchor="b">
+                    <a:lnL>
+                      <a:noFill/>
+                    </a:lnL>
+                    <a:lnR>
+                      <a:noFill/>
+                    </a:lnR>
+                    <a:lnT w="19050" cap="flat" cmpd="sng" algn="ctr">
+                      <a:solidFill>
+                        <a:srgbClr val="000000"/>
+                      </a:solidFill>
+                      <a:prstDash val="solid"/>
+                      <a:round/>
+                      <a:headEnd type="none" w="med" len="med"/>
+                      <a:tailEnd type="none" w="med" len="med"/>
+                    </a:lnT>
+                    <a:lnB w="19050" cap="flat" cmpd="sng" algn="ctr">
+                      <a:solidFill>
+                        <a:srgbClr val="000000"/>
+                      </a:solidFill>
+                      <a:prstDash val="solid"/>
+                      <a:round/>
+                      <a:headEnd type="none" w="med" len="med"/>
+                      <a:tailEnd type="none" w="med" len="med"/>
+                    </a:lnB>
+                  </a:tcPr>
+                </a:tc>
+                <a:tc>
+                  <a:txBody>
+                    <a:bodyPr/>
+                    <a:lstStyle/>
+                    <a:p>
+                      <a:pPr algn="l" fontAlgn="b"/>
+                      <a:endParaRPr lang="en-IE" sz="3500" b="0" i="0" u="none" strike="noStrike">
+                        <a:solidFill>
+                          <a:srgbClr val="000000"/>
+                        </a:solidFill>
+                        <a:effectLst/>
+                        <a:latin typeface="Calibri" panose="020F0502020204030204" pitchFamily="34" charset="0"/>
+                      </a:endParaRPr>
+                    </a:p>
+                  </a:txBody>
+                  <a:tcPr marL="30017" marR="30017" marT="30017" marB="0" anchor="b">
+                    <a:lnL>
+                      <a:noFill/>
+                    </a:lnL>
+                    <a:lnR>
+                      <a:noFill/>
+                    </a:lnR>
+                    <a:lnT w="19050" cap="flat" cmpd="sng" algn="ctr">
+                      <a:solidFill>
+                        <a:srgbClr val="000000"/>
+                      </a:solidFill>
+                      <a:prstDash val="solid"/>
+                      <a:round/>
+                      <a:headEnd type="none" w="med" len="med"/>
+                      <a:tailEnd type="none" w="med" len="med"/>
+                    </a:lnT>
+                    <a:lnB>
+                      <a:noFill/>
+                    </a:lnB>
+                  </a:tcPr>
+                </a:tc>
+                <a:tc>
+                  <a:txBody>
+                    <a:bodyPr/>
+                    <a:lstStyle/>
+                    <a:p>
+                      <a:pPr algn="l" fontAlgn="b"/>
+                      <a:r>
+                        <a:rPr lang="en-IE" sz="3500" b="0" i="0" u="none" strike="noStrike">
+                          <a:solidFill>
+                            <a:srgbClr val="000000"/>
+                          </a:solidFill>
+                          <a:effectLst/>
+                          <a:latin typeface="Calibri" panose="020F0502020204030204" pitchFamily="34" charset="0"/>
+                        </a:rPr>
+                        <a:t> </a:t>
+                      </a:r>
+                    </a:p>
+                  </a:txBody>
+                  <a:tcPr marL="30017" marR="30017" marT="30017" marB="0" anchor="b">
+                    <a:lnL>
+                      <a:noFill/>
+                    </a:lnL>
+                    <a:lnR>
+                      <a:noFill/>
+                    </a:lnR>
+                    <a:lnT w="19050" cap="flat" cmpd="sng" algn="ctr">
+                      <a:solidFill>
+                        <a:srgbClr val="000000"/>
+                      </a:solidFill>
+                      <a:prstDash val="solid"/>
+                      <a:round/>
+                      <a:headEnd type="none" w="med" len="med"/>
+                      <a:tailEnd type="none" w="med" len="med"/>
+                    </a:lnT>
+                    <a:lnB w="19050" cap="flat" cmpd="sng" algn="ctr">
+                      <a:solidFill>
+                        <a:srgbClr val="000000"/>
+                      </a:solidFill>
+                      <a:prstDash val="solid"/>
+                      <a:round/>
+                      <a:headEnd type="none" w="med" len="med"/>
+                      <a:tailEnd type="none" w="med" len="med"/>
+                    </a:lnB>
+                  </a:tcPr>
+                </a:tc>
+                <a:tc>
+                  <a:txBody>
+                    <a:bodyPr/>
+                    <a:lstStyle/>
+                    <a:p>
+                      <a:pPr algn="l" fontAlgn="b"/>
+                      <a:r>
+                        <a:rPr lang="en-IE" sz="3500" b="0" i="0" u="none" strike="noStrike">
+                          <a:solidFill>
+                            <a:srgbClr val="000000"/>
+                          </a:solidFill>
+                          <a:effectLst/>
+                          <a:latin typeface="Calibri" panose="020F0502020204030204" pitchFamily="34" charset="0"/>
+                        </a:rPr>
+                        <a:t> </a:t>
+                      </a:r>
+                    </a:p>
+                  </a:txBody>
+                  <a:tcPr marL="30017" marR="30017" marT="30017" marB="0" anchor="b">
+                    <a:lnL>
+                      <a:noFill/>
+                    </a:lnL>
+                    <a:lnR w="19050" cap="flat" cmpd="sng" algn="ctr">
+                      <a:solidFill>
+                        <a:srgbClr val="000000"/>
+                      </a:solidFill>
+                      <a:prstDash val="solid"/>
+                      <a:round/>
+                      <a:headEnd type="none" w="med" len="med"/>
+                      <a:tailEnd type="none" w="med" len="med"/>
+                    </a:lnR>
+                    <a:lnT w="19050" cap="flat" cmpd="sng" algn="ctr">
+                      <a:solidFill>
+                        <a:srgbClr val="000000"/>
+                      </a:solidFill>
+                      <a:prstDash val="solid"/>
+                      <a:round/>
+                      <a:headEnd type="none" w="med" len="med"/>
+                      <a:tailEnd type="none" w="med" len="med"/>
+                    </a:lnT>
+                    <a:lnB w="19050" cap="flat" cmpd="sng" algn="ctr">
+                      <a:solidFill>
+                        <a:srgbClr val="000000"/>
+                      </a:solidFill>
+                      <a:prstDash val="solid"/>
+                      <a:round/>
+                      <a:headEnd type="none" w="med" len="med"/>
+                      <a:tailEnd type="none" w="med" len="med"/>
+                    </a:lnB>
+                  </a:tcPr>
+                </a:tc>
+                <a:tc>
+                  <a:txBody>
+                    <a:bodyPr/>
+                    <a:lstStyle/>
+                    <a:p>
+                      <a:pPr algn="l" fontAlgn="b"/>
+                      <a:endParaRPr lang="en-IE" sz="3500" b="0" i="0" u="none" strike="noStrike">
+                        <a:solidFill>
+                          <a:srgbClr val="000000"/>
+                        </a:solidFill>
+                        <a:effectLst/>
+                        <a:latin typeface="Calibri" panose="020F0502020204030204" pitchFamily="34" charset="0"/>
+                      </a:endParaRPr>
+                    </a:p>
+                  </a:txBody>
+                  <a:tcPr marL="30017" marR="30017" marT="30017" marB="0" anchor="b">
+                    <a:lnL w="19050" cap="flat" cmpd="sng" algn="ctr">
+                      <a:solidFill>
+                        <a:srgbClr val="000000"/>
+                      </a:solidFill>
+                      <a:prstDash val="solid"/>
+                      <a:round/>
+                      <a:headEnd type="none" w="med" len="med"/>
+                      <a:tailEnd type="none" w="med" len="med"/>
+                    </a:lnL>
+                    <a:lnR>
+                      <a:noFill/>
+                    </a:lnR>
+                    <a:lnT>
+                      <a:noFill/>
+                    </a:lnT>
+                    <a:lnB>
+                      <a:noFill/>
+                    </a:lnB>
+                  </a:tcPr>
+                </a:tc>
+                <a:tc>
+                  <a:txBody>
+                    <a:bodyPr/>
+                    <a:lstStyle/>
+                    <a:p>
+                      <a:pPr algn="l" fontAlgn="b"/>
+                      <a:endParaRPr lang="en-IE" sz="3500" b="0" i="0" u="none" strike="noStrike">
+                        <a:solidFill>
+                          <a:srgbClr val="000000"/>
+                        </a:solidFill>
+                        <a:effectLst/>
+                        <a:latin typeface="Calibri" panose="020F0502020204030204" pitchFamily="34" charset="0"/>
+                      </a:endParaRPr>
+                    </a:p>
+                  </a:txBody>
+                  <a:tcPr marL="30017" marR="30017" marT="30017" marB="0" anchor="b">
+                    <a:lnL>
+                      <a:noFill/>
+                    </a:lnL>
+                    <a:lnR>
+                      <a:noFill/>
+                    </a:lnR>
+                    <a:lnT>
+                      <a:noFill/>
+                    </a:lnT>
+                    <a:lnB>
+                      <a:noFill/>
+                    </a:lnB>
+                  </a:tcPr>
+                </a:tc>
+                <a:extLst>
+                  <a:ext uri="{0D108BD9-81ED-4DB2-BD59-A6C34878D82A}">
+                    <a16:rowId xmlns:a16="http://schemas.microsoft.com/office/drawing/2014/main" val="3001628625"/>
+                  </a:ext>
+                </a:extLst>
+              </a:tr>
+              <a:tr h="630354">
+                <a:tc>
+                  <a:txBody>
+                    <a:bodyPr/>
+                    <a:lstStyle/>
+                    <a:p>
+                      <a:pPr algn="ctr" fontAlgn="ctr"/>
+                      <a:endParaRPr lang="en-IE" sz="3500" b="0" i="0" u="none" strike="noStrike">
+                        <a:solidFill>
+                          <a:srgbClr val="000000"/>
+                        </a:solidFill>
+                        <a:effectLst/>
+                        <a:latin typeface="Calibri" panose="020F0502020204030204" pitchFamily="34" charset="0"/>
+                      </a:endParaRPr>
+                    </a:p>
+                  </a:txBody>
+                  <a:tcPr marL="30017" marR="30017" marT="30017" marB="0" anchor="ctr">
+                    <a:lnL>
+                      <a:noFill/>
+                    </a:lnL>
+                    <a:lnR>
+                      <a:noFill/>
+                    </a:lnR>
+                    <a:lnT>
+                      <a:noFill/>
+                    </a:lnT>
+                    <a:lnB>
+                      <a:noFill/>
+                    </a:lnB>
+                  </a:tcPr>
+                </a:tc>
+                <a:tc>
+                  <a:txBody>
+                    <a:bodyPr/>
+                    <a:lstStyle/>
+                    <a:p>
+                      <a:pPr algn="l" fontAlgn="b"/>
+                      <a:endParaRPr lang="en-IE" sz="3500" b="0" i="0" u="none" strike="noStrike">
+                        <a:solidFill>
+                          <a:srgbClr val="000000"/>
+                        </a:solidFill>
+                        <a:effectLst/>
+                        <a:latin typeface="Calibri" panose="020F0502020204030204" pitchFamily="34" charset="0"/>
+                      </a:endParaRPr>
+                    </a:p>
+                  </a:txBody>
+                  <a:tcPr marL="30017" marR="30017" marT="30017" marB="0" anchor="b">
+                    <a:lnL>
+                      <a:noFill/>
+                    </a:lnL>
+                    <a:lnR>
+                      <a:noFill/>
+                    </a:lnR>
+                    <a:lnT>
+                      <a:noFill/>
+                    </a:lnT>
+                    <a:lnB>
+                      <a:noFill/>
+                    </a:lnB>
+                  </a:tcPr>
+                </a:tc>
+                <a:tc>
+                  <a:txBody>
+                    <a:bodyPr/>
+                    <a:lstStyle/>
+                    <a:p>
+                      <a:pPr algn="l" fontAlgn="b"/>
+                      <a:r>
+                        <a:rPr lang="en-IE" sz="3500" b="0" i="0" u="none" strike="noStrike">
+                          <a:solidFill>
+                            <a:srgbClr val="000000"/>
+                          </a:solidFill>
+                          <a:effectLst/>
+                          <a:latin typeface="Calibri" panose="020F0502020204030204" pitchFamily="34" charset="0"/>
+                        </a:rPr>
+                        <a:t> </a:t>
+                      </a:r>
+                    </a:p>
+                  </a:txBody>
+                  <a:tcPr marL="30017" marR="30017" marT="30017" marB="0" anchor="b">
+                    <a:lnL>
+                      <a:noFill/>
+                    </a:lnL>
+                    <a:lnR w="6350" cap="flat" cmpd="sng" algn="ctr">
+                      <a:solidFill>
+                        <a:srgbClr val="000000"/>
+                      </a:solidFill>
+                      <a:prstDash val="dashDot"/>
+                      <a:round/>
+                      <a:headEnd type="none" w="med" len="med"/>
+                      <a:tailEnd type="none" w="med" len="med"/>
+                    </a:lnR>
+                    <a:lnT w="6350" cap="flat" cmpd="sng" algn="ctr">
+                      <a:solidFill>
+                        <a:srgbClr val="000000"/>
+                      </a:solidFill>
+                      <a:prstDash val="dashDot"/>
+                      <a:round/>
+                      <a:headEnd type="none" w="med" len="med"/>
+                      <a:tailEnd type="none" w="med" len="med"/>
+                    </a:lnT>
+                    <a:lnB>
+                      <a:noFill/>
+                    </a:lnB>
+                  </a:tcPr>
+                </a:tc>
+                <a:tc>
+                  <a:txBody>
+                    <a:bodyPr/>
+                    <a:lstStyle/>
+                    <a:p>
+                      <a:pPr algn="l" fontAlgn="b"/>
+                      <a:r>
+                        <a:rPr lang="en-IE" sz="3500" b="0" i="0" u="none" strike="noStrike">
+                          <a:solidFill>
+                            <a:srgbClr val="000000"/>
+                          </a:solidFill>
+                          <a:effectLst/>
+                          <a:latin typeface="Calibri" panose="020F0502020204030204" pitchFamily="34" charset="0"/>
+                        </a:rPr>
+                        <a:t> </a:t>
+                      </a:r>
+                    </a:p>
+                  </a:txBody>
+                  <a:tcPr marL="30017" marR="30017" marT="30017" marB="0" anchor="b">
+                    <a:lnL w="6350" cap="flat" cmpd="sng" algn="ctr">
+                      <a:solidFill>
+                        <a:srgbClr val="000000"/>
+                      </a:solidFill>
+                      <a:prstDash val="dashDot"/>
+                      <a:round/>
+                      <a:headEnd type="none" w="med" len="med"/>
+                      <a:tailEnd type="none" w="med" len="med"/>
+                    </a:lnL>
+                    <a:lnR>
+                      <a:noFill/>
+                    </a:lnR>
+                    <a:lnT w="19050" cap="flat" cmpd="sng" algn="ctr">
+                      <a:solidFill>
+                        <a:srgbClr val="000000"/>
+                      </a:solidFill>
+                      <a:prstDash val="solid"/>
+                      <a:round/>
+                      <a:headEnd type="none" w="med" len="med"/>
+                      <a:tailEnd type="none" w="med" len="med"/>
+                    </a:lnT>
+                    <a:lnB w="6350" cap="flat" cmpd="sng" algn="ctr">
+                      <a:solidFill>
+                        <a:srgbClr val="000000"/>
+                      </a:solidFill>
+                      <a:prstDash val="dashDot"/>
+                      <a:round/>
+                      <a:headEnd type="none" w="med" len="med"/>
+                      <a:tailEnd type="none" w="med" len="med"/>
+                    </a:lnB>
+                  </a:tcPr>
+                </a:tc>
+                <a:tc>
+                  <a:txBody>
+                    <a:bodyPr/>
+                    <a:lstStyle/>
+                    <a:p>
+                      <a:pPr algn="l" fontAlgn="b"/>
+                      <a:r>
+                        <a:rPr lang="en-IE" sz="3500" b="0" i="0" u="none" strike="noStrike">
+                          <a:solidFill>
+                            <a:srgbClr val="000000"/>
+                          </a:solidFill>
+                          <a:effectLst/>
+                          <a:latin typeface="Calibri" panose="020F0502020204030204" pitchFamily="34" charset="0"/>
+                        </a:rPr>
+                        <a:t> </a:t>
+                      </a:r>
+                    </a:p>
+                  </a:txBody>
+                  <a:tcPr marL="30017" marR="30017" marT="30017" marB="0" anchor="b">
+                    <a:lnL>
+                      <a:noFill/>
+                    </a:lnL>
+                    <a:lnR w="19050" cap="flat" cmpd="sng" algn="ctr">
+                      <a:solidFill>
+                        <a:srgbClr val="000000"/>
+                      </a:solidFill>
+                      <a:prstDash val="solid"/>
+                      <a:round/>
+                      <a:headEnd type="none" w="med" len="med"/>
+                      <a:tailEnd type="none" w="med" len="med"/>
+                    </a:lnR>
+                    <a:lnT w="19050" cap="flat" cmpd="sng" algn="ctr">
+                      <a:solidFill>
+                        <a:srgbClr val="000000"/>
+                      </a:solidFill>
+                      <a:prstDash val="solid"/>
+                      <a:round/>
+                      <a:headEnd type="none" w="med" len="med"/>
+                      <a:tailEnd type="none" w="med" len="med"/>
+                    </a:lnT>
+                    <a:lnB>
+                      <a:noFill/>
+                    </a:lnB>
+                  </a:tcPr>
+                </a:tc>
+                <a:tc>
+                  <a:txBody>
+                    <a:bodyPr/>
+                    <a:lstStyle/>
+                    <a:p>
+                      <a:pPr algn="l" fontAlgn="b"/>
+                      <a:r>
+                        <a:rPr lang="en-IE" sz="3500" b="0" i="0" u="none" strike="noStrike">
+                          <a:solidFill>
+                            <a:srgbClr val="000000"/>
+                          </a:solidFill>
+                          <a:effectLst/>
+                          <a:latin typeface="Calibri" panose="020F0502020204030204" pitchFamily="34" charset="0"/>
+                        </a:rPr>
+                        <a:t> </a:t>
+                      </a:r>
+                    </a:p>
+                  </a:txBody>
+                  <a:tcPr marL="30017" marR="30017" marT="30017" marB="0" anchor="b">
+                    <a:lnL w="19050" cap="flat" cmpd="sng" algn="ctr">
+                      <a:solidFill>
+                        <a:srgbClr val="000000"/>
+                      </a:solidFill>
+                      <a:prstDash val="solid"/>
+                      <a:round/>
+                      <a:headEnd type="none" w="med" len="med"/>
+                      <a:tailEnd type="none" w="med" len="med"/>
+                    </a:lnL>
+                    <a:lnR w="19050" cap="flat" cmpd="sng" algn="ctr">
+                      <a:solidFill>
+                        <a:srgbClr val="000000"/>
+                      </a:solidFill>
+                      <a:prstDash val="solid"/>
+                      <a:round/>
+                      <a:headEnd type="none" w="med" len="med"/>
+                      <a:tailEnd type="none" w="med" len="med"/>
+                    </a:lnR>
+                    <a:lnT>
+                      <a:noFill/>
+                    </a:lnT>
+                    <a:lnB>
+                      <a:noFill/>
+                    </a:lnB>
+                  </a:tcPr>
+                </a:tc>
+                <a:tc>
+                  <a:txBody>
+                    <a:bodyPr/>
+                    <a:lstStyle/>
+                    <a:p>
+                      <a:pPr algn="l" fontAlgn="b"/>
+                      <a:endParaRPr lang="en-IE" sz="3500" b="0" i="0" u="none" strike="noStrike">
+                        <a:solidFill>
+                          <a:srgbClr val="000000"/>
+                        </a:solidFill>
+                        <a:effectLst/>
+                        <a:latin typeface="Calibri" panose="020F0502020204030204" pitchFamily="34" charset="0"/>
+                      </a:endParaRPr>
+                    </a:p>
+                  </a:txBody>
+                  <a:tcPr marL="30017" marR="30017" marT="30017" marB="0" anchor="b">
+                    <a:lnL w="19050" cap="flat" cmpd="sng" algn="ctr">
+                      <a:solidFill>
+                        <a:srgbClr val="000000"/>
+                      </a:solidFill>
+                      <a:prstDash val="solid"/>
+                      <a:round/>
+                      <a:headEnd type="none" w="med" len="med"/>
+                      <a:tailEnd type="none" w="med" len="med"/>
+                    </a:lnL>
+                    <a:lnR>
+                      <a:noFill/>
+                    </a:lnR>
+                    <a:lnT w="19050" cap="flat" cmpd="sng" algn="ctr">
+                      <a:solidFill>
+                        <a:srgbClr val="000000"/>
+                      </a:solidFill>
+                      <a:prstDash val="solid"/>
+                      <a:round/>
+                      <a:headEnd type="none" w="med" len="med"/>
+                      <a:tailEnd type="none" w="med" len="med"/>
+                    </a:lnT>
+                    <a:lnB>
+                      <a:noFill/>
+                    </a:lnB>
+                  </a:tcPr>
+                </a:tc>
+                <a:tc>
+                  <a:txBody>
+                    <a:bodyPr/>
+                    <a:lstStyle/>
+                    <a:p>
+                      <a:pPr algn="l" fontAlgn="b"/>
+                      <a:r>
+                        <a:rPr lang="en-IE" sz="3500" b="0" i="0" u="none" strike="noStrike">
+                          <a:solidFill>
+                            <a:srgbClr val="000000"/>
+                          </a:solidFill>
+                          <a:effectLst/>
+                          <a:latin typeface="Calibri" panose="020F0502020204030204" pitchFamily="34" charset="0"/>
+                        </a:rPr>
+                        <a:t> </a:t>
+                      </a:r>
+                    </a:p>
+                  </a:txBody>
+                  <a:tcPr marL="30017" marR="30017" marT="30017" marB="0" anchor="b">
+                    <a:lnL>
+                      <a:noFill/>
+                    </a:lnL>
+                    <a:lnR w="6350" cap="flat" cmpd="sng" algn="ctr">
+                      <a:solidFill>
+                        <a:srgbClr val="000000"/>
+                      </a:solidFill>
+                      <a:prstDash val="dashDot"/>
+                      <a:round/>
+                      <a:headEnd type="none" w="med" len="med"/>
+                      <a:tailEnd type="none" w="med" len="med"/>
+                    </a:lnR>
+                    <a:lnT w="19050" cap="flat" cmpd="sng" algn="ctr">
+                      <a:solidFill>
+                        <a:srgbClr val="000000"/>
+                      </a:solidFill>
+                      <a:prstDash val="solid"/>
+                      <a:round/>
+                      <a:headEnd type="none" w="med" len="med"/>
+                      <a:tailEnd type="none" w="med" len="med"/>
+                    </a:lnT>
+                    <a:lnB w="6350" cap="flat" cmpd="sng" algn="ctr">
+                      <a:solidFill>
+                        <a:srgbClr val="000000"/>
+                      </a:solidFill>
+                      <a:prstDash val="dashDot"/>
+                      <a:round/>
+                      <a:headEnd type="none" w="med" len="med"/>
+                      <a:tailEnd type="none" w="med" len="med"/>
+                    </a:lnB>
+                  </a:tcPr>
+                </a:tc>
+                <a:tc>
+                  <a:txBody>
+                    <a:bodyPr/>
+                    <a:lstStyle/>
+                    <a:p>
+                      <a:pPr algn="l" fontAlgn="b"/>
+                      <a:endParaRPr lang="en-IE" sz="3500" b="0" i="0" u="none" strike="noStrike">
+                        <a:solidFill>
+                          <a:srgbClr val="000000"/>
+                        </a:solidFill>
+                        <a:effectLst/>
+                        <a:latin typeface="Calibri" panose="020F0502020204030204" pitchFamily="34" charset="0"/>
+                      </a:endParaRPr>
+                    </a:p>
+                  </a:txBody>
+                  <a:tcPr marL="30017" marR="30017" marT="30017" marB="0" anchor="b">
+                    <a:lnL w="6350" cap="flat" cmpd="sng" algn="ctr">
+                      <a:solidFill>
+                        <a:srgbClr val="000000"/>
+                      </a:solidFill>
+                      <a:prstDash val="dashDot"/>
+                      <a:round/>
+                      <a:headEnd type="none" w="med" len="med"/>
+                      <a:tailEnd type="none" w="med" len="med"/>
+                    </a:lnL>
+                    <a:lnR>
+                      <a:noFill/>
+                    </a:lnR>
+                    <a:lnT w="6350" cap="flat" cmpd="sng" algn="ctr">
+                      <a:solidFill>
+                        <a:srgbClr val="000000"/>
+                      </a:solidFill>
+                      <a:prstDash val="dashDot"/>
+                      <a:round/>
+                      <a:headEnd type="none" w="med" len="med"/>
+                      <a:tailEnd type="none" w="med" len="med"/>
+                    </a:lnT>
+                    <a:lnB>
+                      <a:noFill/>
+                    </a:lnB>
+                  </a:tcPr>
+                </a:tc>
+                <a:tc>
+                  <a:txBody>
+                    <a:bodyPr/>
+                    <a:lstStyle/>
+                    <a:p>
+                      <a:pPr algn="l" fontAlgn="b"/>
+                      <a:endParaRPr lang="en-IE" sz="3500" b="0" i="0" u="none" strike="noStrike">
+                        <a:solidFill>
+                          <a:srgbClr val="000000"/>
+                        </a:solidFill>
+                        <a:effectLst/>
+                        <a:latin typeface="Calibri" panose="020F0502020204030204" pitchFamily="34" charset="0"/>
+                      </a:endParaRPr>
+                    </a:p>
+                  </a:txBody>
+                  <a:tcPr marL="30017" marR="30017" marT="30017" marB="0" anchor="b">
+                    <a:lnL>
+                      <a:noFill/>
+                    </a:lnL>
+                    <a:lnR>
+                      <a:noFill/>
+                    </a:lnR>
+                    <a:lnT w="19050" cap="flat" cmpd="sng" algn="ctr">
+                      <a:solidFill>
+                        <a:srgbClr val="000000"/>
+                      </a:solidFill>
+                      <a:prstDash val="solid"/>
+                      <a:round/>
+                      <a:headEnd type="none" w="med" len="med"/>
+                      <a:tailEnd type="none" w="med" len="med"/>
+                    </a:lnT>
+                    <a:lnB>
+                      <a:noFill/>
+                    </a:lnB>
+                  </a:tcPr>
+                </a:tc>
+                <a:tc>
+                  <a:txBody>
+                    <a:bodyPr/>
+                    <a:lstStyle/>
+                    <a:p>
+                      <a:pPr algn="l" fontAlgn="b"/>
+                      <a:r>
+                        <a:rPr lang="en-IE" sz="3500" b="0" i="0" u="none" strike="noStrike">
+                          <a:solidFill>
+                            <a:srgbClr val="000000"/>
+                          </a:solidFill>
+                          <a:effectLst/>
+                          <a:latin typeface="Calibri" panose="020F0502020204030204" pitchFamily="34" charset="0"/>
+                        </a:rPr>
+                        <a:t> </a:t>
+                      </a:r>
+                    </a:p>
+                  </a:txBody>
+                  <a:tcPr marL="30017" marR="30017" marT="30017" marB="0" anchor="b">
+                    <a:lnL>
+                      <a:noFill/>
+                    </a:lnL>
+                    <a:lnR w="19050" cap="flat" cmpd="sng" algn="ctr">
+                      <a:solidFill>
+                        <a:srgbClr val="000000"/>
+                      </a:solidFill>
+                      <a:prstDash val="solid"/>
+                      <a:round/>
+                      <a:headEnd type="none" w="med" len="med"/>
+                      <a:tailEnd type="none" w="med" len="med"/>
+                    </a:lnR>
+                    <a:lnT w="19050" cap="flat" cmpd="sng" algn="ctr">
+                      <a:solidFill>
+                        <a:srgbClr val="000000"/>
+                      </a:solidFill>
+                      <a:prstDash val="solid"/>
+                      <a:round/>
+                      <a:headEnd type="none" w="med" len="med"/>
+                      <a:tailEnd type="none" w="med" len="med"/>
+                    </a:lnT>
+                    <a:lnB>
+                      <a:noFill/>
+                    </a:lnB>
+                  </a:tcPr>
+                </a:tc>
+                <a:tc>
+                  <a:txBody>
+                    <a:bodyPr/>
+                    <a:lstStyle/>
+                    <a:p>
+                      <a:pPr algn="l" fontAlgn="b"/>
+                      <a:r>
+                        <a:rPr lang="en-IE" sz="3500" b="0" i="0" u="none" strike="noStrike">
+                          <a:solidFill>
+                            <a:srgbClr val="000000"/>
+                          </a:solidFill>
+                          <a:effectLst/>
+                          <a:latin typeface="Calibri" panose="020F0502020204030204" pitchFamily="34" charset="0"/>
+                        </a:rPr>
+                        <a:t> </a:t>
+                      </a:r>
+                    </a:p>
+                  </a:txBody>
+                  <a:tcPr marL="30017" marR="30017" marT="30017" marB="0" anchor="b">
+                    <a:lnL w="19050" cap="flat" cmpd="sng" algn="ctr">
+                      <a:solidFill>
+                        <a:srgbClr val="000000"/>
+                      </a:solidFill>
+                      <a:prstDash val="solid"/>
+                      <a:round/>
+                      <a:headEnd type="none" w="med" len="med"/>
+                      <a:tailEnd type="none" w="med" len="med"/>
+                    </a:lnL>
+                    <a:lnR w="19050" cap="flat" cmpd="sng" algn="ctr">
+                      <a:solidFill>
+                        <a:srgbClr val="000000"/>
+                      </a:solidFill>
+                      <a:prstDash val="solid"/>
+                      <a:round/>
+                      <a:headEnd type="none" w="med" len="med"/>
+                      <a:tailEnd type="none" w="med" len="med"/>
+                    </a:lnR>
+                    <a:lnT>
+                      <a:noFill/>
+                    </a:lnT>
+                    <a:lnB>
+                      <a:noFill/>
+                    </a:lnB>
+                  </a:tcPr>
+                </a:tc>
+                <a:tc>
+                  <a:txBody>
+                    <a:bodyPr/>
+                    <a:lstStyle/>
+                    <a:p>
+                      <a:pPr algn="l" fontAlgn="b"/>
+                      <a:endParaRPr lang="en-IE" sz="3500" b="0" i="0" u="none" strike="noStrike">
+                        <a:solidFill>
+                          <a:srgbClr val="000000"/>
+                        </a:solidFill>
+                        <a:effectLst/>
+                        <a:latin typeface="Calibri" panose="020F0502020204030204" pitchFamily="34" charset="0"/>
+                      </a:endParaRPr>
+                    </a:p>
+                  </a:txBody>
+                  <a:tcPr marL="30017" marR="30017" marT="30017" marB="0" anchor="b">
+                    <a:lnL w="19050" cap="flat" cmpd="sng" algn="ctr">
+                      <a:solidFill>
+                        <a:srgbClr val="000000"/>
+                      </a:solidFill>
+                      <a:prstDash val="solid"/>
+                      <a:round/>
+                      <a:headEnd type="none" w="med" len="med"/>
+                      <a:tailEnd type="none" w="med" len="med"/>
+                    </a:lnL>
+                    <a:lnR>
+                      <a:noFill/>
+                    </a:lnR>
+                    <a:lnT w="19050" cap="flat" cmpd="sng" algn="ctr">
+                      <a:solidFill>
+                        <a:srgbClr val="000000"/>
+                      </a:solidFill>
+                      <a:prstDash val="solid"/>
+                      <a:round/>
+                      <a:headEnd type="none" w="med" len="med"/>
+                      <a:tailEnd type="none" w="med" len="med"/>
+                    </a:lnT>
+                    <a:lnB>
+                      <a:noFill/>
+                    </a:lnB>
+                  </a:tcPr>
+                </a:tc>
+                <a:tc>
+                  <a:txBody>
+                    <a:bodyPr/>
+                    <a:lstStyle/>
+                    <a:p>
+                      <a:pPr algn="l" fontAlgn="b"/>
+                      <a:endParaRPr lang="en-IE" sz="3500" b="0" i="0" u="none" strike="noStrike">
+                        <a:solidFill>
+                          <a:srgbClr val="000000"/>
+                        </a:solidFill>
+                        <a:effectLst/>
+                        <a:latin typeface="Calibri" panose="020F0502020204030204" pitchFamily="34" charset="0"/>
+                      </a:endParaRPr>
+                    </a:p>
+                  </a:txBody>
+                  <a:tcPr marL="30017" marR="30017" marT="30017" marB="0" anchor="b">
+                    <a:lnL>
+                      <a:noFill/>
+                    </a:lnL>
+                    <a:lnR>
+                      <a:noFill/>
+                    </a:lnR>
+                    <a:lnT w="19050" cap="flat" cmpd="sng" algn="ctr">
+                      <a:solidFill>
+                        <a:srgbClr val="000000"/>
+                      </a:solidFill>
+                      <a:prstDash val="solid"/>
+                      <a:round/>
+                      <a:headEnd type="none" w="med" len="med"/>
+                      <a:tailEnd type="none" w="med" len="med"/>
+                    </a:lnT>
+                    <a:lnB>
+                      <a:noFill/>
+                    </a:lnB>
+                  </a:tcPr>
+                </a:tc>
+                <a:tc>
+                  <a:txBody>
+                    <a:bodyPr/>
+                    <a:lstStyle/>
+                    <a:p>
+                      <a:pPr algn="l" fontAlgn="b"/>
+                      <a:endParaRPr lang="en-IE" sz="3500" b="0" i="0" u="none" strike="noStrike">
+                        <a:solidFill>
+                          <a:srgbClr val="000000"/>
+                        </a:solidFill>
+                        <a:effectLst/>
+                        <a:latin typeface="Calibri" panose="020F0502020204030204" pitchFamily="34" charset="0"/>
+                      </a:endParaRPr>
+                    </a:p>
+                  </a:txBody>
+                  <a:tcPr marL="30017" marR="30017" marT="30017" marB="0" anchor="b">
+                    <a:lnL>
+                      <a:noFill/>
+                    </a:lnL>
+                    <a:lnR>
+                      <a:noFill/>
+                    </a:lnR>
+                    <a:lnT>
+                      <a:noFill/>
+                    </a:lnT>
+                    <a:lnB>
+                      <a:noFill/>
+                    </a:lnB>
+                  </a:tcPr>
+                </a:tc>
+                <a:tc>
+                  <a:txBody>
+                    <a:bodyPr/>
+                    <a:lstStyle/>
+                    <a:p>
+                      <a:pPr algn="l" fontAlgn="b"/>
+                      <a:endParaRPr lang="en-IE" sz="3500" b="0" i="0" u="none" strike="noStrike">
+                        <a:solidFill>
+                          <a:srgbClr val="000000"/>
+                        </a:solidFill>
+                        <a:effectLst/>
+                        <a:latin typeface="Calibri" panose="020F0502020204030204" pitchFamily="34" charset="0"/>
+                      </a:endParaRPr>
+                    </a:p>
+                  </a:txBody>
+                  <a:tcPr marL="30017" marR="30017" marT="30017" marB="0" anchor="b">
+                    <a:lnL>
+                      <a:noFill/>
+                    </a:lnL>
+                    <a:lnR>
+                      <a:noFill/>
+                    </a:lnR>
+                    <a:lnT>
+                      <a:noFill/>
+                    </a:lnT>
+                    <a:lnB>
+                      <a:noFill/>
+                    </a:lnB>
+                  </a:tcPr>
+                </a:tc>
+                <a:extLst>
+                  <a:ext uri="{0D108BD9-81ED-4DB2-BD59-A6C34878D82A}">
+                    <a16:rowId xmlns:a16="http://schemas.microsoft.com/office/drawing/2014/main" val="894469490"/>
+                  </a:ext>
+                </a:extLst>
+              </a:tr>
+              <a:tr h="600337">
+                <a:tc>
+                  <a:txBody>
+                    <a:bodyPr/>
+                    <a:lstStyle/>
+                    <a:p>
+                      <a:pPr algn="ctr" fontAlgn="ctr"/>
+                      <a:endParaRPr lang="en-IE" sz="3500" b="0" i="0" u="none" strike="noStrike">
+                        <a:solidFill>
+                          <a:srgbClr val="000000"/>
+                        </a:solidFill>
+                        <a:effectLst/>
+                        <a:latin typeface="Calibri" panose="020F0502020204030204" pitchFamily="34" charset="0"/>
+                      </a:endParaRPr>
+                    </a:p>
+                  </a:txBody>
+                  <a:tcPr marL="30017" marR="30017" marT="30017" marB="0" anchor="ctr">
+                    <a:lnL>
+                      <a:noFill/>
+                    </a:lnL>
+                    <a:lnR>
+                      <a:noFill/>
+                    </a:lnR>
+                    <a:lnT>
+                      <a:noFill/>
+                    </a:lnT>
+                    <a:lnB>
+                      <a:noFill/>
+                    </a:lnB>
+                  </a:tcPr>
+                </a:tc>
+                <a:tc>
+                  <a:txBody>
+                    <a:bodyPr/>
+                    <a:lstStyle/>
+                    <a:p>
+                      <a:pPr algn="l" fontAlgn="b"/>
+                      <a:endParaRPr lang="en-IE" sz="3500" b="0" i="0" u="none" strike="noStrike">
+                        <a:solidFill>
+                          <a:srgbClr val="000000"/>
+                        </a:solidFill>
+                        <a:effectLst/>
+                        <a:latin typeface="Calibri" panose="020F0502020204030204" pitchFamily="34" charset="0"/>
+                      </a:endParaRPr>
+                    </a:p>
+                  </a:txBody>
+                  <a:tcPr marL="30017" marR="30017" marT="30017" marB="0" anchor="b">
+                    <a:lnL>
+                      <a:noFill/>
+                    </a:lnL>
+                    <a:lnR>
+                      <a:noFill/>
+                    </a:lnR>
+                    <a:lnT>
+                      <a:noFill/>
+                    </a:lnT>
+                    <a:lnB>
+                      <a:noFill/>
+                    </a:lnB>
+                  </a:tcPr>
+                </a:tc>
+                <a:tc>
+                  <a:txBody>
+                    <a:bodyPr/>
+                    <a:lstStyle/>
+                    <a:p>
+                      <a:pPr algn="l" fontAlgn="b"/>
+                      <a:endParaRPr lang="en-IE" sz="3500" b="0" i="0" u="none" strike="noStrike">
+                        <a:solidFill>
+                          <a:srgbClr val="000000"/>
+                        </a:solidFill>
+                        <a:effectLst/>
+                        <a:latin typeface="Calibri" panose="020F0502020204030204" pitchFamily="34" charset="0"/>
+                      </a:endParaRPr>
+                    </a:p>
+                  </a:txBody>
+                  <a:tcPr marL="30017" marR="30017" marT="30017" marB="0" anchor="b">
+                    <a:lnL>
+                      <a:noFill/>
+                    </a:lnL>
+                    <a:lnR>
+                      <a:noFill/>
+                    </a:lnR>
+                    <a:lnT>
+                      <a:noFill/>
+                    </a:lnT>
+                    <a:lnB>
+                      <a:noFill/>
+                    </a:lnB>
+                  </a:tcPr>
+                </a:tc>
+                <a:tc>
+                  <a:txBody>
+                    <a:bodyPr/>
+                    <a:lstStyle/>
+                    <a:p>
+                      <a:pPr algn="l" fontAlgn="b"/>
+                      <a:r>
+                        <a:rPr lang="en-IE" sz="3500" b="0" i="0" u="none" strike="noStrike">
+                          <a:solidFill>
+                            <a:srgbClr val="000000"/>
+                          </a:solidFill>
+                          <a:effectLst/>
+                          <a:latin typeface="Calibri" panose="020F0502020204030204" pitchFamily="34" charset="0"/>
+                        </a:rPr>
+                        <a:t> </a:t>
+                      </a:r>
+                    </a:p>
+                  </a:txBody>
+                  <a:tcPr marL="30017" marR="30017" marT="30017" marB="0" anchor="b">
+                    <a:lnL>
+                      <a:noFill/>
+                    </a:lnL>
+                    <a:lnR w="6350" cap="flat" cmpd="sng" algn="ctr">
+                      <a:solidFill>
+                        <a:srgbClr val="000000"/>
+                      </a:solidFill>
+                      <a:prstDash val="dashDot"/>
+                      <a:round/>
+                      <a:headEnd type="none" w="med" len="med"/>
+                      <a:tailEnd type="none" w="med" len="med"/>
+                    </a:lnR>
+                    <a:lnT w="6350" cap="flat" cmpd="sng" algn="ctr">
+                      <a:solidFill>
+                        <a:srgbClr val="000000"/>
+                      </a:solidFill>
+                      <a:prstDash val="dashDot"/>
+                      <a:round/>
+                      <a:headEnd type="none" w="med" len="med"/>
+                      <a:tailEnd type="none" w="med" len="med"/>
+                    </a:lnT>
+                    <a:lnB>
+                      <a:noFill/>
+                    </a:lnB>
+                  </a:tcPr>
+                </a:tc>
+                <a:tc>
+                  <a:txBody>
+                    <a:bodyPr/>
+                    <a:lstStyle/>
+                    <a:p>
+                      <a:pPr algn="l" fontAlgn="b"/>
+                      <a:r>
+                        <a:rPr lang="en-IE" sz="3500" b="0" i="0" u="none" strike="noStrike">
+                          <a:solidFill>
+                            <a:srgbClr val="000000"/>
+                          </a:solidFill>
+                          <a:effectLst/>
+                          <a:latin typeface="Calibri" panose="020F0502020204030204" pitchFamily="34" charset="0"/>
+                        </a:rPr>
+                        <a:t> </a:t>
+                      </a:r>
+                    </a:p>
+                  </a:txBody>
+                  <a:tcPr marL="30017" marR="30017" marT="30017" marB="0" anchor="b">
+                    <a:lnL w="6350" cap="flat" cmpd="sng" algn="ctr">
+                      <a:solidFill>
+                        <a:srgbClr val="000000"/>
+                      </a:solidFill>
+                      <a:prstDash val="dashDot"/>
+                      <a:round/>
+                      <a:headEnd type="none" w="med" len="med"/>
+                      <a:tailEnd type="none" w="med" len="med"/>
+                    </a:lnL>
+                    <a:lnR w="19050" cap="flat" cmpd="sng" algn="ctr">
+                      <a:solidFill>
+                        <a:srgbClr val="000000"/>
+                      </a:solidFill>
+                      <a:prstDash val="solid"/>
+                      <a:round/>
+                      <a:headEnd type="none" w="med" len="med"/>
+                      <a:tailEnd type="none" w="med" len="med"/>
+                    </a:lnR>
+                    <a:lnT>
+                      <a:noFill/>
+                    </a:lnT>
+                    <a:lnB>
+                      <a:noFill/>
+                    </a:lnB>
+                  </a:tcPr>
+                </a:tc>
+                <a:tc>
+                  <a:txBody>
+                    <a:bodyPr/>
+                    <a:lstStyle/>
+                    <a:p>
+                      <a:pPr algn="l" fontAlgn="b"/>
+                      <a:r>
+                        <a:rPr lang="en-IE" sz="3500" b="0" i="0" u="none" strike="noStrike">
+                          <a:solidFill>
+                            <a:srgbClr val="000000"/>
+                          </a:solidFill>
+                          <a:effectLst/>
+                          <a:latin typeface="Calibri" panose="020F0502020204030204" pitchFamily="34" charset="0"/>
+                        </a:rPr>
+                        <a:t> </a:t>
+                      </a:r>
+                    </a:p>
+                  </a:txBody>
+                  <a:tcPr marL="30017" marR="30017" marT="30017" marB="0" anchor="b">
+                    <a:lnL w="19050" cap="flat" cmpd="sng" algn="ctr">
+                      <a:solidFill>
+                        <a:srgbClr val="000000"/>
+                      </a:solidFill>
+                      <a:prstDash val="solid"/>
+                      <a:round/>
+                      <a:headEnd type="none" w="med" len="med"/>
+                      <a:tailEnd type="none" w="med" len="med"/>
+                    </a:lnL>
+                    <a:lnR w="19050" cap="flat" cmpd="sng" algn="ctr">
+                      <a:solidFill>
+                        <a:srgbClr val="000000"/>
+                      </a:solidFill>
+                      <a:prstDash val="solid"/>
+                      <a:round/>
+                      <a:headEnd type="none" w="med" len="med"/>
+                      <a:tailEnd type="none" w="med" len="med"/>
+                    </a:lnR>
+                    <a:lnT>
+                      <a:noFill/>
+                    </a:lnT>
+                    <a:lnB>
+                      <a:noFill/>
+                    </a:lnB>
+                  </a:tcPr>
+                </a:tc>
+                <a:tc>
+                  <a:txBody>
+                    <a:bodyPr/>
+                    <a:lstStyle/>
+                    <a:p>
+                      <a:pPr algn="l" fontAlgn="b"/>
+                      <a:r>
+                        <a:rPr lang="en-IE" sz="3500" b="0" i="0" u="none" strike="noStrike">
+                          <a:solidFill>
+                            <a:srgbClr val="000000"/>
+                          </a:solidFill>
+                          <a:effectLst/>
+                          <a:latin typeface="Calibri" panose="020F0502020204030204" pitchFamily="34" charset="0"/>
+                        </a:rPr>
+                        <a:t> </a:t>
+                      </a:r>
+                    </a:p>
+                  </a:txBody>
+                  <a:tcPr marL="30017" marR="30017" marT="30017" marB="0" anchor="b">
+                    <a:lnL w="19050" cap="flat" cmpd="sng" algn="ctr">
+                      <a:solidFill>
+                        <a:srgbClr val="000000"/>
+                      </a:solidFill>
+                      <a:prstDash val="solid"/>
+                      <a:round/>
+                      <a:headEnd type="none" w="med" len="med"/>
+                      <a:tailEnd type="none" w="med" len="med"/>
+                    </a:lnL>
+                    <a:lnR w="6350" cap="flat" cmpd="sng" algn="ctr">
+                      <a:solidFill>
+                        <a:srgbClr val="000000"/>
+                      </a:solidFill>
+                      <a:prstDash val="dashDot"/>
+                      <a:round/>
+                      <a:headEnd type="none" w="med" len="med"/>
+                      <a:tailEnd type="none" w="med" len="med"/>
+                    </a:lnR>
+                    <a:lnT>
+                      <a:noFill/>
+                    </a:lnT>
+                    <a:lnB>
+                      <a:noFill/>
+                    </a:lnB>
+                  </a:tcPr>
+                </a:tc>
+                <a:tc>
+                  <a:txBody>
+                    <a:bodyPr/>
+                    <a:lstStyle/>
+                    <a:p>
+                      <a:pPr algn="l" fontAlgn="b"/>
+                      <a:endParaRPr lang="en-IE" sz="3500" b="0" i="0" u="none" strike="noStrike">
+                        <a:solidFill>
+                          <a:srgbClr val="000000"/>
+                        </a:solidFill>
+                        <a:effectLst/>
+                        <a:latin typeface="Calibri" panose="020F0502020204030204" pitchFamily="34" charset="0"/>
+                      </a:endParaRPr>
+                    </a:p>
+                  </a:txBody>
+                  <a:tcPr marL="30017" marR="30017" marT="30017" marB="0" anchor="b">
+                    <a:lnL w="6350" cap="flat" cmpd="sng" algn="ctr">
+                      <a:solidFill>
+                        <a:srgbClr val="000000"/>
+                      </a:solidFill>
+                      <a:prstDash val="dashDot"/>
+                      <a:round/>
+                      <a:headEnd type="none" w="med" len="med"/>
+                      <a:tailEnd type="none" w="med" len="med"/>
+                    </a:lnL>
+                    <a:lnR>
+                      <a:noFill/>
+                    </a:lnR>
+                    <a:lnT w="6350" cap="flat" cmpd="sng" algn="ctr">
+                      <a:solidFill>
+                        <a:srgbClr val="000000"/>
+                      </a:solidFill>
+                      <a:prstDash val="dashDot"/>
+                      <a:round/>
+                      <a:headEnd type="none" w="med" len="med"/>
+                      <a:tailEnd type="none" w="med" len="med"/>
+                    </a:lnT>
+                    <a:lnB>
+                      <a:noFill/>
+                    </a:lnB>
+                  </a:tcPr>
+                </a:tc>
+                <a:tc>
+                  <a:txBody>
+                    <a:bodyPr/>
+                    <a:lstStyle/>
+                    <a:p>
+                      <a:pPr algn="l" fontAlgn="b"/>
+                      <a:endParaRPr lang="en-IE" sz="3500" b="0" i="0" u="none" strike="noStrike">
+                        <a:solidFill>
+                          <a:srgbClr val="000000"/>
+                        </a:solidFill>
+                        <a:effectLst/>
+                        <a:latin typeface="Calibri" panose="020F0502020204030204" pitchFamily="34" charset="0"/>
+                      </a:endParaRPr>
+                    </a:p>
+                  </a:txBody>
+                  <a:tcPr marL="30017" marR="30017" marT="30017" marB="0" anchor="b">
+                    <a:lnL>
+                      <a:noFill/>
+                    </a:lnL>
+                    <a:lnR>
+                      <a:noFill/>
+                    </a:lnR>
+                    <a:lnT>
+                      <a:noFill/>
+                    </a:lnT>
+                    <a:lnB>
+                      <a:noFill/>
+                    </a:lnB>
+                  </a:tcPr>
+                </a:tc>
+                <a:tc>
+                  <a:txBody>
+                    <a:bodyPr/>
+                    <a:lstStyle/>
+                    <a:p>
+                      <a:pPr algn="l" fontAlgn="b"/>
+                      <a:endParaRPr lang="en-IE" sz="3500" b="0" i="0" u="none" strike="noStrike">
+                        <a:solidFill>
+                          <a:srgbClr val="000000"/>
+                        </a:solidFill>
+                        <a:effectLst/>
+                        <a:latin typeface="Calibri" panose="020F0502020204030204" pitchFamily="34" charset="0"/>
+                      </a:endParaRPr>
+                    </a:p>
+                  </a:txBody>
+                  <a:tcPr marL="30017" marR="30017" marT="30017" marB="0" anchor="b">
+                    <a:lnL>
+                      <a:noFill/>
+                    </a:lnL>
+                    <a:lnR>
+                      <a:noFill/>
+                    </a:lnR>
+                    <a:lnT>
+                      <a:noFill/>
+                    </a:lnT>
+                    <a:lnB>
+                      <a:noFill/>
+                    </a:lnB>
+                  </a:tcPr>
+                </a:tc>
+                <a:tc>
+                  <a:txBody>
+                    <a:bodyPr/>
+                    <a:lstStyle/>
+                    <a:p>
+                      <a:pPr algn="l" fontAlgn="b"/>
+                      <a:r>
+                        <a:rPr lang="en-IE" sz="3500" b="0" i="0" u="none" strike="noStrike">
+                          <a:solidFill>
+                            <a:srgbClr val="000000"/>
+                          </a:solidFill>
+                          <a:effectLst/>
+                          <a:latin typeface="Calibri" panose="020F0502020204030204" pitchFamily="34" charset="0"/>
+                        </a:rPr>
+                        <a:t> </a:t>
+                      </a:r>
+                    </a:p>
+                  </a:txBody>
+                  <a:tcPr marL="30017" marR="30017" marT="30017" marB="0" anchor="b">
+                    <a:lnL>
+                      <a:noFill/>
+                    </a:lnL>
+                    <a:lnR w="19050" cap="flat" cmpd="sng" algn="ctr">
+                      <a:solidFill>
+                        <a:srgbClr val="000000"/>
+                      </a:solidFill>
+                      <a:prstDash val="solid"/>
+                      <a:round/>
+                      <a:headEnd type="none" w="med" len="med"/>
+                      <a:tailEnd type="none" w="med" len="med"/>
+                    </a:lnR>
+                    <a:lnT>
+                      <a:noFill/>
+                    </a:lnT>
+                    <a:lnB>
+                      <a:noFill/>
+                    </a:lnB>
+                  </a:tcPr>
+                </a:tc>
+                <a:tc>
+                  <a:txBody>
+                    <a:bodyPr/>
+                    <a:lstStyle/>
+                    <a:p>
+                      <a:pPr algn="l" fontAlgn="b"/>
+                      <a:r>
+                        <a:rPr lang="en-IE" sz="3500" b="0" i="0" u="none" strike="noStrike">
+                          <a:solidFill>
+                            <a:srgbClr val="000000"/>
+                          </a:solidFill>
+                          <a:effectLst/>
+                          <a:latin typeface="Calibri" panose="020F0502020204030204" pitchFamily="34" charset="0"/>
+                        </a:rPr>
+                        <a:t> </a:t>
+                      </a:r>
+                    </a:p>
+                  </a:txBody>
+                  <a:tcPr marL="30017" marR="30017" marT="30017" marB="0" anchor="b">
+                    <a:lnL w="19050" cap="flat" cmpd="sng" algn="ctr">
+                      <a:solidFill>
+                        <a:srgbClr val="000000"/>
+                      </a:solidFill>
+                      <a:prstDash val="solid"/>
+                      <a:round/>
+                      <a:headEnd type="none" w="med" len="med"/>
+                      <a:tailEnd type="none" w="med" len="med"/>
+                    </a:lnL>
+                    <a:lnR w="19050" cap="flat" cmpd="sng" algn="ctr">
+                      <a:solidFill>
+                        <a:srgbClr val="000000"/>
+                      </a:solidFill>
+                      <a:prstDash val="solid"/>
+                      <a:round/>
+                      <a:headEnd type="none" w="med" len="med"/>
+                      <a:tailEnd type="none" w="med" len="med"/>
+                    </a:lnR>
+                    <a:lnT>
+                      <a:noFill/>
+                    </a:lnT>
+                    <a:lnB>
+                      <a:noFill/>
+                    </a:lnB>
+                  </a:tcPr>
+                </a:tc>
+                <a:tc>
+                  <a:txBody>
+                    <a:bodyPr/>
+                    <a:lstStyle/>
+                    <a:p>
+                      <a:pPr algn="l" fontAlgn="b"/>
+                      <a:endParaRPr lang="en-IE" sz="3500" b="0" i="0" u="none" strike="noStrike">
+                        <a:solidFill>
+                          <a:srgbClr val="000000"/>
+                        </a:solidFill>
+                        <a:effectLst/>
+                        <a:latin typeface="Calibri" panose="020F0502020204030204" pitchFamily="34" charset="0"/>
+                      </a:endParaRPr>
+                    </a:p>
+                  </a:txBody>
+                  <a:tcPr marL="30017" marR="30017" marT="30017" marB="0" anchor="b">
+                    <a:lnL w="19050" cap="flat" cmpd="sng" algn="ctr">
+                      <a:solidFill>
+                        <a:srgbClr val="000000"/>
+                      </a:solidFill>
+                      <a:prstDash val="solid"/>
+                      <a:round/>
+                      <a:headEnd type="none" w="med" len="med"/>
+                      <a:tailEnd type="none" w="med" len="med"/>
+                    </a:lnL>
+                    <a:lnR>
+                      <a:noFill/>
+                    </a:lnR>
+                    <a:lnT>
+                      <a:noFill/>
+                    </a:lnT>
+                    <a:lnB>
+                      <a:noFill/>
+                    </a:lnB>
+                  </a:tcPr>
+                </a:tc>
+                <a:tc>
+                  <a:txBody>
+                    <a:bodyPr/>
+                    <a:lstStyle/>
+                    <a:p>
+                      <a:pPr algn="l" fontAlgn="b"/>
+                      <a:endParaRPr lang="en-IE" sz="3500" b="0" i="0" u="none" strike="noStrike">
+                        <a:solidFill>
+                          <a:srgbClr val="000000"/>
+                        </a:solidFill>
+                        <a:effectLst/>
+                        <a:latin typeface="Calibri" panose="020F0502020204030204" pitchFamily="34" charset="0"/>
+                      </a:endParaRPr>
+                    </a:p>
+                  </a:txBody>
+                  <a:tcPr marL="30017" marR="30017" marT="30017" marB="0" anchor="b">
+                    <a:lnL>
+                      <a:noFill/>
+                    </a:lnL>
+                    <a:lnR>
+                      <a:noFill/>
+                    </a:lnR>
+                    <a:lnT>
+                      <a:noFill/>
+                    </a:lnT>
+                    <a:lnB>
+                      <a:noFill/>
+                    </a:lnB>
+                  </a:tcPr>
+                </a:tc>
+                <a:tc>
+                  <a:txBody>
+                    <a:bodyPr/>
+                    <a:lstStyle/>
+                    <a:p>
+                      <a:pPr algn="l" fontAlgn="b"/>
+                      <a:endParaRPr lang="en-IE" sz="3500" b="0" i="0" u="none" strike="noStrike">
+                        <a:solidFill>
+                          <a:srgbClr val="000000"/>
+                        </a:solidFill>
+                        <a:effectLst/>
+                        <a:latin typeface="Calibri" panose="020F0502020204030204" pitchFamily="34" charset="0"/>
+                      </a:endParaRPr>
+                    </a:p>
+                  </a:txBody>
+                  <a:tcPr marL="30017" marR="30017" marT="30017" marB="0" anchor="b">
+                    <a:lnL>
+                      <a:noFill/>
+                    </a:lnL>
+                    <a:lnR>
+                      <a:noFill/>
+                    </a:lnR>
+                    <a:lnT>
+                      <a:noFill/>
+                    </a:lnT>
+                    <a:lnB>
+                      <a:noFill/>
+                    </a:lnB>
+                  </a:tcPr>
+                </a:tc>
+                <a:tc>
+                  <a:txBody>
+                    <a:bodyPr/>
+                    <a:lstStyle/>
+                    <a:p>
+                      <a:pPr algn="l" fontAlgn="b"/>
+                      <a:endParaRPr lang="en-IE" sz="3500" b="0" i="0" u="none" strike="noStrike">
+                        <a:solidFill>
+                          <a:srgbClr val="000000"/>
+                        </a:solidFill>
+                        <a:effectLst/>
+                        <a:latin typeface="Calibri" panose="020F0502020204030204" pitchFamily="34" charset="0"/>
+                      </a:endParaRPr>
+                    </a:p>
+                  </a:txBody>
+                  <a:tcPr marL="30017" marR="30017" marT="30017" marB="0" anchor="b">
+                    <a:lnL>
+                      <a:noFill/>
+                    </a:lnL>
+                    <a:lnR>
+                      <a:noFill/>
+                    </a:lnR>
+                    <a:lnT>
+                      <a:noFill/>
+                    </a:lnT>
+                    <a:lnB>
+                      <a:noFill/>
+                    </a:lnB>
+                  </a:tcPr>
+                </a:tc>
+                <a:extLst>
+                  <a:ext uri="{0D108BD9-81ED-4DB2-BD59-A6C34878D82A}">
+                    <a16:rowId xmlns:a16="http://schemas.microsoft.com/office/drawing/2014/main" val="2582827849"/>
+                  </a:ext>
+                </a:extLst>
+              </a:tr>
+              <a:tr h="600337">
+                <a:tc>
+                  <a:txBody>
+                    <a:bodyPr/>
+                    <a:lstStyle/>
+                    <a:p>
+                      <a:pPr algn="ctr" fontAlgn="ctr"/>
+                      <a:endParaRPr lang="en-IE" sz="3500" b="0" i="0" u="none" strike="noStrike">
+                        <a:solidFill>
+                          <a:srgbClr val="000000"/>
+                        </a:solidFill>
+                        <a:effectLst/>
+                        <a:latin typeface="Calibri" panose="020F0502020204030204" pitchFamily="34" charset="0"/>
+                      </a:endParaRPr>
+                    </a:p>
+                  </a:txBody>
+                  <a:tcPr marL="30017" marR="30017" marT="30017" marB="0" anchor="ctr">
+                    <a:lnL>
+                      <a:noFill/>
+                    </a:lnL>
+                    <a:lnR>
+                      <a:noFill/>
+                    </a:lnR>
+                    <a:lnT>
+                      <a:noFill/>
+                    </a:lnT>
+                    <a:lnB>
+                      <a:noFill/>
+                    </a:lnB>
+                  </a:tcPr>
+                </a:tc>
+                <a:tc>
+                  <a:txBody>
+                    <a:bodyPr/>
+                    <a:lstStyle/>
+                    <a:p>
+                      <a:pPr algn="l" fontAlgn="b"/>
+                      <a:endParaRPr lang="en-IE" sz="3500" b="0" i="0" u="none" strike="noStrike">
+                        <a:solidFill>
+                          <a:srgbClr val="000000"/>
+                        </a:solidFill>
+                        <a:effectLst/>
+                        <a:latin typeface="Calibri" panose="020F0502020204030204" pitchFamily="34" charset="0"/>
+                      </a:endParaRPr>
+                    </a:p>
+                  </a:txBody>
+                  <a:tcPr marL="30017" marR="30017" marT="30017" marB="0" anchor="b">
+                    <a:lnL>
+                      <a:noFill/>
+                    </a:lnL>
+                    <a:lnR>
+                      <a:noFill/>
+                    </a:lnR>
+                    <a:lnT>
+                      <a:noFill/>
+                    </a:lnT>
+                    <a:lnB>
+                      <a:noFill/>
+                    </a:lnB>
+                  </a:tcPr>
+                </a:tc>
+                <a:tc>
+                  <a:txBody>
+                    <a:bodyPr/>
+                    <a:lstStyle/>
+                    <a:p>
+                      <a:pPr algn="l" fontAlgn="b"/>
+                      <a:endParaRPr lang="en-IE" sz="3500" b="0" i="0" u="none" strike="noStrike">
+                        <a:solidFill>
+                          <a:srgbClr val="000000"/>
+                        </a:solidFill>
+                        <a:effectLst/>
+                        <a:latin typeface="Calibri" panose="020F0502020204030204" pitchFamily="34" charset="0"/>
+                      </a:endParaRPr>
+                    </a:p>
+                  </a:txBody>
+                  <a:tcPr marL="30017" marR="30017" marT="30017" marB="0" anchor="b">
+                    <a:lnL>
+                      <a:noFill/>
+                    </a:lnL>
+                    <a:lnR>
+                      <a:noFill/>
+                    </a:lnR>
+                    <a:lnT>
+                      <a:noFill/>
+                    </a:lnT>
+                    <a:lnB>
+                      <a:noFill/>
+                    </a:lnB>
+                  </a:tcPr>
+                </a:tc>
+                <a:tc>
+                  <a:txBody>
+                    <a:bodyPr/>
+                    <a:lstStyle/>
+                    <a:p>
+                      <a:pPr algn="l" fontAlgn="b"/>
+                      <a:r>
+                        <a:rPr lang="en-IE" sz="3500" b="0" i="0" u="none" strike="noStrike">
+                          <a:solidFill>
+                            <a:srgbClr val="000000"/>
+                          </a:solidFill>
+                          <a:effectLst/>
+                          <a:latin typeface="Calibri" panose="020F0502020204030204" pitchFamily="34" charset="0"/>
+                        </a:rPr>
+                        <a:t> </a:t>
+                      </a:r>
+                    </a:p>
+                  </a:txBody>
+                  <a:tcPr marL="30017" marR="30017" marT="30017" marB="0" anchor="b">
+                    <a:lnL>
+                      <a:noFill/>
+                    </a:lnL>
+                    <a:lnR w="6350" cap="flat" cmpd="sng" algn="ctr">
+                      <a:solidFill>
+                        <a:srgbClr val="000000"/>
+                      </a:solidFill>
+                      <a:prstDash val="dashDot"/>
+                      <a:round/>
+                      <a:headEnd type="none" w="med" len="med"/>
+                      <a:tailEnd type="none" w="med" len="med"/>
+                    </a:lnR>
+                    <a:lnT>
+                      <a:noFill/>
+                    </a:lnT>
+                    <a:lnB>
+                      <a:noFill/>
+                    </a:lnB>
+                  </a:tcPr>
+                </a:tc>
+                <a:tc>
+                  <a:txBody>
+                    <a:bodyPr/>
+                    <a:lstStyle/>
+                    <a:p>
+                      <a:pPr algn="l" fontAlgn="b"/>
+                      <a:r>
+                        <a:rPr lang="en-IE" sz="2600" b="0" i="0" u="none" strike="noStrike">
+                          <a:solidFill>
+                            <a:srgbClr val="000000"/>
+                          </a:solidFill>
+                          <a:effectLst/>
+                          <a:latin typeface="Calibri" panose="020F0502020204030204" pitchFamily="34" charset="0"/>
+                        </a:rPr>
+                        <a:t> </a:t>
+                      </a:r>
+                    </a:p>
+                  </a:txBody>
+                  <a:tcPr marL="30017" marR="30017" marT="30017" marB="0" anchor="b">
+                    <a:lnL w="6350" cap="flat" cmpd="sng" algn="ctr">
+                      <a:solidFill>
+                        <a:srgbClr val="000000"/>
+                      </a:solidFill>
+                      <a:prstDash val="dashDot"/>
+                      <a:round/>
+                      <a:headEnd type="none" w="med" len="med"/>
+                      <a:tailEnd type="none" w="med" len="med"/>
+                    </a:lnL>
+                    <a:lnR w="19050" cap="flat" cmpd="sng" algn="ctr">
+                      <a:solidFill>
+                        <a:srgbClr val="000000"/>
+                      </a:solidFill>
+                      <a:prstDash val="solid"/>
+                      <a:round/>
+                      <a:headEnd type="none" w="med" len="med"/>
+                      <a:tailEnd type="none" w="med" len="med"/>
+                    </a:lnR>
+                    <a:lnT>
+                      <a:noFill/>
+                    </a:lnT>
+                    <a:lnB>
+                      <a:noFill/>
+                    </a:lnB>
+                  </a:tcPr>
+                </a:tc>
+                <a:tc>
+                  <a:txBody>
+                    <a:bodyPr/>
+                    <a:lstStyle/>
+                    <a:p>
+                      <a:pPr algn="l" fontAlgn="b"/>
+                      <a:r>
+                        <a:rPr lang="en-IE" sz="2600" b="0" i="0" u="none" strike="noStrike">
+                          <a:solidFill>
+                            <a:srgbClr val="000000"/>
+                          </a:solidFill>
+                          <a:effectLst/>
+                          <a:latin typeface="Calibri" panose="020F0502020204030204" pitchFamily="34" charset="0"/>
+                        </a:rPr>
+                        <a:t> </a:t>
+                      </a:r>
+                    </a:p>
+                  </a:txBody>
+                  <a:tcPr marL="30017" marR="30017" marT="30017" marB="0" anchor="b">
+                    <a:lnL w="19050" cap="flat" cmpd="sng" algn="ctr">
+                      <a:solidFill>
+                        <a:srgbClr val="000000"/>
+                      </a:solidFill>
+                      <a:prstDash val="solid"/>
+                      <a:round/>
+                      <a:headEnd type="none" w="med" len="med"/>
+                      <a:tailEnd type="none" w="med" len="med"/>
+                    </a:lnL>
+                    <a:lnR w="19050" cap="flat" cmpd="sng" algn="ctr">
+                      <a:solidFill>
+                        <a:srgbClr val="000000"/>
+                      </a:solidFill>
+                      <a:prstDash val="solid"/>
+                      <a:round/>
+                      <a:headEnd type="none" w="med" len="med"/>
+                      <a:tailEnd type="none" w="med" len="med"/>
+                    </a:lnR>
+                    <a:lnT>
+                      <a:noFill/>
+                    </a:lnT>
+                    <a:lnB>
+                      <a:noFill/>
+                    </a:lnB>
+                  </a:tcPr>
+                </a:tc>
+                <a:tc>
+                  <a:txBody>
+                    <a:bodyPr/>
+                    <a:lstStyle/>
+                    <a:p>
+                      <a:pPr algn="l" fontAlgn="b"/>
+                      <a:r>
+                        <a:rPr lang="en-IE" sz="3500" b="0" i="0" u="none" strike="noStrike">
+                          <a:solidFill>
+                            <a:srgbClr val="000000"/>
+                          </a:solidFill>
+                          <a:effectLst/>
+                          <a:latin typeface="Calibri" panose="020F0502020204030204" pitchFamily="34" charset="0"/>
+                        </a:rPr>
+                        <a:t> </a:t>
+                      </a:r>
+                    </a:p>
+                  </a:txBody>
+                  <a:tcPr marL="30017" marR="30017" marT="30017" marB="0" anchor="b">
+                    <a:lnL w="19050" cap="flat" cmpd="sng" algn="ctr">
+                      <a:solidFill>
+                        <a:srgbClr val="000000"/>
+                      </a:solidFill>
+                      <a:prstDash val="solid"/>
+                      <a:round/>
+                      <a:headEnd type="none" w="med" len="med"/>
+                      <a:tailEnd type="none" w="med" len="med"/>
+                    </a:lnL>
+                    <a:lnR w="6350" cap="flat" cmpd="sng" algn="ctr">
+                      <a:solidFill>
+                        <a:srgbClr val="000000"/>
+                      </a:solidFill>
+                      <a:prstDash val="dashDot"/>
+                      <a:round/>
+                      <a:headEnd type="none" w="med" len="med"/>
+                      <a:tailEnd type="none" w="med" len="med"/>
+                    </a:lnR>
+                    <a:lnT>
+                      <a:noFill/>
+                    </a:lnT>
+                    <a:lnB>
+                      <a:noFill/>
+                    </a:lnB>
+                  </a:tcPr>
+                </a:tc>
+                <a:tc>
+                  <a:txBody>
+                    <a:bodyPr/>
+                    <a:lstStyle/>
+                    <a:p>
+                      <a:pPr algn="l" fontAlgn="b"/>
+                      <a:endParaRPr lang="en-IE" sz="3500" b="0" i="0" u="none" strike="noStrike">
+                        <a:solidFill>
+                          <a:srgbClr val="000000"/>
+                        </a:solidFill>
+                        <a:effectLst/>
+                        <a:latin typeface="Calibri" panose="020F0502020204030204" pitchFamily="34" charset="0"/>
+                      </a:endParaRPr>
+                    </a:p>
+                  </a:txBody>
+                  <a:tcPr marL="30017" marR="30017" marT="30017" marB="0" anchor="b">
+                    <a:lnL w="6350" cap="flat" cmpd="sng" algn="ctr">
+                      <a:solidFill>
+                        <a:srgbClr val="000000"/>
+                      </a:solidFill>
+                      <a:prstDash val="dashDot"/>
+                      <a:round/>
+                      <a:headEnd type="none" w="med" len="med"/>
+                      <a:tailEnd type="none" w="med" len="med"/>
+                    </a:lnL>
+                    <a:lnR>
+                      <a:noFill/>
+                    </a:lnR>
+                    <a:lnT>
+                      <a:noFill/>
+                    </a:lnT>
+                    <a:lnB>
+                      <a:noFill/>
+                    </a:lnB>
+                  </a:tcPr>
+                </a:tc>
+                <a:tc>
+                  <a:txBody>
+                    <a:bodyPr/>
+                    <a:lstStyle/>
+                    <a:p>
+                      <a:pPr algn="l" fontAlgn="b"/>
+                      <a:endParaRPr lang="en-IE" sz="3500" b="0" i="0" u="none" strike="noStrike">
+                        <a:solidFill>
+                          <a:srgbClr val="000000"/>
+                        </a:solidFill>
+                        <a:effectLst/>
+                        <a:latin typeface="Calibri" panose="020F0502020204030204" pitchFamily="34" charset="0"/>
+                      </a:endParaRPr>
+                    </a:p>
+                  </a:txBody>
+                  <a:tcPr marL="30017" marR="30017" marT="30017" marB="0" anchor="b">
+                    <a:lnL>
+                      <a:noFill/>
+                    </a:lnL>
+                    <a:lnR>
+                      <a:noFill/>
+                    </a:lnR>
+                    <a:lnT>
+                      <a:noFill/>
+                    </a:lnT>
+                    <a:lnB>
+                      <a:noFill/>
+                    </a:lnB>
+                  </a:tcPr>
+                </a:tc>
+                <a:tc>
+                  <a:txBody>
+                    <a:bodyPr/>
+                    <a:lstStyle/>
+                    <a:p>
+                      <a:pPr algn="l" fontAlgn="b"/>
+                      <a:endParaRPr lang="en-IE" sz="3500" b="0" i="0" u="none" strike="noStrike">
+                        <a:solidFill>
+                          <a:srgbClr val="000000"/>
+                        </a:solidFill>
+                        <a:effectLst/>
+                        <a:latin typeface="Calibri" panose="020F0502020204030204" pitchFamily="34" charset="0"/>
+                      </a:endParaRPr>
+                    </a:p>
+                  </a:txBody>
+                  <a:tcPr marL="30017" marR="30017" marT="30017" marB="0" anchor="b">
+                    <a:lnL>
+                      <a:noFill/>
+                    </a:lnL>
+                    <a:lnR>
+                      <a:noFill/>
+                    </a:lnR>
+                    <a:lnT>
+                      <a:noFill/>
+                    </a:lnT>
+                    <a:lnB>
+                      <a:noFill/>
+                    </a:lnB>
+                  </a:tcPr>
+                </a:tc>
+                <a:tc>
+                  <a:txBody>
+                    <a:bodyPr/>
+                    <a:lstStyle/>
+                    <a:p>
+                      <a:pPr algn="l" fontAlgn="b"/>
+                      <a:r>
+                        <a:rPr lang="en-IE" sz="3500" b="0" i="0" u="none" strike="noStrike">
+                          <a:solidFill>
+                            <a:srgbClr val="000000"/>
+                          </a:solidFill>
+                          <a:effectLst/>
+                          <a:latin typeface="Calibri" panose="020F0502020204030204" pitchFamily="34" charset="0"/>
+                        </a:rPr>
+                        <a:t> </a:t>
+                      </a:r>
+                    </a:p>
+                  </a:txBody>
+                  <a:tcPr marL="30017" marR="30017" marT="30017" marB="0" anchor="b">
+                    <a:lnL>
+                      <a:noFill/>
+                    </a:lnL>
+                    <a:lnR w="19050" cap="flat" cmpd="sng" algn="ctr">
+                      <a:solidFill>
+                        <a:srgbClr val="000000"/>
+                      </a:solidFill>
+                      <a:prstDash val="solid"/>
+                      <a:round/>
+                      <a:headEnd type="none" w="med" len="med"/>
+                      <a:tailEnd type="none" w="med" len="med"/>
+                    </a:lnR>
+                    <a:lnT>
+                      <a:noFill/>
+                    </a:lnT>
+                    <a:lnB>
+                      <a:noFill/>
+                    </a:lnB>
+                  </a:tcPr>
+                </a:tc>
+                <a:tc>
+                  <a:txBody>
+                    <a:bodyPr/>
+                    <a:lstStyle/>
+                    <a:p>
+                      <a:pPr algn="l" fontAlgn="b"/>
+                      <a:r>
+                        <a:rPr lang="en-IE" sz="3500" b="0" i="0" u="none" strike="noStrike">
+                          <a:solidFill>
+                            <a:srgbClr val="000000"/>
+                          </a:solidFill>
+                          <a:effectLst/>
+                          <a:latin typeface="Calibri" panose="020F0502020204030204" pitchFamily="34" charset="0"/>
+                        </a:rPr>
+                        <a:t> </a:t>
+                      </a:r>
+                    </a:p>
+                  </a:txBody>
+                  <a:tcPr marL="30017" marR="30017" marT="30017" marB="0" anchor="b">
+                    <a:lnL w="19050" cap="flat" cmpd="sng" algn="ctr">
+                      <a:solidFill>
+                        <a:srgbClr val="000000"/>
+                      </a:solidFill>
+                      <a:prstDash val="solid"/>
+                      <a:round/>
+                      <a:headEnd type="none" w="med" len="med"/>
+                      <a:tailEnd type="none" w="med" len="med"/>
+                    </a:lnL>
+                    <a:lnR w="19050" cap="flat" cmpd="sng" algn="ctr">
+                      <a:solidFill>
+                        <a:srgbClr val="000000"/>
+                      </a:solidFill>
+                      <a:prstDash val="solid"/>
+                      <a:round/>
+                      <a:headEnd type="none" w="med" len="med"/>
+                      <a:tailEnd type="none" w="med" len="med"/>
+                    </a:lnR>
+                    <a:lnT>
+                      <a:noFill/>
+                    </a:lnT>
+                    <a:lnB>
+                      <a:noFill/>
+                    </a:lnB>
+                  </a:tcPr>
+                </a:tc>
+                <a:tc>
+                  <a:txBody>
+                    <a:bodyPr/>
+                    <a:lstStyle/>
+                    <a:p>
+                      <a:pPr algn="l" fontAlgn="b"/>
+                      <a:endParaRPr lang="en-IE" sz="3500" b="0" i="0" u="none" strike="noStrike">
+                        <a:solidFill>
+                          <a:srgbClr val="000000"/>
+                        </a:solidFill>
+                        <a:effectLst/>
+                        <a:latin typeface="Calibri" panose="020F0502020204030204" pitchFamily="34" charset="0"/>
+                      </a:endParaRPr>
+                    </a:p>
+                  </a:txBody>
+                  <a:tcPr marL="30017" marR="30017" marT="30017" marB="0" anchor="b">
+                    <a:lnL w="19050" cap="flat" cmpd="sng" algn="ctr">
+                      <a:solidFill>
+                        <a:srgbClr val="000000"/>
+                      </a:solidFill>
+                      <a:prstDash val="solid"/>
+                      <a:round/>
+                      <a:headEnd type="none" w="med" len="med"/>
+                      <a:tailEnd type="none" w="med" len="med"/>
+                    </a:lnL>
+                    <a:lnR>
+                      <a:noFill/>
+                    </a:lnR>
+                    <a:lnT>
+                      <a:noFill/>
+                    </a:lnT>
+                    <a:lnB>
+                      <a:noFill/>
+                    </a:lnB>
+                  </a:tcPr>
+                </a:tc>
+                <a:tc>
+                  <a:txBody>
+                    <a:bodyPr/>
+                    <a:lstStyle/>
+                    <a:p>
+                      <a:pPr algn="l" fontAlgn="b"/>
+                      <a:endParaRPr lang="en-IE" sz="3500" b="0" i="0" u="none" strike="noStrike">
+                        <a:solidFill>
+                          <a:srgbClr val="000000"/>
+                        </a:solidFill>
+                        <a:effectLst/>
+                        <a:latin typeface="Calibri" panose="020F0502020204030204" pitchFamily="34" charset="0"/>
+                      </a:endParaRPr>
+                    </a:p>
+                  </a:txBody>
+                  <a:tcPr marL="30017" marR="30017" marT="30017" marB="0" anchor="b">
+                    <a:lnL>
+                      <a:noFill/>
+                    </a:lnL>
+                    <a:lnR>
+                      <a:noFill/>
+                    </a:lnR>
+                    <a:lnT>
+                      <a:noFill/>
+                    </a:lnT>
+                    <a:lnB>
+                      <a:noFill/>
+                    </a:lnB>
+                  </a:tcPr>
+                </a:tc>
+                <a:tc>
+                  <a:txBody>
+                    <a:bodyPr/>
+                    <a:lstStyle/>
+                    <a:p>
+                      <a:pPr algn="l" fontAlgn="b"/>
+                      <a:endParaRPr lang="en-IE" sz="3500" b="0" i="0" u="none" strike="noStrike">
+                        <a:solidFill>
+                          <a:srgbClr val="000000"/>
+                        </a:solidFill>
+                        <a:effectLst/>
+                        <a:latin typeface="Calibri" panose="020F0502020204030204" pitchFamily="34" charset="0"/>
+                      </a:endParaRPr>
+                    </a:p>
+                  </a:txBody>
+                  <a:tcPr marL="30017" marR="30017" marT="30017" marB="0" anchor="b">
+                    <a:lnL>
+                      <a:noFill/>
+                    </a:lnL>
+                    <a:lnR>
+                      <a:noFill/>
+                    </a:lnR>
+                    <a:lnT>
+                      <a:noFill/>
+                    </a:lnT>
+                    <a:lnB>
+                      <a:noFill/>
+                    </a:lnB>
+                  </a:tcPr>
+                </a:tc>
+                <a:tc>
+                  <a:txBody>
+                    <a:bodyPr/>
+                    <a:lstStyle/>
+                    <a:p>
+                      <a:pPr algn="l" fontAlgn="b"/>
+                      <a:endParaRPr lang="en-IE" sz="3500" b="0" i="0" u="none" strike="noStrike">
+                        <a:solidFill>
+                          <a:srgbClr val="000000"/>
+                        </a:solidFill>
+                        <a:effectLst/>
+                        <a:latin typeface="Calibri" panose="020F0502020204030204" pitchFamily="34" charset="0"/>
+                      </a:endParaRPr>
+                    </a:p>
+                  </a:txBody>
+                  <a:tcPr marL="30017" marR="30017" marT="30017" marB="0" anchor="b">
+                    <a:lnL>
+                      <a:noFill/>
+                    </a:lnL>
+                    <a:lnR>
+                      <a:noFill/>
+                    </a:lnR>
+                    <a:lnT>
+                      <a:noFill/>
+                    </a:lnT>
+                    <a:lnB>
+                      <a:noFill/>
+                    </a:lnB>
+                  </a:tcPr>
+                </a:tc>
+                <a:extLst>
+                  <a:ext uri="{0D108BD9-81ED-4DB2-BD59-A6C34878D82A}">
+                    <a16:rowId xmlns:a16="http://schemas.microsoft.com/office/drawing/2014/main" val="1272200376"/>
+                  </a:ext>
+                </a:extLst>
+              </a:tr>
+              <a:tr h="600337">
+                <a:tc>
+                  <a:txBody>
+                    <a:bodyPr/>
+                    <a:lstStyle/>
+                    <a:p>
+                      <a:pPr algn="ctr" fontAlgn="ctr"/>
+                      <a:endParaRPr lang="en-IE" sz="3500" b="0" i="0" u="none" strike="noStrike">
+                        <a:solidFill>
+                          <a:srgbClr val="000000"/>
+                        </a:solidFill>
+                        <a:effectLst/>
+                        <a:latin typeface="Calibri" panose="020F0502020204030204" pitchFamily="34" charset="0"/>
+                      </a:endParaRPr>
+                    </a:p>
+                  </a:txBody>
+                  <a:tcPr marL="30017" marR="30017" marT="30017" marB="0" anchor="ctr">
+                    <a:lnL>
+                      <a:noFill/>
+                    </a:lnL>
+                    <a:lnR>
+                      <a:noFill/>
+                    </a:lnR>
+                    <a:lnT>
+                      <a:noFill/>
+                    </a:lnT>
+                    <a:lnB>
+                      <a:noFill/>
+                    </a:lnB>
+                  </a:tcPr>
+                </a:tc>
+                <a:tc>
+                  <a:txBody>
+                    <a:bodyPr/>
+                    <a:lstStyle/>
+                    <a:p>
+                      <a:pPr algn="l" fontAlgn="b"/>
+                      <a:endParaRPr lang="en-IE" sz="3500" b="0" i="0" u="none" strike="noStrike">
+                        <a:solidFill>
+                          <a:srgbClr val="000000"/>
+                        </a:solidFill>
+                        <a:effectLst/>
+                        <a:latin typeface="Calibri" panose="020F0502020204030204" pitchFamily="34" charset="0"/>
+                      </a:endParaRPr>
+                    </a:p>
+                  </a:txBody>
+                  <a:tcPr marL="30017" marR="30017" marT="30017" marB="0" anchor="b">
+                    <a:lnL>
+                      <a:noFill/>
+                    </a:lnL>
+                    <a:lnR>
+                      <a:noFill/>
+                    </a:lnR>
+                    <a:lnT>
+                      <a:noFill/>
+                    </a:lnT>
+                    <a:lnB>
+                      <a:noFill/>
+                    </a:lnB>
+                  </a:tcPr>
+                </a:tc>
+                <a:tc>
+                  <a:txBody>
+                    <a:bodyPr/>
+                    <a:lstStyle/>
+                    <a:p>
+                      <a:pPr algn="l" fontAlgn="b"/>
+                      <a:r>
+                        <a:rPr lang="en-IE" sz="3500" b="0" i="0" u="none" strike="noStrike">
+                          <a:solidFill>
+                            <a:srgbClr val="000000"/>
+                          </a:solidFill>
+                          <a:effectLst/>
+                          <a:latin typeface="Calibri" panose="020F0502020204030204" pitchFamily="34" charset="0"/>
+                        </a:rPr>
+                        <a:t> </a:t>
+                      </a:r>
+                    </a:p>
+                  </a:txBody>
+                  <a:tcPr marL="30017" marR="30017" marT="30017" marB="0" anchor="b">
+                    <a:lnL>
+                      <a:noFill/>
+                    </a:lnL>
+                    <a:lnR>
+                      <a:noFill/>
+                    </a:lnR>
+                    <a:lnT>
+                      <a:noFill/>
+                    </a:lnT>
+                    <a:lnB w="6350" cap="flat" cmpd="sng" algn="ctr">
+                      <a:solidFill>
+                        <a:srgbClr val="000000"/>
+                      </a:solidFill>
+                      <a:prstDash val="dashDot"/>
+                      <a:round/>
+                      <a:headEnd type="none" w="med" len="med"/>
+                      <a:tailEnd type="none" w="med" len="med"/>
+                    </a:lnB>
+                  </a:tcPr>
+                </a:tc>
+                <a:tc>
+                  <a:txBody>
+                    <a:bodyPr/>
+                    <a:lstStyle/>
+                    <a:p>
+                      <a:pPr algn="l" fontAlgn="b"/>
+                      <a:r>
+                        <a:rPr lang="en-IE" sz="3500" b="0" i="0" u="none" strike="noStrike">
+                          <a:solidFill>
+                            <a:srgbClr val="000000"/>
+                          </a:solidFill>
+                          <a:effectLst/>
+                          <a:latin typeface="Calibri" panose="020F0502020204030204" pitchFamily="34" charset="0"/>
+                        </a:rPr>
+                        <a:t> </a:t>
+                      </a:r>
+                    </a:p>
+                  </a:txBody>
+                  <a:tcPr marL="30017" marR="30017" marT="30017" marB="0" anchor="b">
+                    <a:lnL>
+                      <a:noFill/>
+                    </a:lnL>
+                    <a:lnR w="6350" cap="flat" cmpd="sng" algn="ctr">
+                      <a:solidFill>
+                        <a:srgbClr val="000000"/>
+                      </a:solidFill>
+                      <a:prstDash val="dashDot"/>
+                      <a:round/>
+                      <a:headEnd type="none" w="med" len="med"/>
+                      <a:tailEnd type="none" w="med" len="med"/>
+                    </a:lnR>
+                    <a:lnT>
+                      <a:noFill/>
+                    </a:lnT>
+                    <a:lnB w="6350" cap="flat" cmpd="sng" algn="ctr">
+                      <a:solidFill>
+                        <a:srgbClr val="000000"/>
+                      </a:solidFill>
+                      <a:prstDash val="dashDot"/>
+                      <a:round/>
+                      <a:headEnd type="none" w="med" len="med"/>
+                      <a:tailEnd type="none" w="med" len="med"/>
+                    </a:lnB>
+                  </a:tcPr>
+                </a:tc>
+                <a:tc>
+                  <a:txBody>
+                    <a:bodyPr/>
+                    <a:lstStyle/>
+                    <a:p>
+                      <a:pPr algn="l" fontAlgn="b"/>
+                      <a:r>
+                        <a:rPr lang="en-IE" sz="3500" b="0" i="0" u="none" strike="noStrike">
+                          <a:solidFill>
+                            <a:srgbClr val="000000"/>
+                          </a:solidFill>
+                          <a:effectLst/>
+                          <a:latin typeface="Calibri" panose="020F0502020204030204" pitchFamily="34" charset="0"/>
+                        </a:rPr>
+                        <a:t> </a:t>
+                      </a:r>
+                    </a:p>
+                  </a:txBody>
+                  <a:tcPr marL="30017" marR="30017" marT="30017" marB="0" anchor="b">
+                    <a:lnL w="6350" cap="flat" cmpd="sng" algn="ctr">
+                      <a:solidFill>
+                        <a:srgbClr val="000000"/>
+                      </a:solidFill>
+                      <a:prstDash val="dashDot"/>
+                      <a:round/>
+                      <a:headEnd type="none" w="med" len="med"/>
+                      <a:tailEnd type="none" w="med" len="med"/>
+                    </a:lnL>
+                    <a:lnR w="19050" cap="flat" cmpd="sng" algn="ctr">
+                      <a:solidFill>
+                        <a:srgbClr val="000000"/>
+                      </a:solidFill>
+                      <a:prstDash val="solid"/>
+                      <a:round/>
+                      <a:headEnd type="none" w="med" len="med"/>
+                      <a:tailEnd type="none" w="med" len="med"/>
+                    </a:lnR>
+                    <a:lnT>
+                      <a:noFill/>
+                    </a:lnT>
+                    <a:lnB>
+                      <a:noFill/>
+                    </a:lnB>
+                  </a:tcPr>
+                </a:tc>
+                <a:tc>
+                  <a:txBody>
+                    <a:bodyPr/>
+                    <a:lstStyle/>
+                    <a:p>
+                      <a:pPr algn="l" fontAlgn="b"/>
+                      <a:r>
+                        <a:rPr lang="en-IE" sz="3500" b="0" i="0" u="none" strike="noStrike">
+                          <a:solidFill>
+                            <a:srgbClr val="000000"/>
+                          </a:solidFill>
+                          <a:effectLst/>
+                          <a:latin typeface="Calibri" panose="020F0502020204030204" pitchFamily="34" charset="0"/>
+                        </a:rPr>
+                        <a:t> </a:t>
+                      </a:r>
+                    </a:p>
+                  </a:txBody>
+                  <a:tcPr marL="30017" marR="30017" marT="30017" marB="0" anchor="b">
+                    <a:lnL w="19050" cap="flat" cmpd="sng" algn="ctr">
+                      <a:solidFill>
+                        <a:srgbClr val="000000"/>
+                      </a:solidFill>
+                      <a:prstDash val="solid"/>
+                      <a:round/>
+                      <a:headEnd type="none" w="med" len="med"/>
+                      <a:tailEnd type="none" w="med" len="med"/>
+                    </a:lnL>
+                    <a:lnR w="19050" cap="flat" cmpd="sng" algn="ctr">
+                      <a:solidFill>
+                        <a:srgbClr val="000000"/>
+                      </a:solidFill>
+                      <a:prstDash val="solid"/>
+                      <a:round/>
+                      <a:headEnd type="none" w="med" len="med"/>
+                      <a:tailEnd type="none" w="med" len="med"/>
+                    </a:lnR>
+                    <a:lnT>
+                      <a:noFill/>
+                    </a:lnT>
+                    <a:lnB>
+                      <a:noFill/>
+                    </a:lnB>
+                  </a:tcPr>
+                </a:tc>
+                <a:tc>
+                  <a:txBody>
+                    <a:bodyPr/>
+                    <a:lstStyle/>
+                    <a:p>
+                      <a:pPr algn="l" fontAlgn="b"/>
+                      <a:r>
+                        <a:rPr lang="en-IE" sz="3500" b="0" i="0" u="none" strike="noStrike">
+                          <a:solidFill>
+                            <a:srgbClr val="000000"/>
+                          </a:solidFill>
+                          <a:effectLst/>
+                          <a:latin typeface="Calibri" panose="020F0502020204030204" pitchFamily="34" charset="0"/>
+                        </a:rPr>
+                        <a:t> </a:t>
+                      </a:r>
+                    </a:p>
+                  </a:txBody>
+                  <a:tcPr marL="30017" marR="30017" marT="30017" marB="0" anchor="b">
+                    <a:lnL w="19050" cap="flat" cmpd="sng" algn="ctr">
+                      <a:solidFill>
+                        <a:srgbClr val="000000"/>
+                      </a:solidFill>
+                      <a:prstDash val="solid"/>
+                      <a:round/>
+                      <a:headEnd type="none" w="med" len="med"/>
+                      <a:tailEnd type="none" w="med" len="med"/>
+                    </a:lnL>
+                    <a:lnR w="6350" cap="flat" cmpd="sng" algn="ctr">
+                      <a:solidFill>
+                        <a:srgbClr val="000000"/>
+                      </a:solidFill>
+                      <a:prstDash val="dashDot"/>
+                      <a:round/>
+                      <a:headEnd type="none" w="med" len="med"/>
+                      <a:tailEnd type="none" w="med" len="med"/>
+                    </a:lnR>
+                    <a:lnT>
+                      <a:noFill/>
+                    </a:lnT>
+                    <a:lnB>
+                      <a:noFill/>
+                    </a:lnB>
+                  </a:tcPr>
+                </a:tc>
+                <a:tc>
+                  <a:txBody>
+                    <a:bodyPr/>
+                    <a:lstStyle/>
+                    <a:p>
+                      <a:pPr algn="l" fontAlgn="b"/>
+                      <a:endParaRPr lang="en-IE" sz="3500" b="0" i="0" u="none" strike="noStrike">
+                        <a:solidFill>
+                          <a:srgbClr val="000000"/>
+                        </a:solidFill>
+                        <a:effectLst/>
+                        <a:latin typeface="Calibri" panose="020F0502020204030204" pitchFamily="34" charset="0"/>
+                      </a:endParaRPr>
+                    </a:p>
+                  </a:txBody>
+                  <a:tcPr marL="30017" marR="30017" marT="30017" marB="0" anchor="b">
+                    <a:lnL w="6350" cap="flat" cmpd="sng" algn="ctr">
+                      <a:solidFill>
+                        <a:srgbClr val="000000"/>
+                      </a:solidFill>
+                      <a:prstDash val="dashDot"/>
+                      <a:round/>
+                      <a:headEnd type="none" w="med" len="med"/>
+                      <a:tailEnd type="none" w="med" len="med"/>
+                    </a:lnL>
+                    <a:lnR>
+                      <a:noFill/>
+                    </a:lnR>
+                    <a:lnT>
+                      <a:noFill/>
+                    </a:lnT>
+                    <a:lnB>
+                      <a:noFill/>
+                    </a:lnB>
+                  </a:tcPr>
+                </a:tc>
+                <a:tc>
+                  <a:txBody>
+                    <a:bodyPr/>
+                    <a:lstStyle/>
+                    <a:p>
+                      <a:pPr algn="l" fontAlgn="b"/>
+                      <a:endParaRPr lang="en-IE" sz="3500" b="0" i="0" u="none" strike="noStrike">
+                        <a:solidFill>
+                          <a:srgbClr val="000000"/>
+                        </a:solidFill>
+                        <a:effectLst/>
+                        <a:latin typeface="Calibri" panose="020F0502020204030204" pitchFamily="34" charset="0"/>
+                      </a:endParaRPr>
+                    </a:p>
+                  </a:txBody>
+                  <a:tcPr marL="30017" marR="30017" marT="30017" marB="0" anchor="b">
+                    <a:lnL>
+                      <a:noFill/>
+                    </a:lnL>
+                    <a:lnR>
+                      <a:noFill/>
+                    </a:lnR>
+                    <a:lnT>
+                      <a:noFill/>
+                    </a:lnT>
+                    <a:lnB>
+                      <a:noFill/>
+                    </a:lnB>
+                  </a:tcPr>
+                </a:tc>
+                <a:tc>
+                  <a:txBody>
+                    <a:bodyPr/>
+                    <a:lstStyle/>
+                    <a:p>
+                      <a:pPr algn="l" fontAlgn="b"/>
+                      <a:endParaRPr lang="en-IE" sz="3500" b="0" i="0" u="none" strike="noStrike">
+                        <a:solidFill>
+                          <a:srgbClr val="000000"/>
+                        </a:solidFill>
+                        <a:effectLst/>
+                        <a:latin typeface="Calibri" panose="020F0502020204030204" pitchFamily="34" charset="0"/>
+                      </a:endParaRPr>
+                    </a:p>
+                  </a:txBody>
+                  <a:tcPr marL="30017" marR="30017" marT="30017" marB="0" anchor="b">
+                    <a:lnL>
+                      <a:noFill/>
+                    </a:lnL>
+                    <a:lnR>
+                      <a:noFill/>
+                    </a:lnR>
+                    <a:lnT>
+                      <a:noFill/>
+                    </a:lnT>
+                    <a:lnB>
+                      <a:noFill/>
+                    </a:lnB>
+                  </a:tcPr>
+                </a:tc>
+                <a:tc>
+                  <a:txBody>
+                    <a:bodyPr/>
+                    <a:lstStyle/>
+                    <a:p>
+                      <a:pPr algn="l" fontAlgn="b"/>
+                      <a:r>
+                        <a:rPr lang="en-IE" sz="3500" b="0" i="0" u="none" strike="noStrike">
+                          <a:solidFill>
+                            <a:srgbClr val="000000"/>
+                          </a:solidFill>
+                          <a:effectLst/>
+                          <a:latin typeface="Calibri" panose="020F0502020204030204" pitchFamily="34" charset="0"/>
+                        </a:rPr>
+                        <a:t> </a:t>
+                      </a:r>
+                    </a:p>
+                  </a:txBody>
+                  <a:tcPr marL="30017" marR="30017" marT="30017" marB="0" anchor="b">
+                    <a:lnL>
+                      <a:noFill/>
+                    </a:lnL>
+                    <a:lnR w="19050" cap="flat" cmpd="sng" algn="ctr">
+                      <a:solidFill>
+                        <a:srgbClr val="000000"/>
+                      </a:solidFill>
+                      <a:prstDash val="solid"/>
+                      <a:round/>
+                      <a:headEnd type="none" w="med" len="med"/>
+                      <a:tailEnd type="none" w="med" len="med"/>
+                    </a:lnR>
+                    <a:lnT>
+                      <a:noFill/>
+                    </a:lnT>
+                    <a:lnB>
+                      <a:noFill/>
+                    </a:lnB>
+                  </a:tcPr>
+                </a:tc>
+                <a:tc>
+                  <a:txBody>
+                    <a:bodyPr/>
+                    <a:lstStyle/>
+                    <a:p>
+                      <a:pPr algn="l" fontAlgn="b"/>
+                      <a:r>
+                        <a:rPr lang="en-IE" sz="3500" b="0" i="0" u="none" strike="noStrike">
+                          <a:solidFill>
+                            <a:srgbClr val="000000"/>
+                          </a:solidFill>
+                          <a:effectLst/>
+                          <a:latin typeface="Calibri" panose="020F0502020204030204" pitchFamily="34" charset="0"/>
+                        </a:rPr>
+                        <a:t> </a:t>
+                      </a:r>
+                    </a:p>
+                  </a:txBody>
+                  <a:tcPr marL="30017" marR="30017" marT="30017" marB="0" anchor="b">
+                    <a:lnL w="19050" cap="flat" cmpd="sng" algn="ctr">
+                      <a:solidFill>
+                        <a:srgbClr val="000000"/>
+                      </a:solidFill>
+                      <a:prstDash val="solid"/>
+                      <a:round/>
+                      <a:headEnd type="none" w="med" len="med"/>
+                      <a:tailEnd type="none" w="med" len="med"/>
+                    </a:lnL>
+                    <a:lnR w="19050" cap="flat" cmpd="sng" algn="ctr">
+                      <a:solidFill>
+                        <a:srgbClr val="000000"/>
+                      </a:solidFill>
+                      <a:prstDash val="solid"/>
+                      <a:round/>
+                      <a:headEnd type="none" w="med" len="med"/>
+                      <a:tailEnd type="none" w="med" len="med"/>
+                    </a:lnR>
+                    <a:lnT>
+                      <a:noFill/>
+                    </a:lnT>
+                    <a:lnB>
+                      <a:noFill/>
+                    </a:lnB>
+                  </a:tcPr>
+                </a:tc>
+                <a:tc>
+                  <a:txBody>
+                    <a:bodyPr/>
+                    <a:lstStyle/>
+                    <a:p>
+                      <a:pPr algn="l" fontAlgn="b"/>
+                      <a:endParaRPr lang="en-IE" sz="3500" b="0" i="0" u="none" strike="noStrike">
+                        <a:solidFill>
+                          <a:srgbClr val="000000"/>
+                        </a:solidFill>
+                        <a:effectLst/>
+                        <a:latin typeface="Calibri" panose="020F0502020204030204" pitchFamily="34" charset="0"/>
+                      </a:endParaRPr>
+                    </a:p>
+                  </a:txBody>
+                  <a:tcPr marL="30017" marR="30017" marT="30017" marB="0" anchor="b">
+                    <a:lnL w="19050" cap="flat" cmpd="sng" algn="ctr">
+                      <a:solidFill>
+                        <a:srgbClr val="000000"/>
+                      </a:solidFill>
+                      <a:prstDash val="solid"/>
+                      <a:round/>
+                      <a:headEnd type="none" w="med" len="med"/>
+                      <a:tailEnd type="none" w="med" len="med"/>
+                    </a:lnL>
+                    <a:lnR>
+                      <a:noFill/>
+                    </a:lnR>
+                    <a:lnT>
+                      <a:noFill/>
+                    </a:lnT>
+                    <a:lnB>
+                      <a:noFill/>
+                    </a:lnB>
+                  </a:tcPr>
+                </a:tc>
+                <a:tc>
+                  <a:txBody>
+                    <a:bodyPr/>
+                    <a:lstStyle/>
+                    <a:p>
+                      <a:pPr algn="l" fontAlgn="b"/>
+                      <a:endParaRPr lang="en-IE" sz="3500" b="0" i="0" u="none" strike="noStrike">
+                        <a:solidFill>
+                          <a:srgbClr val="000000"/>
+                        </a:solidFill>
+                        <a:effectLst/>
+                        <a:latin typeface="Calibri" panose="020F0502020204030204" pitchFamily="34" charset="0"/>
+                      </a:endParaRPr>
+                    </a:p>
+                  </a:txBody>
+                  <a:tcPr marL="30017" marR="30017" marT="30017" marB="0" anchor="b">
+                    <a:lnL>
+                      <a:noFill/>
+                    </a:lnL>
+                    <a:lnR>
+                      <a:noFill/>
+                    </a:lnR>
+                    <a:lnT>
+                      <a:noFill/>
+                    </a:lnT>
+                    <a:lnB>
+                      <a:noFill/>
+                    </a:lnB>
+                  </a:tcPr>
+                </a:tc>
+                <a:tc>
+                  <a:txBody>
+                    <a:bodyPr/>
+                    <a:lstStyle/>
+                    <a:p>
+                      <a:pPr algn="l" fontAlgn="b"/>
+                      <a:endParaRPr lang="en-IE" sz="3500" b="0" i="0" u="none" strike="noStrike">
+                        <a:solidFill>
+                          <a:srgbClr val="000000"/>
+                        </a:solidFill>
+                        <a:effectLst/>
+                        <a:latin typeface="Calibri" panose="020F0502020204030204" pitchFamily="34" charset="0"/>
+                      </a:endParaRPr>
+                    </a:p>
+                  </a:txBody>
+                  <a:tcPr marL="30017" marR="30017" marT="30017" marB="0" anchor="b">
+                    <a:lnL>
+                      <a:noFill/>
+                    </a:lnL>
+                    <a:lnR>
+                      <a:noFill/>
+                    </a:lnR>
+                    <a:lnT>
+                      <a:noFill/>
+                    </a:lnT>
+                    <a:lnB>
+                      <a:noFill/>
+                    </a:lnB>
+                  </a:tcPr>
+                </a:tc>
+                <a:tc>
+                  <a:txBody>
+                    <a:bodyPr/>
+                    <a:lstStyle/>
+                    <a:p>
+                      <a:pPr algn="l" fontAlgn="b"/>
+                      <a:endParaRPr lang="en-IE" sz="3500" b="0" i="0" u="none" strike="noStrike">
+                        <a:solidFill>
+                          <a:srgbClr val="000000"/>
+                        </a:solidFill>
+                        <a:effectLst/>
+                        <a:latin typeface="Calibri" panose="020F0502020204030204" pitchFamily="34" charset="0"/>
+                      </a:endParaRPr>
+                    </a:p>
+                  </a:txBody>
+                  <a:tcPr marL="30017" marR="30017" marT="30017" marB="0" anchor="b">
+                    <a:lnL>
+                      <a:noFill/>
+                    </a:lnL>
+                    <a:lnR>
+                      <a:noFill/>
+                    </a:lnR>
+                    <a:lnT>
+                      <a:noFill/>
+                    </a:lnT>
+                    <a:lnB>
+                      <a:noFill/>
+                    </a:lnB>
+                  </a:tcPr>
+                </a:tc>
+                <a:extLst>
+                  <a:ext uri="{0D108BD9-81ED-4DB2-BD59-A6C34878D82A}">
+                    <a16:rowId xmlns:a16="http://schemas.microsoft.com/office/drawing/2014/main" val="2223276306"/>
+                  </a:ext>
+                </a:extLst>
+              </a:tr>
+              <a:tr h="630354">
+                <a:tc>
+                  <a:txBody>
+                    <a:bodyPr/>
+                    <a:lstStyle/>
+                    <a:p>
+                      <a:pPr algn="ctr" fontAlgn="ctr"/>
+                      <a:endParaRPr lang="en-IE" sz="3500" b="0" i="0" u="none" strike="noStrike">
+                        <a:solidFill>
+                          <a:srgbClr val="000000"/>
+                        </a:solidFill>
+                        <a:effectLst/>
+                        <a:latin typeface="Calibri" panose="020F0502020204030204" pitchFamily="34" charset="0"/>
+                      </a:endParaRPr>
+                    </a:p>
+                  </a:txBody>
+                  <a:tcPr marL="30017" marR="30017" marT="30017" marB="0" anchor="ctr">
+                    <a:lnL>
+                      <a:noFill/>
+                    </a:lnL>
+                    <a:lnR>
+                      <a:noFill/>
+                    </a:lnR>
+                    <a:lnT>
+                      <a:noFill/>
+                    </a:lnT>
+                    <a:lnB>
+                      <a:noFill/>
+                    </a:lnB>
+                  </a:tcPr>
+                </a:tc>
+                <a:tc>
+                  <a:txBody>
+                    <a:bodyPr/>
+                    <a:lstStyle/>
+                    <a:p>
+                      <a:pPr algn="l" fontAlgn="b"/>
+                      <a:r>
+                        <a:rPr lang="en-IE" sz="3500" b="0" i="0" u="none" strike="noStrike">
+                          <a:solidFill>
+                            <a:srgbClr val="000000"/>
+                          </a:solidFill>
+                          <a:effectLst/>
+                          <a:latin typeface="Calibri" panose="020F0502020204030204" pitchFamily="34" charset="0"/>
+                        </a:rPr>
+                        <a:t> </a:t>
+                      </a:r>
+                    </a:p>
+                  </a:txBody>
+                  <a:tcPr marL="30017" marR="30017" marT="30017" marB="0" anchor="b">
+                    <a:lnL>
+                      <a:noFill/>
+                    </a:lnL>
+                    <a:lnR w="6350" cap="flat" cmpd="sng" algn="ctr">
+                      <a:solidFill>
+                        <a:srgbClr val="000000"/>
+                      </a:solidFill>
+                      <a:prstDash val="dashDot"/>
+                      <a:round/>
+                      <a:headEnd type="none" w="med" len="med"/>
+                      <a:tailEnd type="none" w="med" len="med"/>
+                    </a:lnR>
+                    <a:lnT>
+                      <a:noFill/>
+                    </a:lnT>
+                    <a:lnB w="6350" cap="flat" cmpd="sng" algn="ctr">
+                      <a:solidFill>
+                        <a:srgbClr val="000000"/>
+                      </a:solidFill>
+                      <a:prstDash val="dashDot"/>
+                      <a:round/>
+                      <a:headEnd type="none" w="med" len="med"/>
+                      <a:tailEnd type="none" w="med" len="med"/>
+                    </a:lnB>
+                  </a:tcPr>
+                </a:tc>
+                <a:tc>
+                  <a:txBody>
+                    <a:bodyPr/>
+                    <a:lstStyle/>
+                    <a:p>
+                      <a:pPr algn="l" fontAlgn="b"/>
+                      <a:r>
+                        <a:rPr lang="en-IE" sz="3500" b="0" i="0" u="none" strike="noStrike">
+                          <a:solidFill>
+                            <a:srgbClr val="000000"/>
+                          </a:solidFill>
+                          <a:effectLst/>
+                          <a:latin typeface="Calibri" panose="020F0502020204030204" pitchFamily="34" charset="0"/>
+                        </a:rPr>
+                        <a:t> </a:t>
+                      </a:r>
+                    </a:p>
+                  </a:txBody>
+                  <a:tcPr marL="30017" marR="30017" marT="30017" marB="0" anchor="b">
+                    <a:lnL w="6350" cap="flat" cmpd="sng" algn="ctr">
+                      <a:solidFill>
+                        <a:srgbClr val="000000"/>
+                      </a:solidFill>
+                      <a:prstDash val="dashDot"/>
+                      <a:round/>
+                      <a:headEnd type="none" w="med" len="med"/>
+                      <a:tailEnd type="none" w="med" len="med"/>
+                    </a:lnL>
+                    <a:lnR>
+                      <a:noFill/>
+                    </a:lnR>
+                    <a:lnT w="6350" cap="flat" cmpd="sng" algn="ctr">
+                      <a:solidFill>
+                        <a:srgbClr val="000000"/>
+                      </a:solidFill>
+                      <a:prstDash val="dashDot"/>
+                      <a:round/>
+                      <a:headEnd type="none" w="med" len="med"/>
+                      <a:tailEnd type="none" w="med" len="med"/>
+                    </a:lnT>
+                    <a:lnB w="19050" cap="flat" cmpd="sng" algn="ctr">
+                      <a:solidFill>
+                        <a:srgbClr val="000000"/>
+                      </a:solidFill>
+                      <a:prstDash val="solid"/>
+                      <a:round/>
+                      <a:headEnd type="none" w="med" len="med"/>
+                      <a:tailEnd type="none" w="med" len="med"/>
+                    </a:lnB>
+                  </a:tcPr>
+                </a:tc>
+                <a:tc>
+                  <a:txBody>
+                    <a:bodyPr/>
+                    <a:lstStyle/>
+                    <a:p>
+                      <a:pPr algn="l" fontAlgn="b"/>
+                      <a:r>
+                        <a:rPr lang="en-IE" sz="3500" b="0" i="0" u="none" strike="noStrike">
+                          <a:solidFill>
+                            <a:srgbClr val="000000"/>
+                          </a:solidFill>
+                          <a:effectLst/>
+                          <a:latin typeface="Calibri" panose="020F0502020204030204" pitchFamily="34" charset="0"/>
+                        </a:rPr>
+                        <a:t> </a:t>
+                      </a:r>
+                    </a:p>
+                  </a:txBody>
+                  <a:tcPr marL="30017" marR="30017" marT="30017" marB="0" anchor="b">
+                    <a:lnL>
+                      <a:noFill/>
+                    </a:lnL>
+                    <a:lnR>
+                      <a:noFill/>
+                    </a:lnR>
+                    <a:lnT w="6350" cap="flat" cmpd="sng" algn="ctr">
+                      <a:solidFill>
+                        <a:srgbClr val="000000"/>
+                      </a:solidFill>
+                      <a:prstDash val="dashDot"/>
+                      <a:round/>
+                      <a:headEnd type="none" w="med" len="med"/>
+                      <a:tailEnd type="none" w="med" len="med"/>
+                    </a:lnT>
+                    <a:lnB w="19050" cap="flat" cmpd="sng" algn="ctr">
+                      <a:solidFill>
+                        <a:srgbClr val="000000"/>
+                      </a:solidFill>
+                      <a:prstDash val="solid"/>
+                      <a:round/>
+                      <a:headEnd type="none" w="med" len="med"/>
+                      <a:tailEnd type="none" w="med" len="med"/>
+                    </a:lnB>
+                  </a:tcPr>
+                </a:tc>
+                <a:tc>
+                  <a:txBody>
+                    <a:bodyPr/>
+                    <a:lstStyle/>
+                    <a:p>
+                      <a:pPr algn="l" fontAlgn="b"/>
+                      <a:r>
+                        <a:rPr lang="en-IE" sz="3500" b="0" i="0" u="none" strike="noStrike">
+                          <a:solidFill>
+                            <a:srgbClr val="000000"/>
+                          </a:solidFill>
+                          <a:effectLst/>
+                          <a:latin typeface="Calibri" panose="020F0502020204030204" pitchFamily="34" charset="0"/>
+                        </a:rPr>
+                        <a:t> </a:t>
+                      </a:r>
+                    </a:p>
+                  </a:txBody>
+                  <a:tcPr marL="30017" marR="30017" marT="30017" marB="0" anchor="b">
+                    <a:lnL>
+                      <a:noFill/>
+                    </a:lnL>
+                    <a:lnR w="19050" cap="flat" cmpd="sng" algn="ctr">
+                      <a:solidFill>
+                        <a:srgbClr val="000000"/>
+                      </a:solidFill>
+                      <a:prstDash val="solid"/>
+                      <a:round/>
+                      <a:headEnd type="none" w="med" len="med"/>
+                      <a:tailEnd type="none" w="med" len="med"/>
+                    </a:lnR>
+                    <a:lnT>
+                      <a:noFill/>
+                    </a:lnT>
+                    <a:lnB w="19050" cap="flat" cmpd="sng" algn="ctr">
+                      <a:solidFill>
+                        <a:srgbClr val="000000"/>
+                      </a:solidFill>
+                      <a:prstDash val="solid"/>
+                      <a:round/>
+                      <a:headEnd type="none" w="med" len="med"/>
+                      <a:tailEnd type="none" w="med" len="med"/>
+                    </a:lnB>
+                  </a:tcPr>
+                </a:tc>
+                <a:tc>
+                  <a:txBody>
+                    <a:bodyPr/>
+                    <a:lstStyle/>
+                    <a:p>
+                      <a:pPr algn="l" fontAlgn="b"/>
+                      <a:r>
+                        <a:rPr lang="en-IE" sz="3500" b="0" i="0" u="none" strike="noStrike">
+                          <a:solidFill>
+                            <a:srgbClr val="000000"/>
+                          </a:solidFill>
+                          <a:effectLst/>
+                          <a:latin typeface="Calibri" panose="020F0502020204030204" pitchFamily="34" charset="0"/>
+                        </a:rPr>
+                        <a:t> </a:t>
+                      </a:r>
+                    </a:p>
+                  </a:txBody>
+                  <a:tcPr marL="30017" marR="30017" marT="30017" marB="0" anchor="b">
+                    <a:lnL w="19050" cap="flat" cmpd="sng" algn="ctr">
+                      <a:solidFill>
+                        <a:srgbClr val="000000"/>
+                      </a:solidFill>
+                      <a:prstDash val="solid"/>
+                      <a:round/>
+                      <a:headEnd type="none" w="med" len="med"/>
+                      <a:tailEnd type="none" w="med" len="med"/>
+                    </a:lnL>
+                    <a:lnR w="19050" cap="flat" cmpd="sng" algn="ctr">
+                      <a:solidFill>
+                        <a:srgbClr val="000000"/>
+                      </a:solidFill>
+                      <a:prstDash val="solid"/>
+                      <a:round/>
+                      <a:headEnd type="none" w="med" len="med"/>
+                      <a:tailEnd type="none" w="med" len="med"/>
+                    </a:lnR>
+                    <a:lnT>
+                      <a:noFill/>
+                    </a:lnT>
+                    <a:lnB>
+                      <a:noFill/>
+                    </a:lnB>
+                  </a:tcPr>
+                </a:tc>
+                <a:tc>
+                  <a:txBody>
+                    <a:bodyPr/>
+                    <a:lstStyle/>
+                    <a:p>
+                      <a:pPr algn="l" fontAlgn="b"/>
+                      <a:r>
+                        <a:rPr lang="en-IE" sz="3500" b="0" i="0" u="none" strike="noStrike">
+                          <a:solidFill>
+                            <a:srgbClr val="000000"/>
+                          </a:solidFill>
+                          <a:effectLst/>
+                          <a:latin typeface="Calibri" panose="020F0502020204030204" pitchFamily="34" charset="0"/>
+                        </a:rPr>
+                        <a:t> </a:t>
+                      </a:r>
+                    </a:p>
+                  </a:txBody>
+                  <a:tcPr marL="30017" marR="30017" marT="30017" marB="0" anchor="b">
+                    <a:lnL w="19050" cap="flat" cmpd="sng" algn="ctr">
+                      <a:solidFill>
+                        <a:srgbClr val="000000"/>
+                      </a:solidFill>
+                      <a:prstDash val="solid"/>
+                      <a:round/>
+                      <a:headEnd type="none" w="med" len="med"/>
+                      <a:tailEnd type="none" w="med" len="med"/>
+                    </a:lnL>
+                    <a:lnR w="6350" cap="flat" cmpd="sng" algn="ctr">
+                      <a:solidFill>
+                        <a:srgbClr val="000000"/>
+                      </a:solidFill>
+                      <a:prstDash val="dashDot"/>
+                      <a:round/>
+                      <a:headEnd type="none" w="med" len="med"/>
+                      <a:tailEnd type="none" w="med" len="med"/>
+                    </a:lnR>
+                    <a:lnT>
+                      <a:noFill/>
+                    </a:lnT>
+                    <a:lnB w="6350" cap="flat" cmpd="sng" algn="ctr">
+                      <a:solidFill>
+                        <a:srgbClr val="000000"/>
+                      </a:solidFill>
+                      <a:prstDash val="dashDot"/>
+                      <a:round/>
+                      <a:headEnd type="none" w="med" len="med"/>
+                      <a:tailEnd type="none" w="med" len="med"/>
+                    </a:lnB>
+                  </a:tcPr>
+                </a:tc>
+                <a:tc>
+                  <a:txBody>
+                    <a:bodyPr/>
+                    <a:lstStyle/>
+                    <a:p>
+                      <a:pPr algn="l" fontAlgn="b"/>
+                      <a:endParaRPr lang="en-IE" sz="3500" b="0" i="0" u="none" strike="noStrike">
+                        <a:solidFill>
+                          <a:srgbClr val="000000"/>
+                        </a:solidFill>
+                        <a:effectLst/>
+                        <a:latin typeface="Calibri" panose="020F0502020204030204" pitchFamily="34" charset="0"/>
+                      </a:endParaRPr>
+                    </a:p>
+                  </a:txBody>
+                  <a:tcPr marL="30017" marR="30017" marT="30017" marB="0" anchor="b">
+                    <a:lnL w="6350" cap="flat" cmpd="sng" algn="ctr">
+                      <a:solidFill>
+                        <a:srgbClr val="000000"/>
+                      </a:solidFill>
+                      <a:prstDash val="dashDot"/>
+                      <a:round/>
+                      <a:headEnd type="none" w="med" len="med"/>
+                      <a:tailEnd type="none" w="med" len="med"/>
+                    </a:lnL>
+                    <a:lnR>
+                      <a:noFill/>
+                    </a:lnR>
+                    <a:lnT>
+                      <a:noFill/>
+                    </a:lnT>
+                    <a:lnB>
+                      <a:noFill/>
+                    </a:lnB>
+                  </a:tcPr>
+                </a:tc>
+                <a:tc>
+                  <a:txBody>
+                    <a:bodyPr/>
+                    <a:lstStyle/>
+                    <a:p>
+                      <a:pPr algn="l" fontAlgn="b"/>
+                      <a:endParaRPr lang="en-IE" sz="3500" b="0" i="0" u="none" strike="noStrike">
+                        <a:solidFill>
+                          <a:srgbClr val="000000"/>
+                        </a:solidFill>
+                        <a:effectLst/>
+                        <a:latin typeface="Calibri" panose="020F0502020204030204" pitchFamily="34" charset="0"/>
+                      </a:endParaRPr>
+                    </a:p>
+                  </a:txBody>
+                  <a:tcPr marL="30017" marR="30017" marT="30017" marB="0" anchor="b">
+                    <a:lnL>
+                      <a:noFill/>
+                    </a:lnL>
+                    <a:lnR>
+                      <a:noFill/>
+                    </a:lnR>
+                    <a:lnT>
+                      <a:noFill/>
+                    </a:lnT>
+                    <a:lnB>
+                      <a:noFill/>
+                    </a:lnB>
+                  </a:tcPr>
+                </a:tc>
+                <a:tc>
+                  <a:txBody>
+                    <a:bodyPr/>
+                    <a:lstStyle/>
+                    <a:p>
+                      <a:pPr algn="l" fontAlgn="b"/>
+                      <a:endParaRPr lang="en-IE" sz="3500" b="0" i="0" u="none" strike="noStrike">
+                        <a:solidFill>
+                          <a:srgbClr val="000000"/>
+                        </a:solidFill>
+                        <a:effectLst/>
+                        <a:latin typeface="Calibri" panose="020F0502020204030204" pitchFamily="34" charset="0"/>
+                      </a:endParaRPr>
+                    </a:p>
+                  </a:txBody>
+                  <a:tcPr marL="30017" marR="30017" marT="30017" marB="0" anchor="b">
+                    <a:lnL>
+                      <a:noFill/>
+                    </a:lnL>
+                    <a:lnR>
+                      <a:noFill/>
+                    </a:lnR>
+                    <a:lnT>
+                      <a:noFill/>
+                    </a:lnT>
+                    <a:lnB>
+                      <a:noFill/>
+                    </a:lnB>
+                  </a:tcPr>
+                </a:tc>
+                <a:tc>
+                  <a:txBody>
+                    <a:bodyPr/>
+                    <a:lstStyle/>
+                    <a:p>
+                      <a:pPr algn="l" fontAlgn="b"/>
+                      <a:r>
+                        <a:rPr lang="en-IE" sz="3500" b="0" i="0" u="none" strike="noStrike">
+                          <a:solidFill>
+                            <a:srgbClr val="000000"/>
+                          </a:solidFill>
+                          <a:effectLst/>
+                          <a:latin typeface="Calibri" panose="020F0502020204030204" pitchFamily="34" charset="0"/>
+                        </a:rPr>
+                        <a:t> </a:t>
+                      </a:r>
+                    </a:p>
+                  </a:txBody>
+                  <a:tcPr marL="30017" marR="30017" marT="30017" marB="0" anchor="b">
+                    <a:lnL>
+                      <a:noFill/>
+                    </a:lnL>
+                    <a:lnR w="19050" cap="flat" cmpd="sng" algn="ctr">
+                      <a:solidFill>
+                        <a:srgbClr val="000000"/>
+                      </a:solidFill>
+                      <a:prstDash val="solid"/>
+                      <a:round/>
+                      <a:headEnd type="none" w="med" len="med"/>
+                      <a:tailEnd type="none" w="med" len="med"/>
+                    </a:lnR>
+                    <a:lnT>
+                      <a:noFill/>
+                    </a:lnT>
+                    <a:lnB>
+                      <a:noFill/>
+                    </a:lnB>
+                  </a:tcPr>
+                </a:tc>
+                <a:tc>
+                  <a:txBody>
+                    <a:bodyPr/>
+                    <a:lstStyle/>
+                    <a:p>
+                      <a:pPr algn="l" fontAlgn="b"/>
+                      <a:r>
+                        <a:rPr lang="en-IE" sz="3500" b="0" i="0" u="none" strike="noStrike">
+                          <a:solidFill>
+                            <a:srgbClr val="000000"/>
+                          </a:solidFill>
+                          <a:effectLst/>
+                          <a:latin typeface="Calibri" panose="020F0502020204030204" pitchFamily="34" charset="0"/>
+                        </a:rPr>
+                        <a:t> </a:t>
+                      </a:r>
+                    </a:p>
+                  </a:txBody>
+                  <a:tcPr marL="30017" marR="30017" marT="30017" marB="0" anchor="b">
+                    <a:lnL w="19050" cap="flat" cmpd="sng" algn="ctr">
+                      <a:solidFill>
+                        <a:srgbClr val="000000"/>
+                      </a:solidFill>
+                      <a:prstDash val="solid"/>
+                      <a:round/>
+                      <a:headEnd type="none" w="med" len="med"/>
+                      <a:tailEnd type="none" w="med" len="med"/>
+                    </a:lnL>
+                    <a:lnR w="19050" cap="flat" cmpd="sng" algn="ctr">
+                      <a:solidFill>
+                        <a:srgbClr val="000000"/>
+                      </a:solidFill>
+                      <a:prstDash val="solid"/>
+                      <a:round/>
+                      <a:headEnd type="none" w="med" len="med"/>
+                      <a:tailEnd type="none" w="med" len="med"/>
+                    </a:lnR>
+                    <a:lnT>
+                      <a:noFill/>
+                    </a:lnT>
+                    <a:lnB>
+                      <a:noFill/>
+                    </a:lnB>
+                  </a:tcPr>
+                </a:tc>
+                <a:tc>
+                  <a:txBody>
+                    <a:bodyPr/>
+                    <a:lstStyle/>
+                    <a:p>
+                      <a:pPr algn="l" fontAlgn="b"/>
+                      <a:r>
+                        <a:rPr lang="en-IE" sz="3500" b="0" i="0" u="none" strike="noStrike">
+                          <a:solidFill>
+                            <a:srgbClr val="000000"/>
+                          </a:solidFill>
+                          <a:effectLst/>
+                          <a:latin typeface="Calibri" panose="020F0502020204030204" pitchFamily="34" charset="0"/>
+                        </a:rPr>
+                        <a:t> </a:t>
+                      </a:r>
+                    </a:p>
+                  </a:txBody>
+                  <a:tcPr marL="30017" marR="30017" marT="30017" marB="0" anchor="b">
+                    <a:lnL w="19050" cap="flat" cmpd="sng" algn="ctr">
+                      <a:solidFill>
+                        <a:srgbClr val="000000"/>
+                      </a:solidFill>
+                      <a:prstDash val="solid"/>
+                      <a:round/>
+                      <a:headEnd type="none" w="med" len="med"/>
+                      <a:tailEnd type="none" w="med" len="med"/>
+                    </a:lnL>
+                    <a:lnR>
+                      <a:noFill/>
+                    </a:lnR>
+                    <a:lnT>
+                      <a:noFill/>
+                    </a:lnT>
+                    <a:lnB w="19050" cap="flat" cmpd="sng" algn="ctr">
+                      <a:solidFill>
+                        <a:srgbClr val="000000"/>
+                      </a:solidFill>
+                      <a:prstDash val="solid"/>
+                      <a:round/>
+                      <a:headEnd type="none" w="med" len="med"/>
+                      <a:tailEnd type="none" w="med" len="med"/>
+                    </a:lnB>
+                  </a:tcPr>
+                </a:tc>
+                <a:tc>
+                  <a:txBody>
+                    <a:bodyPr/>
+                    <a:lstStyle/>
+                    <a:p>
+                      <a:pPr algn="l" fontAlgn="b"/>
+                      <a:r>
+                        <a:rPr lang="en-IE" sz="3500" b="0" i="0" u="none" strike="noStrike" dirty="0">
+                          <a:solidFill>
+                            <a:srgbClr val="000000"/>
+                          </a:solidFill>
+                          <a:effectLst/>
+                          <a:latin typeface="Calibri" panose="020F0502020204030204" pitchFamily="34" charset="0"/>
+                        </a:rPr>
+                        <a:t> </a:t>
+                      </a:r>
+                    </a:p>
+                  </a:txBody>
+                  <a:tcPr marL="30017" marR="30017" marT="30017" marB="0" anchor="b">
+                    <a:lnL>
+                      <a:noFill/>
+                    </a:lnL>
+                    <a:lnR>
+                      <a:noFill/>
+                    </a:lnR>
+                    <a:lnT>
+                      <a:noFill/>
+                    </a:lnT>
+                    <a:lnB w="19050" cap="flat" cmpd="sng" algn="ctr">
+                      <a:solidFill>
+                        <a:srgbClr val="000000"/>
+                      </a:solidFill>
+                      <a:prstDash val="solid"/>
+                      <a:round/>
+                      <a:headEnd type="none" w="med" len="med"/>
+                      <a:tailEnd type="none" w="med" len="med"/>
+                    </a:lnB>
+                  </a:tcPr>
+                </a:tc>
+                <a:tc>
+                  <a:txBody>
+                    <a:bodyPr/>
+                    <a:lstStyle/>
+                    <a:p>
+                      <a:pPr algn="l" fontAlgn="b"/>
+                      <a:r>
+                        <a:rPr lang="en-IE" sz="3500" b="0" i="0" u="none" strike="noStrike">
+                          <a:solidFill>
+                            <a:srgbClr val="000000"/>
+                          </a:solidFill>
+                          <a:effectLst/>
+                          <a:latin typeface="Calibri" panose="020F0502020204030204" pitchFamily="34" charset="0"/>
+                        </a:rPr>
+                        <a:t> </a:t>
+                      </a:r>
+                    </a:p>
+                  </a:txBody>
+                  <a:tcPr marL="30017" marR="30017" marT="30017" marB="0" anchor="b">
+                    <a:lnL>
+                      <a:noFill/>
+                    </a:lnL>
+                    <a:lnR>
+                      <a:noFill/>
+                    </a:lnR>
+                    <a:lnT>
+                      <a:noFill/>
+                    </a:lnT>
+                    <a:lnB w="19050" cap="flat" cmpd="sng" algn="ctr">
+                      <a:solidFill>
+                        <a:srgbClr val="000000"/>
+                      </a:solidFill>
+                      <a:prstDash val="solid"/>
+                      <a:round/>
+                      <a:headEnd type="none" w="med" len="med"/>
+                      <a:tailEnd type="none" w="med" len="med"/>
+                    </a:lnB>
+                  </a:tcPr>
+                </a:tc>
+                <a:tc>
+                  <a:txBody>
+                    <a:bodyPr/>
+                    <a:lstStyle/>
+                    <a:p>
+                      <a:pPr algn="l" fontAlgn="b"/>
+                      <a:endParaRPr lang="en-IE" sz="3500" b="0" i="0" u="none" strike="noStrike">
+                        <a:solidFill>
+                          <a:srgbClr val="000000"/>
+                        </a:solidFill>
+                        <a:effectLst/>
+                        <a:latin typeface="Calibri" panose="020F0502020204030204" pitchFamily="34" charset="0"/>
+                      </a:endParaRPr>
+                    </a:p>
+                  </a:txBody>
+                  <a:tcPr marL="30017" marR="30017" marT="30017" marB="0" anchor="b">
+                    <a:lnL>
+                      <a:noFill/>
+                    </a:lnL>
+                    <a:lnR>
+                      <a:noFill/>
+                    </a:lnR>
+                    <a:lnT>
+                      <a:noFill/>
+                    </a:lnT>
+                    <a:lnB>
+                      <a:noFill/>
+                    </a:lnB>
+                  </a:tcPr>
+                </a:tc>
+                <a:extLst>
+                  <a:ext uri="{0D108BD9-81ED-4DB2-BD59-A6C34878D82A}">
+                    <a16:rowId xmlns:a16="http://schemas.microsoft.com/office/drawing/2014/main" val="4079946916"/>
+                  </a:ext>
+                </a:extLst>
+              </a:tr>
+              <a:tr h="660372">
+                <a:tc>
+                  <a:txBody>
+                    <a:bodyPr/>
+                    <a:lstStyle/>
+                    <a:p>
+                      <a:pPr algn="ctr" fontAlgn="ctr"/>
+                      <a:endParaRPr lang="en-IE" sz="3500" b="0" i="0" u="none" strike="noStrike">
+                        <a:solidFill>
+                          <a:srgbClr val="000000"/>
+                        </a:solidFill>
+                        <a:effectLst/>
+                        <a:latin typeface="Calibri" panose="020F0502020204030204" pitchFamily="34" charset="0"/>
+                      </a:endParaRPr>
+                    </a:p>
+                  </a:txBody>
+                  <a:tcPr marL="30017" marR="30017" marT="30017" marB="0" anchor="ctr">
+                    <a:lnL>
+                      <a:noFill/>
+                    </a:lnL>
+                    <a:lnR w="6350" cap="flat" cmpd="sng" algn="ctr">
+                      <a:solidFill>
+                        <a:srgbClr val="000000"/>
+                      </a:solidFill>
+                      <a:prstDash val="dashDot"/>
+                      <a:round/>
+                      <a:headEnd type="none" w="med" len="med"/>
+                      <a:tailEnd type="none" w="med" len="med"/>
+                    </a:lnR>
+                    <a:lnT>
+                      <a:noFill/>
+                    </a:lnT>
+                    <a:lnB>
+                      <a:noFill/>
+                    </a:lnB>
+                  </a:tcPr>
+                </a:tc>
+                <a:tc>
+                  <a:txBody>
+                    <a:bodyPr/>
+                    <a:lstStyle/>
+                    <a:p>
+                      <a:pPr algn="l" fontAlgn="b"/>
+                      <a:r>
+                        <a:rPr lang="en-IE" sz="3500" b="0" i="0" u="none" strike="noStrike">
+                          <a:solidFill>
+                            <a:srgbClr val="000000"/>
+                          </a:solidFill>
+                          <a:effectLst/>
+                          <a:latin typeface="Calibri" panose="020F0502020204030204" pitchFamily="34" charset="0"/>
+                        </a:rPr>
+                        <a:t> </a:t>
+                      </a:r>
+                    </a:p>
+                  </a:txBody>
+                  <a:tcPr marL="30017" marR="30017" marT="30017" marB="0" anchor="b">
+                    <a:lnL w="6350" cap="flat" cmpd="sng" algn="ctr">
+                      <a:solidFill>
+                        <a:srgbClr val="000000"/>
+                      </a:solidFill>
+                      <a:prstDash val="dashDot"/>
+                      <a:round/>
+                      <a:headEnd type="none" w="med" len="med"/>
+                      <a:tailEnd type="none" w="med" len="med"/>
+                    </a:lnL>
+                    <a:lnR w="19050" cap="flat" cmpd="sng" algn="ctr">
+                      <a:solidFill>
+                        <a:srgbClr val="000000"/>
+                      </a:solidFill>
+                      <a:prstDash val="solid"/>
+                      <a:round/>
+                      <a:headEnd type="none" w="med" len="med"/>
+                      <a:tailEnd type="none" w="med" len="med"/>
+                    </a:lnR>
+                    <a:lnT w="6350" cap="flat" cmpd="sng" algn="ctr">
+                      <a:solidFill>
+                        <a:srgbClr val="000000"/>
+                      </a:solidFill>
+                      <a:prstDash val="dashDot"/>
+                      <a:round/>
+                      <a:headEnd type="none" w="med" len="med"/>
+                      <a:tailEnd type="none" w="med" len="med"/>
+                    </a:lnT>
+                    <a:lnB w="6350" cap="flat" cmpd="sng" algn="ctr">
+                      <a:solidFill>
+                        <a:srgbClr val="000000"/>
+                      </a:solidFill>
+                      <a:prstDash val="dashDot"/>
+                      <a:round/>
+                      <a:headEnd type="none" w="med" len="med"/>
+                      <a:tailEnd type="none" w="med" len="med"/>
+                    </a:lnB>
+                  </a:tcPr>
+                </a:tc>
+                <a:tc>
+                  <a:txBody>
+                    <a:bodyPr/>
+                    <a:lstStyle/>
+                    <a:p>
+                      <a:pPr algn="l" fontAlgn="b"/>
+                      <a:r>
+                        <a:rPr lang="en-IE" sz="2600" b="0" i="0" u="none" strike="noStrike">
+                          <a:solidFill>
+                            <a:srgbClr val="000000"/>
+                          </a:solidFill>
+                          <a:effectLst/>
+                          <a:latin typeface="Calibri" panose="020F0502020204030204" pitchFamily="34" charset="0"/>
+                        </a:rPr>
+                        <a:t> </a:t>
+                      </a:r>
+                    </a:p>
+                  </a:txBody>
+                  <a:tcPr marL="30017" marR="30017" marT="30017" marB="0" anchor="b">
+                    <a:lnL w="19050" cap="flat" cmpd="sng" algn="ctr">
+                      <a:solidFill>
+                        <a:srgbClr val="000000"/>
+                      </a:solidFill>
+                      <a:prstDash val="solid"/>
+                      <a:round/>
+                      <a:headEnd type="none" w="med" len="med"/>
+                      <a:tailEnd type="none" w="med" len="med"/>
+                    </a:lnL>
+                    <a:lnR>
+                      <a:noFill/>
+                    </a:lnR>
+                    <a:lnT w="19050" cap="flat" cmpd="sng" algn="ctr">
+                      <a:solidFill>
+                        <a:srgbClr val="000000"/>
+                      </a:solidFill>
+                      <a:prstDash val="solid"/>
+                      <a:round/>
+                      <a:headEnd type="none" w="med" len="med"/>
+                      <a:tailEnd type="none" w="med" len="med"/>
+                    </a:lnT>
+                    <a:lnB w="19050" cap="flat" cmpd="sng" algn="ctr">
+                      <a:solidFill>
+                        <a:srgbClr val="000000"/>
+                      </a:solidFill>
+                      <a:prstDash val="solid"/>
+                      <a:round/>
+                      <a:headEnd type="none" w="med" len="med"/>
+                      <a:tailEnd type="none" w="med" len="med"/>
+                    </a:lnB>
+                  </a:tcPr>
+                </a:tc>
+                <a:tc>
+                  <a:txBody>
+                    <a:bodyPr/>
+                    <a:lstStyle/>
+                    <a:p>
+                      <a:pPr algn="l" fontAlgn="b"/>
+                      <a:r>
+                        <a:rPr lang="en-IE" sz="3500" b="0" i="0" u="none" strike="noStrike">
+                          <a:solidFill>
+                            <a:srgbClr val="000000"/>
+                          </a:solidFill>
+                          <a:effectLst/>
+                          <a:latin typeface="Calibri" panose="020F0502020204030204" pitchFamily="34" charset="0"/>
+                        </a:rPr>
+                        <a:t> </a:t>
+                      </a:r>
+                    </a:p>
+                  </a:txBody>
+                  <a:tcPr marL="30017" marR="30017" marT="30017" marB="0" anchor="b">
+                    <a:lnL>
+                      <a:noFill/>
+                    </a:lnL>
+                    <a:lnR>
+                      <a:noFill/>
+                    </a:lnR>
+                    <a:lnT w="19050" cap="flat" cmpd="sng" algn="ctr">
+                      <a:solidFill>
+                        <a:srgbClr val="000000"/>
+                      </a:solidFill>
+                      <a:prstDash val="solid"/>
+                      <a:round/>
+                      <a:headEnd type="none" w="med" len="med"/>
+                      <a:tailEnd type="none" w="med" len="med"/>
+                    </a:lnT>
+                    <a:lnB w="19050" cap="flat" cmpd="sng" algn="ctr">
+                      <a:solidFill>
+                        <a:srgbClr val="000000"/>
+                      </a:solidFill>
+                      <a:prstDash val="solid"/>
+                      <a:round/>
+                      <a:headEnd type="none" w="med" len="med"/>
+                      <a:tailEnd type="none" w="med" len="med"/>
+                    </a:lnB>
+                  </a:tcPr>
+                </a:tc>
+                <a:tc>
+                  <a:txBody>
+                    <a:bodyPr/>
+                    <a:lstStyle/>
+                    <a:p>
+                      <a:pPr algn="l" fontAlgn="b"/>
+                      <a:r>
+                        <a:rPr lang="en-IE" sz="3500" b="0" i="0" u="none" strike="noStrike">
+                          <a:solidFill>
+                            <a:srgbClr val="000000"/>
+                          </a:solidFill>
+                          <a:effectLst/>
+                          <a:latin typeface="Calibri" panose="020F0502020204030204" pitchFamily="34" charset="0"/>
+                        </a:rPr>
+                        <a:t> </a:t>
+                      </a:r>
+                    </a:p>
+                  </a:txBody>
+                  <a:tcPr marL="30017" marR="30017" marT="30017" marB="0" anchor="b">
+                    <a:lnL>
+                      <a:noFill/>
+                    </a:lnL>
+                    <a:lnR>
+                      <a:noFill/>
+                    </a:lnR>
+                    <a:lnT w="19050" cap="flat" cmpd="sng" algn="ctr">
+                      <a:solidFill>
+                        <a:srgbClr val="000000"/>
+                      </a:solidFill>
+                      <a:prstDash val="solid"/>
+                      <a:round/>
+                      <a:headEnd type="none" w="med" len="med"/>
+                      <a:tailEnd type="none" w="med" len="med"/>
+                    </a:lnT>
+                    <a:lnB w="19050" cap="flat" cmpd="sng" algn="ctr">
+                      <a:solidFill>
+                        <a:srgbClr val="000000"/>
+                      </a:solidFill>
+                      <a:prstDash val="solid"/>
+                      <a:round/>
+                      <a:headEnd type="none" w="med" len="med"/>
+                      <a:tailEnd type="none" w="med" len="med"/>
+                    </a:lnB>
+                  </a:tcPr>
+                </a:tc>
+                <a:tc>
+                  <a:txBody>
+                    <a:bodyPr/>
+                    <a:lstStyle/>
+                    <a:p>
+                      <a:pPr algn="l" fontAlgn="b"/>
+                      <a:r>
+                        <a:rPr lang="en-IE" sz="3500" b="0" i="0" u="none" strike="noStrike">
+                          <a:solidFill>
+                            <a:srgbClr val="000000"/>
+                          </a:solidFill>
+                          <a:effectLst/>
+                          <a:latin typeface="Calibri" panose="020F0502020204030204" pitchFamily="34" charset="0"/>
+                        </a:rPr>
+                        <a:t> </a:t>
+                      </a:r>
+                    </a:p>
+                  </a:txBody>
+                  <a:tcPr marL="30017" marR="30017" marT="30017" marB="0" anchor="b">
+                    <a:lnL>
+                      <a:noFill/>
+                    </a:lnL>
+                    <a:lnR>
+                      <a:noFill/>
+                    </a:lnR>
+                    <a:lnT>
+                      <a:noFill/>
+                    </a:lnT>
+                    <a:lnB>
+                      <a:noFill/>
+                    </a:lnB>
+                    <a:lnBlToTr w="19050" cap="flat" cmpd="sng" algn="ctr">
+                      <a:solidFill>
+                        <a:srgbClr val="000000"/>
+                      </a:solidFill>
+                      <a:prstDash val="solid"/>
+                      <a:round/>
+                      <a:headEnd type="none" w="med" len="med"/>
+                      <a:tailEnd type="none" w="med" len="med"/>
+                    </a:lnBlToTr>
+                  </a:tcPr>
+                </a:tc>
+                <a:tc>
+                  <a:txBody>
+                    <a:bodyPr/>
+                    <a:lstStyle/>
+                    <a:p>
+                      <a:pPr algn="l" fontAlgn="b"/>
+                      <a:r>
+                        <a:rPr lang="en-IE" sz="3500" b="0" i="0" u="none" strike="noStrike">
+                          <a:solidFill>
+                            <a:srgbClr val="000000"/>
+                          </a:solidFill>
+                          <a:effectLst/>
+                          <a:latin typeface="Calibri" panose="020F0502020204030204" pitchFamily="34" charset="0"/>
+                        </a:rPr>
+                        <a:t> </a:t>
+                      </a:r>
+                    </a:p>
+                  </a:txBody>
+                  <a:tcPr marL="30017" marR="30017" marT="30017" marB="0" anchor="b">
+                    <a:lnL>
+                      <a:noFill/>
+                    </a:lnL>
+                    <a:lnR>
+                      <a:noFill/>
+                    </a:lnR>
+                    <a:lnT w="6350" cap="flat" cmpd="sng" algn="ctr">
+                      <a:solidFill>
+                        <a:srgbClr val="000000"/>
+                      </a:solidFill>
+                      <a:prstDash val="dashDot"/>
+                      <a:round/>
+                      <a:headEnd type="none" w="med" len="med"/>
+                      <a:tailEnd type="none" w="med" len="med"/>
+                    </a:lnT>
+                    <a:lnB>
+                      <a:noFill/>
+                    </a:lnB>
+                    <a:lnTlToBr w="6350" cap="flat" cmpd="sng" algn="ctr">
+                      <a:solidFill>
+                        <a:srgbClr val="000000"/>
+                      </a:solidFill>
+                      <a:prstDash val="dashDot"/>
+                      <a:round/>
+                      <a:headEnd type="none" w="med" len="med"/>
+                      <a:tailEnd type="none" w="med" len="med"/>
+                    </a:lnTlToBr>
+                  </a:tcPr>
+                </a:tc>
+                <a:tc>
+                  <a:txBody>
+                    <a:bodyPr/>
+                    <a:lstStyle/>
+                    <a:p>
+                      <a:pPr algn="l" fontAlgn="b"/>
+                      <a:endParaRPr lang="en-IE" sz="3500" b="0" i="0" u="none" strike="noStrike">
+                        <a:solidFill>
+                          <a:srgbClr val="000000"/>
+                        </a:solidFill>
+                        <a:effectLst/>
+                        <a:latin typeface="Calibri" panose="020F0502020204030204" pitchFamily="34" charset="0"/>
+                      </a:endParaRPr>
+                    </a:p>
+                  </a:txBody>
+                  <a:tcPr marL="30017" marR="30017" marT="30017" marB="0" anchor="b">
+                    <a:lnL>
+                      <a:noFill/>
+                    </a:lnL>
+                    <a:lnR>
+                      <a:noFill/>
+                    </a:lnR>
+                    <a:lnT>
+                      <a:noFill/>
+                    </a:lnT>
+                    <a:lnB>
+                      <a:noFill/>
+                    </a:lnB>
+                  </a:tcPr>
+                </a:tc>
+                <a:tc>
+                  <a:txBody>
+                    <a:bodyPr/>
+                    <a:lstStyle/>
+                    <a:p>
+                      <a:pPr algn="l" fontAlgn="b"/>
+                      <a:endParaRPr lang="en-IE" sz="3500" b="0" i="0" u="none" strike="noStrike">
+                        <a:solidFill>
+                          <a:srgbClr val="000000"/>
+                        </a:solidFill>
+                        <a:effectLst/>
+                        <a:latin typeface="Calibri" panose="020F0502020204030204" pitchFamily="34" charset="0"/>
+                      </a:endParaRPr>
+                    </a:p>
+                  </a:txBody>
+                  <a:tcPr marL="30017" marR="30017" marT="30017" marB="0" anchor="b">
+                    <a:lnL>
+                      <a:noFill/>
+                    </a:lnL>
+                    <a:lnR>
+                      <a:noFill/>
+                    </a:lnR>
+                    <a:lnT>
+                      <a:noFill/>
+                    </a:lnT>
+                    <a:lnB>
+                      <a:noFill/>
+                    </a:lnB>
+                  </a:tcPr>
+                </a:tc>
+                <a:tc>
+                  <a:txBody>
+                    <a:bodyPr/>
+                    <a:lstStyle/>
+                    <a:p>
+                      <a:pPr algn="l" fontAlgn="b"/>
+                      <a:endParaRPr lang="en-IE" sz="3500" b="0" i="0" u="none" strike="noStrike">
+                        <a:solidFill>
+                          <a:srgbClr val="000000"/>
+                        </a:solidFill>
+                        <a:effectLst/>
+                        <a:latin typeface="Calibri" panose="020F0502020204030204" pitchFamily="34" charset="0"/>
+                      </a:endParaRPr>
+                    </a:p>
+                  </a:txBody>
+                  <a:tcPr marL="30017" marR="30017" marT="30017" marB="0" anchor="b">
+                    <a:lnL>
+                      <a:noFill/>
+                    </a:lnL>
+                    <a:lnR>
+                      <a:noFill/>
+                    </a:lnR>
+                    <a:lnT>
+                      <a:noFill/>
+                    </a:lnT>
+                    <a:lnB>
+                      <a:noFill/>
+                    </a:lnB>
+                  </a:tcPr>
+                </a:tc>
+                <a:tc>
+                  <a:txBody>
+                    <a:bodyPr/>
+                    <a:lstStyle/>
+                    <a:p>
+                      <a:pPr algn="l" fontAlgn="b"/>
+                      <a:endParaRPr lang="en-IE" sz="3500" b="0" i="0" u="none" strike="noStrike">
+                        <a:solidFill>
+                          <a:srgbClr val="000000"/>
+                        </a:solidFill>
+                        <a:effectLst/>
+                        <a:latin typeface="Calibri" panose="020F0502020204030204" pitchFamily="34" charset="0"/>
+                      </a:endParaRPr>
+                    </a:p>
+                  </a:txBody>
+                  <a:tcPr marL="30017" marR="30017" marT="30017" marB="0" anchor="b">
+                    <a:lnL>
+                      <a:noFill/>
+                    </a:lnL>
+                    <a:lnR>
+                      <a:noFill/>
+                    </a:lnR>
+                    <a:lnT>
+                      <a:noFill/>
+                    </a:lnT>
+                    <a:lnB>
+                      <a:noFill/>
+                    </a:lnB>
+                  </a:tcPr>
+                </a:tc>
+                <a:tc>
+                  <a:txBody>
+                    <a:bodyPr/>
+                    <a:lstStyle/>
+                    <a:p>
+                      <a:pPr algn="l" fontAlgn="b"/>
+                      <a:r>
+                        <a:rPr lang="en-IE" sz="3500" b="0" i="0" u="none" strike="noStrike">
+                          <a:solidFill>
+                            <a:srgbClr val="000000"/>
+                          </a:solidFill>
+                          <a:effectLst/>
+                          <a:latin typeface="Calibri" panose="020F0502020204030204" pitchFamily="34" charset="0"/>
+                        </a:rPr>
+                        <a:t> </a:t>
+                      </a:r>
+                    </a:p>
+                  </a:txBody>
+                  <a:tcPr marL="30017" marR="30017" marT="30017" marB="0" anchor="b">
+                    <a:lnL>
+                      <a:noFill/>
+                    </a:lnL>
+                    <a:lnR>
+                      <a:noFill/>
+                    </a:lnR>
+                    <a:lnT>
+                      <a:noFill/>
+                    </a:lnT>
+                    <a:lnB>
+                      <a:noFill/>
+                    </a:lnB>
+                    <a:lnTlToBr w="19050" cap="flat" cmpd="sng" algn="ctr">
+                      <a:solidFill>
+                        <a:srgbClr val="000000"/>
+                      </a:solidFill>
+                      <a:prstDash val="solid"/>
+                      <a:round/>
+                      <a:headEnd type="none" w="med" len="med"/>
+                      <a:tailEnd type="none" w="med" len="med"/>
+                    </a:lnTlToBr>
+                  </a:tcPr>
+                </a:tc>
+                <a:tc>
+                  <a:txBody>
+                    <a:bodyPr/>
+                    <a:lstStyle/>
+                    <a:p>
+                      <a:pPr algn="l" fontAlgn="b"/>
+                      <a:r>
+                        <a:rPr lang="en-IE" sz="3500" b="0" i="0" u="none" strike="noStrike">
+                          <a:solidFill>
+                            <a:srgbClr val="000000"/>
+                          </a:solidFill>
+                          <a:effectLst/>
+                          <a:latin typeface="Calibri" panose="020F0502020204030204" pitchFamily="34" charset="0"/>
+                        </a:rPr>
+                        <a:t> </a:t>
+                      </a:r>
+                    </a:p>
+                  </a:txBody>
+                  <a:tcPr marL="30017" marR="30017" marT="30017" marB="0" anchor="b">
+                    <a:lnL>
+                      <a:noFill/>
+                    </a:lnL>
+                    <a:lnR>
+                      <a:noFill/>
+                    </a:lnR>
+                    <a:lnT w="19050" cap="flat" cmpd="sng" algn="ctr">
+                      <a:solidFill>
+                        <a:srgbClr val="000000"/>
+                      </a:solidFill>
+                      <a:prstDash val="solid"/>
+                      <a:round/>
+                      <a:headEnd type="none" w="med" len="med"/>
+                      <a:tailEnd type="none" w="med" len="med"/>
+                    </a:lnT>
+                    <a:lnB w="19050" cap="flat" cmpd="sng" algn="ctr">
+                      <a:solidFill>
+                        <a:srgbClr val="000000"/>
+                      </a:solidFill>
+                      <a:prstDash val="solid"/>
+                      <a:round/>
+                      <a:headEnd type="none" w="med" len="med"/>
+                      <a:tailEnd type="none" w="med" len="med"/>
+                    </a:lnB>
+                  </a:tcPr>
+                </a:tc>
+                <a:tc>
+                  <a:txBody>
+                    <a:bodyPr/>
+                    <a:lstStyle/>
+                    <a:p>
+                      <a:pPr algn="l" fontAlgn="b"/>
+                      <a:r>
+                        <a:rPr lang="en-IE" sz="3500" b="0" i="0" u="none" strike="noStrike">
+                          <a:solidFill>
+                            <a:srgbClr val="000000"/>
+                          </a:solidFill>
+                          <a:effectLst/>
+                          <a:latin typeface="Calibri" panose="020F0502020204030204" pitchFamily="34" charset="0"/>
+                        </a:rPr>
+                        <a:t> </a:t>
+                      </a:r>
+                    </a:p>
+                  </a:txBody>
+                  <a:tcPr marL="30017" marR="30017" marT="30017" marB="0" anchor="b">
+                    <a:lnL>
+                      <a:noFill/>
+                    </a:lnL>
+                    <a:lnR>
+                      <a:noFill/>
+                    </a:lnR>
+                    <a:lnT w="19050" cap="flat" cmpd="sng" algn="ctr">
+                      <a:solidFill>
+                        <a:srgbClr val="000000"/>
+                      </a:solidFill>
+                      <a:prstDash val="solid"/>
+                      <a:round/>
+                      <a:headEnd type="none" w="med" len="med"/>
+                      <a:tailEnd type="none" w="med" len="med"/>
+                    </a:lnT>
+                    <a:lnB w="19050" cap="flat" cmpd="sng" algn="ctr">
+                      <a:solidFill>
+                        <a:srgbClr val="000000"/>
+                      </a:solidFill>
+                      <a:prstDash val="solid"/>
+                      <a:round/>
+                      <a:headEnd type="none" w="med" len="med"/>
+                      <a:tailEnd type="none" w="med" len="med"/>
+                    </a:lnB>
+                  </a:tcPr>
+                </a:tc>
+                <a:tc>
+                  <a:txBody>
+                    <a:bodyPr/>
+                    <a:lstStyle/>
+                    <a:p>
+                      <a:pPr algn="l" fontAlgn="b"/>
+                      <a:r>
+                        <a:rPr lang="en-IE" sz="3500" b="0" i="0" u="none" strike="noStrike">
+                          <a:solidFill>
+                            <a:srgbClr val="000000"/>
+                          </a:solidFill>
+                          <a:effectLst/>
+                          <a:latin typeface="Calibri" panose="020F0502020204030204" pitchFamily="34" charset="0"/>
+                        </a:rPr>
+                        <a:t> </a:t>
+                      </a:r>
+                    </a:p>
+                  </a:txBody>
+                  <a:tcPr marL="30017" marR="30017" marT="30017" marB="0" anchor="b">
+                    <a:lnL>
+                      <a:noFill/>
+                    </a:lnL>
+                    <a:lnR w="19050" cap="flat" cmpd="sng" algn="ctr">
+                      <a:solidFill>
+                        <a:srgbClr val="000000"/>
+                      </a:solidFill>
+                      <a:prstDash val="solid"/>
+                      <a:round/>
+                      <a:headEnd type="none" w="med" len="med"/>
+                      <a:tailEnd type="none" w="med" len="med"/>
+                    </a:lnR>
+                    <a:lnT w="19050" cap="flat" cmpd="sng" algn="ctr">
+                      <a:solidFill>
+                        <a:srgbClr val="000000"/>
+                      </a:solidFill>
+                      <a:prstDash val="solid"/>
+                      <a:round/>
+                      <a:headEnd type="none" w="med" len="med"/>
+                      <a:tailEnd type="none" w="med" len="med"/>
+                    </a:lnT>
+                    <a:lnB w="19050" cap="flat" cmpd="sng" algn="ctr">
+                      <a:solidFill>
+                        <a:srgbClr val="000000"/>
+                      </a:solidFill>
+                      <a:prstDash val="solid"/>
+                      <a:round/>
+                      <a:headEnd type="none" w="med" len="med"/>
+                      <a:tailEnd type="none" w="med" len="med"/>
+                    </a:lnB>
+                  </a:tcPr>
+                </a:tc>
+                <a:tc>
+                  <a:txBody>
+                    <a:bodyPr/>
+                    <a:lstStyle/>
+                    <a:p>
+                      <a:pPr algn="l" fontAlgn="b"/>
+                      <a:endParaRPr lang="en-IE" sz="3500" b="0" i="0" u="none" strike="noStrike">
+                        <a:solidFill>
+                          <a:srgbClr val="000000"/>
+                        </a:solidFill>
+                        <a:effectLst/>
+                        <a:latin typeface="Calibri" panose="020F0502020204030204" pitchFamily="34" charset="0"/>
+                      </a:endParaRPr>
+                    </a:p>
+                  </a:txBody>
+                  <a:tcPr marL="30017" marR="30017" marT="30017" marB="0" anchor="b">
+                    <a:lnL w="19050" cap="flat" cmpd="sng" algn="ctr">
+                      <a:solidFill>
+                        <a:srgbClr val="000000"/>
+                      </a:solidFill>
+                      <a:prstDash val="solid"/>
+                      <a:round/>
+                      <a:headEnd type="none" w="med" len="med"/>
+                      <a:tailEnd type="none" w="med" len="med"/>
+                    </a:lnL>
+                    <a:lnR>
+                      <a:noFill/>
+                    </a:lnR>
+                    <a:lnT>
+                      <a:noFill/>
+                    </a:lnT>
+                    <a:lnB>
+                      <a:noFill/>
+                    </a:lnB>
+                  </a:tcPr>
+                </a:tc>
+                <a:extLst>
+                  <a:ext uri="{0D108BD9-81ED-4DB2-BD59-A6C34878D82A}">
+                    <a16:rowId xmlns:a16="http://schemas.microsoft.com/office/drawing/2014/main" val="3341730271"/>
+                  </a:ext>
+                </a:extLst>
+              </a:tr>
+              <a:tr h="630354">
+                <a:tc>
+                  <a:txBody>
+                    <a:bodyPr/>
+                    <a:lstStyle/>
+                    <a:p>
+                      <a:pPr algn="ctr" fontAlgn="ctr"/>
+                      <a:endParaRPr lang="en-IE" sz="3500" b="0" i="0" u="none" strike="noStrike">
+                        <a:solidFill>
+                          <a:srgbClr val="000000"/>
+                        </a:solidFill>
+                        <a:effectLst/>
+                        <a:latin typeface="Calibri" panose="020F0502020204030204" pitchFamily="34" charset="0"/>
+                      </a:endParaRPr>
+                    </a:p>
+                  </a:txBody>
+                  <a:tcPr marL="30017" marR="30017" marT="30017" marB="0" anchor="ctr">
+                    <a:lnL>
+                      <a:noFill/>
+                    </a:lnL>
+                    <a:lnR>
+                      <a:noFill/>
+                    </a:lnR>
+                    <a:lnT>
+                      <a:noFill/>
+                    </a:lnT>
+                    <a:lnB>
+                      <a:noFill/>
+                    </a:lnB>
+                  </a:tcPr>
+                </a:tc>
+                <a:tc>
+                  <a:txBody>
+                    <a:bodyPr/>
+                    <a:lstStyle/>
+                    <a:p>
+                      <a:pPr algn="l" fontAlgn="b"/>
+                      <a:r>
+                        <a:rPr lang="en-IE" sz="3500" b="0" i="0" u="none" strike="noStrike">
+                          <a:solidFill>
+                            <a:srgbClr val="000000"/>
+                          </a:solidFill>
+                          <a:effectLst/>
+                          <a:latin typeface="Calibri" panose="020F0502020204030204" pitchFamily="34" charset="0"/>
+                        </a:rPr>
+                        <a:t> </a:t>
+                      </a:r>
+                    </a:p>
+                  </a:txBody>
+                  <a:tcPr marL="30017" marR="30017" marT="30017" marB="0" anchor="b">
+                    <a:lnL>
+                      <a:noFill/>
+                    </a:lnL>
+                    <a:lnR w="6350" cap="flat" cmpd="sng" algn="ctr">
+                      <a:solidFill>
+                        <a:srgbClr val="000000"/>
+                      </a:solidFill>
+                      <a:prstDash val="dashDot"/>
+                      <a:round/>
+                      <a:headEnd type="none" w="med" len="med"/>
+                      <a:tailEnd type="none" w="med" len="med"/>
+                    </a:lnR>
+                    <a:lnT w="6350" cap="flat" cmpd="sng" algn="ctr">
+                      <a:solidFill>
+                        <a:srgbClr val="000000"/>
+                      </a:solidFill>
+                      <a:prstDash val="dashDot"/>
+                      <a:round/>
+                      <a:headEnd type="none" w="med" len="med"/>
+                      <a:tailEnd type="none" w="med" len="med"/>
+                    </a:lnT>
+                    <a:lnB>
+                      <a:noFill/>
+                    </a:lnB>
+                  </a:tcPr>
+                </a:tc>
+                <a:tc>
+                  <a:txBody>
+                    <a:bodyPr/>
+                    <a:lstStyle/>
+                    <a:p>
+                      <a:pPr algn="l" fontAlgn="b"/>
+                      <a:r>
+                        <a:rPr lang="en-IE" sz="3500" b="0" i="0" u="none" strike="noStrike">
+                          <a:solidFill>
+                            <a:srgbClr val="000000"/>
+                          </a:solidFill>
+                          <a:effectLst/>
+                          <a:latin typeface="Calibri" panose="020F0502020204030204" pitchFamily="34" charset="0"/>
+                        </a:rPr>
+                        <a:t> </a:t>
+                      </a:r>
+                    </a:p>
+                  </a:txBody>
+                  <a:tcPr marL="30017" marR="30017" marT="30017" marB="0" anchor="b">
+                    <a:lnL w="6350" cap="flat" cmpd="sng" algn="ctr">
+                      <a:solidFill>
+                        <a:srgbClr val="000000"/>
+                      </a:solidFill>
+                      <a:prstDash val="dashDot"/>
+                      <a:round/>
+                      <a:headEnd type="none" w="med" len="med"/>
+                      <a:tailEnd type="none" w="med" len="med"/>
+                    </a:lnL>
+                    <a:lnR>
+                      <a:noFill/>
+                    </a:lnR>
+                    <a:lnT w="19050" cap="flat" cmpd="sng" algn="ctr">
+                      <a:solidFill>
+                        <a:srgbClr val="000000"/>
+                      </a:solidFill>
+                      <a:prstDash val="solid"/>
+                      <a:round/>
+                      <a:headEnd type="none" w="med" len="med"/>
+                      <a:tailEnd type="none" w="med" len="med"/>
+                    </a:lnT>
+                    <a:lnB w="6350" cap="flat" cmpd="sng" algn="ctr">
+                      <a:solidFill>
+                        <a:srgbClr val="000000"/>
+                      </a:solidFill>
+                      <a:prstDash val="dashDot"/>
+                      <a:round/>
+                      <a:headEnd type="none" w="med" len="med"/>
+                      <a:tailEnd type="none" w="med" len="med"/>
+                    </a:lnB>
+                  </a:tcPr>
+                </a:tc>
+                <a:tc>
+                  <a:txBody>
+                    <a:bodyPr/>
+                    <a:lstStyle/>
+                    <a:p>
+                      <a:pPr algn="l" fontAlgn="b"/>
+                      <a:r>
+                        <a:rPr lang="en-IE" sz="3500" b="0" i="0" u="none" strike="noStrike">
+                          <a:solidFill>
+                            <a:srgbClr val="000000"/>
+                          </a:solidFill>
+                          <a:effectLst/>
+                          <a:latin typeface="Calibri" panose="020F0502020204030204" pitchFamily="34" charset="0"/>
+                        </a:rPr>
+                        <a:t> </a:t>
+                      </a:r>
+                    </a:p>
+                  </a:txBody>
+                  <a:tcPr marL="30017" marR="30017" marT="30017" marB="0" anchor="b">
+                    <a:lnL>
+                      <a:noFill/>
+                    </a:lnL>
+                    <a:lnR>
+                      <a:noFill/>
+                    </a:lnR>
+                    <a:lnT w="19050" cap="flat" cmpd="sng" algn="ctr">
+                      <a:solidFill>
+                        <a:srgbClr val="000000"/>
+                      </a:solidFill>
+                      <a:prstDash val="solid"/>
+                      <a:round/>
+                      <a:headEnd type="none" w="med" len="med"/>
+                      <a:tailEnd type="none" w="med" len="med"/>
+                    </a:lnT>
+                    <a:lnB w="6350" cap="flat" cmpd="sng" algn="ctr">
+                      <a:solidFill>
+                        <a:srgbClr val="000000"/>
+                      </a:solidFill>
+                      <a:prstDash val="dashDot"/>
+                      <a:round/>
+                      <a:headEnd type="none" w="med" len="med"/>
+                      <a:tailEnd type="none" w="med" len="med"/>
+                    </a:lnB>
+                  </a:tcPr>
+                </a:tc>
+                <a:tc>
+                  <a:txBody>
+                    <a:bodyPr/>
+                    <a:lstStyle/>
+                    <a:p>
+                      <a:pPr algn="l" fontAlgn="b"/>
+                      <a:r>
+                        <a:rPr lang="en-IE" sz="3500" b="0" i="0" u="none" strike="noStrike">
+                          <a:solidFill>
+                            <a:srgbClr val="000000"/>
+                          </a:solidFill>
+                          <a:effectLst/>
+                          <a:latin typeface="Calibri" panose="020F0502020204030204" pitchFamily="34" charset="0"/>
+                        </a:rPr>
+                        <a:t> </a:t>
+                      </a:r>
+                    </a:p>
+                  </a:txBody>
+                  <a:tcPr marL="30017" marR="30017" marT="30017" marB="0" anchor="b">
+                    <a:lnL>
+                      <a:noFill/>
+                    </a:lnL>
+                    <a:lnR w="6350" cap="flat" cmpd="sng" algn="ctr">
+                      <a:solidFill>
+                        <a:srgbClr val="000000"/>
+                      </a:solidFill>
+                      <a:prstDash val="dashDot"/>
+                      <a:round/>
+                      <a:headEnd type="none" w="med" len="med"/>
+                      <a:tailEnd type="none" w="med" len="med"/>
+                    </a:lnR>
+                    <a:lnT w="19050" cap="flat" cmpd="sng" algn="ctr">
+                      <a:solidFill>
+                        <a:srgbClr val="000000"/>
+                      </a:solidFill>
+                      <a:prstDash val="solid"/>
+                      <a:round/>
+                      <a:headEnd type="none" w="med" len="med"/>
+                      <a:tailEnd type="none" w="med" len="med"/>
+                    </a:lnT>
+                    <a:lnB w="6350" cap="flat" cmpd="sng" algn="ctr">
+                      <a:solidFill>
+                        <a:srgbClr val="000000"/>
+                      </a:solidFill>
+                      <a:prstDash val="dashDot"/>
+                      <a:round/>
+                      <a:headEnd type="none" w="med" len="med"/>
+                      <a:tailEnd type="none" w="med" len="med"/>
+                    </a:lnB>
+                  </a:tcPr>
+                </a:tc>
+                <a:tc>
+                  <a:txBody>
+                    <a:bodyPr/>
+                    <a:lstStyle/>
+                    <a:p>
+                      <a:pPr algn="l" fontAlgn="b"/>
+                      <a:r>
+                        <a:rPr lang="en-IE" sz="3500" b="0" i="0" u="none" strike="noStrike">
+                          <a:solidFill>
+                            <a:srgbClr val="000000"/>
+                          </a:solidFill>
+                          <a:effectLst/>
+                          <a:latin typeface="Calibri" panose="020F0502020204030204" pitchFamily="34" charset="0"/>
+                        </a:rPr>
+                        <a:t> </a:t>
+                      </a:r>
+                    </a:p>
+                  </a:txBody>
+                  <a:tcPr marL="30017" marR="30017" marT="30017" marB="0" anchor="b">
+                    <a:lnL w="6350" cap="flat" cmpd="sng" algn="ctr">
+                      <a:solidFill>
+                        <a:srgbClr val="000000"/>
+                      </a:solidFill>
+                      <a:prstDash val="dashDot"/>
+                      <a:round/>
+                      <a:headEnd type="none" w="med" len="med"/>
+                      <a:tailEnd type="none" w="med" len="med"/>
+                    </a:lnL>
+                    <a:lnR>
+                      <a:noFill/>
+                    </a:lnR>
+                    <a:lnT>
+                      <a:noFill/>
+                    </a:lnT>
+                    <a:lnB>
+                      <a:noFill/>
+                    </a:lnB>
+                    <a:lnTlToBr w="6350" cap="flat" cmpd="sng" algn="ctr">
+                      <a:solidFill>
+                        <a:srgbClr val="000000"/>
+                      </a:solidFill>
+                      <a:prstDash val="dashDot"/>
+                      <a:round/>
+                      <a:headEnd type="none" w="med" len="med"/>
+                      <a:tailEnd type="none" w="med" len="med"/>
+                    </a:lnTlToBr>
+                  </a:tcPr>
+                </a:tc>
+                <a:tc>
+                  <a:txBody>
+                    <a:bodyPr/>
+                    <a:lstStyle/>
+                    <a:p>
+                      <a:pPr algn="l" fontAlgn="b"/>
+                      <a:r>
+                        <a:rPr lang="en-IE" sz="3500" b="0" i="0" u="none" strike="noStrike">
+                          <a:solidFill>
+                            <a:srgbClr val="000000"/>
+                          </a:solidFill>
+                          <a:effectLst/>
+                          <a:latin typeface="Calibri" panose="020F0502020204030204" pitchFamily="34" charset="0"/>
+                        </a:rPr>
+                        <a:t> </a:t>
+                      </a:r>
+                    </a:p>
+                  </a:txBody>
+                  <a:tcPr marL="30017" marR="30017" marT="30017" marB="0" anchor="b">
+                    <a:lnL>
+                      <a:noFill/>
+                    </a:lnL>
+                    <a:lnR>
+                      <a:noFill/>
+                    </a:lnR>
+                    <a:lnT>
+                      <a:noFill/>
+                    </a:lnT>
+                    <a:lnB>
+                      <a:noFill/>
+                    </a:lnB>
+                    <a:lnBlToTr w="6350" cap="flat" cmpd="sng" algn="ctr">
+                      <a:solidFill>
+                        <a:srgbClr val="000000"/>
+                      </a:solidFill>
+                      <a:prstDash val="dashDot"/>
+                      <a:round/>
+                      <a:headEnd type="none" w="med" len="med"/>
+                      <a:tailEnd type="none" w="med" len="med"/>
+                    </a:lnBlToTr>
+                  </a:tcPr>
+                </a:tc>
+                <a:tc>
+                  <a:txBody>
+                    <a:bodyPr/>
+                    <a:lstStyle/>
+                    <a:p>
+                      <a:pPr algn="l" fontAlgn="b"/>
+                      <a:endParaRPr lang="en-IE" sz="3500" b="0" i="0" u="none" strike="noStrike">
+                        <a:solidFill>
+                          <a:srgbClr val="000000"/>
+                        </a:solidFill>
+                        <a:effectLst/>
+                        <a:latin typeface="Calibri" panose="020F0502020204030204" pitchFamily="34" charset="0"/>
+                      </a:endParaRPr>
+                    </a:p>
+                  </a:txBody>
+                  <a:tcPr marL="30017" marR="30017" marT="30017" marB="0" anchor="b">
+                    <a:lnL>
+                      <a:noFill/>
+                    </a:lnL>
+                    <a:lnR>
+                      <a:noFill/>
+                    </a:lnR>
+                    <a:lnT>
+                      <a:noFill/>
+                    </a:lnT>
+                    <a:lnB>
+                      <a:noFill/>
+                    </a:lnB>
+                  </a:tcPr>
+                </a:tc>
+                <a:tc>
+                  <a:txBody>
+                    <a:bodyPr/>
+                    <a:lstStyle/>
+                    <a:p>
+                      <a:pPr algn="l" fontAlgn="b"/>
+                      <a:endParaRPr lang="en-IE" sz="3500" b="0" i="0" u="none" strike="noStrike">
+                        <a:solidFill>
+                          <a:srgbClr val="000000"/>
+                        </a:solidFill>
+                        <a:effectLst/>
+                        <a:latin typeface="Calibri" panose="020F0502020204030204" pitchFamily="34" charset="0"/>
+                      </a:endParaRPr>
+                    </a:p>
+                  </a:txBody>
+                  <a:tcPr marL="30017" marR="30017" marT="30017" marB="0" anchor="b">
+                    <a:lnL>
+                      <a:noFill/>
+                    </a:lnL>
+                    <a:lnR>
+                      <a:noFill/>
+                    </a:lnR>
+                    <a:lnT>
+                      <a:noFill/>
+                    </a:lnT>
+                    <a:lnB>
+                      <a:noFill/>
+                    </a:lnB>
+                  </a:tcPr>
+                </a:tc>
+                <a:tc>
+                  <a:txBody>
+                    <a:bodyPr/>
+                    <a:lstStyle/>
+                    <a:p>
+                      <a:pPr algn="ctr" fontAlgn="ctr"/>
+                      <a:endParaRPr lang="en-IE" sz="3500" b="0" i="0" u="none" strike="noStrike">
+                        <a:solidFill>
+                          <a:srgbClr val="000000"/>
+                        </a:solidFill>
+                        <a:effectLst/>
+                        <a:latin typeface="Calibri" panose="020F0502020204030204" pitchFamily="34" charset="0"/>
+                      </a:endParaRPr>
+                    </a:p>
+                  </a:txBody>
+                  <a:tcPr marL="30017" marR="30017" marT="30017" marB="0" anchor="ctr">
+                    <a:lnL>
+                      <a:noFill/>
+                    </a:lnL>
+                    <a:lnR>
+                      <a:noFill/>
+                    </a:lnR>
+                    <a:lnT>
+                      <a:noFill/>
+                    </a:lnT>
+                    <a:lnB>
+                      <a:noFill/>
+                    </a:lnB>
+                  </a:tcPr>
+                </a:tc>
+                <a:tc>
+                  <a:txBody>
+                    <a:bodyPr/>
+                    <a:lstStyle/>
+                    <a:p>
+                      <a:pPr algn="ctr" fontAlgn="ctr"/>
+                      <a:endParaRPr lang="en-IE" sz="3500" b="0" i="0" u="none" strike="noStrike">
+                        <a:solidFill>
+                          <a:srgbClr val="000000"/>
+                        </a:solidFill>
+                        <a:effectLst/>
+                        <a:latin typeface="Calibri" panose="020F0502020204030204" pitchFamily="34" charset="0"/>
+                      </a:endParaRPr>
+                    </a:p>
+                  </a:txBody>
+                  <a:tcPr marL="30017" marR="30017" marT="30017" marB="0" anchor="ctr">
+                    <a:lnL>
+                      <a:noFill/>
+                    </a:lnL>
+                    <a:lnR>
+                      <a:noFill/>
+                    </a:lnR>
+                    <a:lnT>
+                      <a:noFill/>
+                    </a:lnT>
+                    <a:lnB>
+                      <a:noFill/>
+                    </a:lnB>
+                  </a:tcPr>
+                </a:tc>
+                <a:tc>
+                  <a:txBody>
+                    <a:bodyPr/>
+                    <a:lstStyle/>
+                    <a:p>
+                      <a:pPr algn="ctr" fontAlgn="ctr"/>
+                      <a:endParaRPr lang="en-IE" sz="3500" b="0" i="0" u="none" strike="noStrike">
+                        <a:solidFill>
+                          <a:srgbClr val="000000"/>
+                        </a:solidFill>
+                        <a:effectLst/>
+                        <a:latin typeface="Calibri" panose="020F0502020204030204" pitchFamily="34" charset="0"/>
+                      </a:endParaRPr>
+                    </a:p>
+                  </a:txBody>
+                  <a:tcPr marL="30017" marR="30017" marT="30017" marB="0" anchor="ctr">
+                    <a:lnL>
+                      <a:noFill/>
+                    </a:lnL>
+                    <a:lnR>
+                      <a:noFill/>
+                    </a:lnR>
+                    <a:lnT>
+                      <a:noFill/>
+                    </a:lnT>
+                    <a:lnB>
+                      <a:noFill/>
+                    </a:lnB>
+                  </a:tcPr>
+                </a:tc>
+                <a:tc>
+                  <a:txBody>
+                    <a:bodyPr/>
+                    <a:lstStyle/>
+                    <a:p>
+                      <a:pPr algn="ctr" fontAlgn="ctr"/>
+                      <a:endParaRPr lang="en-IE" sz="3500" b="0" i="0" u="none" strike="noStrike">
+                        <a:solidFill>
+                          <a:srgbClr val="000000"/>
+                        </a:solidFill>
+                        <a:effectLst/>
+                        <a:latin typeface="Calibri" panose="020F0502020204030204" pitchFamily="34" charset="0"/>
+                      </a:endParaRPr>
+                    </a:p>
+                  </a:txBody>
+                  <a:tcPr marL="30017" marR="30017" marT="30017" marB="0" anchor="ctr">
+                    <a:lnL>
+                      <a:noFill/>
+                    </a:lnL>
+                    <a:lnR>
+                      <a:noFill/>
+                    </a:lnR>
+                    <a:lnT w="19050" cap="flat" cmpd="sng" algn="ctr">
+                      <a:solidFill>
+                        <a:srgbClr val="000000"/>
+                      </a:solidFill>
+                      <a:prstDash val="solid"/>
+                      <a:round/>
+                      <a:headEnd type="none" w="med" len="med"/>
+                      <a:tailEnd type="none" w="med" len="med"/>
+                    </a:lnT>
+                    <a:lnB>
+                      <a:noFill/>
+                    </a:lnB>
+                  </a:tcPr>
+                </a:tc>
+                <a:tc>
+                  <a:txBody>
+                    <a:bodyPr/>
+                    <a:lstStyle/>
+                    <a:p>
+                      <a:pPr algn="ctr" fontAlgn="ctr"/>
+                      <a:endParaRPr lang="en-IE" sz="3500" b="0" i="0" u="none" strike="noStrike">
+                        <a:solidFill>
+                          <a:srgbClr val="000000"/>
+                        </a:solidFill>
+                        <a:effectLst/>
+                        <a:latin typeface="Calibri" panose="020F0502020204030204" pitchFamily="34" charset="0"/>
+                      </a:endParaRPr>
+                    </a:p>
+                  </a:txBody>
+                  <a:tcPr marL="30017" marR="30017" marT="30017" marB="0" anchor="ctr">
+                    <a:lnL>
+                      <a:noFill/>
+                    </a:lnL>
+                    <a:lnR>
+                      <a:noFill/>
+                    </a:lnR>
+                    <a:lnT w="19050" cap="flat" cmpd="sng" algn="ctr">
+                      <a:solidFill>
+                        <a:srgbClr val="000000"/>
+                      </a:solidFill>
+                      <a:prstDash val="solid"/>
+                      <a:round/>
+                      <a:headEnd type="none" w="med" len="med"/>
+                      <a:tailEnd type="none" w="med" len="med"/>
+                    </a:lnT>
+                    <a:lnB>
+                      <a:noFill/>
+                    </a:lnB>
+                  </a:tcPr>
+                </a:tc>
+                <a:tc>
+                  <a:txBody>
+                    <a:bodyPr/>
+                    <a:lstStyle/>
+                    <a:p>
+                      <a:pPr algn="ctr" fontAlgn="ctr"/>
+                      <a:endParaRPr lang="en-IE" sz="3500" b="0" i="0" u="none" strike="noStrike">
+                        <a:solidFill>
+                          <a:srgbClr val="000000"/>
+                        </a:solidFill>
+                        <a:effectLst/>
+                        <a:latin typeface="Calibri" panose="020F0502020204030204" pitchFamily="34" charset="0"/>
+                      </a:endParaRPr>
+                    </a:p>
+                  </a:txBody>
+                  <a:tcPr marL="30017" marR="30017" marT="30017" marB="0" anchor="ctr">
+                    <a:lnL>
+                      <a:noFill/>
+                    </a:lnL>
+                    <a:lnR>
+                      <a:noFill/>
+                    </a:lnR>
+                    <a:lnT w="19050" cap="flat" cmpd="sng" algn="ctr">
+                      <a:solidFill>
+                        <a:srgbClr val="000000"/>
+                      </a:solidFill>
+                      <a:prstDash val="solid"/>
+                      <a:round/>
+                      <a:headEnd type="none" w="med" len="med"/>
+                      <a:tailEnd type="none" w="med" len="med"/>
+                    </a:lnT>
+                    <a:lnB>
+                      <a:noFill/>
+                    </a:lnB>
+                  </a:tcPr>
+                </a:tc>
+                <a:tc>
+                  <a:txBody>
+                    <a:bodyPr/>
+                    <a:lstStyle/>
+                    <a:p>
+                      <a:pPr algn="ctr" fontAlgn="ctr"/>
+                      <a:endParaRPr lang="en-IE" sz="3500" b="0" i="0" u="none" strike="noStrike">
+                        <a:solidFill>
+                          <a:srgbClr val="000000"/>
+                        </a:solidFill>
+                        <a:effectLst/>
+                        <a:latin typeface="Calibri" panose="020F0502020204030204" pitchFamily="34" charset="0"/>
+                      </a:endParaRPr>
+                    </a:p>
+                  </a:txBody>
+                  <a:tcPr marL="30017" marR="30017" marT="30017" marB="0" anchor="ctr">
+                    <a:lnL>
+                      <a:noFill/>
+                    </a:lnL>
+                    <a:lnR>
+                      <a:noFill/>
+                    </a:lnR>
+                    <a:lnT>
+                      <a:noFill/>
+                    </a:lnT>
+                    <a:lnB>
+                      <a:noFill/>
+                    </a:lnB>
+                  </a:tcPr>
+                </a:tc>
+                <a:extLst>
+                  <a:ext uri="{0D108BD9-81ED-4DB2-BD59-A6C34878D82A}">
+                    <a16:rowId xmlns:a16="http://schemas.microsoft.com/office/drawing/2014/main" val="3032416362"/>
+                  </a:ext>
+                </a:extLst>
+              </a:tr>
+              <a:tr h="600337">
+                <a:tc>
+                  <a:txBody>
+                    <a:bodyPr/>
+                    <a:lstStyle/>
+                    <a:p>
+                      <a:pPr algn="ctr" fontAlgn="ctr"/>
+                      <a:endParaRPr lang="en-IE" sz="3500" b="0" i="0" u="none" strike="noStrike">
+                        <a:solidFill>
+                          <a:srgbClr val="000000"/>
+                        </a:solidFill>
+                        <a:effectLst/>
+                        <a:latin typeface="Calibri" panose="020F0502020204030204" pitchFamily="34" charset="0"/>
+                      </a:endParaRPr>
+                    </a:p>
+                  </a:txBody>
+                  <a:tcPr marL="30017" marR="30017" marT="30017" marB="0" anchor="ctr">
+                    <a:lnL>
+                      <a:noFill/>
+                    </a:lnL>
+                    <a:lnR>
+                      <a:noFill/>
+                    </a:lnR>
+                    <a:lnT>
+                      <a:noFill/>
+                    </a:lnT>
+                    <a:lnB>
+                      <a:noFill/>
+                    </a:lnB>
+                  </a:tcPr>
+                </a:tc>
+                <a:tc>
+                  <a:txBody>
+                    <a:bodyPr/>
+                    <a:lstStyle/>
+                    <a:p>
+                      <a:pPr algn="ctr" fontAlgn="ctr"/>
+                      <a:endParaRPr lang="en-IE" sz="3500" b="0" i="0" u="none" strike="noStrike">
+                        <a:solidFill>
+                          <a:srgbClr val="000000"/>
+                        </a:solidFill>
+                        <a:effectLst/>
+                        <a:latin typeface="Calibri" panose="020F0502020204030204" pitchFamily="34" charset="0"/>
+                      </a:endParaRPr>
+                    </a:p>
+                  </a:txBody>
+                  <a:tcPr marL="30017" marR="30017" marT="30017" marB="0" anchor="ctr">
+                    <a:lnL>
+                      <a:noFill/>
+                    </a:lnL>
+                    <a:lnR>
+                      <a:noFill/>
+                    </a:lnR>
+                    <a:lnT>
+                      <a:noFill/>
+                    </a:lnT>
+                    <a:lnB>
+                      <a:noFill/>
+                    </a:lnB>
+                  </a:tcPr>
+                </a:tc>
+                <a:tc>
+                  <a:txBody>
+                    <a:bodyPr/>
+                    <a:lstStyle/>
+                    <a:p>
+                      <a:pPr algn="ctr" fontAlgn="ctr"/>
+                      <a:endParaRPr lang="en-IE" sz="3500" b="0" i="0" u="none" strike="noStrike">
+                        <a:solidFill>
+                          <a:srgbClr val="000000"/>
+                        </a:solidFill>
+                        <a:effectLst/>
+                        <a:latin typeface="Calibri" panose="020F0502020204030204" pitchFamily="34" charset="0"/>
+                      </a:endParaRPr>
+                    </a:p>
+                  </a:txBody>
+                  <a:tcPr marL="30017" marR="30017" marT="30017" marB="0" anchor="ctr">
+                    <a:lnL>
+                      <a:noFill/>
+                    </a:lnL>
+                    <a:lnR>
+                      <a:noFill/>
+                    </a:lnR>
+                    <a:lnT w="6350" cap="flat" cmpd="sng" algn="ctr">
+                      <a:solidFill>
+                        <a:srgbClr val="000000"/>
+                      </a:solidFill>
+                      <a:prstDash val="dashDot"/>
+                      <a:round/>
+                      <a:headEnd type="none" w="med" len="med"/>
+                      <a:tailEnd type="none" w="med" len="med"/>
+                    </a:lnT>
+                    <a:lnB>
+                      <a:noFill/>
+                    </a:lnB>
+                  </a:tcPr>
+                </a:tc>
+                <a:tc>
+                  <a:txBody>
+                    <a:bodyPr/>
+                    <a:lstStyle/>
+                    <a:p>
+                      <a:pPr algn="ctr" fontAlgn="ctr"/>
+                      <a:endParaRPr lang="en-IE" sz="3500" b="0" i="0" u="none" strike="noStrike">
+                        <a:solidFill>
+                          <a:srgbClr val="000000"/>
+                        </a:solidFill>
+                        <a:effectLst/>
+                        <a:latin typeface="Calibri" panose="020F0502020204030204" pitchFamily="34" charset="0"/>
+                      </a:endParaRPr>
+                    </a:p>
+                  </a:txBody>
+                  <a:tcPr marL="30017" marR="30017" marT="30017" marB="0" anchor="ctr">
+                    <a:lnL>
+                      <a:noFill/>
+                    </a:lnL>
+                    <a:lnR>
+                      <a:noFill/>
+                    </a:lnR>
+                    <a:lnT w="6350" cap="flat" cmpd="sng" algn="ctr">
+                      <a:solidFill>
+                        <a:srgbClr val="000000"/>
+                      </a:solidFill>
+                      <a:prstDash val="dashDot"/>
+                      <a:round/>
+                      <a:headEnd type="none" w="med" len="med"/>
+                      <a:tailEnd type="none" w="med" len="med"/>
+                    </a:lnT>
+                    <a:lnB>
+                      <a:noFill/>
+                    </a:lnB>
+                  </a:tcPr>
+                </a:tc>
+                <a:tc>
+                  <a:txBody>
+                    <a:bodyPr/>
+                    <a:lstStyle/>
+                    <a:p>
+                      <a:pPr algn="ctr" fontAlgn="ctr"/>
+                      <a:endParaRPr lang="en-IE" sz="3500" b="0" i="0" u="none" strike="noStrike">
+                        <a:solidFill>
+                          <a:srgbClr val="000000"/>
+                        </a:solidFill>
+                        <a:effectLst/>
+                        <a:latin typeface="Calibri" panose="020F0502020204030204" pitchFamily="34" charset="0"/>
+                      </a:endParaRPr>
+                    </a:p>
+                  </a:txBody>
+                  <a:tcPr marL="30017" marR="30017" marT="30017" marB="0" anchor="ctr">
+                    <a:lnL>
+                      <a:noFill/>
+                    </a:lnL>
+                    <a:lnR>
+                      <a:noFill/>
+                    </a:lnR>
+                    <a:lnT w="6350" cap="flat" cmpd="sng" algn="ctr">
+                      <a:solidFill>
+                        <a:srgbClr val="000000"/>
+                      </a:solidFill>
+                      <a:prstDash val="dashDot"/>
+                      <a:round/>
+                      <a:headEnd type="none" w="med" len="med"/>
+                      <a:tailEnd type="none" w="med" len="med"/>
+                    </a:lnT>
+                    <a:lnB>
+                      <a:noFill/>
+                    </a:lnB>
+                  </a:tcPr>
+                </a:tc>
+                <a:tc>
+                  <a:txBody>
+                    <a:bodyPr/>
+                    <a:lstStyle/>
+                    <a:p>
+                      <a:pPr algn="ctr" fontAlgn="ctr"/>
+                      <a:endParaRPr lang="en-IE" sz="3500" b="0" i="0" u="none" strike="noStrike">
+                        <a:solidFill>
+                          <a:srgbClr val="000000"/>
+                        </a:solidFill>
+                        <a:effectLst/>
+                        <a:latin typeface="Calibri" panose="020F0502020204030204" pitchFamily="34" charset="0"/>
+                      </a:endParaRPr>
+                    </a:p>
+                  </a:txBody>
+                  <a:tcPr marL="30017" marR="30017" marT="30017" marB="0" anchor="ctr">
+                    <a:lnL>
+                      <a:noFill/>
+                    </a:lnL>
+                    <a:lnR>
+                      <a:noFill/>
+                    </a:lnR>
+                    <a:lnT>
+                      <a:noFill/>
+                    </a:lnT>
+                    <a:lnB>
+                      <a:noFill/>
+                    </a:lnB>
+                  </a:tcPr>
+                </a:tc>
+                <a:tc>
+                  <a:txBody>
+                    <a:bodyPr/>
+                    <a:lstStyle/>
+                    <a:p>
+                      <a:pPr algn="ctr" fontAlgn="ctr"/>
+                      <a:endParaRPr lang="en-IE" sz="3500" b="0" i="0" u="none" strike="noStrike">
+                        <a:solidFill>
+                          <a:srgbClr val="000000"/>
+                        </a:solidFill>
+                        <a:effectLst/>
+                        <a:latin typeface="Calibri" panose="020F0502020204030204" pitchFamily="34" charset="0"/>
+                      </a:endParaRPr>
+                    </a:p>
+                  </a:txBody>
+                  <a:tcPr marL="30017" marR="30017" marT="30017" marB="0" anchor="ctr">
+                    <a:lnL>
+                      <a:noFill/>
+                    </a:lnL>
+                    <a:lnR>
+                      <a:noFill/>
+                    </a:lnR>
+                    <a:lnT>
+                      <a:noFill/>
+                    </a:lnT>
+                    <a:lnB>
+                      <a:noFill/>
+                    </a:lnB>
+                  </a:tcPr>
+                </a:tc>
+                <a:tc>
+                  <a:txBody>
+                    <a:bodyPr/>
+                    <a:lstStyle/>
+                    <a:p>
+                      <a:pPr algn="ctr" fontAlgn="ctr"/>
+                      <a:endParaRPr lang="en-IE" sz="3500" b="0" i="0" u="none" strike="noStrike">
+                        <a:solidFill>
+                          <a:srgbClr val="000000"/>
+                        </a:solidFill>
+                        <a:effectLst/>
+                        <a:latin typeface="Calibri" panose="020F0502020204030204" pitchFamily="34" charset="0"/>
+                      </a:endParaRPr>
+                    </a:p>
+                  </a:txBody>
+                  <a:tcPr marL="30017" marR="30017" marT="30017" marB="0" anchor="ctr">
+                    <a:lnL>
+                      <a:noFill/>
+                    </a:lnL>
+                    <a:lnR>
+                      <a:noFill/>
+                    </a:lnR>
+                    <a:lnT>
+                      <a:noFill/>
+                    </a:lnT>
+                    <a:lnB>
+                      <a:noFill/>
+                    </a:lnB>
+                  </a:tcPr>
+                </a:tc>
+                <a:tc>
+                  <a:txBody>
+                    <a:bodyPr/>
+                    <a:lstStyle/>
+                    <a:p>
+                      <a:pPr algn="ctr" fontAlgn="ctr"/>
+                      <a:endParaRPr lang="en-IE" sz="3500" b="0" i="0" u="none" strike="noStrike">
+                        <a:solidFill>
+                          <a:srgbClr val="000000"/>
+                        </a:solidFill>
+                        <a:effectLst/>
+                        <a:latin typeface="Calibri" panose="020F0502020204030204" pitchFamily="34" charset="0"/>
+                      </a:endParaRPr>
+                    </a:p>
+                  </a:txBody>
+                  <a:tcPr marL="30017" marR="30017" marT="30017" marB="0" anchor="ctr">
+                    <a:lnL>
+                      <a:noFill/>
+                    </a:lnL>
+                    <a:lnR>
+                      <a:noFill/>
+                    </a:lnR>
+                    <a:lnT>
+                      <a:noFill/>
+                    </a:lnT>
+                    <a:lnB>
+                      <a:noFill/>
+                    </a:lnB>
+                  </a:tcPr>
+                </a:tc>
+                <a:tc>
+                  <a:txBody>
+                    <a:bodyPr/>
+                    <a:lstStyle/>
+                    <a:p>
+                      <a:pPr algn="ctr" fontAlgn="ctr"/>
+                      <a:endParaRPr lang="en-IE" sz="3500" b="0" i="0" u="none" strike="noStrike">
+                        <a:solidFill>
+                          <a:srgbClr val="000000"/>
+                        </a:solidFill>
+                        <a:effectLst/>
+                        <a:latin typeface="Calibri" panose="020F0502020204030204" pitchFamily="34" charset="0"/>
+                      </a:endParaRPr>
+                    </a:p>
+                  </a:txBody>
+                  <a:tcPr marL="30017" marR="30017" marT="30017" marB="0" anchor="ctr">
+                    <a:lnL>
+                      <a:noFill/>
+                    </a:lnL>
+                    <a:lnR>
+                      <a:noFill/>
+                    </a:lnR>
+                    <a:lnT>
+                      <a:noFill/>
+                    </a:lnT>
+                    <a:lnB>
+                      <a:noFill/>
+                    </a:lnB>
+                  </a:tcPr>
+                </a:tc>
+                <a:tc>
+                  <a:txBody>
+                    <a:bodyPr/>
+                    <a:lstStyle/>
+                    <a:p>
+                      <a:pPr algn="ctr" fontAlgn="ctr"/>
+                      <a:endParaRPr lang="en-IE" sz="3500" b="0" i="0" u="none" strike="noStrike">
+                        <a:solidFill>
+                          <a:srgbClr val="000000"/>
+                        </a:solidFill>
+                        <a:effectLst/>
+                        <a:latin typeface="Calibri" panose="020F0502020204030204" pitchFamily="34" charset="0"/>
+                      </a:endParaRPr>
+                    </a:p>
+                  </a:txBody>
+                  <a:tcPr marL="30017" marR="30017" marT="30017" marB="0" anchor="ctr">
+                    <a:lnL>
+                      <a:noFill/>
+                    </a:lnL>
+                    <a:lnR>
+                      <a:noFill/>
+                    </a:lnR>
+                    <a:lnT>
+                      <a:noFill/>
+                    </a:lnT>
+                    <a:lnB>
+                      <a:noFill/>
+                    </a:lnB>
+                  </a:tcPr>
+                </a:tc>
+                <a:tc>
+                  <a:txBody>
+                    <a:bodyPr/>
+                    <a:lstStyle/>
+                    <a:p>
+                      <a:pPr algn="ctr" fontAlgn="ctr"/>
+                      <a:endParaRPr lang="en-IE" sz="3500" b="0" i="0" u="none" strike="noStrike">
+                        <a:solidFill>
+                          <a:srgbClr val="000000"/>
+                        </a:solidFill>
+                        <a:effectLst/>
+                        <a:latin typeface="Calibri" panose="020F0502020204030204" pitchFamily="34" charset="0"/>
+                      </a:endParaRPr>
+                    </a:p>
+                  </a:txBody>
+                  <a:tcPr marL="30017" marR="30017" marT="30017" marB="0" anchor="ctr">
+                    <a:lnL>
+                      <a:noFill/>
+                    </a:lnL>
+                    <a:lnR>
+                      <a:noFill/>
+                    </a:lnR>
+                    <a:lnT>
+                      <a:noFill/>
+                    </a:lnT>
+                    <a:lnB>
+                      <a:noFill/>
+                    </a:lnB>
+                  </a:tcPr>
+                </a:tc>
+                <a:tc>
+                  <a:txBody>
+                    <a:bodyPr/>
+                    <a:lstStyle/>
+                    <a:p>
+                      <a:pPr algn="ctr" fontAlgn="ctr"/>
+                      <a:endParaRPr lang="en-IE" sz="3500" b="0" i="0" u="none" strike="noStrike">
+                        <a:solidFill>
+                          <a:srgbClr val="000000"/>
+                        </a:solidFill>
+                        <a:effectLst/>
+                        <a:latin typeface="Calibri" panose="020F0502020204030204" pitchFamily="34" charset="0"/>
+                      </a:endParaRPr>
+                    </a:p>
+                  </a:txBody>
+                  <a:tcPr marL="30017" marR="30017" marT="30017" marB="0" anchor="ctr">
+                    <a:lnL>
+                      <a:noFill/>
+                    </a:lnL>
+                    <a:lnR>
+                      <a:noFill/>
+                    </a:lnR>
+                    <a:lnT>
+                      <a:noFill/>
+                    </a:lnT>
+                    <a:lnB>
+                      <a:noFill/>
+                    </a:lnB>
+                  </a:tcPr>
+                </a:tc>
+                <a:tc>
+                  <a:txBody>
+                    <a:bodyPr/>
+                    <a:lstStyle/>
+                    <a:p>
+                      <a:pPr algn="ctr" fontAlgn="ctr"/>
+                      <a:endParaRPr lang="en-IE" sz="3500" b="0" i="0" u="none" strike="noStrike">
+                        <a:solidFill>
+                          <a:srgbClr val="000000"/>
+                        </a:solidFill>
+                        <a:effectLst/>
+                        <a:latin typeface="Calibri" panose="020F0502020204030204" pitchFamily="34" charset="0"/>
+                      </a:endParaRPr>
+                    </a:p>
+                  </a:txBody>
+                  <a:tcPr marL="30017" marR="30017" marT="30017" marB="0" anchor="ctr">
+                    <a:lnL>
+                      <a:noFill/>
+                    </a:lnL>
+                    <a:lnR>
+                      <a:noFill/>
+                    </a:lnR>
+                    <a:lnT>
+                      <a:noFill/>
+                    </a:lnT>
+                    <a:lnB>
+                      <a:noFill/>
+                    </a:lnB>
+                  </a:tcPr>
+                </a:tc>
+                <a:tc>
+                  <a:txBody>
+                    <a:bodyPr/>
+                    <a:lstStyle/>
+                    <a:p>
+                      <a:pPr algn="ctr" fontAlgn="ctr"/>
+                      <a:endParaRPr lang="en-IE" sz="3500" b="0" i="0" u="none" strike="noStrike">
+                        <a:solidFill>
+                          <a:srgbClr val="000000"/>
+                        </a:solidFill>
+                        <a:effectLst/>
+                        <a:latin typeface="Calibri" panose="020F0502020204030204" pitchFamily="34" charset="0"/>
+                      </a:endParaRPr>
+                    </a:p>
+                  </a:txBody>
+                  <a:tcPr marL="30017" marR="30017" marT="30017" marB="0" anchor="ctr">
+                    <a:lnL>
+                      <a:noFill/>
+                    </a:lnL>
+                    <a:lnR>
+                      <a:noFill/>
+                    </a:lnR>
+                    <a:lnT>
+                      <a:noFill/>
+                    </a:lnT>
+                    <a:lnB>
+                      <a:noFill/>
+                    </a:lnB>
+                  </a:tcPr>
+                </a:tc>
+                <a:tc>
+                  <a:txBody>
+                    <a:bodyPr/>
+                    <a:lstStyle/>
+                    <a:p>
+                      <a:pPr algn="ctr" fontAlgn="ctr"/>
+                      <a:endParaRPr lang="en-IE" sz="3500" b="0" i="0" u="none" strike="noStrike" dirty="0">
+                        <a:solidFill>
+                          <a:srgbClr val="000000"/>
+                        </a:solidFill>
+                        <a:effectLst/>
+                        <a:latin typeface="Calibri" panose="020F0502020204030204" pitchFamily="34" charset="0"/>
+                      </a:endParaRPr>
+                    </a:p>
+                  </a:txBody>
+                  <a:tcPr marL="30017" marR="30017" marT="30017" marB="0" anchor="ctr">
+                    <a:lnL>
+                      <a:noFill/>
+                    </a:lnL>
+                    <a:lnR>
+                      <a:noFill/>
+                    </a:lnR>
+                    <a:lnT>
+                      <a:noFill/>
+                    </a:lnT>
+                    <a:lnB>
+                      <a:noFill/>
+                    </a:lnB>
+                  </a:tcPr>
+                </a:tc>
+                <a:extLst>
+                  <a:ext uri="{0D108BD9-81ED-4DB2-BD59-A6C34878D82A}">
+                    <a16:rowId xmlns:a16="http://schemas.microsoft.com/office/drawing/2014/main" val="4019969701"/>
+                  </a:ext>
+                </a:extLst>
+              </a:tr>
+            </a:tbl>
+          </a:graphicData>
+        </a:graphic>
+      </p:graphicFrame>
+    </p:spTree>
+    <p:extLst>
+      <p:ext uri="{BB962C8B-B14F-4D97-AF65-F5344CB8AC3E}">
+        <p14:creationId xmlns:p14="http://schemas.microsoft.com/office/powerpoint/2010/main" val="1219716486"/>
+      </p:ext>
+    </p:extLst>
+  </p:cSld>
+  <p:clrMapOvr>
+    <a:masterClrMapping/>
+  </p:clrMapOvr>
+</p:sld>
+</file>
+
 <file path=ppt/theme/theme1.xml><?xml version="1.0" encoding="utf-8"?>
 <a:theme xmlns:a="http://schemas.openxmlformats.org/drawingml/2006/main" name="Office Theme">
   <a:themeElements>

--- a/J_Graphics_PP.pptx
+++ b/J_Graphics_PP.pptx
@@ -11,6 +11,8 @@
     <p:sldId id="261" r:id="rId5"/>
     <p:sldId id="262" r:id="rId6"/>
     <p:sldId id="263" r:id="rId7"/>
+    <p:sldId id="264" r:id="rId8"/>
+    <p:sldId id="265" r:id="rId9"/>
   </p:sldIdLst>
   <p:sldSz cx="12192000" cy="6858000"/>
   <p:notesSz cx="6858000" cy="9144000"/>
@@ -1808,7 +1810,7 @@
           <a:p>
             <a:fld id="{D8DD123C-D314-4DDA-BD7B-79F1D0830E10}" type="datetimeFigureOut">
               <a:rPr lang="en-IE" smtClean="0"/>
-              <a:t>26/09/2022</a:t>
+              <a:t>18/10/2022</a:t>
             </a:fld>
             <a:endParaRPr lang="en-IE"/>
           </a:p>
@@ -2008,7 +2010,7 @@
           <a:p>
             <a:fld id="{D8DD123C-D314-4DDA-BD7B-79F1D0830E10}" type="datetimeFigureOut">
               <a:rPr lang="en-IE" smtClean="0"/>
-              <a:t>26/09/2022</a:t>
+              <a:t>18/10/2022</a:t>
             </a:fld>
             <a:endParaRPr lang="en-IE"/>
           </a:p>
@@ -2218,7 +2220,7 @@
           <a:p>
             <a:fld id="{D8DD123C-D314-4DDA-BD7B-79F1D0830E10}" type="datetimeFigureOut">
               <a:rPr lang="en-IE" smtClean="0"/>
-              <a:t>26/09/2022</a:t>
+              <a:t>18/10/2022</a:t>
             </a:fld>
             <a:endParaRPr lang="en-IE"/>
           </a:p>
@@ -2418,7 +2420,7 @@
           <a:p>
             <a:fld id="{D8DD123C-D314-4DDA-BD7B-79F1D0830E10}" type="datetimeFigureOut">
               <a:rPr lang="en-IE" smtClean="0"/>
-              <a:t>26/09/2022</a:t>
+              <a:t>18/10/2022</a:t>
             </a:fld>
             <a:endParaRPr lang="en-IE"/>
           </a:p>
@@ -2694,7 +2696,7 @@
           <a:p>
             <a:fld id="{D8DD123C-D314-4DDA-BD7B-79F1D0830E10}" type="datetimeFigureOut">
               <a:rPr lang="en-IE" smtClean="0"/>
-              <a:t>26/09/2022</a:t>
+              <a:t>18/10/2022</a:t>
             </a:fld>
             <a:endParaRPr lang="en-IE"/>
           </a:p>
@@ -2962,7 +2964,7 @@
           <a:p>
             <a:fld id="{D8DD123C-D314-4DDA-BD7B-79F1D0830E10}" type="datetimeFigureOut">
               <a:rPr lang="en-IE" smtClean="0"/>
-              <a:t>26/09/2022</a:t>
+              <a:t>18/10/2022</a:t>
             </a:fld>
             <a:endParaRPr lang="en-IE"/>
           </a:p>
@@ -3377,7 +3379,7 @@
           <a:p>
             <a:fld id="{D8DD123C-D314-4DDA-BD7B-79F1D0830E10}" type="datetimeFigureOut">
               <a:rPr lang="en-IE" smtClean="0"/>
-              <a:t>26/09/2022</a:t>
+              <a:t>18/10/2022</a:t>
             </a:fld>
             <a:endParaRPr lang="en-IE"/>
           </a:p>
@@ -3519,7 +3521,7 @@
           <a:p>
             <a:fld id="{D8DD123C-D314-4DDA-BD7B-79F1D0830E10}" type="datetimeFigureOut">
               <a:rPr lang="en-IE" smtClean="0"/>
-              <a:t>26/09/2022</a:t>
+              <a:t>18/10/2022</a:t>
             </a:fld>
             <a:endParaRPr lang="en-IE"/>
           </a:p>
@@ -3632,7 +3634,7 @@
           <a:p>
             <a:fld id="{D8DD123C-D314-4DDA-BD7B-79F1D0830E10}" type="datetimeFigureOut">
               <a:rPr lang="en-IE" smtClean="0"/>
-              <a:t>26/09/2022</a:t>
+              <a:t>18/10/2022</a:t>
             </a:fld>
             <a:endParaRPr lang="en-IE"/>
           </a:p>
@@ -3945,7 +3947,7 @@
           <a:p>
             <a:fld id="{D8DD123C-D314-4DDA-BD7B-79F1D0830E10}" type="datetimeFigureOut">
               <a:rPr lang="en-IE" smtClean="0"/>
-              <a:t>26/09/2022</a:t>
+              <a:t>18/10/2022</a:t>
             </a:fld>
             <a:endParaRPr lang="en-IE"/>
           </a:p>
@@ -4234,7 +4236,7 @@
           <a:p>
             <a:fld id="{D8DD123C-D314-4DDA-BD7B-79F1D0830E10}" type="datetimeFigureOut">
               <a:rPr lang="en-IE" smtClean="0"/>
-              <a:t>26/09/2022</a:t>
+              <a:t>18/10/2022</a:t>
             </a:fld>
             <a:endParaRPr lang="en-IE"/>
           </a:p>
@@ -4477,7 +4479,7 @@
           <a:p>
             <a:fld id="{D8DD123C-D314-4DDA-BD7B-79F1D0830E10}" type="datetimeFigureOut">
               <a:rPr lang="en-IE" smtClean="0"/>
-              <a:t>26/09/2022</a:t>
+              <a:t>18/10/2022</a:t>
             </a:fld>
             <a:endParaRPr lang="en-IE"/>
           </a:p>
@@ -18489,6 +18491,4218 @@
 </p:sld>
 </file>
 
+<file path=ppt/slides/slide7.xml><?xml version="1.0" encoding="utf-8"?>
+<p:sld xmlns:a="http://schemas.openxmlformats.org/drawingml/2006/main" xmlns:r="http://schemas.openxmlformats.org/officeDocument/2006/relationships" xmlns:p="http://schemas.openxmlformats.org/presentationml/2006/main">
+  <p:cSld>
+    <p:spTree>
+      <p:nvGrpSpPr>
+        <p:cNvPr id="1" name=""/>
+        <p:cNvGrpSpPr/>
+        <p:nvPr/>
+      </p:nvGrpSpPr>
+      <p:grpSpPr>
+        <a:xfrm>
+          <a:off x="0" y="0"/>
+          <a:ext cx="0" cy="0"/>
+          <a:chOff x="0" y="0"/>
+          <a:chExt cx="0" cy="0"/>
+        </a:xfrm>
+      </p:grpSpPr>
+      <p:pic>
+        <p:nvPicPr>
+          <p:cNvPr id="3" name="Picture 2">
+            <a:extLst>
+              <a:ext uri="{FF2B5EF4-FFF2-40B4-BE49-F238E27FC236}">
+                <a16:creationId xmlns:a16="http://schemas.microsoft.com/office/drawing/2014/main" id="{83441F0F-CE5F-43E0-B269-DDFAA7A69100}"/>
+              </a:ext>
+            </a:extLst>
+          </p:cNvPr>
+          <p:cNvPicPr>
+            <a:picLocks noChangeAspect="1"/>
+          </p:cNvPicPr>
+          <p:nvPr/>
+        </p:nvPicPr>
+        <p:blipFill>
+          <a:blip r:embed="rId2">
+            <a:extLst>
+              <a:ext uri="{28A0092B-C50C-407E-A947-70E740481C1C}">
+                <a14:useLocalDpi xmlns:a14="http://schemas.microsoft.com/office/drawing/2010/main" val="0"/>
+              </a:ext>
+            </a:extLst>
+          </a:blip>
+          <a:stretch>
+            <a:fillRect/>
+          </a:stretch>
+        </p:blipFill>
+        <p:spPr>
+          <a:xfrm>
+            <a:off x="1174459" y="167779"/>
+            <a:ext cx="8669323" cy="8669323"/>
+          </a:xfrm>
+          <a:prstGeom prst="rect">
+            <a:avLst/>
+          </a:prstGeom>
+        </p:spPr>
+      </p:pic>
+      <p:sp>
+        <p:nvSpPr>
+          <p:cNvPr id="15" name="TextBox 14">
+            <a:extLst>
+              <a:ext uri="{FF2B5EF4-FFF2-40B4-BE49-F238E27FC236}">
+                <a16:creationId xmlns:a16="http://schemas.microsoft.com/office/drawing/2014/main" id="{C2023A06-198B-4D61-A7CE-8A2B8F9CB8AC}"/>
+              </a:ext>
+            </a:extLst>
+          </p:cNvPr>
+          <p:cNvSpPr txBox="1"/>
+          <p:nvPr/>
+        </p:nvSpPr>
+        <p:spPr>
+          <a:xfrm>
+            <a:off x="2348218" y="1174351"/>
+            <a:ext cx="301686" cy="369332"/>
+          </a:xfrm>
+          <a:prstGeom prst="rect">
+            <a:avLst/>
+          </a:prstGeom>
+          <a:noFill/>
+        </p:spPr>
+        <p:txBody>
+          <a:bodyPr wrap="none" rtlCol="0">
+            <a:spAutoFit/>
+          </a:bodyPr>
+          <a:lstStyle/>
+          <a:p>
+            <a:r>
+              <a:rPr lang="en-IE" dirty="0"/>
+              <a:t>1</a:t>
+            </a:r>
+          </a:p>
+        </p:txBody>
+      </p:sp>
+      <p:sp>
+        <p:nvSpPr>
+          <p:cNvPr id="16" name="TextBox 15">
+            <a:extLst>
+              <a:ext uri="{FF2B5EF4-FFF2-40B4-BE49-F238E27FC236}">
+                <a16:creationId xmlns:a16="http://schemas.microsoft.com/office/drawing/2014/main" id="{9573BFA1-9C77-437B-97C1-9E56F2100013}"/>
+              </a:ext>
+            </a:extLst>
+          </p:cNvPr>
+          <p:cNvSpPr txBox="1"/>
+          <p:nvPr/>
+        </p:nvSpPr>
+        <p:spPr>
+          <a:xfrm>
+            <a:off x="5358277" y="1174351"/>
+            <a:ext cx="301686" cy="369332"/>
+          </a:xfrm>
+          <a:prstGeom prst="rect">
+            <a:avLst/>
+          </a:prstGeom>
+          <a:noFill/>
+        </p:spPr>
+        <p:txBody>
+          <a:bodyPr wrap="none" rtlCol="0">
+            <a:spAutoFit/>
+          </a:bodyPr>
+          <a:lstStyle/>
+          <a:p>
+            <a:r>
+              <a:rPr lang="en-IE" dirty="0"/>
+              <a:t>2</a:t>
+            </a:r>
+          </a:p>
+        </p:txBody>
+      </p:sp>
+      <p:sp>
+        <p:nvSpPr>
+          <p:cNvPr id="17" name="TextBox 16">
+            <a:extLst>
+              <a:ext uri="{FF2B5EF4-FFF2-40B4-BE49-F238E27FC236}">
+                <a16:creationId xmlns:a16="http://schemas.microsoft.com/office/drawing/2014/main" id="{1765F4FA-CD65-4C2B-8F22-3F7EE69285F3}"/>
+              </a:ext>
+            </a:extLst>
+          </p:cNvPr>
+          <p:cNvSpPr txBox="1"/>
+          <p:nvPr/>
+        </p:nvSpPr>
+        <p:spPr>
+          <a:xfrm>
+            <a:off x="2348218" y="1779757"/>
+            <a:ext cx="301686" cy="369332"/>
+          </a:xfrm>
+          <a:prstGeom prst="rect">
+            <a:avLst/>
+          </a:prstGeom>
+          <a:noFill/>
+        </p:spPr>
+        <p:txBody>
+          <a:bodyPr wrap="none" rtlCol="0">
+            <a:spAutoFit/>
+          </a:bodyPr>
+          <a:lstStyle/>
+          <a:p>
+            <a:r>
+              <a:rPr lang="en-IE" dirty="0"/>
+              <a:t>3</a:t>
+            </a:r>
+          </a:p>
+        </p:txBody>
+      </p:sp>
+      <p:sp>
+        <p:nvSpPr>
+          <p:cNvPr id="18" name="TextBox 17">
+            <a:extLst>
+              <a:ext uri="{FF2B5EF4-FFF2-40B4-BE49-F238E27FC236}">
+                <a16:creationId xmlns:a16="http://schemas.microsoft.com/office/drawing/2014/main" id="{75A6E180-E1E2-4289-B6BC-C6CDFDAC5335}"/>
+              </a:ext>
+            </a:extLst>
+          </p:cNvPr>
+          <p:cNvSpPr txBox="1"/>
+          <p:nvPr/>
+        </p:nvSpPr>
+        <p:spPr>
+          <a:xfrm>
+            <a:off x="5358277" y="1779757"/>
+            <a:ext cx="301686" cy="369332"/>
+          </a:xfrm>
+          <a:prstGeom prst="rect">
+            <a:avLst/>
+          </a:prstGeom>
+          <a:noFill/>
+        </p:spPr>
+        <p:txBody>
+          <a:bodyPr wrap="none" rtlCol="0">
+            <a:spAutoFit/>
+          </a:bodyPr>
+          <a:lstStyle/>
+          <a:p>
+            <a:r>
+              <a:rPr lang="en-IE" dirty="0"/>
+              <a:t>4</a:t>
+            </a:r>
+          </a:p>
+        </p:txBody>
+      </p:sp>
+      <p:sp>
+        <p:nvSpPr>
+          <p:cNvPr id="19" name="TextBox 18">
+            <a:extLst>
+              <a:ext uri="{FF2B5EF4-FFF2-40B4-BE49-F238E27FC236}">
+                <a16:creationId xmlns:a16="http://schemas.microsoft.com/office/drawing/2014/main" id="{81A6FC59-0601-46FF-A797-63E5AC6E731E}"/>
+              </a:ext>
+            </a:extLst>
+          </p:cNvPr>
+          <p:cNvSpPr txBox="1"/>
+          <p:nvPr/>
+        </p:nvSpPr>
+        <p:spPr>
+          <a:xfrm>
+            <a:off x="3551561" y="1838480"/>
+            <a:ext cx="301686" cy="369332"/>
+          </a:xfrm>
+          <a:prstGeom prst="rect">
+            <a:avLst/>
+          </a:prstGeom>
+          <a:noFill/>
+        </p:spPr>
+        <p:txBody>
+          <a:bodyPr wrap="none" rtlCol="0">
+            <a:spAutoFit/>
+          </a:bodyPr>
+          <a:lstStyle/>
+          <a:p>
+            <a:r>
+              <a:rPr lang="en-IE" dirty="0"/>
+              <a:t>5</a:t>
+            </a:r>
+          </a:p>
+        </p:txBody>
+      </p:sp>
+      <p:sp>
+        <p:nvSpPr>
+          <p:cNvPr id="20" name="TextBox 19">
+            <a:extLst>
+              <a:ext uri="{FF2B5EF4-FFF2-40B4-BE49-F238E27FC236}">
+                <a16:creationId xmlns:a16="http://schemas.microsoft.com/office/drawing/2014/main" id="{DCE8BB59-0BA3-412E-B918-63D0614E3D48}"/>
+              </a:ext>
+            </a:extLst>
+          </p:cNvPr>
+          <p:cNvSpPr txBox="1"/>
+          <p:nvPr/>
+        </p:nvSpPr>
+        <p:spPr>
+          <a:xfrm>
+            <a:off x="4153233" y="1779757"/>
+            <a:ext cx="301686" cy="369332"/>
+          </a:xfrm>
+          <a:prstGeom prst="rect">
+            <a:avLst/>
+          </a:prstGeom>
+          <a:noFill/>
+        </p:spPr>
+        <p:txBody>
+          <a:bodyPr wrap="none" rtlCol="0">
+            <a:spAutoFit/>
+          </a:bodyPr>
+          <a:lstStyle/>
+          <a:p>
+            <a:r>
+              <a:rPr lang="en-IE" dirty="0"/>
+              <a:t>6</a:t>
+            </a:r>
+          </a:p>
+        </p:txBody>
+      </p:sp>
+      <p:sp>
+        <p:nvSpPr>
+          <p:cNvPr id="21" name="TextBox 20">
+            <a:extLst>
+              <a:ext uri="{FF2B5EF4-FFF2-40B4-BE49-F238E27FC236}">
+                <a16:creationId xmlns:a16="http://schemas.microsoft.com/office/drawing/2014/main" id="{FDE83407-C4AB-4C5C-BFCE-FC405DFEE12B}"/>
+              </a:ext>
+            </a:extLst>
+          </p:cNvPr>
+          <p:cNvSpPr txBox="1"/>
+          <p:nvPr/>
+        </p:nvSpPr>
+        <p:spPr>
+          <a:xfrm>
+            <a:off x="3473741" y="4883683"/>
+            <a:ext cx="301686" cy="369332"/>
+          </a:xfrm>
+          <a:prstGeom prst="rect">
+            <a:avLst/>
+          </a:prstGeom>
+          <a:noFill/>
+        </p:spPr>
+        <p:txBody>
+          <a:bodyPr wrap="none" rtlCol="0">
+            <a:spAutoFit/>
+          </a:bodyPr>
+          <a:lstStyle/>
+          <a:p>
+            <a:r>
+              <a:rPr lang="en-IE" dirty="0"/>
+              <a:t>7</a:t>
+            </a:r>
+          </a:p>
+        </p:txBody>
+      </p:sp>
+      <p:sp>
+        <p:nvSpPr>
+          <p:cNvPr id="22" name="TextBox 21">
+            <a:extLst>
+              <a:ext uri="{FF2B5EF4-FFF2-40B4-BE49-F238E27FC236}">
+                <a16:creationId xmlns:a16="http://schemas.microsoft.com/office/drawing/2014/main" id="{C2D55637-537A-4788-8CA9-03E4E45BCFD2}"/>
+              </a:ext>
+            </a:extLst>
+          </p:cNvPr>
+          <p:cNvSpPr txBox="1"/>
+          <p:nvPr/>
+        </p:nvSpPr>
+        <p:spPr>
+          <a:xfrm>
+            <a:off x="4153233" y="4883683"/>
+            <a:ext cx="301686" cy="369332"/>
+          </a:xfrm>
+          <a:prstGeom prst="rect">
+            <a:avLst/>
+          </a:prstGeom>
+          <a:noFill/>
+        </p:spPr>
+        <p:txBody>
+          <a:bodyPr wrap="none" rtlCol="0">
+            <a:spAutoFit/>
+          </a:bodyPr>
+          <a:lstStyle/>
+          <a:p>
+            <a:r>
+              <a:rPr lang="en-IE" dirty="0"/>
+              <a:t>8</a:t>
+            </a:r>
+          </a:p>
+        </p:txBody>
+      </p:sp>
+      <p:sp>
+        <p:nvSpPr>
+          <p:cNvPr id="23" name="TextBox 22">
+            <a:extLst>
+              <a:ext uri="{FF2B5EF4-FFF2-40B4-BE49-F238E27FC236}">
+                <a16:creationId xmlns:a16="http://schemas.microsoft.com/office/drawing/2014/main" id="{5FDB87AB-2739-40FD-8B4C-D4EDE28595A9}"/>
+              </a:ext>
+            </a:extLst>
+          </p:cNvPr>
+          <p:cNvSpPr txBox="1"/>
+          <p:nvPr/>
+        </p:nvSpPr>
+        <p:spPr>
+          <a:xfrm>
+            <a:off x="3551561" y="5563192"/>
+            <a:ext cx="418704" cy="369332"/>
+          </a:xfrm>
+          <a:prstGeom prst="rect">
+            <a:avLst/>
+          </a:prstGeom>
+          <a:noFill/>
+        </p:spPr>
+        <p:txBody>
+          <a:bodyPr wrap="none" rtlCol="0">
+            <a:spAutoFit/>
+          </a:bodyPr>
+          <a:lstStyle/>
+          <a:p>
+            <a:r>
+              <a:rPr lang="en-IE" dirty="0"/>
+              <a:t>19</a:t>
+            </a:r>
+          </a:p>
+        </p:txBody>
+      </p:sp>
+      <p:sp>
+        <p:nvSpPr>
+          <p:cNvPr id="24" name="TextBox 23">
+            <a:extLst>
+              <a:ext uri="{FF2B5EF4-FFF2-40B4-BE49-F238E27FC236}">
+                <a16:creationId xmlns:a16="http://schemas.microsoft.com/office/drawing/2014/main" id="{ED985B89-D7A3-4B8D-85E8-E68D4969478E}"/>
+              </a:ext>
+            </a:extLst>
+          </p:cNvPr>
+          <p:cNvSpPr txBox="1"/>
+          <p:nvPr/>
+        </p:nvSpPr>
+        <p:spPr>
+          <a:xfrm>
+            <a:off x="1803632" y="4883683"/>
+            <a:ext cx="444617" cy="369332"/>
+          </a:xfrm>
+          <a:prstGeom prst="rect">
+            <a:avLst/>
+          </a:prstGeom>
+          <a:noFill/>
+        </p:spPr>
+        <p:txBody>
+          <a:bodyPr wrap="square" rtlCol="0">
+            <a:spAutoFit/>
+          </a:bodyPr>
+          <a:lstStyle/>
+          <a:p>
+            <a:r>
+              <a:rPr lang="en-IE" dirty="0"/>
+              <a:t>10</a:t>
+            </a:r>
+          </a:p>
+        </p:txBody>
+      </p:sp>
+      <p:sp>
+        <p:nvSpPr>
+          <p:cNvPr id="25" name="TextBox 24">
+            <a:extLst>
+              <a:ext uri="{FF2B5EF4-FFF2-40B4-BE49-F238E27FC236}">
+                <a16:creationId xmlns:a16="http://schemas.microsoft.com/office/drawing/2014/main" id="{C4645D5D-20B6-49CF-BD55-97E4BC7FFE0B}"/>
+              </a:ext>
+            </a:extLst>
+          </p:cNvPr>
+          <p:cNvSpPr txBox="1"/>
+          <p:nvPr/>
+        </p:nvSpPr>
+        <p:spPr>
+          <a:xfrm>
+            <a:off x="1724254" y="5504469"/>
+            <a:ext cx="418704" cy="369332"/>
+          </a:xfrm>
+          <a:prstGeom prst="rect">
+            <a:avLst/>
+          </a:prstGeom>
+          <a:noFill/>
+        </p:spPr>
+        <p:txBody>
+          <a:bodyPr wrap="none" rtlCol="0">
+            <a:spAutoFit/>
+          </a:bodyPr>
+          <a:lstStyle/>
+          <a:p>
+            <a:r>
+              <a:rPr lang="en-IE" dirty="0"/>
+              <a:t>11</a:t>
+            </a:r>
+          </a:p>
+        </p:txBody>
+      </p:sp>
+      <p:sp>
+        <p:nvSpPr>
+          <p:cNvPr id="26" name="TextBox 25">
+            <a:extLst>
+              <a:ext uri="{FF2B5EF4-FFF2-40B4-BE49-F238E27FC236}">
+                <a16:creationId xmlns:a16="http://schemas.microsoft.com/office/drawing/2014/main" id="{8A57D660-49D9-4D7D-9DC5-69CA6F1B5239}"/>
+              </a:ext>
+            </a:extLst>
+          </p:cNvPr>
+          <p:cNvSpPr txBox="1"/>
+          <p:nvPr/>
+        </p:nvSpPr>
+        <p:spPr>
+          <a:xfrm>
+            <a:off x="3610070" y="3630523"/>
+            <a:ext cx="301686" cy="369332"/>
+          </a:xfrm>
+          <a:prstGeom prst="rect">
+            <a:avLst/>
+          </a:prstGeom>
+          <a:noFill/>
+        </p:spPr>
+        <p:txBody>
+          <a:bodyPr wrap="none" rtlCol="0">
+            <a:spAutoFit/>
+          </a:bodyPr>
+          <a:lstStyle/>
+          <a:p>
+            <a:r>
+              <a:rPr lang="en-IE" dirty="0"/>
+              <a:t>0</a:t>
+            </a:r>
+          </a:p>
+        </p:txBody>
+      </p:sp>
+      <p:sp>
+        <p:nvSpPr>
+          <p:cNvPr id="27" name="TextBox 26">
+            <a:extLst>
+              <a:ext uri="{FF2B5EF4-FFF2-40B4-BE49-F238E27FC236}">
+                <a16:creationId xmlns:a16="http://schemas.microsoft.com/office/drawing/2014/main" id="{5761A7C4-8C1E-446F-8A5A-20DD4E649494}"/>
+              </a:ext>
+            </a:extLst>
+          </p:cNvPr>
+          <p:cNvSpPr txBox="1"/>
+          <p:nvPr/>
+        </p:nvSpPr>
+        <p:spPr>
+          <a:xfrm>
+            <a:off x="7735348" y="3692447"/>
+            <a:ext cx="418704" cy="369332"/>
+          </a:xfrm>
+          <a:prstGeom prst="rect">
+            <a:avLst/>
+          </a:prstGeom>
+          <a:noFill/>
+        </p:spPr>
+        <p:txBody>
+          <a:bodyPr wrap="none" rtlCol="0">
+            <a:spAutoFit/>
+          </a:bodyPr>
+          <a:lstStyle/>
+          <a:p>
+            <a:r>
+              <a:rPr lang="en-IE" dirty="0"/>
+              <a:t>12</a:t>
+            </a:r>
+          </a:p>
+        </p:txBody>
+      </p:sp>
+      <p:sp>
+        <p:nvSpPr>
+          <p:cNvPr id="28" name="TextBox 27">
+            <a:extLst>
+              <a:ext uri="{FF2B5EF4-FFF2-40B4-BE49-F238E27FC236}">
+                <a16:creationId xmlns:a16="http://schemas.microsoft.com/office/drawing/2014/main" id="{BB733A21-2F32-4884-B899-3A6D47DE28A8}"/>
+              </a:ext>
+            </a:extLst>
+          </p:cNvPr>
+          <p:cNvSpPr txBox="1"/>
+          <p:nvPr/>
+        </p:nvSpPr>
+        <p:spPr>
+          <a:xfrm>
+            <a:off x="8976919" y="1174351"/>
+            <a:ext cx="418704" cy="369332"/>
+          </a:xfrm>
+          <a:prstGeom prst="rect">
+            <a:avLst/>
+          </a:prstGeom>
+          <a:noFill/>
+        </p:spPr>
+        <p:txBody>
+          <a:bodyPr wrap="none" rtlCol="0">
+            <a:spAutoFit/>
+          </a:bodyPr>
+          <a:lstStyle/>
+          <a:p>
+            <a:r>
+              <a:rPr lang="en-IE" dirty="0"/>
+              <a:t>13</a:t>
+            </a:r>
+          </a:p>
+        </p:txBody>
+      </p:sp>
+      <p:sp>
+        <p:nvSpPr>
+          <p:cNvPr id="29" name="TextBox 28">
+            <a:extLst>
+              <a:ext uri="{FF2B5EF4-FFF2-40B4-BE49-F238E27FC236}">
+                <a16:creationId xmlns:a16="http://schemas.microsoft.com/office/drawing/2014/main" id="{5A6A018A-699B-45A8-B76E-8692E84753FE}"/>
+              </a:ext>
+            </a:extLst>
+          </p:cNvPr>
+          <p:cNvSpPr txBox="1"/>
+          <p:nvPr/>
+        </p:nvSpPr>
+        <p:spPr>
+          <a:xfrm>
+            <a:off x="5966860" y="1174351"/>
+            <a:ext cx="418704" cy="369332"/>
+          </a:xfrm>
+          <a:prstGeom prst="rect">
+            <a:avLst/>
+          </a:prstGeom>
+          <a:noFill/>
+        </p:spPr>
+        <p:txBody>
+          <a:bodyPr wrap="square" rtlCol="0">
+            <a:spAutoFit/>
+          </a:bodyPr>
+          <a:lstStyle/>
+          <a:p>
+            <a:r>
+              <a:rPr lang="en-IE" dirty="0"/>
+              <a:t>14</a:t>
+            </a:r>
+          </a:p>
+        </p:txBody>
+      </p:sp>
+      <p:sp>
+        <p:nvSpPr>
+          <p:cNvPr id="30" name="TextBox 29">
+            <a:extLst>
+              <a:ext uri="{FF2B5EF4-FFF2-40B4-BE49-F238E27FC236}">
+                <a16:creationId xmlns:a16="http://schemas.microsoft.com/office/drawing/2014/main" id="{5F7E8C4B-5151-464C-A271-F29BF3922358}"/>
+              </a:ext>
+            </a:extLst>
+          </p:cNvPr>
+          <p:cNvSpPr txBox="1"/>
+          <p:nvPr/>
+        </p:nvSpPr>
+        <p:spPr>
+          <a:xfrm>
+            <a:off x="8976919" y="1838480"/>
+            <a:ext cx="418704" cy="369332"/>
+          </a:xfrm>
+          <a:prstGeom prst="rect">
+            <a:avLst/>
+          </a:prstGeom>
+          <a:noFill/>
+        </p:spPr>
+        <p:txBody>
+          <a:bodyPr wrap="none" rtlCol="0">
+            <a:spAutoFit/>
+          </a:bodyPr>
+          <a:lstStyle/>
+          <a:p>
+            <a:r>
+              <a:rPr lang="en-IE" dirty="0"/>
+              <a:t>15</a:t>
+            </a:r>
+          </a:p>
+        </p:txBody>
+      </p:sp>
+      <p:sp>
+        <p:nvSpPr>
+          <p:cNvPr id="31" name="TextBox 30">
+            <a:extLst>
+              <a:ext uri="{FF2B5EF4-FFF2-40B4-BE49-F238E27FC236}">
+                <a16:creationId xmlns:a16="http://schemas.microsoft.com/office/drawing/2014/main" id="{0BFB105B-34CE-4F05-B899-942EA5ED25B5}"/>
+              </a:ext>
+            </a:extLst>
+          </p:cNvPr>
+          <p:cNvSpPr txBox="1"/>
+          <p:nvPr/>
+        </p:nvSpPr>
+        <p:spPr>
+          <a:xfrm>
+            <a:off x="5945157" y="1779757"/>
+            <a:ext cx="418704" cy="369332"/>
+          </a:xfrm>
+          <a:prstGeom prst="rect">
+            <a:avLst/>
+          </a:prstGeom>
+          <a:noFill/>
+        </p:spPr>
+        <p:txBody>
+          <a:bodyPr wrap="none" rtlCol="0">
+            <a:spAutoFit/>
+          </a:bodyPr>
+          <a:lstStyle/>
+          <a:p>
+            <a:r>
+              <a:rPr lang="en-IE" dirty="0"/>
+              <a:t>16</a:t>
+            </a:r>
+          </a:p>
+        </p:txBody>
+      </p:sp>
+      <p:sp>
+        <p:nvSpPr>
+          <p:cNvPr id="32" name="TextBox 31">
+            <a:extLst>
+              <a:ext uri="{FF2B5EF4-FFF2-40B4-BE49-F238E27FC236}">
+                <a16:creationId xmlns:a16="http://schemas.microsoft.com/office/drawing/2014/main" id="{443B2001-E72E-443E-90D4-0D376F2495A2}"/>
+              </a:ext>
+            </a:extLst>
+          </p:cNvPr>
+          <p:cNvSpPr txBox="1"/>
+          <p:nvPr/>
+        </p:nvSpPr>
+        <p:spPr>
+          <a:xfrm>
+            <a:off x="7167598" y="1873326"/>
+            <a:ext cx="418704" cy="369332"/>
+          </a:xfrm>
+          <a:prstGeom prst="rect">
+            <a:avLst/>
+          </a:prstGeom>
+          <a:noFill/>
+        </p:spPr>
+        <p:txBody>
+          <a:bodyPr wrap="none" rtlCol="0">
+            <a:spAutoFit/>
+          </a:bodyPr>
+          <a:lstStyle/>
+          <a:p>
+            <a:r>
+              <a:rPr lang="en-IE" dirty="0"/>
+              <a:t>17</a:t>
+            </a:r>
+          </a:p>
+        </p:txBody>
+      </p:sp>
+      <p:sp>
+        <p:nvSpPr>
+          <p:cNvPr id="33" name="TextBox 32">
+            <a:extLst>
+              <a:ext uri="{FF2B5EF4-FFF2-40B4-BE49-F238E27FC236}">
+                <a16:creationId xmlns:a16="http://schemas.microsoft.com/office/drawing/2014/main" id="{AC6210B3-2533-46AE-B41D-23F349B425B7}"/>
+              </a:ext>
+            </a:extLst>
+          </p:cNvPr>
+          <p:cNvSpPr txBox="1"/>
+          <p:nvPr/>
+        </p:nvSpPr>
+        <p:spPr>
+          <a:xfrm>
+            <a:off x="7720653" y="1838480"/>
+            <a:ext cx="418704" cy="369332"/>
+          </a:xfrm>
+          <a:prstGeom prst="rect">
+            <a:avLst/>
+          </a:prstGeom>
+          <a:noFill/>
+        </p:spPr>
+        <p:txBody>
+          <a:bodyPr wrap="none" rtlCol="0">
+            <a:spAutoFit/>
+          </a:bodyPr>
+          <a:lstStyle/>
+          <a:p>
+            <a:r>
+              <a:rPr lang="en-IE" dirty="0"/>
+              <a:t>18</a:t>
+            </a:r>
+          </a:p>
+        </p:txBody>
+      </p:sp>
+      <p:sp>
+        <p:nvSpPr>
+          <p:cNvPr id="34" name="TextBox 33">
+            <a:extLst>
+              <a:ext uri="{FF2B5EF4-FFF2-40B4-BE49-F238E27FC236}">
+                <a16:creationId xmlns:a16="http://schemas.microsoft.com/office/drawing/2014/main" id="{D528187F-6DAE-4052-A7A9-6FD786F44099}"/>
+              </a:ext>
+            </a:extLst>
+          </p:cNvPr>
+          <p:cNvSpPr txBox="1"/>
+          <p:nvPr/>
+        </p:nvSpPr>
+        <p:spPr>
+          <a:xfrm>
+            <a:off x="7720653" y="4883683"/>
+            <a:ext cx="418704" cy="369332"/>
+          </a:xfrm>
+          <a:prstGeom prst="rect">
+            <a:avLst/>
+          </a:prstGeom>
+          <a:noFill/>
+        </p:spPr>
+        <p:txBody>
+          <a:bodyPr wrap="none" rtlCol="0">
+            <a:spAutoFit/>
+          </a:bodyPr>
+          <a:lstStyle/>
+          <a:p>
+            <a:r>
+              <a:rPr lang="en-IE" dirty="0"/>
+              <a:t>19</a:t>
+            </a:r>
+          </a:p>
+        </p:txBody>
+      </p:sp>
+      <p:sp>
+        <p:nvSpPr>
+          <p:cNvPr id="35" name="TextBox 34">
+            <a:extLst>
+              <a:ext uri="{FF2B5EF4-FFF2-40B4-BE49-F238E27FC236}">
+                <a16:creationId xmlns:a16="http://schemas.microsoft.com/office/drawing/2014/main" id="{E9B0B5BA-AE4A-4BC6-8C60-82C097925858}"/>
+              </a:ext>
+            </a:extLst>
+          </p:cNvPr>
+          <p:cNvSpPr txBox="1"/>
+          <p:nvPr/>
+        </p:nvSpPr>
+        <p:spPr>
+          <a:xfrm>
+            <a:off x="7167598" y="4883683"/>
+            <a:ext cx="418704" cy="369332"/>
+          </a:xfrm>
+          <a:prstGeom prst="rect">
+            <a:avLst/>
+          </a:prstGeom>
+          <a:noFill/>
+        </p:spPr>
+        <p:txBody>
+          <a:bodyPr wrap="none" rtlCol="0">
+            <a:spAutoFit/>
+          </a:bodyPr>
+          <a:lstStyle/>
+          <a:p>
+            <a:r>
+              <a:rPr lang="en-IE" dirty="0"/>
+              <a:t>20</a:t>
+            </a:r>
+          </a:p>
+        </p:txBody>
+      </p:sp>
+      <p:sp>
+        <p:nvSpPr>
+          <p:cNvPr id="37" name="TextBox 36">
+            <a:extLst>
+              <a:ext uri="{FF2B5EF4-FFF2-40B4-BE49-F238E27FC236}">
+                <a16:creationId xmlns:a16="http://schemas.microsoft.com/office/drawing/2014/main" id="{265BC053-40FE-468E-9463-AEA542568C3F}"/>
+              </a:ext>
+            </a:extLst>
+          </p:cNvPr>
+          <p:cNvSpPr txBox="1"/>
+          <p:nvPr/>
+        </p:nvSpPr>
+        <p:spPr>
+          <a:xfrm>
+            <a:off x="7777118" y="5581477"/>
+            <a:ext cx="418704" cy="369332"/>
+          </a:xfrm>
+          <a:prstGeom prst="rect">
+            <a:avLst/>
+          </a:prstGeom>
+          <a:noFill/>
+        </p:spPr>
+        <p:txBody>
+          <a:bodyPr wrap="none" rtlCol="0">
+            <a:spAutoFit/>
+          </a:bodyPr>
+          <a:lstStyle/>
+          <a:p>
+            <a:r>
+              <a:rPr lang="en-IE" dirty="0"/>
+              <a:t>21</a:t>
+            </a:r>
+          </a:p>
+        </p:txBody>
+      </p:sp>
+      <p:sp>
+        <p:nvSpPr>
+          <p:cNvPr id="38" name="TextBox 37">
+            <a:extLst>
+              <a:ext uri="{FF2B5EF4-FFF2-40B4-BE49-F238E27FC236}">
+                <a16:creationId xmlns:a16="http://schemas.microsoft.com/office/drawing/2014/main" id="{4B3BFC04-8FD8-4D6E-9001-974187AD5B6C}"/>
+              </a:ext>
+            </a:extLst>
+          </p:cNvPr>
+          <p:cNvSpPr txBox="1"/>
+          <p:nvPr/>
+        </p:nvSpPr>
+        <p:spPr>
+          <a:xfrm>
+            <a:off x="9492254" y="4883683"/>
+            <a:ext cx="418704" cy="369332"/>
+          </a:xfrm>
+          <a:prstGeom prst="rect">
+            <a:avLst/>
+          </a:prstGeom>
+          <a:noFill/>
+        </p:spPr>
+        <p:txBody>
+          <a:bodyPr wrap="none" rtlCol="0">
+            <a:spAutoFit/>
+          </a:bodyPr>
+          <a:lstStyle/>
+          <a:p>
+            <a:r>
+              <a:rPr lang="en-IE" dirty="0"/>
+              <a:t>22</a:t>
+            </a:r>
+          </a:p>
+        </p:txBody>
+      </p:sp>
+      <p:sp>
+        <p:nvSpPr>
+          <p:cNvPr id="39" name="TextBox 38">
+            <a:extLst>
+              <a:ext uri="{FF2B5EF4-FFF2-40B4-BE49-F238E27FC236}">
+                <a16:creationId xmlns:a16="http://schemas.microsoft.com/office/drawing/2014/main" id="{7EF853C2-93C0-4894-B515-F51E7C2F81FA}"/>
+              </a:ext>
+            </a:extLst>
+          </p:cNvPr>
+          <p:cNvSpPr txBox="1"/>
+          <p:nvPr/>
+        </p:nvSpPr>
+        <p:spPr>
+          <a:xfrm>
+            <a:off x="9503360" y="5581477"/>
+            <a:ext cx="418704" cy="369332"/>
+          </a:xfrm>
+          <a:prstGeom prst="rect">
+            <a:avLst/>
+          </a:prstGeom>
+          <a:noFill/>
+        </p:spPr>
+        <p:txBody>
+          <a:bodyPr wrap="none" rtlCol="0">
+            <a:spAutoFit/>
+          </a:bodyPr>
+          <a:lstStyle/>
+          <a:p>
+            <a:r>
+              <a:rPr lang="en-IE" dirty="0"/>
+              <a:t>23</a:t>
+            </a:r>
+          </a:p>
+        </p:txBody>
+      </p:sp>
+      <p:sp>
+        <p:nvSpPr>
+          <p:cNvPr id="40" name="TextBox 39">
+            <a:extLst>
+              <a:ext uri="{FF2B5EF4-FFF2-40B4-BE49-F238E27FC236}">
+                <a16:creationId xmlns:a16="http://schemas.microsoft.com/office/drawing/2014/main" id="{58C3AEE0-28C8-423B-90AA-3B6F2847D601}"/>
+              </a:ext>
+            </a:extLst>
+          </p:cNvPr>
+          <p:cNvSpPr txBox="1"/>
+          <p:nvPr/>
+        </p:nvSpPr>
+        <p:spPr>
+          <a:xfrm>
+            <a:off x="5241259" y="2460663"/>
+            <a:ext cx="418704" cy="369332"/>
+          </a:xfrm>
+          <a:prstGeom prst="rect">
+            <a:avLst/>
+          </a:prstGeom>
+          <a:noFill/>
+        </p:spPr>
+        <p:txBody>
+          <a:bodyPr wrap="none" rtlCol="0">
+            <a:spAutoFit/>
+          </a:bodyPr>
+          <a:lstStyle/>
+          <a:p>
+            <a:r>
+              <a:rPr lang="en-IE" dirty="0"/>
+              <a:t>24</a:t>
+            </a:r>
+          </a:p>
+        </p:txBody>
+      </p:sp>
+      <p:sp>
+        <p:nvSpPr>
+          <p:cNvPr id="41" name="TextBox 40">
+            <a:extLst>
+              <a:ext uri="{FF2B5EF4-FFF2-40B4-BE49-F238E27FC236}">
+                <a16:creationId xmlns:a16="http://schemas.microsoft.com/office/drawing/2014/main" id="{3767DAA3-B208-4DBC-81CC-217FE1BA81F3}"/>
+              </a:ext>
+            </a:extLst>
+          </p:cNvPr>
+          <p:cNvSpPr txBox="1"/>
+          <p:nvPr/>
+        </p:nvSpPr>
+        <p:spPr>
+          <a:xfrm>
+            <a:off x="4652299" y="2460663"/>
+            <a:ext cx="418704" cy="369332"/>
+          </a:xfrm>
+          <a:prstGeom prst="rect">
+            <a:avLst/>
+          </a:prstGeom>
+          <a:noFill/>
+        </p:spPr>
+        <p:txBody>
+          <a:bodyPr wrap="none" rtlCol="0">
+            <a:spAutoFit/>
+          </a:bodyPr>
+          <a:lstStyle/>
+          <a:p>
+            <a:r>
+              <a:rPr lang="en-IE" dirty="0"/>
+              <a:t>25</a:t>
+            </a:r>
+          </a:p>
+        </p:txBody>
+      </p:sp>
+      <p:sp>
+        <p:nvSpPr>
+          <p:cNvPr id="42" name="TextBox 41">
+            <a:extLst>
+              <a:ext uri="{FF2B5EF4-FFF2-40B4-BE49-F238E27FC236}">
+                <a16:creationId xmlns:a16="http://schemas.microsoft.com/office/drawing/2014/main" id="{D1A4D56D-901B-497A-AF79-5E475E6B3E05}"/>
+              </a:ext>
+            </a:extLst>
+          </p:cNvPr>
+          <p:cNvSpPr txBox="1"/>
+          <p:nvPr/>
+        </p:nvSpPr>
+        <p:spPr>
+          <a:xfrm>
+            <a:off x="4709620" y="4883683"/>
+            <a:ext cx="418704" cy="369332"/>
+          </a:xfrm>
+          <a:prstGeom prst="rect">
+            <a:avLst/>
+          </a:prstGeom>
+          <a:noFill/>
+        </p:spPr>
+        <p:txBody>
+          <a:bodyPr wrap="none" rtlCol="0">
+            <a:spAutoFit/>
+          </a:bodyPr>
+          <a:lstStyle/>
+          <a:p>
+            <a:r>
+              <a:rPr lang="en-IE" dirty="0"/>
+              <a:t>26</a:t>
+            </a:r>
+          </a:p>
+        </p:txBody>
+      </p:sp>
+      <p:sp>
+        <p:nvSpPr>
+          <p:cNvPr id="43" name="TextBox 42">
+            <a:extLst>
+              <a:ext uri="{FF2B5EF4-FFF2-40B4-BE49-F238E27FC236}">
+                <a16:creationId xmlns:a16="http://schemas.microsoft.com/office/drawing/2014/main" id="{F6A9831A-0DC0-4511-B825-B6D0334FA033}"/>
+              </a:ext>
+            </a:extLst>
+          </p:cNvPr>
+          <p:cNvSpPr txBox="1"/>
+          <p:nvPr/>
+        </p:nvSpPr>
+        <p:spPr>
+          <a:xfrm>
+            <a:off x="4700153" y="5648882"/>
+            <a:ext cx="418704" cy="369332"/>
+          </a:xfrm>
+          <a:prstGeom prst="rect">
+            <a:avLst/>
+          </a:prstGeom>
+          <a:noFill/>
+        </p:spPr>
+        <p:txBody>
+          <a:bodyPr wrap="none" rtlCol="0">
+            <a:spAutoFit/>
+          </a:bodyPr>
+          <a:lstStyle/>
+          <a:p>
+            <a:r>
+              <a:rPr lang="en-IE" dirty="0"/>
+              <a:t>27</a:t>
+            </a:r>
+          </a:p>
+        </p:txBody>
+      </p:sp>
+      <p:sp>
+        <p:nvSpPr>
+          <p:cNvPr id="44" name="TextBox 43">
+            <a:extLst>
+              <a:ext uri="{FF2B5EF4-FFF2-40B4-BE49-F238E27FC236}">
+                <a16:creationId xmlns:a16="http://schemas.microsoft.com/office/drawing/2014/main" id="{247930F2-2DCF-4CF2-BEEB-14F8CDA8F4B8}"/>
+              </a:ext>
+            </a:extLst>
+          </p:cNvPr>
+          <p:cNvSpPr txBox="1"/>
+          <p:nvPr/>
+        </p:nvSpPr>
+        <p:spPr>
+          <a:xfrm>
+            <a:off x="4061382" y="6176986"/>
+            <a:ext cx="418704" cy="369332"/>
+          </a:xfrm>
+          <a:prstGeom prst="rect">
+            <a:avLst/>
+          </a:prstGeom>
+          <a:noFill/>
+        </p:spPr>
+        <p:txBody>
+          <a:bodyPr wrap="none" rtlCol="0">
+            <a:spAutoFit/>
+          </a:bodyPr>
+          <a:lstStyle/>
+          <a:p>
+            <a:r>
+              <a:rPr lang="en-IE" dirty="0"/>
+              <a:t>28</a:t>
+            </a:r>
+          </a:p>
+        </p:txBody>
+      </p:sp>
+      <p:sp>
+        <p:nvSpPr>
+          <p:cNvPr id="45" name="TextBox 44">
+            <a:extLst>
+              <a:ext uri="{FF2B5EF4-FFF2-40B4-BE49-F238E27FC236}">
+                <a16:creationId xmlns:a16="http://schemas.microsoft.com/office/drawing/2014/main" id="{61F568B0-5CCC-4416-87F6-E256B7670284}"/>
+              </a:ext>
+            </a:extLst>
+          </p:cNvPr>
+          <p:cNvSpPr txBox="1"/>
+          <p:nvPr/>
+        </p:nvSpPr>
+        <p:spPr>
+          <a:xfrm>
+            <a:off x="3415232" y="6242701"/>
+            <a:ext cx="418704" cy="369332"/>
+          </a:xfrm>
+          <a:prstGeom prst="rect">
+            <a:avLst/>
+          </a:prstGeom>
+          <a:noFill/>
+        </p:spPr>
+        <p:txBody>
+          <a:bodyPr wrap="none" rtlCol="0">
+            <a:spAutoFit/>
+          </a:bodyPr>
+          <a:lstStyle/>
+          <a:p>
+            <a:r>
+              <a:rPr lang="en-IE" dirty="0"/>
+              <a:t>29</a:t>
+            </a:r>
+          </a:p>
+        </p:txBody>
+      </p:sp>
+      <p:sp>
+        <p:nvSpPr>
+          <p:cNvPr id="46" name="TextBox 45">
+            <a:extLst>
+              <a:ext uri="{FF2B5EF4-FFF2-40B4-BE49-F238E27FC236}">
+                <a16:creationId xmlns:a16="http://schemas.microsoft.com/office/drawing/2014/main" id="{C1A906DF-63F4-44AA-A166-0408E7940633}"/>
+              </a:ext>
+            </a:extLst>
+          </p:cNvPr>
+          <p:cNvSpPr txBox="1"/>
+          <p:nvPr/>
+        </p:nvSpPr>
+        <p:spPr>
+          <a:xfrm>
+            <a:off x="1661118" y="6176986"/>
+            <a:ext cx="418704" cy="369332"/>
+          </a:xfrm>
+          <a:prstGeom prst="rect">
+            <a:avLst/>
+          </a:prstGeom>
+          <a:noFill/>
+        </p:spPr>
+        <p:txBody>
+          <a:bodyPr wrap="none" rtlCol="0">
+            <a:spAutoFit/>
+          </a:bodyPr>
+          <a:lstStyle/>
+          <a:p>
+            <a:r>
+              <a:rPr lang="en-IE" dirty="0"/>
+              <a:t>30</a:t>
+            </a:r>
+          </a:p>
+        </p:txBody>
+      </p:sp>
+      <p:sp>
+        <p:nvSpPr>
+          <p:cNvPr id="47" name="TextBox 46">
+            <a:extLst>
+              <a:ext uri="{FF2B5EF4-FFF2-40B4-BE49-F238E27FC236}">
+                <a16:creationId xmlns:a16="http://schemas.microsoft.com/office/drawing/2014/main" id="{144E04C8-1454-478B-AB19-01E4CE4F7DF5}"/>
+              </a:ext>
+            </a:extLst>
+          </p:cNvPr>
+          <p:cNvSpPr txBox="1"/>
+          <p:nvPr/>
+        </p:nvSpPr>
+        <p:spPr>
+          <a:xfrm>
+            <a:off x="1030653" y="5581477"/>
+            <a:ext cx="418704" cy="369332"/>
+          </a:xfrm>
+          <a:prstGeom prst="rect">
+            <a:avLst/>
+          </a:prstGeom>
+          <a:noFill/>
+        </p:spPr>
+        <p:txBody>
+          <a:bodyPr wrap="none" rtlCol="0">
+            <a:spAutoFit/>
+          </a:bodyPr>
+          <a:lstStyle/>
+          <a:p>
+            <a:r>
+              <a:rPr lang="en-IE" dirty="0"/>
+              <a:t>31</a:t>
+            </a:r>
+          </a:p>
+        </p:txBody>
+      </p:sp>
+      <p:sp>
+        <p:nvSpPr>
+          <p:cNvPr id="48" name="TextBox 47">
+            <a:extLst>
+              <a:ext uri="{FF2B5EF4-FFF2-40B4-BE49-F238E27FC236}">
+                <a16:creationId xmlns:a16="http://schemas.microsoft.com/office/drawing/2014/main" id="{CE125C6F-DA4D-497C-8048-21D9968B050E}"/>
+              </a:ext>
+            </a:extLst>
+          </p:cNvPr>
+          <p:cNvSpPr txBox="1"/>
+          <p:nvPr/>
+        </p:nvSpPr>
+        <p:spPr>
+          <a:xfrm>
+            <a:off x="1015763" y="4883683"/>
+            <a:ext cx="418704" cy="369332"/>
+          </a:xfrm>
+          <a:prstGeom prst="rect">
+            <a:avLst/>
+          </a:prstGeom>
+          <a:noFill/>
+        </p:spPr>
+        <p:txBody>
+          <a:bodyPr wrap="none" rtlCol="0">
+            <a:spAutoFit/>
+          </a:bodyPr>
+          <a:lstStyle/>
+          <a:p>
+            <a:r>
+              <a:rPr lang="en-IE" dirty="0"/>
+              <a:t>32</a:t>
+            </a:r>
+          </a:p>
+        </p:txBody>
+      </p:sp>
+      <p:sp>
+        <p:nvSpPr>
+          <p:cNvPr id="49" name="TextBox 48">
+            <a:extLst>
+              <a:ext uri="{FF2B5EF4-FFF2-40B4-BE49-F238E27FC236}">
+                <a16:creationId xmlns:a16="http://schemas.microsoft.com/office/drawing/2014/main" id="{BBA2FDEF-0092-41B9-85A4-5B2A6BD1F729}"/>
+              </a:ext>
+            </a:extLst>
+          </p:cNvPr>
+          <p:cNvSpPr txBox="1"/>
+          <p:nvPr/>
+        </p:nvSpPr>
+        <p:spPr>
+          <a:xfrm>
+            <a:off x="1648105" y="4317774"/>
+            <a:ext cx="418704" cy="369332"/>
+          </a:xfrm>
+          <a:prstGeom prst="rect">
+            <a:avLst/>
+          </a:prstGeom>
+          <a:noFill/>
+        </p:spPr>
+        <p:txBody>
+          <a:bodyPr wrap="none" rtlCol="0">
+            <a:spAutoFit/>
+          </a:bodyPr>
+          <a:lstStyle/>
+          <a:p>
+            <a:r>
+              <a:rPr lang="en-IE" dirty="0"/>
+              <a:t>33</a:t>
+            </a:r>
+          </a:p>
+        </p:txBody>
+      </p:sp>
+      <p:sp>
+        <p:nvSpPr>
+          <p:cNvPr id="50" name="TextBox 49">
+            <a:extLst>
+              <a:ext uri="{FF2B5EF4-FFF2-40B4-BE49-F238E27FC236}">
+                <a16:creationId xmlns:a16="http://schemas.microsoft.com/office/drawing/2014/main" id="{BFD3F739-CFA9-4F4D-A80B-75EC01D413D0}"/>
+              </a:ext>
+            </a:extLst>
+          </p:cNvPr>
+          <p:cNvSpPr txBox="1"/>
+          <p:nvPr/>
+        </p:nvSpPr>
+        <p:spPr>
+          <a:xfrm>
+            <a:off x="2836975" y="4296802"/>
+            <a:ext cx="418704" cy="369332"/>
+          </a:xfrm>
+          <a:prstGeom prst="rect">
+            <a:avLst/>
+          </a:prstGeom>
+          <a:noFill/>
+        </p:spPr>
+        <p:txBody>
+          <a:bodyPr wrap="none" rtlCol="0">
+            <a:spAutoFit/>
+          </a:bodyPr>
+          <a:lstStyle/>
+          <a:p>
+            <a:r>
+              <a:rPr lang="en-IE" dirty="0"/>
+              <a:t>34</a:t>
+            </a:r>
+          </a:p>
+        </p:txBody>
+      </p:sp>
+      <p:sp>
+        <p:nvSpPr>
+          <p:cNvPr id="51" name="TextBox 50">
+            <a:extLst>
+              <a:ext uri="{FF2B5EF4-FFF2-40B4-BE49-F238E27FC236}">
+                <a16:creationId xmlns:a16="http://schemas.microsoft.com/office/drawing/2014/main" id="{69798D24-B9D9-4B7C-A10B-D909D2976D47}"/>
+              </a:ext>
+            </a:extLst>
+          </p:cNvPr>
+          <p:cNvSpPr txBox="1"/>
+          <p:nvPr/>
+        </p:nvSpPr>
+        <p:spPr>
+          <a:xfrm>
+            <a:off x="2836975" y="2460663"/>
+            <a:ext cx="418704" cy="369332"/>
+          </a:xfrm>
+          <a:prstGeom prst="rect">
+            <a:avLst/>
+          </a:prstGeom>
+          <a:noFill/>
+        </p:spPr>
+        <p:txBody>
+          <a:bodyPr wrap="none" rtlCol="0">
+            <a:spAutoFit/>
+          </a:bodyPr>
+          <a:lstStyle/>
+          <a:p>
+            <a:r>
+              <a:rPr lang="en-IE" dirty="0"/>
+              <a:t>35</a:t>
+            </a:r>
+          </a:p>
+        </p:txBody>
+      </p:sp>
+      <p:sp>
+        <p:nvSpPr>
+          <p:cNvPr id="52" name="TextBox 51">
+            <a:extLst>
+              <a:ext uri="{FF2B5EF4-FFF2-40B4-BE49-F238E27FC236}">
+                <a16:creationId xmlns:a16="http://schemas.microsoft.com/office/drawing/2014/main" id="{9B2EED6E-6CFA-4BF3-B842-1B7989A857B0}"/>
+              </a:ext>
+            </a:extLst>
+          </p:cNvPr>
+          <p:cNvSpPr txBox="1"/>
+          <p:nvPr/>
+        </p:nvSpPr>
+        <p:spPr>
+          <a:xfrm>
+            <a:off x="2289709" y="2460663"/>
+            <a:ext cx="418704" cy="369332"/>
+          </a:xfrm>
+          <a:prstGeom prst="rect">
+            <a:avLst/>
+          </a:prstGeom>
+          <a:noFill/>
+        </p:spPr>
+        <p:txBody>
+          <a:bodyPr wrap="none" rtlCol="0">
+            <a:spAutoFit/>
+          </a:bodyPr>
+          <a:lstStyle/>
+          <a:p>
+            <a:r>
+              <a:rPr lang="en-IE" dirty="0"/>
+              <a:t>36</a:t>
+            </a:r>
+          </a:p>
+        </p:txBody>
+      </p:sp>
+      <p:sp>
+        <p:nvSpPr>
+          <p:cNvPr id="53" name="TextBox 52">
+            <a:extLst>
+              <a:ext uri="{FF2B5EF4-FFF2-40B4-BE49-F238E27FC236}">
+                <a16:creationId xmlns:a16="http://schemas.microsoft.com/office/drawing/2014/main" id="{3074C8F7-02C2-477E-AEA7-3D37A68297B7}"/>
+              </a:ext>
+            </a:extLst>
+          </p:cNvPr>
+          <p:cNvSpPr txBox="1"/>
+          <p:nvPr/>
+        </p:nvSpPr>
+        <p:spPr>
+          <a:xfrm>
+            <a:off x="1644579" y="1838480"/>
+            <a:ext cx="418704" cy="369332"/>
+          </a:xfrm>
+          <a:prstGeom prst="rect">
+            <a:avLst/>
+          </a:prstGeom>
+          <a:noFill/>
+        </p:spPr>
+        <p:txBody>
+          <a:bodyPr wrap="none" rtlCol="0">
+            <a:spAutoFit/>
+          </a:bodyPr>
+          <a:lstStyle/>
+          <a:p>
+            <a:r>
+              <a:rPr lang="en-IE" dirty="0"/>
+              <a:t>37</a:t>
+            </a:r>
+          </a:p>
+        </p:txBody>
+      </p:sp>
+      <p:sp>
+        <p:nvSpPr>
+          <p:cNvPr id="54" name="TextBox 53">
+            <a:extLst>
+              <a:ext uri="{FF2B5EF4-FFF2-40B4-BE49-F238E27FC236}">
+                <a16:creationId xmlns:a16="http://schemas.microsoft.com/office/drawing/2014/main" id="{6415A19F-28EF-4F22-A249-9ED97EFEF4F3}"/>
+              </a:ext>
+            </a:extLst>
+          </p:cNvPr>
+          <p:cNvSpPr txBox="1"/>
+          <p:nvPr/>
+        </p:nvSpPr>
+        <p:spPr>
+          <a:xfrm>
+            <a:off x="1622617" y="1190389"/>
+            <a:ext cx="418704" cy="369332"/>
+          </a:xfrm>
+          <a:prstGeom prst="rect">
+            <a:avLst/>
+          </a:prstGeom>
+          <a:noFill/>
+        </p:spPr>
+        <p:txBody>
+          <a:bodyPr wrap="none" rtlCol="0">
+            <a:spAutoFit/>
+          </a:bodyPr>
+          <a:lstStyle/>
+          <a:p>
+            <a:r>
+              <a:rPr lang="en-IE" dirty="0"/>
+              <a:t>38</a:t>
+            </a:r>
+          </a:p>
+        </p:txBody>
+      </p:sp>
+      <p:sp>
+        <p:nvSpPr>
+          <p:cNvPr id="55" name="TextBox 54">
+            <a:extLst>
+              <a:ext uri="{FF2B5EF4-FFF2-40B4-BE49-F238E27FC236}">
+                <a16:creationId xmlns:a16="http://schemas.microsoft.com/office/drawing/2014/main" id="{2BC340BB-2B52-4143-B797-F3B2BEC613D2}"/>
+              </a:ext>
+            </a:extLst>
+          </p:cNvPr>
+          <p:cNvSpPr txBox="1"/>
+          <p:nvPr/>
+        </p:nvSpPr>
+        <p:spPr>
+          <a:xfrm>
+            <a:off x="2339181" y="568945"/>
+            <a:ext cx="418704" cy="369332"/>
+          </a:xfrm>
+          <a:prstGeom prst="rect">
+            <a:avLst/>
+          </a:prstGeom>
+          <a:noFill/>
+        </p:spPr>
+        <p:txBody>
+          <a:bodyPr wrap="none" rtlCol="0">
+            <a:spAutoFit/>
+          </a:bodyPr>
+          <a:lstStyle/>
+          <a:p>
+            <a:r>
+              <a:rPr lang="en-IE" dirty="0"/>
+              <a:t>39</a:t>
+            </a:r>
+          </a:p>
+        </p:txBody>
+      </p:sp>
+      <p:sp>
+        <p:nvSpPr>
+          <p:cNvPr id="56" name="TextBox 55">
+            <a:extLst>
+              <a:ext uri="{FF2B5EF4-FFF2-40B4-BE49-F238E27FC236}">
+                <a16:creationId xmlns:a16="http://schemas.microsoft.com/office/drawing/2014/main" id="{C652B3B1-4D21-42F6-A3A6-C134381A4CF4}"/>
+              </a:ext>
+            </a:extLst>
+          </p:cNvPr>
+          <p:cNvSpPr txBox="1"/>
+          <p:nvPr/>
+        </p:nvSpPr>
+        <p:spPr>
+          <a:xfrm>
+            <a:off x="5241259" y="678111"/>
+            <a:ext cx="418704" cy="369332"/>
+          </a:xfrm>
+          <a:prstGeom prst="rect">
+            <a:avLst/>
+          </a:prstGeom>
+          <a:noFill/>
+        </p:spPr>
+        <p:txBody>
+          <a:bodyPr wrap="none" rtlCol="0">
+            <a:spAutoFit/>
+          </a:bodyPr>
+          <a:lstStyle/>
+          <a:p>
+            <a:r>
+              <a:rPr lang="en-IE" dirty="0"/>
+              <a:t>40</a:t>
+            </a:r>
+          </a:p>
+        </p:txBody>
+      </p:sp>
+    </p:spTree>
+    <p:extLst>
+      <p:ext uri="{BB962C8B-B14F-4D97-AF65-F5344CB8AC3E}">
+        <p14:creationId xmlns:p14="http://schemas.microsoft.com/office/powerpoint/2010/main" val="341406672"/>
+      </p:ext>
+    </p:extLst>
+  </p:cSld>
+  <p:clrMapOvr>
+    <a:masterClrMapping/>
+  </p:clrMapOvr>
+</p:sld>
+</file>
+
+<file path=ppt/slides/slide8.xml><?xml version="1.0" encoding="utf-8"?>
+<p:sld xmlns:a="http://schemas.openxmlformats.org/drawingml/2006/main" xmlns:r="http://schemas.openxmlformats.org/officeDocument/2006/relationships" xmlns:p="http://schemas.openxmlformats.org/presentationml/2006/main">
+  <p:cSld>
+    <p:spTree>
+      <p:nvGrpSpPr>
+        <p:cNvPr id="1" name=""/>
+        <p:cNvGrpSpPr/>
+        <p:nvPr/>
+      </p:nvGrpSpPr>
+      <p:grpSpPr>
+        <a:xfrm>
+          <a:off x="0" y="0"/>
+          <a:ext cx="0" cy="0"/>
+          <a:chOff x="0" y="0"/>
+          <a:chExt cx="0" cy="0"/>
+        </a:xfrm>
+      </p:grpSpPr>
+      <p:pic>
+        <p:nvPicPr>
+          <p:cNvPr id="3" name="Picture 2">
+            <a:extLst>
+              <a:ext uri="{FF2B5EF4-FFF2-40B4-BE49-F238E27FC236}">
+                <a16:creationId xmlns:a16="http://schemas.microsoft.com/office/drawing/2014/main" id="{83441F0F-CE5F-43E0-B269-DDFAA7A69100}"/>
+              </a:ext>
+            </a:extLst>
+          </p:cNvPr>
+          <p:cNvPicPr>
+            <a:picLocks noChangeAspect="1"/>
+          </p:cNvPicPr>
+          <p:nvPr/>
+        </p:nvPicPr>
+        <p:blipFill>
+          <a:blip r:embed="rId2">
+            <a:extLst>
+              <a:ext uri="{28A0092B-C50C-407E-A947-70E740481C1C}">
+                <a14:useLocalDpi xmlns:a14="http://schemas.microsoft.com/office/drawing/2010/main" val="0"/>
+              </a:ext>
+            </a:extLst>
+          </a:blip>
+          <a:stretch>
+            <a:fillRect/>
+          </a:stretch>
+        </p:blipFill>
+        <p:spPr>
+          <a:xfrm>
+            <a:off x="1174459" y="167779"/>
+            <a:ext cx="8669323" cy="8669323"/>
+          </a:xfrm>
+          <a:prstGeom prst="rect">
+            <a:avLst/>
+          </a:prstGeom>
+        </p:spPr>
+      </p:pic>
+      <p:sp>
+        <p:nvSpPr>
+          <p:cNvPr id="15" name="TextBox 14">
+            <a:extLst>
+              <a:ext uri="{FF2B5EF4-FFF2-40B4-BE49-F238E27FC236}">
+                <a16:creationId xmlns:a16="http://schemas.microsoft.com/office/drawing/2014/main" id="{C2023A06-198B-4D61-A7CE-8A2B8F9CB8AC}"/>
+              </a:ext>
+            </a:extLst>
+          </p:cNvPr>
+          <p:cNvSpPr txBox="1"/>
+          <p:nvPr/>
+        </p:nvSpPr>
+        <p:spPr>
+          <a:xfrm>
+            <a:off x="2348218" y="1174351"/>
+            <a:ext cx="301686" cy="369332"/>
+          </a:xfrm>
+          <a:prstGeom prst="rect">
+            <a:avLst/>
+          </a:prstGeom>
+          <a:noFill/>
+        </p:spPr>
+        <p:txBody>
+          <a:bodyPr wrap="none" rtlCol="0">
+            <a:spAutoFit/>
+          </a:bodyPr>
+          <a:lstStyle/>
+          <a:p>
+            <a:r>
+              <a:rPr lang="en-IE" dirty="0"/>
+              <a:t>1</a:t>
+            </a:r>
+          </a:p>
+        </p:txBody>
+      </p:sp>
+      <p:sp>
+        <p:nvSpPr>
+          <p:cNvPr id="16" name="TextBox 15">
+            <a:extLst>
+              <a:ext uri="{FF2B5EF4-FFF2-40B4-BE49-F238E27FC236}">
+                <a16:creationId xmlns:a16="http://schemas.microsoft.com/office/drawing/2014/main" id="{9573BFA1-9C77-437B-97C1-9E56F2100013}"/>
+              </a:ext>
+            </a:extLst>
+          </p:cNvPr>
+          <p:cNvSpPr txBox="1"/>
+          <p:nvPr/>
+        </p:nvSpPr>
+        <p:spPr>
+          <a:xfrm>
+            <a:off x="5358277" y="1174351"/>
+            <a:ext cx="301686" cy="369332"/>
+          </a:xfrm>
+          <a:prstGeom prst="rect">
+            <a:avLst/>
+          </a:prstGeom>
+          <a:noFill/>
+        </p:spPr>
+        <p:txBody>
+          <a:bodyPr wrap="none" rtlCol="0">
+            <a:spAutoFit/>
+          </a:bodyPr>
+          <a:lstStyle/>
+          <a:p>
+            <a:r>
+              <a:rPr lang="en-IE" dirty="0"/>
+              <a:t>2</a:t>
+            </a:r>
+          </a:p>
+        </p:txBody>
+      </p:sp>
+      <p:sp>
+        <p:nvSpPr>
+          <p:cNvPr id="17" name="TextBox 16">
+            <a:extLst>
+              <a:ext uri="{FF2B5EF4-FFF2-40B4-BE49-F238E27FC236}">
+                <a16:creationId xmlns:a16="http://schemas.microsoft.com/office/drawing/2014/main" id="{1765F4FA-CD65-4C2B-8F22-3F7EE69285F3}"/>
+              </a:ext>
+            </a:extLst>
+          </p:cNvPr>
+          <p:cNvSpPr txBox="1"/>
+          <p:nvPr/>
+        </p:nvSpPr>
+        <p:spPr>
+          <a:xfrm>
+            <a:off x="2348218" y="1779757"/>
+            <a:ext cx="301686" cy="369332"/>
+          </a:xfrm>
+          <a:prstGeom prst="rect">
+            <a:avLst/>
+          </a:prstGeom>
+          <a:noFill/>
+        </p:spPr>
+        <p:txBody>
+          <a:bodyPr wrap="none" rtlCol="0">
+            <a:spAutoFit/>
+          </a:bodyPr>
+          <a:lstStyle/>
+          <a:p>
+            <a:r>
+              <a:rPr lang="en-IE" dirty="0"/>
+              <a:t>3</a:t>
+            </a:r>
+          </a:p>
+        </p:txBody>
+      </p:sp>
+      <p:sp>
+        <p:nvSpPr>
+          <p:cNvPr id="18" name="TextBox 17">
+            <a:extLst>
+              <a:ext uri="{FF2B5EF4-FFF2-40B4-BE49-F238E27FC236}">
+                <a16:creationId xmlns:a16="http://schemas.microsoft.com/office/drawing/2014/main" id="{75A6E180-E1E2-4289-B6BC-C6CDFDAC5335}"/>
+              </a:ext>
+            </a:extLst>
+          </p:cNvPr>
+          <p:cNvSpPr txBox="1"/>
+          <p:nvPr/>
+        </p:nvSpPr>
+        <p:spPr>
+          <a:xfrm>
+            <a:off x="5358277" y="1779757"/>
+            <a:ext cx="301686" cy="369332"/>
+          </a:xfrm>
+          <a:prstGeom prst="rect">
+            <a:avLst/>
+          </a:prstGeom>
+          <a:noFill/>
+        </p:spPr>
+        <p:txBody>
+          <a:bodyPr wrap="none" rtlCol="0">
+            <a:spAutoFit/>
+          </a:bodyPr>
+          <a:lstStyle/>
+          <a:p>
+            <a:r>
+              <a:rPr lang="en-IE" dirty="0"/>
+              <a:t>4</a:t>
+            </a:r>
+          </a:p>
+        </p:txBody>
+      </p:sp>
+      <p:sp>
+        <p:nvSpPr>
+          <p:cNvPr id="19" name="TextBox 18">
+            <a:extLst>
+              <a:ext uri="{FF2B5EF4-FFF2-40B4-BE49-F238E27FC236}">
+                <a16:creationId xmlns:a16="http://schemas.microsoft.com/office/drawing/2014/main" id="{81A6FC59-0601-46FF-A797-63E5AC6E731E}"/>
+              </a:ext>
+            </a:extLst>
+          </p:cNvPr>
+          <p:cNvSpPr txBox="1"/>
+          <p:nvPr/>
+        </p:nvSpPr>
+        <p:spPr>
+          <a:xfrm>
+            <a:off x="3551561" y="1838480"/>
+            <a:ext cx="301686" cy="369332"/>
+          </a:xfrm>
+          <a:prstGeom prst="rect">
+            <a:avLst/>
+          </a:prstGeom>
+          <a:noFill/>
+        </p:spPr>
+        <p:txBody>
+          <a:bodyPr wrap="none" rtlCol="0">
+            <a:spAutoFit/>
+          </a:bodyPr>
+          <a:lstStyle/>
+          <a:p>
+            <a:r>
+              <a:rPr lang="en-IE" dirty="0"/>
+              <a:t>5</a:t>
+            </a:r>
+          </a:p>
+        </p:txBody>
+      </p:sp>
+      <p:sp>
+        <p:nvSpPr>
+          <p:cNvPr id="20" name="TextBox 19">
+            <a:extLst>
+              <a:ext uri="{FF2B5EF4-FFF2-40B4-BE49-F238E27FC236}">
+                <a16:creationId xmlns:a16="http://schemas.microsoft.com/office/drawing/2014/main" id="{DCE8BB59-0BA3-412E-B918-63D0614E3D48}"/>
+              </a:ext>
+            </a:extLst>
+          </p:cNvPr>
+          <p:cNvSpPr txBox="1"/>
+          <p:nvPr/>
+        </p:nvSpPr>
+        <p:spPr>
+          <a:xfrm>
+            <a:off x="4153233" y="1779757"/>
+            <a:ext cx="301686" cy="369332"/>
+          </a:xfrm>
+          <a:prstGeom prst="rect">
+            <a:avLst/>
+          </a:prstGeom>
+          <a:noFill/>
+        </p:spPr>
+        <p:txBody>
+          <a:bodyPr wrap="none" rtlCol="0">
+            <a:spAutoFit/>
+          </a:bodyPr>
+          <a:lstStyle/>
+          <a:p>
+            <a:r>
+              <a:rPr lang="en-IE" dirty="0"/>
+              <a:t>6</a:t>
+            </a:r>
+          </a:p>
+        </p:txBody>
+      </p:sp>
+      <p:sp>
+        <p:nvSpPr>
+          <p:cNvPr id="21" name="TextBox 20">
+            <a:extLst>
+              <a:ext uri="{FF2B5EF4-FFF2-40B4-BE49-F238E27FC236}">
+                <a16:creationId xmlns:a16="http://schemas.microsoft.com/office/drawing/2014/main" id="{FDE83407-C4AB-4C5C-BFCE-FC405DFEE12B}"/>
+              </a:ext>
+            </a:extLst>
+          </p:cNvPr>
+          <p:cNvSpPr txBox="1"/>
+          <p:nvPr/>
+        </p:nvSpPr>
+        <p:spPr>
+          <a:xfrm>
+            <a:off x="3473741" y="4883683"/>
+            <a:ext cx="301686" cy="369332"/>
+          </a:xfrm>
+          <a:prstGeom prst="rect">
+            <a:avLst/>
+          </a:prstGeom>
+          <a:noFill/>
+        </p:spPr>
+        <p:txBody>
+          <a:bodyPr wrap="none" rtlCol="0">
+            <a:spAutoFit/>
+          </a:bodyPr>
+          <a:lstStyle/>
+          <a:p>
+            <a:r>
+              <a:rPr lang="en-IE" dirty="0"/>
+              <a:t>7</a:t>
+            </a:r>
+          </a:p>
+        </p:txBody>
+      </p:sp>
+      <p:sp>
+        <p:nvSpPr>
+          <p:cNvPr id="22" name="TextBox 21">
+            <a:extLst>
+              <a:ext uri="{FF2B5EF4-FFF2-40B4-BE49-F238E27FC236}">
+                <a16:creationId xmlns:a16="http://schemas.microsoft.com/office/drawing/2014/main" id="{C2D55637-537A-4788-8CA9-03E4E45BCFD2}"/>
+              </a:ext>
+            </a:extLst>
+          </p:cNvPr>
+          <p:cNvSpPr txBox="1"/>
+          <p:nvPr/>
+        </p:nvSpPr>
+        <p:spPr>
+          <a:xfrm>
+            <a:off x="4153233" y="4883683"/>
+            <a:ext cx="301686" cy="369332"/>
+          </a:xfrm>
+          <a:prstGeom prst="rect">
+            <a:avLst/>
+          </a:prstGeom>
+          <a:noFill/>
+        </p:spPr>
+        <p:txBody>
+          <a:bodyPr wrap="none" rtlCol="0">
+            <a:spAutoFit/>
+          </a:bodyPr>
+          <a:lstStyle/>
+          <a:p>
+            <a:r>
+              <a:rPr lang="en-IE" dirty="0"/>
+              <a:t>8</a:t>
+            </a:r>
+          </a:p>
+        </p:txBody>
+      </p:sp>
+      <p:sp>
+        <p:nvSpPr>
+          <p:cNvPr id="23" name="TextBox 22">
+            <a:extLst>
+              <a:ext uri="{FF2B5EF4-FFF2-40B4-BE49-F238E27FC236}">
+                <a16:creationId xmlns:a16="http://schemas.microsoft.com/office/drawing/2014/main" id="{5FDB87AB-2739-40FD-8B4C-D4EDE28595A9}"/>
+              </a:ext>
+            </a:extLst>
+          </p:cNvPr>
+          <p:cNvSpPr txBox="1"/>
+          <p:nvPr/>
+        </p:nvSpPr>
+        <p:spPr>
+          <a:xfrm>
+            <a:off x="3551561" y="5563192"/>
+            <a:ext cx="418704" cy="369332"/>
+          </a:xfrm>
+          <a:prstGeom prst="rect">
+            <a:avLst/>
+          </a:prstGeom>
+          <a:noFill/>
+        </p:spPr>
+        <p:txBody>
+          <a:bodyPr wrap="none" rtlCol="0">
+            <a:spAutoFit/>
+          </a:bodyPr>
+          <a:lstStyle/>
+          <a:p>
+            <a:r>
+              <a:rPr lang="en-IE" dirty="0"/>
+              <a:t>19</a:t>
+            </a:r>
+          </a:p>
+        </p:txBody>
+      </p:sp>
+      <p:sp>
+        <p:nvSpPr>
+          <p:cNvPr id="24" name="TextBox 23">
+            <a:extLst>
+              <a:ext uri="{FF2B5EF4-FFF2-40B4-BE49-F238E27FC236}">
+                <a16:creationId xmlns:a16="http://schemas.microsoft.com/office/drawing/2014/main" id="{ED985B89-D7A3-4B8D-85E8-E68D4969478E}"/>
+              </a:ext>
+            </a:extLst>
+          </p:cNvPr>
+          <p:cNvSpPr txBox="1"/>
+          <p:nvPr/>
+        </p:nvSpPr>
+        <p:spPr>
+          <a:xfrm>
+            <a:off x="1803632" y="4883683"/>
+            <a:ext cx="444617" cy="369332"/>
+          </a:xfrm>
+          <a:prstGeom prst="rect">
+            <a:avLst/>
+          </a:prstGeom>
+          <a:noFill/>
+        </p:spPr>
+        <p:txBody>
+          <a:bodyPr wrap="square" rtlCol="0">
+            <a:spAutoFit/>
+          </a:bodyPr>
+          <a:lstStyle/>
+          <a:p>
+            <a:r>
+              <a:rPr lang="en-IE" dirty="0"/>
+              <a:t>10</a:t>
+            </a:r>
+          </a:p>
+        </p:txBody>
+      </p:sp>
+      <p:sp>
+        <p:nvSpPr>
+          <p:cNvPr id="25" name="TextBox 24">
+            <a:extLst>
+              <a:ext uri="{FF2B5EF4-FFF2-40B4-BE49-F238E27FC236}">
+                <a16:creationId xmlns:a16="http://schemas.microsoft.com/office/drawing/2014/main" id="{C4645D5D-20B6-49CF-BD55-97E4BC7FFE0B}"/>
+              </a:ext>
+            </a:extLst>
+          </p:cNvPr>
+          <p:cNvSpPr txBox="1"/>
+          <p:nvPr/>
+        </p:nvSpPr>
+        <p:spPr>
+          <a:xfrm>
+            <a:off x="1724254" y="5504469"/>
+            <a:ext cx="418704" cy="369332"/>
+          </a:xfrm>
+          <a:prstGeom prst="rect">
+            <a:avLst/>
+          </a:prstGeom>
+          <a:noFill/>
+        </p:spPr>
+        <p:txBody>
+          <a:bodyPr wrap="none" rtlCol="0">
+            <a:spAutoFit/>
+          </a:bodyPr>
+          <a:lstStyle/>
+          <a:p>
+            <a:r>
+              <a:rPr lang="en-IE" dirty="0"/>
+              <a:t>11</a:t>
+            </a:r>
+          </a:p>
+        </p:txBody>
+      </p:sp>
+      <p:sp>
+        <p:nvSpPr>
+          <p:cNvPr id="26" name="TextBox 25">
+            <a:extLst>
+              <a:ext uri="{FF2B5EF4-FFF2-40B4-BE49-F238E27FC236}">
+                <a16:creationId xmlns:a16="http://schemas.microsoft.com/office/drawing/2014/main" id="{8A57D660-49D9-4D7D-9DC5-69CA6F1B5239}"/>
+              </a:ext>
+            </a:extLst>
+          </p:cNvPr>
+          <p:cNvSpPr txBox="1"/>
+          <p:nvPr/>
+        </p:nvSpPr>
+        <p:spPr>
+          <a:xfrm>
+            <a:off x="3610070" y="3630523"/>
+            <a:ext cx="301686" cy="369332"/>
+          </a:xfrm>
+          <a:prstGeom prst="rect">
+            <a:avLst/>
+          </a:prstGeom>
+          <a:noFill/>
+        </p:spPr>
+        <p:txBody>
+          <a:bodyPr wrap="none" rtlCol="0">
+            <a:spAutoFit/>
+          </a:bodyPr>
+          <a:lstStyle/>
+          <a:p>
+            <a:r>
+              <a:rPr lang="en-IE" dirty="0"/>
+              <a:t>0</a:t>
+            </a:r>
+          </a:p>
+        </p:txBody>
+      </p:sp>
+      <p:sp>
+        <p:nvSpPr>
+          <p:cNvPr id="27" name="TextBox 26">
+            <a:extLst>
+              <a:ext uri="{FF2B5EF4-FFF2-40B4-BE49-F238E27FC236}">
+                <a16:creationId xmlns:a16="http://schemas.microsoft.com/office/drawing/2014/main" id="{5761A7C4-8C1E-446F-8A5A-20DD4E649494}"/>
+              </a:ext>
+            </a:extLst>
+          </p:cNvPr>
+          <p:cNvSpPr txBox="1"/>
+          <p:nvPr/>
+        </p:nvSpPr>
+        <p:spPr>
+          <a:xfrm>
+            <a:off x="7735348" y="3692447"/>
+            <a:ext cx="418704" cy="369332"/>
+          </a:xfrm>
+          <a:prstGeom prst="rect">
+            <a:avLst/>
+          </a:prstGeom>
+          <a:noFill/>
+        </p:spPr>
+        <p:txBody>
+          <a:bodyPr wrap="none" rtlCol="0">
+            <a:spAutoFit/>
+          </a:bodyPr>
+          <a:lstStyle/>
+          <a:p>
+            <a:r>
+              <a:rPr lang="en-IE" dirty="0"/>
+              <a:t>12</a:t>
+            </a:r>
+          </a:p>
+        </p:txBody>
+      </p:sp>
+      <p:sp>
+        <p:nvSpPr>
+          <p:cNvPr id="28" name="TextBox 27">
+            <a:extLst>
+              <a:ext uri="{FF2B5EF4-FFF2-40B4-BE49-F238E27FC236}">
+                <a16:creationId xmlns:a16="http://schemas.microsoft.com/office/drawing/2014/main" id="{BB733A21-2F32-4884-B899-3A6D47DE28A8}"/>
+              </a:ext>
+            </a:extLst>
+          </p:cNvPr>
+          <p:cNvSpPr txBox="1"/>
+          <p:nvPr/>
+        </p:nvSpPr>
+        <p:spPr>
+          <a:xfrm>
+            <a:off x="8976919" y="1174351"/>
+            <a:ext cx="418704" cy="369332"/>
+          </a:xfrm>
+          <a:prstGeom prst="rect">
+            <a:avLst/>
+          </a:prstGeom>
+          <a:noFill/>
+        </p:spPr>
+        <p:txBody>
+          <a:bodyPr wrap="none" rtlCol="0">
+            <a:spAutoFit/>
+          </a:bodyPr>
+          <a:lstStyle/>
+          <a:p>
+            <a:r>
+              <a:rPr lang="en-IE" dirty="0"/>
+              <a:t>13</a:t>
+            </a:r>
+          </a:p>
+        </p:txBody>
+      </p:sp>
+      <p:sp>
+        <p:nvSpPr>
+          <p:cNvPr id="29" name="TextBox 28">
+            <a:extLst>
+              <a:ext uri="{FF2B5EF4-FFF2-40B4-BE49-F238E27FC236}">
+                <a16:creationId xmlns:a16="http://schemas.microsoft.com/office/drawing/2014/main" id="{5A6A018A-699B-45A8-B76E-8692E84753FE}"/>
+              </a:ext>
+            </a:extLst>
+          </p:cNvPr>
+          <p:cNvSpPr txBox="1"/>
+          <p:nvPr/>
+        </p:nvSpPr>
+        <p:spPr>
+          <a:xfrm>
+            <a:off x="5966860" y="1174351"/>
+            <a:ext cx="418704" cy="369332"/>
+          </a:xfrm>
+          <a:prstGeom prst="rect">
+            <a:avLst/>
+          </a:prstGeom>
+          <a:noFill/>
+        </p:spPr>
+        <p:txBody>
+          <a:bodyPr wrap="square" rtlCol="0">
+            <a:spAutoFit/>
+          </a:bodyPr>
+          <a:lstStyle/>
+          <a:p>
+            <a:r>
+              <a:rPr lang="en-IE" dirty="0"/>
+              <a:t>14</a:t>
+            </a:r>
+          </a:p>
+        </p:txBody>
+      </p:sp>
+      <p:sp>
+        <p:nvSpPr>
+          <p:cNvPr id="30" name="TextBox 29">
+            <a:extLst>
+              <a:ext uri="{FF2B5EF4-FFF2-40B4-BE49-F238E27FC236}">
+                <a16:creationId xmlns:a16="http://schemas.microsoft.com/office/drawing/2014/main" id="{5F7E8C4B-5151-464C-A271-F29BF3922358}"/>
+              </a:ext>
+            </a:extLst>
+          </p:cNvPr>
+          <p:cNvSpPr txBox="1"/>
+          <p:nvPr/>
+        </p:nvSpPr>
+        <p:spPr>
+          <a:xfrm>
+            <a:off x="8976919" y="1838480"/>
+            <a:ext cx="418704" cy="369332"/>
+          </a:xfrm>
+          <a:prstGeom prst="rect">
+            <a:avLst/>
+          </a:prstGeom>
+          <a:noFill/>
+        </p:spPr>
+        <p:txBody>
+          <a:bodyPr wrap="none" rtlCol="0">
+            <a:spAutoFit/>
+          </a:bodyPr>
+          <a:lstStyle/>
+          <a:p>
+            <a:r>
+              <a:rPr lang="en-IE" dirty="0"/>
+              <a:t>15</a:t>
+            </a:r>
+          </a:p>
+        </p:txBody>
+      </p:sp>
+      <p:sp>
+        <p:nvSpPr>
+          <p:cNvPr id="31" name="TextBox 30">
+            <a:extLst>
+              <a:ext uri="{FF2B5EF4-FFF2-40B4-BE49-F238E27FC236}">
+                <a16:creationId xmlns:a16="http://schemas.microsoft.com/office/drawing/2014/main" id="{0BFB105B-34CE-4F05-B899-942EA5ED25B5}"/>
+              </a:ext>
+            </a:extLst>
+          </p:cNvPr>
+          <p:cNvSpPr txBox="1"/>
+          <p:nvPr/>
+        </p:nvSpPr>
+        <p:spPr>
+          <a:xfrm>
+            <a:off x="5945157" y="1779757"/>
+            <a:ext cx="418704" cy="369332"/>
+          </a:xfrm>
+          <a:prstGeom prst="rect">
+            <a:avLst/>
+          </a:prstGeom>
+          <a:noFill/>
+        </p:spPr>
+        <p:txBody>
+          <a:bodyPr wrap="none" rtlCol="0">
+            <a:spAutoFit/>
+          </a:bodyPr>
+          <a:lstStyle/>
+          <a:p>
+            <a:r>
+              <a:rPr lang="en-IE" dirty="0"/>
+              <a:t>16</a:t>
+            </a:r>
+          </a:p>
+        </p:txBody>
+      </p:sp>
+      <p:sp>
+        <p:nvSpPr>
+          <p:cNvPr id="32" name="TextBox 31">
+            <a:extLst>
+              <a:ext uri="{FF2B5EF4-FFF2-40B4-BE49-F238E27FC236}">
+                <a16:creationId xmlns:a16="http://schemas.microsoft.com/office/drawing/2014/main" id="{443B2001-E72E-443E-90D4-0D376F2495A2}"/>
+              </a:ext>
+            </a:extLst>
+          </p:cNvPr>
+          <p:cNvSpPr txBox="1"/>
+          <p:nvPr/>
+        </p:nvSpPr>
+        <p:spPr>
+          <a:xfrm>
+            <a:off x="7167598" y="1873326"/>
+            <a:ext cx="418704" cy="369332"/>
+          </a:xfrm>
+          <a:prstGeom prst="rect">
+            <a:avLst/>
+          </a:prstGeom>
+          <a:noFill/>
+        </p:spPr>
+        <p:txBody>
+          <a:bodyPr wrap="none" rtlCol="0">
+            <a:spAutoFit/>
+          </a:bodyPr>
+          <a:lstStyle/>
+          <a:p>
+            <a:r>
+              <a:rPr lang="en-IE" dirty="0"/>
+              <a:t>17</a:t>
+            </a:r>
+          </a:p>
+        </p:txBody>
+      </p:sp>
+      <p:sp>
+        <p:nvSpPr>
+          <p:cNvPr id="33" name="TextBox 32">
+            <a:extLst>
+              <a:ext uri="{FF2B5EF4-FFF2-40B4-BE49-F238E27FC236}">
+                <a16:creationId xmlns:a16="http://schemas.microsoft.com/office/drawing/2014/main" id="{AC6210B3-2533-46AE-B41D-23F349B425B7}"/>
+              </a:ext>
+            </a:extLst>
+          </p:cNvPr>
+          <p:cNvSpPr txBox="1"/>
+          <p:nvPr/>
+        </p:nvSpPr>
+        <p:spPr>
+          <a:xfrm>
+            <a:off x="7720653" y="1838480"/>
+            <a:ext cx="418704" cy="369332"/>
+          </a:xfrm>
+          <a:prstGeom prst="rect">
+            <a:avLst/>
+          </a:prstGeom>
+          <a:noFill/>
+        </p:spPr>
+        <p:txBody>
+          <a:bodyPr wrap="none" rtlCol="0">
+            <a:spAutoFit/>
+          </a:bodyPr>
+          <a:lstStyle/>
+          <a:p>
+            <a:r>
+              <a:rPr lang="en-IE" dirty="0"/>
+              <a:t>18</a:t>
+            </a:r>
+          </a:p>
+        </p:txBody>
+      </p:sp>
+      <p:sp>
+        <p:nvSpPr>
+          <p:cNvPr id="34" name="TextBox 33">
+            <a:extLst>
+              <a:ext uri="{FF2B5EF4-FFF2-40B4-BE49-F238E27FC236}">
+                <a16:creationId xmlns:a16="http://schemas.microsoft.com/office/drawing/2014/main" id="{D528187F-6DAE-4052-A7A9-6FD786F44099}"/>
+              </a:ext>
+            </a:extLst>
+          </p:cNvPr>
+          <p:cNvSpPr txBox="1"/>
+          <p:nvPr/>
+        </p:nvSpPr>
+        <p:spPr>
+          <a:xfrm>
+            <a:off x="7720653" y="4883683"/>
+            <a:ext cx="418704" cy="369332"/>
+          </a:xfrm>
+          <a:prstGeom prst="rect">
+            <a:avLst/>
+          </a:prstGeom>
+          <a:noFill/>
+        </p:spPr>
+        <p:txBody>
+          <a:bodyPr wrap="none" rtlCol="0">
+            <a:spAutoFit/>
+          </a:bodyPr>
+          <a:lstStyle/>
+          <a:p>
+            <a:r>
+              <a:rPr lang="en-IE" dirty="0"/>
+              <a:t>19</a:t>
+            </a:r>
+          </a:p>
+        </p:txBody>
+      </p:sp>
+      <p:sp>
+        <p:nvSpPr>
+          <p:cNvPr id="35" name="TextBox 34">
+            <a:extLst>
+              <a:ext uri="{FF2B5EF4-FFF2-40B4-BE49-F238E27FC236}">
+                <a16:creationId xmlns:a16="http://schemas.microsoft.com/office/drawing/2014/main" id="{E9B0B5BA-AE4A-4BC6-8C60-82C097925858}"/>
+              </a:ext>
+            </a:extLst>
+          </p:cNvPr>
+          <p:cNvSpPr txBox="1"/>
+          <p:nvPr/>
+        </p:nvSpPr>
+        <p:spPr>
+          <a:xfrm>
+            <a:off x="7167598" y="4883683"/>
+            <a:ext cx="418704" cy="369332"/>
+          </a:xfrm>
+          <a:prstGeom prst="rect">
+            <a:avLst/>
+          </a:prstGeom>
+          <a:noFill/>
+        </p:spPr>
+        <p:txBody>
+          <a:bodyPr wrap="none" rtlCol="0">
+            <a:spAutoFit/>
+          </a:bodyPr>
+          <a:lstStyle/>
+          <a:p>
+            <a:r>
+              <a:rPr lang="en-IE" dirty="0"/>
+              <a:t>20</a:t>
+            </a:r>
+          </a:p>
+        </p:txBody>
+      </p:sp>
+      <p:sp>
+        <p:nvSpPr>
+          <p:cNvPr id="37" name="TextBox 36">
+            <a:extLst>
+              <a:ext uri="{FF2B5EF4-FFF2-40B4-BE49-F238E27FC236}">
+                <a16:creationId xmlns:a16="http://schemas.microsoft.com/office/drawing/2014/main" id="{265BC053-40FE-468E-9463-AEA542568C3F}"/>
+              </a:ext>
+            </a:extLst>
+          </p:cNvPr>
+          <p:cNvSpPr txBox="1"/>
+          <p:nvPr/>
+        </p:nvSpPr>
+        <p:spPr>
+          <a:xfrm>
+            <a:off x="7777118" y="5581477"/>
+            <a:ext cx="418704" cy="369332"/>
+          </a:xfrm>
+          <a:prstGeom prst="rect">
+            <a:avLst/>
+          </a:prstGeom>
+          <a:noFill/>
+        </p:spPr>
+        <p:txBody>
+          <a:bodyPr wrap="none" rtlCol="0">
+            <a:spAutoFit/>
+          </a:bodyPr>
+          <a:lstStyle/>
+          <a:p>
+            <a:r>
+              <a:rPr lang="en-IE" dirty="0"/>
+              <a:t>21</a:t>
+            </a:r>
+          </a:p>
+        </p:txBody>
+      </p:sp>
+      <p:sp>
+        <p:nvSpPr>
+          <p:cNvPr id="38" name="TextBox 37">
+            <a:extLst>
+              <a:ext uri="{FF2B5EF4-FFF2-40B4-BE49-F238E27FC236}">
+                <a16:creationId xmlns:a16="http://schemas.microsoft.com/office/drawing/2014/main" id="{4B3BFC04-8FD8-4D6E-9001-974187AD5B6C}"/>
+              </a:ext>
+            </a:extLst>
+          </p:cNvPr>
+          <p:cNvSpPr txBox="1"/>
+          <p:nvPr/>
+        </p:nvSpPr>
+        <p:spPr>
+          <a:xfrm>
+            <a:off x="9492254" y="4883683"/>
+            <a:ext cx="418704" cy="369332"/>
+          </a:xfrm>
+          <a:prstGeom prst="rect">
+            <a:avLst/>
+          </a:prstGeom>
+          <a:noFill/>
+        </p:spPr>
+        <p:txBody>
+          <a:bodyPr wrap="none" rtlCol="0">
+            <a:spAutoFit/>
+          </a:bodyPr>
+          <a:lstStyle/>
+          <a:p>
+            <a:r>
+              <a:rPr lang="en-IE" dirty="0"/>
+              <a:t>22</a:t>
+            </a:r>
+          </a:p>
+        </p:txBody>
+      </p:sp>
+      <p:sp>
+        <p:nvSpPr>
+          <p:cNvPr id="39" name="TextBox 38">
+            <a:extLst>
+              <a:ext uri="{FF2B5EF4-FFF2-40B4-BE49-F238E27FC236}">
+                <a16:creationId xmlns:a16="http://schemas.microsoft.com/office/drawing/2014/main" id="{7EF853C2-93C0-4894-B515-F51E7C2F81FA}"/>
+              </a:ext>
+            </a:extLst>
+          </p:cNvPr>
+          <p:cNvSpPr txBox="1"/>
+          <p:nvPr/>
+        </p:nvSpPr>
+        <p:spPr>
+          <a:xfrm>
+            <a:off x="9503360" y="5581477"/>
+            <a:ext cx="418704" cy="369332"/>
+          </a:xfrm>
+          <a:prstGeom prst="rect">
+            <a:avLst/>
+          </a:prstGeom>
+          <a:noFill/>
+        </p:spPr>
+        <p:txBody>
+          <a:bodyPr wrap="none" rtlCol="0">
+            <a:spAutoFit/>
+          </a:bodyPr>
+          <a:lstStyle/>
+          <a:p>
+            <a:r>
+              <a:rPr lang="en-IE" dirty="0"/>
+              <a:t>23</a:t>
+            </a:r>
+          </a:p>
+        </p:txBody>
+      </p:sp>
+      <p:sp>
+        <p:nvSpPr>
+          <p:cNvPr id="40" name="TextBox 39">
+            <a:extLst>
+              <a:ext uri="{FF2B5EF4-FFF2-40B4-BE49-F238E27FC236}">
+                <a16:creationId xmlns:a16="http://schemas.microsoft.com/office/drawing/2014/main" id="{58C3AEE0-28C8-423B-90AA-3B6F2847D601}"/>
+              </a:ext>
+            </a:extLst>
+          </p:cNvPr>
+          <p:cNvSpPr txBox="1"/>
+          <p:nvPr/>
+        </p:nvSpPr>
+        <p:spPr>
+          <a:xfrm>
+            <a:off x="5241259" y="2460663"/>
+            <a:ext cx="418704" cy="369332"/>
+          </a:xfrm>
+          <a:prstGeom prst="rect">
+            <a:avLst/>
+          </a:prstGeom>
+          <a:noFill/>
+        </p:spPr>
+        <p:txBody>
+          <a:bodyPr wrap="none" rtlCol="0">
+            <a:spAutoFit/>
+          </a:bodyPr>
+          <a:lstStyle/>
+          <a:p>
+            <a:r>
+              <a:rPr lang="en-IE" dirty="0"/>
+              <a:t>24</a:t>
+            </a:r>
+          </a:p>
+        </p:txBody>
+      </p:sp>
+      <p:sp>
+        <p:nvSpPr>
+          <p:cNvPr id="41" name="TextBox 40">
+            <a:extLst>
+              <a:ext uri="{FF2B5EF4-FFF2-40B4-BE49-F238E27FC236}">
+                <a16:creationId xmlns:a16="http://schemas.microsoft.com/office/drawing/2014/main" id="{3767DAA3-B208-4DBC-81CC-217FE1BA81F3}"/>
+              </a:ext>
+            </a:extLst>
+          </p:cNvPr>
+          <p:cNvSpPr txBox="1"/>
+          <p:nvPr/>
+        </p:nvSpPr>
+        <p:spPr>
+          <a:xfrm>
+            <a:off x="4652299" y="2460663"/>
+            <a:ext cx="418704" cy="369332"/>
+          </a:xfrm>
+          <a:prstGeom prst="rect">
+            <a:avLst/>
+          </a:prstGeom>
+          <a:noFill/>
+        </p:spPr>
+        <p:txBody>
+          <a:bodyPr wrap="none" rtlCol="0">
+            <a:spAutoFit/>
+          </a:bodyPr>
+          <a:lstStyle/>
+          <a:p>
+            <a:r>
+              <a:rPr lang="en-IE" dirty="0"/>
+              <a:t>25</a:t>
+            </a:r>
+          </a:p>
+        </p:txBody>
+      </p:sp>
+      <p:sp>
+        <p:nvSpPr>
+          <p:cNvPr id="42" name="TextBox 41">
+            <a:extLst>
+              <a:ext uri="{FF2B5EF4-FFF2-40B4-BE49-F238E27FC236}">
+                <a16:creationId xmlns:a16="http://schemas.microsoft.com/office/drawing/2014/main" id="{D1A4D56D-901B-497A-AF79-5E475E6B3E05}"/>
+              </a:ext>
+            </a:extLst>
+          </p:cNvPr>
+          <p:cNvSpPr txBox="1"/>
+          <p:nvPr/>
+        </p:nvSpPr>
+        <p:spPr>
+          <a:xfrm>
+            <a:off x="4709620" y="4883683"/>
+            <a:ext cx="418704" cy="369332"/>
+          </a:xfrm>
+          <a:prstGeom prst="rect">
+            <a:avLst/>
+          </a:prstGeom>
+          <a:noFill/>
+        </p:spPr>
+        <p:txBody>
+          <a:bodyPr wrap="none" rtlCol="0">
+            <a:spAutoFit/>
+          </a:bodyPr>
+          <a:lstStyle/>
+          <a:p>
+            <a:r>
+              <a:rPr lang="en-IE" dirty="0"/>
+              <a:t>26</a:t>
+            </a:r>
+          </a:p>
+        </p:txBody>
+      </p:sp>
+      <p:sp>
+        <p:nvSpPr>
+          <p:cNvPr id="43" name="TextBox 42">
+            <a:extLst>
+              <a:ext uri="{FF2B5EF4-FFF2-40B4-BE49-F238E27FC236}">
+                <a16:creationId xmlns:a16="http://schemas.microsoft.com/office/drawing/2014/main" id="{F6A9831A-0DC0-4511-B825-B6D0334FA033}"/>
+              </a:ext>
+            </a:extLst>
+          </p:cNvPr>
+          <p:cNvSpPr txBox="1"/>
+          <p:nvPr/>
+        </p:nvSpPr>
+        <p:spPr>
+          <a:xfrm>
+            <a:off x="4700153" y="5648882"/>
+            <a:ext cx="418704" cy="369332"/>
+          </a:xfrm>
+          <a:prstGeom prst="rect">
+            <a:avLst/>
+          </a:prstGeom>
+          <a:noFill/>
+        </p:spPr>
+        <p:txBody>
+          <a:bodyPr wrap="none" rtlCol="0">
+            <a:spAutoFit/>
+          </a:bodyPr>
+          <a:lstStyle/>
+          <a:p>
+            <a:r>
+              <a:rPr lang="en-IE" dirty="0"/>
+              <a:t>27</a:t>
+            </a:r>
+          </a:p>
+        </p:txBody>
+      </p:sp>
+      <p:sp>
+        <p:nvSpPr>
+          <p:cNvPr id="44" name="TextBox 43">
+            <a:extLst>
+              <a:ext uri="{FF2B5EF4-FFF2-40B4-BE49-F238E27FC236}">
+                <a16:creationId xmlns:a16="http://schemas.microsoft.com/office/drawing/2014/main" id="{247930F2-2DCF-4CF2-BEEB-14F8CDA8F4B8}"/>
+              </a:ext>
+            </a:extLst>
+          </p:cNvPr>
+          <p:cNvSpPr txBox="1"/>
+          <p:nvPr/>
+        </p:nvSpPr>
+        <p:spPr>
+          <a:xfrm>
+            <a:off x="4061382" y="6176986"/>
+            <a:ext cx="418704" cy="369332"/>
+          </a:xfrm>
+          <a:prstGeom prst="rect">
+            <a:avLst/>
+          </a:prstGeom>
+          <a:noFill/>
+        </p:spPr>
+        <p:txBody>
+          <a:bodyPr wrap="none" rtlCol="0">
+            <a:spAutoFit/>
+          </a:bodyPr>
+          <a:lstStyle/>
+          <a:p>
+            <a:r>
+              <a:rPr lang="en-IE" dirty="0"/>
+              <a:t>28</a:t>
+            </a:r>
+          </a:p>
+        </p:txBody>
+      </p:sp>
+      <p:sp>
+        <p:nvSpPr>
+          <p:cNvPr id="45" name="TextBox 44">
+            <a:extLst>
+              <a:ext uri="{FF2B5EF4-FFF2-40B4-BE49-F238E27FC236}">
+                <a16:creationId xmlns:a16="http://schemas.microsoft.com/office/drawing/2014/main" id="{61F568B0-5CCC-4416-87F6-E256B7670284}"/>
+              </a:ext>
+            </a:extLst>
+          </p:cNvPr>
+          <p:cNvSpPr txBox="1"/>
+          <p:nvPr/>
+        </p:nvSpPr>
+        <p:spPr>
+          <a:xfrm>
+            <a:off x="3415232" y="6242701"/>
+            <a:ext cx="418704" cy="369332"/>
+          </a:xfrm>
+          <a:prstGeom prst="rect">
+            <a:avLst/>
+          </a:prstGeom>
+          <a:noFill/>
+        </p:spPr>
+        <p:txBody>
+          <a:bodyPr wrap="none" rtlCol="0">
+            <a:spAutoFit/>
+          </a:bodyPr>
+          <a:lstStyle/>
+          <a:p>
+            <a:r>
+              <a:rPr lang="en-IE" dirty="0"/>
+              <a:t>29</a:t>
+            </a:r>
+          </a:p>
+        </p:txBody>
+      </p:sp>
+      <p:sp>
+        <p:nvSpPr>
+          <p:cNvPr id="46" name="TextBox 45">
+            <a:extLst>
+              <a:ext uri="{FF2B5EF4-FFF2-40B4-BE49-F238E27FC236}">
+                <a16:creationId xmlns:a16="http://schemas.microsoft.com/office/drawing/2014/main" id="{C1A906DF-63F4-44AA-A166-0408E7940633}"/>
+              </a:ext>
+            </a:extLst>
+          </p:cNvPr>
+          <p:cNvSpPr txBox="1"/>
+          <p:nvPr/>
+        </p:nvSpPr>
+        <p:spPr>
+          <a:xfrm>
+            <a:off x="1661118" y="6176986"/>
+            <a:ext cx="418704" cy="369332"/>
+          </a:xfrm>
+          <a:prstGeom prst="rect">
+            <a:avLst/>
+          </a:prstGeom>
+          <a:noFill/>
+        </p:spPr>
+        <p:txBody>
+          <a:bodyPr wrap="none" rtlCol="0">
+            <a:spAutoFit/>
+          </a:bodyPr>
+          <a:lstStyle/>
+          <a:p>
+            <a:r>
+              <a:rPr lang="en-IE" dirty="0"/>
+              <a:t>30</a:t>
+            </a:r>
+          </a:p>
+        </p:txBody>
+      </p:sp>
+      <p:sp>
+        <p:nvSpPr>
+          <p:cNvPr id="47" name="TextBox 46">
+            <a:extLst>
+              <a:ext uri="{FF2B5EF4-FFF2-40B4-BE49-F238E27FC236}">
+                <a16:creationId xmlns:a16="http://schemas.microsoft.com/office/drawing/2014/main" id="{144E04C8-1454-478B-AB19-01E4CE4F7DF5}"/>
+              </a:ext>
+            </a:extLst>
+          </p:cNvPr>
+          <p:cNvSpPr txBox="1"/>
+          <p:nvPr/>
+        </p:nvSpPr>
+        <p:spPr>
+          <a:xfrm>
+            <a:off x="1030653" y="5581477"/>
+            <a:ext cx="418704" cy="369332"/>
+          </a:xfrm>
+          <a:prstGeom prst="rect">
+            <a:avLst/>
+          </a:prstGeom>
+          <a:noFill/>
+        </p:spPr>
+        <p:txBody>
+          <a:bodyPr wrap="none" rtlCol="0">
+            <a:spAutoFit/>
+          </a:bodyPr>
+          <a:lstStyle/>
+          <a:p>
+            <a:r>
+              <a:rPr lang="en-IE" dirty="0"/>
+              <a:t>31</a:t>
+            </a:r>
+          </a:p>
+        </p:txBody>
+      </p:sp>
+      <p:sp>
+        <p:nvSpPr>
+          <p:cNvPr id="48" name="TextBox 47">
+            <a:extLst>
+              <a:ext uri="{FF2B5EF4-FFF2-40B4-BE49-F238E27FC236}">
+                <a16:creationId xmlns:a16="http://schemas.microsoft.com/office/drawing/2014/main" id="{CE125C6F-DA4D-497C-8048-21D9968B050E}"/>
+              </a:ext>
+            </a:extLst>
+          </p:cNvPr>
+          <p:cNvSpPr txBox="1"/>
+          <p:nvPr/>
+        </p:nvSpPr>
+        <p:spPr>
+          <a:xfrm>
+            <a:off x="1015763" y="4883683"/>
+            <a:ext cx="418704" cy="369332"/>
+          </a:xfrm>
+          <a:prstGeom prst="rect">
+            <a:avLst/>
+          </a:prstGeom>
+          <a:noFill/>
+        </p:spPr>
+        <p:txBody>
+          <a:bodyPr wrap="none" rtlCol="0">
+            <a:spAutoFit/>
+          </a:bodyPr>
+          <a:lstStyle/>
+          <a:p>
+            <a:r>
+              <a:rPr lang="en-IE" dirty="0"/>
+              <a:t>32</a:t>
+            </a:r>
+          </a:p>
+        </p:txBody>
+      </p:sp>
+      <p:sp>
+        <p:nvSpPr>
+          <p:cNvPr id="49" name="TextBox 48">
+            <a:extLst>
+              <a:ext uri="{FF2B5EF4-FFF2-40B4-BE49-F238E27FC236}">
+                <a16:creationId xmlns:a16="http://schemas.microsoft.com/office/drawing/2014/main" id="{BBA2FDEF-0092-41B9-85A4-5B2A6BD1F729}"/>
+              </a:ext>
+            </a:extLst>
+          </p:cNvPr>
+          <p:cNvSpPr txBox="1"/>
+          <p:nvPr/>
+        </p:nvSpPr>
+        <p:spPr>
+          <a:xfrm>
+            <a:off x="1648105" y="4317774"/>
+            <a:ext cx="418704" cy="369332"/>
+          </a:xfrm>
+          <a:prstGeom prst="rect">
+            <a:avLst/>
+          </a:prstGeom>
+          <a:noFill/>
+        </p:spPr>
+        <p:txBody>
+          <a:bodyPr wrap="none" rtlCol="0">
+            <a:spAutoFit/>
+          </a:bodyPr>
+          <a:lstStyle/>
+          <a:p>
+            <a:r>
+              <a:rPr lang="en-IE" dirty="0"/>
+              <a:t>33</a:t>
+            </a:r>
+          </a:p>
+        </p:txBody>
+      </p:sp>
+      <p:sp>
+        <p:nvSpPr>
+          <p:cNvPr id="50" name="TextBox 49">
+            <a:extLst>
+              <a:ext uri="{FF2B5EF4-FFF2-40B4-BE49-F238E27FC236}">
+                <a16:creationId xmlns:a16="http://schemas.microsoft.com/office/drawing/2014/main" id="{BFD3F739-CFA9-4F4D-A80B-75EC01D413D0}"/>
+              </a:ext>
+            </a:extLst>
+          </p:cNvPr>
+          <p:cNvSpPr txBox="1"/>
+          <p:nvPr/>
+        </p:nvSpPr>
+        <p:spPr>
+          <a:xfrm>
+            <a:off x="2836975" y="4296802"/>
+            <a:ext cx="418704" cy="369332"/>
+          </a:xfrm>
+          <a:prstGeom prst="rect">
+            <a:avLst/>
+          </a:prstGeom>
+          <a:noFill/>
+        </p:spPr>
+        <p:txBody>
+          <a:bodyPr wrap="none" rtlCol="0">
+            <a:spAutoFit/>
+          </a:bodyPr>
+          <a:lstStyle/>
+          <a:p>
+            <a:r>
+              <a:rPr lang="en-IE" dirty="0"/>
+              <a:t>34</a:t>
+            </a:r>
+          </a:p>
+        </p:txBody>
+      </p:sp>
+      <p:sp>
+        <p:nvSpPr>
+          <p:cNvPr id="51" name="TextBox 50">
+            <a:extLst>
+              <a:ext uri="{FF2B5EF4-FFF2-40B4-BE49-F238E27FC236}">
+                <a16:creationId xmlns:a16="http://schemas.microsoft.com/office/drawing/2014/main" id="{69798D24-B9D9-4B7C-A10B-D909D2976D47}"/>
+              </a:ext>
+            </a:extLst>
+          </p:cNvPr>
+          <p:cNvSpPr txBox="1"/>
+          <p:nvPr/>
+        </p:nvSpPr>
+        <p:spPr>
+          <a:xfrm>
+            <a:off x="2836975" y="2460663"/>
+            <a:ext cx="418704" cy="369332"/>
+          </a:xfrm>
+          <a:prstGeom prst="rect">
+            <a:avLst/>
+          </a:prstGeom>
+          <a:noFill/>
+        </p:spPr>
+        <p:txBody>
+          <a:bodyPr wrap="none" rtlCol="0">
+            <a:spAutoFit/>
+          </a:bodyPr>
+          <a:lstStyle/>
+          <a:p>
+            <a:r>
+              <a:rPr lang="en-IE" dirty="0"/>
+              <a:t>35</a:t>
+            </a:r>
+          </a:p>
+        </p:txBody>
+      </p:sp>
+      <p:sp>
+        <p:nvSpPr>
+          <p:cNvPr id="52" name="TextBox 51">
+            <a:extLst>
+              <a:ext uri="{FF2B5EF4-FFF2-40B4-BE49-F238E27FC236}">
+                <a16:creationId xmlns:a16="http://schemas.microsoft.com/office/drawing/2014/main" id="{9B2EED6E-6CFA-4BF3-B842-1B7989A857B0}"/>
+              </a:ext>
+            </a:extLst>
+          </p:cNvPr>
+          <p:cNvSpPr txBox="1"/>
+          <p:nvPr/>
+        </p:nvSpPr>
+        <p:spPr>
+          <a:xfrm>
+            <a:off x="2289709" y="2460663"/>
+            <a:ext cx="418704" cy="369332"/>
+          </a:xfrm>
+          <a:prstGeom prst="rect">
+            <a:avLst/>
+          </a:prstGeom>
+          <a:noFill/>
+        </p:spPr>
+        <p:txBody>
+          <a:bodyPr wrap="none" rtlCol="0">
+            <a:spAutoFit/>
+          </a:bodyPr>
+          <a:lstStyle/>
+          <a:p>
+            <a:r>
+              <a:rPr lang="en-IE" dirty="0"/>
+              <a:t>36</a:t>
+            </a:r>
+          </a:p>
+        </p:txBody>
+      </p:sp>
+      <p:sp>
+        <p:nvSpPr>
+          <p:cNvPr id="53" name="TextBox 52">
+            <a:extLst>
+              <a:ext uri="{FF2B5EF4-FFF2-40B4-BE49-F238E27FC236}">
+                <a16:creationId xmlns:a16="http://schemas.microsoft.com/office/drawing/2014/main" id="{3074C8F7-02C2-477E-AEA7-3D37A68297B7}"/>
+              </a:ext>
+            </a:extLst>
+          </p:cNvPr>
+          <p:cNvSpPr txBox="1"/>
+          <p:nvPr/>
+        </p:nvSpPr>
+        <p:spPr>
+          <a:xfrm>
+            <a:off x="1644579" y="1838480"/>
+            <a:ext cx="418704" cy="369332"/>
+          </a:xfrm>
+          <a:prstGeom prst="rect">
+            <a:avLst/>
+          </a:prstGeom>
+          <a:noFill/>
+        </p:spPr>
+        <p:txBody>
+          <a:bodyPr wrap="none" rtlCol="0">
+            <a:spAutoFit/>
+          </a:bodyPr>
+          <a:lstStyle/>
+          <a:p>
+            <a:r>
+              <a:rPr lang="en-IE" dirty="0"/>
+              <a:t>37</a:t>
+            </a:r>
+          </a:p>
+        </p:txBody>
+      </p:sp>
+      <p:sp>
+        <p:nvSpPr>
+          <p:cNvPr id="54" name="TextBox 53">
+            <a:extLst>
+              <a:ext uri="{FF2B5EF4-FFF2-40B4-BE49-F238E27FC236}">
+                <a16:creationId xmlns:a16="http://schemas.microsoft.com/office/drawing/2014/main" id="{6415A19F-28EF-4F22-A249-9ED97EFEF4F3}"/>
+              </a:ext>
+            </a:extLst>
+          </p:cNvPr>
+          <p:cNvSpPr txBox="1"/>
+          <p:nvPr/>
+        </p:nvSpPr>
+        <p:spPr>
+          <a:xfrm>
+            <a:off x="1622617" y="1190389"/>
+            <a:ext cx="418704" cy="369332"/>
+          </a:xfrm>
+          <a:prstGeom prst="rect">
+            <a:avLst/>
+          </a:prstGeom>
+          <a:noFill/>
+        </p:spPr>
+        <p:txBody>
+          <a:bodyPr wrap="none" rtlCol="0">
+            <a:spAutoFit/>
+          </a:bodyPr>
+          <a:lstStyle/>
+          <a:p>
+            <a:r>
+              <a:rPr lang="en-IE" dirty="0"/>
+              <a:t>38</a:t>
+            </a:r>
+          </a:p>
+        </p:txBody>
+      </p:sp>
+      <p:sp>
+        <p:nvSpPr>
+          <p:cNvPr id="55" name="TextBox 54">
+            <a:extLst>
+              <a:ext uri="{FF2B5EF4-FFF2-40B4-BE49-F238E27FC236}">
+                <a16:creationId xmlns:a16="http://schemas.microsoft.com/office/drawing/2014/main" id="{2BC340BB-2B52-4143-B797-F3B2BEC613D2}"/>
+              </a:ext>
+            </a:extLst>
+          </p:cNvPr>
+          <p:cNvSpPr txBox="1"/>
+          <p:nvPr/>
+        </p:nvSpPr>
+        <p:spPr>
+          <a:xfrm>
+            <a:off x="2339181" y="568945"/>
+            <a:ext cx="418704" cy="369332"/>
+          </a:xfrm>
+          <a:prstGeom prst="rect">
+            <a:avLst/>
+          </a:prstGeom>
+          <a:noFill/>
+        </p:spPr>
+        <p:txBody>
+          <a:bodyPr wrap="none" rtlCol="0">
+            <a:spAutoFit/>
+          </a:bodyPr>
+          <a:lstStyle/>
+          <a:p>
+            <a:r>
+              <a:rPr lang="en-IE" dirty="0"/>
+              <a:t>39</a:t>
+            </a:r>
+          </a:p>
+        </p:txBody>
+      </p:sp>
+      <p:sp>
+        <p:nvSpPr>
+          <p:cNvPr id="56" name="TextBox 55">
+            <a:extLst>
+              <a:ext uri="{FF2B5EF4-FFF2-40B4-BE49-F238E27FC236}">
+                <a16:creationId xmlns:a16="http://schemas.microsoft.com/office/drawing/2014/main" id="{C652B3B1-4D21-42F6-A3A6-C134381A4CF4}"/>
+              </a:ext>
+            </a:extLst>
+          </p:cNvPr>
+          <p:cNvSpPr txBox="1"/>
+          <p:nvPr/>
+        </p:nvSpPr>
+        <p:spPr>
+          <a:xfrm>
+            <a:off x="5241259" y="678111"/>
+            <a:ext cx="418704" cy="369332"/>
+          </a:xfrm>
+          <a:prstGeom prst="rect">
+            <a:avLst/>
+          </a:prstGeom>
+          <a:noFill/>
+        </p:spPr>
+        <p:txBody>
+          <a:bodyPr wrap="none" rtlCol="0">
+            <a:spAutoFit/>
+          </a:bodyPr>
+          <a:lstStyle/>
+          <a:p>
+            <a:r>
+              <a:rPr lang="en-IE" dirty="0"/>
+              <a:t>40</a:t>
+            </a:r>
+          </a:p>
+        </p:txBody>
+      </p:sp>
+      <p:cxnSp>
+        <p:nvCxnSpPr>
+          <p:cNvPr id="57" name="Straight Connector 56">
+            <a:extLst>
+              <a:ext uri="{FF2B5EF4-FFF2-40B4-BE49-F238E27FC236}">
+                <a16:creationId xmlns:a16="http://schemas.microsoft.com/office/drawing/2014/main" id="{0E9FE365-B3B3-4BA4-B8AE-C9FFD06DBA47}"/>
+              </a:ext>
+            </a:extLst>
+          </p:cNvPr>
+          <p:cNvCxnSpPr>
+            <a:cxnSpLocks/>
+          </p:cNvCxnSpPr>
+          <p:nvPr/>
+        </p:nvCxnSpPr>
+        <p:spPr>
+          <a:xfrm flipH="1" flipV="1">
+            <a:off x="2393199" y="1364049"/>
+            <a:ext cx="3148921" cy="716126"/>
+          </a:xfrm>
+          <a:prstGeom prst="line">
+            <a:avLst/>
+          </a:prstGeom>
+          <a:ln w="76200">
+            <a:solidFill>
+              <a:schemeClr val="tx2"/>
+            </a:solidFill>
+          </a:ln>
+        </p:spPr>
+        <p:style>
+          <a:lnRef idx="1">
+            <a:schemeClr val="accent1"/>
+          </a:lnRef>
+          <a:fillRef idx="0">
+            <a:schemeClr val="accent1"/>
+          </a:fillRef>
+          <a:effectRef idx="0">
+            <a:schemeClr val="accent1"/>
+          </a:effectRef>
+          <a:fontRef idx="minor">
+            <a:schemeClr val="tx1"/>
+          </a:fontRef>
+        </p:style>
+      </p:cxnSp>
+      <p:cxnSp>
+        <p:nvCxnSpPr>
+          <p:cNvPr id="59" name="Straight Connector 58">
+            <a:extLst>
+              <a:ext uri="{FF2B5EF4-FFF2-40B4-BE49-F238E27FC236}">
+                <a16:creationId xmlns:a16="http://schemas.microsoft.com/office/drawing/2014/main" id="{CCE8AC83-344A-467A-8BC6-8B1D36C91FB2}"/>
+              </a:ext>
+            </a:extLst>
+          </p:cNvPr>
+          <p:cNvCxnSpPr>
+            <a:cxnSpLocks/>
+            <a:endCxn id="19" idx="1"/>
+          </p:cNvCxnSpPr>
+          <p:nvPr/>
+        </p:nvCxnSpPr>
+        <p:spPr>
+          <a:xfrm flipH="1" flipV="1">
+            <a:off x="3551561" y="2023146"/>
+            <a:ext cx="746314" cy="9358"/>
+          </a:xfrm>
+          <a:prstGeom prst="line">
+            <a:avLst/>
+          </a:prstGeom>
+          <a:ln w="76200">
+            <a:solidFill>
+              <a:schemeClr val="tx2"/>
+            </a:solidFill>
+          </a:ln>
+        </p:spPr>
+        <p:style>
+          <a:lnRef idx="1">
+            <a:schemeClr val="accent1"/>
+          </a:lnRef>
+          <a:fillRef idx="0">
+            <a:schemeClr val="accent1"/>
+          </a:fillRef>
+          <a:effectRef idx="0">
+            <a:schemeClr val="accent1"/>
+          </a:effectRef>
+          <a:fontRef idx="minor">
+            <a:schemeClr val="tx1"/>
+          </a:fontRef>
+        </p:style>
+      </p:cxnSp>
+      <p:cxnSp>
+        <p:nvCxnSpPr>
+          <p:cNvPr id="60" name="Straight Connector 59">
+            <a:extLst>
+              <a:ext uri="{FF2B5EF4-FFF2-40B4-BE49-F238E27FC236}">
+                <a16:creationId xmlns:a16="http://schemas.microsoft.com/office/drawing/2014/main" id="{DC789151-0A23-40DE-B6C7-5AD441A4E1CB}"/>
+              </a:ext>
+            </a:extLst>
+          </p:cNvPr>
+          <p:cNvCxnSpPr>
+            <a:cxnSpLocks/>
+          </p:cNvCxnSpPr>
+          <p:nvPr/>
+        </p:nvCxnSpPr>
+        <p:spPr>
+          <a:xfrm flipH="1">
+            <a:off x="3687677" y="2018114"/>
+            <a:ext cx="610199" cy="1897822"/>
+          </a:xfrm>
+          <a:prstGeom prst="line">
+            <a:avLst/>
+          </a:prstGeom>
+          <a:ln w="76200">
+            <a:solidFill>
+              <a:schemeClr val="tx2"/>
+            </a:solidFill>
+          </a:ln>
+        </p:spPr>
+        <p:style>
+          <a:lnRef idx="1">
+            <a:schemeClr val="accent1"/>
+          </a:lnRef>
+          <a:fillRef idx="0">
+            <a:schemeClr val="accent1"/>
+          </a:fillRef>
+          <a:effectRef idx="0">
+            <a:schemeClr val="accent1"/>
+          </a:effectRef>
+          <a:fontRef idx="minor">
+            <a:schemeClr val="tx1"/>
+          </a:fontRef>
+        </p:style>
+      </p:cxnSp>
+      <p:cxnSp>
+        <p:nvCxnSpPr>
+          <p:cNvPr id="61" name="Straight Connector 60">
+            <a:extLst>
+              <a:ext uri="{FF2B5EF4-FFF2-40B4-BE49-F238E27FC236}">
+                <a16:creationId xmlns:a16="http://schemas.microsoft.com/office/drawing/2014/main" id="{9ACD25E4-52CC-4447-996D-AA1A050322EF}"/>
+              </a:ext>
+            </a:extLst>
+          </p:cNvPr>
+          <p:cNvCxnSpPr>
+            <a:cxnSpLocks/>
+            <a:stCxn id="26" idx="1"/>
+          </p:cNvCxnSpPr>
+          <p:nvPr/>
+        </p:nvCxnSpPr>
+        <p:spPr>
+          <a:xfrm>
+            <a:off x="3610070" y="3815189"/>
+            <a:ext cx="705039" cy="1253160"/>
+          </a:xfrm>
+          <a:prstGeom prst="line">
+            <a:avLst/>
+          </a:prstGeom>
+          <a:ln w="76200">
+            <a:solidFill>
+              <a:schemeClr val="tx2"/>
+            </a:solidFill>
+          </a:ln>
+        </p:spPr>
+        <p:style>
+          <a:lnRef idx="1">
+            <a:schemeClr val="accent1"/>
+          </a:lnRef>
+          <a:fillRef idx="0">
+            <a:schemeClr val="accent1"/>
+          </a:fillRef>
+          <a:effectRef idx="0">
+            <a:schemeClr val="accent1"/>
+          </a:effectRef>
+          <a:fontRef idx="minor">
+            <a:schemeClr val="tx1"/>
+          </a:fontRef>
+        </p:style>
+      </p:cxnSp>
+      <p:cxnSp>
+        <p:nvCxnSpPr>
+          <p:cNvPr id="62" name="Straight Connector 61">
+            <a:extLst>
+              <a:ext uri="{FF2B5EF4-FFF2-40B4-BE49-F238E27FC236}">
+                <a16:creationId xmlns:a16="http://schemas.microsoft.com/office/drawing/2014/main" id="{ECB09DC6-48C7-42A2-A6D9-AD387A2D246A}"/>
+              </a:ext>
+            </a:extLst>
+          </p:cNvPr>
+          <p:cNvCxnSpPr>
+            <a:cxnSpLocks/>
+          </p:cNvCxnSpPr>
+          <p:nvPr/>
+        </p:nvCxnSpPr>
+        <p:spPr>
+          <a:xfrm flipH="1">
+            <a:off x="3618445" y="5122879"/>
+            <a:ext cx="679430" cy="0"/>
+          </a:xfrm>
+          <a:prstGeom prst="line">
+            <a:avLst/>
+          </a:prstGeom>
+          <a:ln w="76200">
+            <a:solidFill>
+              <a:schemeClr val="tx2"/>
+            </a:solidFill>
+          </a:ln>
+        </p:spPr>
+        <p:style>
+          <a:lnRef idx="1">
+            <a:schemeClr val="accent1"/>
+          </a:lnRef>
+          <a:fillRef idx="0">
+            <a:schemeClr val="accent1"/>
+          </a:fillRef>
+          <a:effectRef idx="0">
+            <a:schemeClr val="accent1"/>
+          </a:effectRef>
+          <a:fontRef idx="minor">
+            <a:schemeClr val="tx1"/>
+          </a:fontRef>
+        </p:style>
+      </p:cxnSp>
+      <p:cxnSp>
+        <p:nvCxnSpPr>
+          <p:cNvPr id="63" name="Straight Connector 62">
+            <a:extLst>
+              <a:ext uri="{FF2B5EF4-FFF2-40B4-BE49-F238E27FC236}">
+                <a16:creationId xmlns:a16="http://schemas.microsoft.com/office/drawing/2014/main" id="{937F68D5-A24B-4EC6-B7AB-E8FD88AEA163}"/>
+              </a:ext>
+            </a:extLst>
+          </p:cNvPr>
+          <p:cNvCxnSpPr>
+            <a:cxnSpLocks/>
+          </p:cNvCxnSpPr>
+          <p:nvPr/>
+        </p:nvCxnSpPr>
+        <p:spPr>
+          <a:xfrm>
+            <a:off x="3653269" y="5122879"/>
+            <a:ext cx="21971" cy="710669"/>
+          </a:xfrm>
+          <a:prstGeom prst="line">
+            <a:avLst/>
+          </a:prstGeom>
+          <a:ln w="76200">
+            <a:solidFill>
+              <a:schemeClr val="tx2"/>
+            </a:solidFill>
+          </a:ln>
+        </p:spPr>
+        <p:style>
+          <a:lnRef idx="1">
+            <a:schemeClr val="accent1"/>
+          </a:lnRef>
+          <a:fillRef idx="0">
+            <a:schemeClr val="accent1"/>
+          </a:fillRef>
+          <a:effectRef idx="0">
+            <a:schemeClr val="accent1"/>
+          </a:effectRef>
+          <a:fontRef idx="minor">
+            <a:schemeClr val="tx1"/>
+          </a:fontRef>
+        </p:style>
+      </p:cxnSp>
+      <p:cxnSp>
+        <p:nvCxnSpPr>
+          <p:cNvPr id="64" name="Straight Connector 63">
+            <a:extLst>
+              <a:ext uri="{FF2B5EF4-FFF2-40B4-BE49-F238E27FC236}">
+                <a16:creationId xmlns:a16="http://schemas.microsoft.com/office/drawing/2014/main" id="{58D13EFE-A11E-4DE3-AF53-4DE16089C9FF}"/>
+              </a:ext>
+            </a:extLst>
+          </p:cNvPr>
+          <p:cNvCxnSpPr>
+            <a:cxnSpLocks/>
+          </p:cNvCxnSpPr>
+          <p:nvPr/>
+        </p:nvCxnSpPr>
+        <p:spPr>
+          <a:xfrm flipH="1">
+            <a:off x="1870470" y="5122879"/>
+            <a:ext cx="1782799" cy="643264"/>
+          </a:xfrm>
+          <a:prstGeom prst="line">
+            <a:avLst/>
+          </a:prstGeom>
+          <a:ln w="76200">
+            <a:solidFill>
+              <a:schemeClr val="tx2"/>
+            </a:solidFill>
+          </a:ln>
+        </p:spPr>
+        <p:style>
+          <a:lnRef idx="1">
+            <a:schemeClr val="accent1"/>
+          </a:lnRef>
+          <a:fillRef idx="0">
+            <a:schemeClr val="accent1"/>
+          </a:fillRef>
+          <a:effectRef idx="0">
+            <a:schemeClr val="accent1"/>
+          </a:effectRef>
+          <a:fontRef idx="minor">
+            <a:schemeClr val="tx1"/>
+          </a:fontRef>
+        </p:style>
+      </p:cxnSp>
+      <p:cxnSp>
+        <p:nvCxnSpPr>
+          <p:cNvPr id="66" name="Straight Connector 65">
+            <a:extLst>
+              <a:ext uri="{FF2B5EF4-FFF2-40B4-BE49-F238E27FC236}">
+                <a16:creationId xmlns:a16="http://schemas.microsoft.com/office/drawing/2014/main" id="{62AA5974-BCB7-446F-BA87-57EFED722DAD}"/>
+              </a:ext>
+            </a:extLst>
+          </p:cNvPr>
+          <p:cNvCxnSpPr>
+            <a:cxnSpLocks/>
+          </p:cNvCxnSpPr>
+          <p:nvPr/>
+        </p:nvCxnSpPr>
+        <p:spPr>
+          <a:xfrm>
+            <a:off x="5506159" y="1359017"/>
+            <a:ext cx="619242" cy="668808"/>
+          </a:xfrm>
+          <a:prstGeom prst="line">
+            <a:avLst/>
+          </a:prstGeom>
+          <a:ln w="76200">
+            <a:solidFill>
+              <a:schemeClr val="tx2"/>
+            </a:solidFill>
+          </a:ln>
+        </p:spPr>
+        <p:style>
+          <a:lnRef idx="1">
+            <a:schemeClr val="accent1"/>
+          </a:lnRef>
+          <a:fillRef idx="0">
+            <a:schemeClr val="accent1"/>
+          </a:fillRef>
+          <a:effectRef idx="0">
+            <a:schemeClr val="accent1"/>
+          </a:effectRef>
+          <a:fontRef idx="minor">
+            <a:schemeClr val="tx1"/>
+          </a:fontRef>
+        </p:style>
+      </p:cxnSp>
+      <p:cxnSp>
+        <p:nvCxnSpPr>
+          <p:cNvPr id="69" name="Straight Connector 68">
+            <a:extLst>
+              <a:ext uri="{FF2B5EF4-FFF2-40B4-BE49-F238E27FC236}">
+                <a16:creationId xmlns:a16="http://schemas.microsoft.com/office/drawing/2014/main" id="{5DAFDF22-EACD-4B87-B47D-622EBEC3E395}"/>
+              </a:ext>
+            </a:extLst>
+          </p:cNvPr>
+          <p:cNvCxnSpPr>
+            <a:cxnSpLocks/>
+          </p:cNvCxnSpPr>
+          <p:nvPr/>
+        </p:nvCxnSpPr>
+        <p:spPr>
+          <a:xfrm flipH="1">
+            <a:off x="6142447" y="1375055"/>
+            <a:ext cx="2951490" cy="643059"/>
+          </a:xfrm>
+          <a:prstGeom prst="line">
+            <a:avLst/>
+          </a:prstGeom>
+          <a:ln w="76200">
+            <a:solidFill>
+              <a:schemeClr val="tx2"/>
+            </a:solidFill>
+          </a:ln>
+        </p:spPr>
+        <p:style>
+          <a:lnRef idx="1">
+            <a:schemeClr val="accent1"/>
+          </a:lnRef>
+          <a:fillRef idx="0">
+            <a:schemeClr val="accent1"/>
+          </a:fillRef>
+          <a:effectRef idx="0">
+            <a:schemeClr val="accent1"/>
+          </a:effectRef>
+          <a:fontRef idx="minor">
+            <a:schemeClr val="tx1"/>
+          </a:fontRef>
+        </p:style>
+      </p:cxnSp>
+      <p:cxnSp>
+        <p:nvCxnSpPr>
+          <p:cNvPr id="74" name="Straight Connector 73">
+            <a:extLst>
+              <a:ext uri="{FF2B5EF4-FFF2-40B4-BE49-F238E27FC236}">
+                <a16:creationId xmlns:a16="http://schemas.microsoft.com/office/drawing/2014/main" id="{A4D629FA-A055-468D-B971-865599148F0A}"/>
+              </a:ext>
+            </a:extLst>
+          </p:cNvPr>
+          <p:cNvCxnSpPr>
+            <a:cxnSpLocks/>
+          </p:cNvCxnSpPr>
+          <p:nvPr/>
+        </p:nvCxnSpPr>
+        <p:spPr>
+          <a:xfrm flipH="1">
+            <a:off x="7331995" y="2027825"/>
+            <a:ext cx="598010" cy="0"/>
+          </a:xfrm>
+          <a:prstGeom prst="line">
+            <a:avLst/>
+          </a:prstGeom>
+          <a:ln w="76200">
+            <a:solidFill>
+              <a:schemeClr val="tx2"/>
+            </a:solidFill>
+          </a:ln>
+        </p:spPr>
+        <p:style>
+          <a:lnRef idx="1">
+            <a:schemeClr val="accent1"/>
+          </a:lnRef>
+          <a:fillRef idx="0">
+            <a:schemeClr val="accent1"/>
+          </a:fillRef>
+          <a:effectRef idx="0">
+            <a:schemeClr val="accent1"/>
+          </a:effectRef>
+          <a:fontRef idx="minor">
+            <a:schemeClr val="tx1"/>
+          </a:fontRef>
+        </p:style>
+      </p:cxnSp>
+      <p:cxnSp>
+        <p:nvCxnSpPr>
+          <p:cNvPr id="77" name="Straight Connector 76">
+            <a:extLst>
+              <a:ext uri="{FF2B5EF4-FFF2-40B4-BE49-F238E27FC236}">
+                <a16:creationId xmlns:a16="http://schemas.microsoft.com/office/drawing/2014/main" id="{0BE14478-805E-440F-AB77-E0432D09E92C}"/>
+              </a:ext>
+            </a:extLst>
+          </p:cNvPr>
+          <p:cNvCxnSpPr>
+            <a:cxnSpLocks/>
+          </p:cNvCxnSpPr>
+          <p:nvPr/>
+        </p:nvCxnSpPr>
+        <p:spPr>
+          <a:xfrm>
+            <a:off x="7348378" y="2037537"/>
+            <a:ext cx="581627" cy="1878399"/>
+          </a:xfrm>
+          <a:prstGeom prst="line">
+            <a:avLst/>
+          </a:prstGeom>
+          <a:ln w="76200">
+            <a:solidFill>
+              <a:schemeClr val="tx2"/>
+            </a:solidFill>
+          </a:ln>
+        </p:spPr>
+        <p:style>
+          <a:lnRef idx="1">
+            <a:schemeClr val="accent1"/>
+          </a:lnRef>
+          <a:fillRef idx="0">
+            <a:schemeClr val="accent1"/>
+          </a:fillRef>
+          <a:effectRef idx="0">
+            <a:schemeClr val="accent1"/>
+          </a:effectRef>
+          <a:fontRef idx="minor">
+            <a:schemeClr val="tx1"/>
+          </a:fontRef>
+        </p:style>
+      </p:cxnSp>
+      <p:cxnSp>
+        <p:nvCxnSpPr>
+          <p:cNvPr id="80" name="Straight Connector 79">
+            <a:extLst>
+              <a:ext uri="{FF2B5EF4-FFF2-40B4-BE49-F238E27FC236}">
+                <a16:creationId xmlns:a16="http://schemas.microsoft.com/office/drawing/2014/main" id="{CAC1FDCD-C208-4946-B038-6C747BEC9672}"/>
+              </a:ext>
+            </a:extLst>
+          </p:cNvPr>
+          <p:cNvCxnSpPr>
+            <a:cxnSpLocks/>
+          </p:cNvCxnSpPr>
+          <p:nvPr/>
+        </p:nvCxnSpPr>
+        <p:spPr>
+          <a:xfrm flipH="1">
+            <a:off x="7313137" y="3915936"/>
+            <a:ext cx="611175" cy="1206943"/>
+          </a:xfrm>
+          <a:prstGeom prst="line">
+            <a:avLst/>
+          </a:prstGeom>
+          <a:ln w="76200">
+            <a:solidFill>
+              <a:schemeClr val="tx2"/>
+            </a:solidFill>
+          </a:ln>
+        </p:spPr>
+        <p:style>
+          <a:lnRef idx="1">
+            <a:schemeClr val="accent1"/>
+          </a:lnRef>
+          <a:fillRef idx="0">
+            <a:schemeClr val="accent1"/>
+          </a:fillRef>
+          <a:effectRef idx="0">
+            <a:schemeClr val="accent1"/>
+          </a:effectRef>
+          <a:fontRef idx="minor">
+            <a:schemeClr val="tx1"/>
+          </a:fontRef>
+        </p:style>
+      </p:cxnSp>
+      <p:cxnSp>
+        <p:nvCxnSpPr>
+          <p:cNvPr id="83" name="Straight Connector 82">
+            <a:extLst>
+              <a:ext uri="{FF2B5EF4-FFF2-40B4-BE49-F238E27FC236}">
+                <a16:creationId xmlns:a16="http://schemas.microsoft.com/office/drawing/2014/main" id="{6CA7C2F1-C122-4575-B73C-4CE65F9210A8}"/>
+              </a:ext>
+            </a:extLst>
+          </p:cNvPr>
+          <p:cNvCxnSpPr>
+            <a:cxnSpLocks/>
+          </p:cNvCxnSpPr>
+          <p:nvPr/>
+        </p:nvCxnSpPr>
+        <p:spPr>
+          <a:xfrm flipH="1">
+            <a:off x="7313137" y="5122879"/>
+            <a:ext cx="611175" cy="0"/>
+          </a:xfrm>
+          <a:prstGeom prst="line">
+            <a:avLst/>
+          </a:prstGeom>
+          <a:ln w="76200">
+            <a:solidFill>
+              <a:schemeClr val="tx2"/>
+            </a:solidFill>
+          </a:ln>
+        </p:spPr>
+        <p:style>
+          <a:lnRef idx="1">
+            <a:schemeClr val="accent1"/>
+          </a:lnRef>
+          <a:fillRef idx="0">
+            <a:schemeClr val="accent1"/>
+          </a:fillRef>
+          <a:effectRef idx="0">
+            <a:schemeClr val="accent1"/>
+          </a:effectRef>
+          <a:fontRef idx="minor">
+            <a:schemeClr val="tx1"/>
+          </a:fontRef>
+        </p:style>
+      </p:cxnSp>
+      <p:cxnSp>
+        <p:nvCxnSpPr>
+          <p:cNvPr id="86" name="Straight Connector 85">
+            <a:extLst>
+              <a:ext uri="{FF2B5EF4-FFF2-40B4-BE49-F238E27FC236}">
+                <a16:creationId xmlns:a16="http://schemas.microsoft.com/office/drawing/2014/main" id="{402390F8-9EEE-449B-8707-356DDA87706E}"/>
+              </a:ext>
+            </a:extLst>
+          </p:cNvPr>
+          <p:cNvCxnSpPr>
+            <a:cxnSpLocks/>
+          </p:cNvCxnSpPr>
+          <p:nvPr/>
+        </p:nvCxnSpPr>
+        <p:spPr>
+          <a:xfrm flipH="1">
+            <a:off x="7923336" y="5103456"/>
+            <a:ext cx="1" cy="690879"/>
+          </a:xfrm>
+          <a:prstGeom prst="line">
+            <a:avLst/>
+          </a:prstGeom>
+          <a:ln w="76200">
+            <a:solidFill>
+              <a:schemeClr val="tx2"/>
+            </a:solidFill>
+          </a:ln>
+        </p:spPr>
+        <p:style>
+          <a:lnRef idx="1">
+            <a:schemeClr val="accent1"/>
+          </a:lnRef>
+          <a:fillRef idx="0">
+            <a:schemeClr val="accent1"/>
+          </a:fillRef>
+          <a:effectRef idx="0">
+            <a:schemeClr val="accent1"/>
+          </a:effectRef>
+          <a:fontRef idx="minor">
+            <a:schemeClr val="tx1"/>
+          </a:fontRef>
+        </p:style>
+      </p:cxnSp>
+      <p:cxnSp>
+        <p:nvCxnSpPr>
+          <p:cNvPr id="88" name="Straight Connector 87">
+            <a:extLst>
+              <a:ext uri="{FF2B5EF4-FFF2-40B4-BE49-F238E27FC236}">
+                <a16:creationId xmlns:a16="http://schemas.microsoft.com/office/drawing/2014/main" id="{871DE83E-F62A-4EF3-979D-5CE54E038C76}"/>
+              </a:ext>
+            </a:extLst>
+          </p:cNvPr>
+          <p:cNvCxnSpPr>
+            <a:cxnSpLocks/>
+          </p:cNvCxnSpPr>
+          <p:nvPr/>
+        </p:nvCxnSpPr>
+        <p:spPr>
+          <a:xfrm flipH="1" flipV="1">
+            <a:off x="7913869" y="5122879"/>
+            <a:ext cx="1857246" cy="671456"/>
+          </a:xfrm>
+          <a:prstGeom prst="line">
+            <a:avLst/>
+          </a:prstGeom>
+          <a:ln w="76200">
+            <a:solidFill>
+              <a:schemeClr val="tx2"/>
+            </a:solidFill>
+          </a:ln>
+        </p:spPr>
+        <p:style>
+          <a:lnRef idx="1">
+            <a:schemeClr val="accent1"/>
+          </a:lnRef>
+          <a:fillRef idx="0">
+            <a:schemeClr val="accent1"/>
+          </a:fillRef>
+          <a:effectRef idx="0">
+            <a:schemeClr val="accent1"/>
+          </a:effectRef>
+          <a:fontRef idx="minor">
+            <a:schemeClr val="tx1"/>
+          </a:fontRef>
+        </p:style>
+      </p:cxnSp>
+      <p:cxnSp>
+        <p:nvCxnSpPr>
+          <p:cNvPr id="91" name="Straight Connector 90">
+            <a:extLst>
+              <a:ext uri="{FF2B5EF4-FFF2-40B4-BE49-F238E27FC236}">
+                <a16:creationId xmlns:a16="http://schemas.microsoft.com/office/drawing/2014/main" id="{8D7DD08C-8847-4881-B7F6-CB956F51413F}"/>
+              </a:ext>
+            </a:extLst>
+          </p:cNvPr>
+          <p:cNvCxnSpPr>
+            <a:cxnSpLocks/>
+          </p:cNvCxnSpPr>
+          <p:nvPr/>
+        </p:nvCxnSpPr>
+        <p:spPr>
+          <a:xfrm flipH="1">
+            <a:off x="4832511" y="1998771"/>
+            <a:ext cx="685516" cy="710152"/>
+          </a:xfrm>
+          <a:prstGeom prst="line">
+            <a:avLst/>
+          </a:prstGeom>
+          <a:ln w="76200">
+            <a:solidFill>
+              <a:schemeClr val="tx2"/>
+            </a:solidFill>
+          </a:ln>
+        </p:spPr>
+        <p:style>
+          <a:lnRef idx="1">
+            <a:schemeClr val="accent1"/>
+          </a:lnRef>
+          <a:fillRef idx="0">
+            <a:schemeClr val="accent1"/>
+          </a:fillRef>
+          <a:effectRef idx="0">
+            <a:schemeClr val="accent1"/>
+          </a:effectRef>
+          <a:fontRef idx="minor">
+            <a:schemeClr val="tx1"/>
+          </a:fontRef>
+        </p:style>
+      </p:cxnSp>
+      <p:cxnSp>
+        <p:nvCxnSpPr>
+          <p:cNvPr id="94" name="Straight Connector 93">
+            <a:extLst>
+              <a:ext uri="{FF2B5EF4-FFF2-40B4-BE49-F238E27FC236}">
+                <a16:creationId xmlns:a16="http://schemas.microsoft.com/office/drawing/2014/main" id="{341AB631-1893-4777-B34C-AF29EEBC498A}"/>
+              </a:ext>
+            </a:extLst>
+          </p:cNvPr>
+          <p:cNvCxnSpPr>
+            <a:cxnSpLocks/>
+          </p:cNvCxnSpPr>
+          <p:nvPr/>
+        </p:nvCxnSpPr>
+        <p:spPr>
+          <a:xfrm>
+            <a:off x="4314131" y="1996526"/>
+            <a:ext cx="518127" cy="712397"/>
+          </a:xfrm>
+          <a:prstGeom prst="line">
+            <a:avLst/>
+          </a:prstGeom>
+          <a:ln w="76200">
+            <a:solidFill>
+              <a:schemeClr val="tx2"/>
+            </a:solidFill>
+          </a:ln>
+        </p:spPr>
+        <p:style>
+          <a:lnRef idx="1">
+            <a:schemeClr val="accent1"/>
+          </a:lnRef>
+          <a:fillRef idx="0">
+            <a:schemeClr val="accent1"/>
+          </a:fillRef>
+          <a:effectRef idx="0">
+            <a:schemeClr val="accent1"/>
+          </a:effectRef>
+          <a:fontRef idx="minor">
+            <a:schemeClr val="tx1"/>
+          </a:fontRef>
+        </p:style>
+      </p:cxnSp>
+      <p:cxnSp>
+        <p:nvCxnSpPr>
+          <p:cNvPr id="97" name="Straight Connector 96">
+            <a:extLst>
+              <a:ext uri="{FF2B5EF4-FFF2-40B4-BE49-F238E27FC236}">
+                <a16:creationId xmlns:a16="http://schemas.microsoft.com/office/drawing/2014/main" id="{F3AA350D-ECF5-4E0B-BE0F-83A2E7396AC4}"/>
+              </a:ext>
+            </a:extLst>
+          </p:cNvPr>
+          <p:cNvCxnSpPr>
+            <a:cxnSpLocks/>
+          </p:cNvCxnSpPr>
+          <p:nvPr/>
+        </p:nvCxnSpPr>
+        <p:spPr>
+          <a:xfrm>
+            <a:off x="4322284" y="2018114"/>
+            <a:ext cx="582203" cy="3085342"/>
+          </a:xfrm>
+          <a:prstGeom prst="line">
+            <a:avLst/>
+          </a:prstGeom>
+          <a:ln w="76200">
+            <a:solidFill>
+              <a:schemeClr val="tx2"/>
+            </a:solidFill>
+          </a:ln>
+        </p:spPr>
+        <p:style>
+          <a:lnRef idx="1">
+            <a:schemeClr val="accent1"/>
+          </a:lnRef>
+          <a:fillRef idx="0">
+            <a:schemeClr val="accent1"/>
+          </a:fillRef>
+          <a:effectRef idx="0">
+            <a:schemeClr val="accent1"/>
+          </a:effectRef>
+          <a:fontRef idx="minor">
+            <a:schemeClr val="tx1"/>
+          </a:fontRef>
+        </p:style>
+      </p:cxnSp>
+      <p:cxnSp>
+        <p:nvCxnSpPr>
+          <p:cNvPr id="100" name="Straight Connector 99">
+            <a:extLst>
+              <a:ext uri="{FF2B5EF4-FFF2-40B4-BE49-F238E27FC236}">
+                <a16:creationId xmlns:a16="http://schemas.microsoft.com/office/drawing/2014/main" id="{020088B4-09E5-4BD9-94E4-2AF454B8224A}"/>
+              </a:ext>
+            </a:extLst>
+          </p:cNvPr>
+          <p:cNvCxnSpPr>
+            <a:cxnSpLocks/>
+          </p:cNvCxnSpPr>
+          <p:nvPr/>
+        </p:nvCxnSpPr>
+        <p:spPr>
+          <a:xfrm flipH="1">
+            <a:off x="4307342" y="5068349"/>
+            <a:ext cx="3887" cy="1293303"/>
+          </a:xfrm>
+          <a:prstGeom prst="line">
+            <a:avLst/>
+          </a:prstGeom>
+          <a:ln w="76200">
+            <a:solidFill>
+              <a:schemeClr val="tx2"/>
+            </a:solidFill>
+          </a:ln>
+        </p:spPr>
+        <p:style>
+          <a:lnRef idx="1">
+            <a:schemeClr val="accent1"/>
+          </a:lnRef>
+          <a:fillRef idx="0">
+            <a:schemeClr val="accent1"/>
+          </a:fillRef>
+          <a:effectRef idx="0">
+            <a:schemeClr val="accent1"/>
+          </a:effectRef>
+          <a:fontRef idx="minor">
+            <a:schemeClr val="tx1"/>
+          </a:fontRef>
+        </p:style>
+      </p:cxnSp>
+      <p:cxnSp>
+        <p:nvCxnSpPr>
+          <p:cNvPr id="103" name="Straight Connector 102">
+            <a:extLst>
+              <a:ext uri="{FF2B5EF4-FFF2-40B4-BE49-F238E27FC236}">
+                <a16:creationId xmlns:a16="http://schemas.microsoft.com/office/drawing/2014/main" id="{D0FC2602-881E-4897-9201-F3BB0CB5BC72}"/>
+              </a:ext>
+            </a:extLst>
+          </p:cNvPr>
+          <p:cNvCxnSpPr>
+            <a:cxnSpLocks/>
+          </p:cNvCxnSpPr>
+          <p:nvPr/>
+        </p:nvCxnSpPr>
+        <p:spPr>
+          <a:xfrm flipH="1">
+            <a:off x="1896336" y="5794335"/>
+            <a:ext cx="1789857" cy="567317"/>
+          </a:xfrm>
+          <a:prstGeom prst="line">
+            <a:avLst/>
+          </a:prstGeom>
+          <a:ln w="76200">
+            <a:solidFill>
+              <a:schemeClr val="tx2"/>
+            </a:solidFill>
+          </a:ln>
+        </p:spPr>
+        <p:style>
+          <a:lnRef idx="1">
+            <a:schemeClr val="accent1"/>
+          </a:lnRef>
+          <a:fillRef idx="0">
+            <a:schemeClr val="accent1"/>
+          </a:fillRef>
+          <a:effectRef idx="0">
+            <a:schemeClr val="accent1"/>
+          </a:effectRef>
+          <a:fontRef idx="minor">
+            <a:schemeClr val="tx1"/>
+          </a:fontRef>
+        </p:style>
+      </p:cxnSp>
+      <p:cxnSp>
+        <p:nvCxnSpPr>
+          <p:cNvPr id="106" name="Straight Connector 105">
+            <a:extLst>
+              <a:ext uri="{FF2B5EF4-FFF2-40B4-BE49-F238E27FC236}">
+                <a16:creationId xmlns:a16="http://schemas.microsoft.com/office/drawing/2014/main" id="{1E565C8B-4697-4377-B22C-5FC26481DD7B}"/>
+              </a:ext>
+            </a:extLst>
+          </p:cNvPr>
+          <p:cNvCxnSpPr>
+            <a:cxnSpLocks/>
+            <a:stCxn id="48" idx="2"/>
+          </p:cNvCxnSpPr>
+          <p:nvPr/>
+        </p:nvCxnSpPr>
+        <p:spPr>
+          <a:xfrm>
+            <a:off x="1225115" y="5253015"/>
+            <a:ext cx="663945" cy="494843"/>
+          </a:xfrm>
+          <a:prstGeom prst="line">
+            <a:avLst/>
+          </a:prstGeom>
+          <a:ln w="76200">
+            <a:solidFill>
+              <a:schemeClr val="tx2"/>
+            </a:solidFill>
+          </a:ln>
+        </p:spPr>
+        <p:style>
+          <a:lnRef idx="1">
+            <a:schemeClr val="accent1"/>
+          </a:lnRef>
+          <a:fillRef idx="0">
+            <a:schemeClr val="accent1"/>
+          </a:fillRef>
+          <a:effectRef idx="0">
+            <a:schemeClr val="accent1"/>
+          </a:effectRef>
+          <a:fontRef idx="minor">
+            <a:schemeClr val="tx1"/>
+          </a:fontRef>
+        </p:style>
+      </p:cxnSp>
+      <p:cxnSp>
+        <p:nvCxnSpPr>
+          <p:cNvPr id="109" name="Straight Connector 108">
+            <a:extLst>
+              <a:ext uri="{FF2B5EF4-FFF2-40B4-BE49-F238E27FC236}">
+                <a16:creationId xmlns:a16="http://schemas.microsoft.com/office/drawing/2014/main" id="{F8867CC5-BE2F-4E31-BE99-17D993D00B23}"/>
+              </a:ext>
+            </a:extLst>
+          </p:cNvPr>
+          <p:cNvCxnSpPr>
+            <a:cxnSpLocks/>
+          </p:cNvCxnSpPr>
+          <p:nvPr/>
+        </p:nvCxnSpPr>
+        <p:spPr>
+          <a:xfrm flipH="1">
+            <a:off x="1863418" y="4518668"/>
+            <a:ext cx="1221399" cy="633584"/>
+          </a:xfrm>
+          <a:prstGeom prst="line">
+            <a:avLst/>
+          </a:prstGeom>
+          <a:ln w="76200">
+            <a:solidFill>
+              <a:schemeClr val="tx2"/>
+            </a:solidFill>
+          </a:ln>
+        </p:spPr>
+        <p:style>
+          <a:lnRef idx="1">
+            <a:schemeClr val="accent1"/>
+          </a:lnRef>
+          <a:fillRef idx="0">
+            <a:schemeClr val="accent1"/>
+          </a:fillRef>
+          <a:effectRef idx="0">
+            <a:schemeClr val="accent1"/>
+          </a:effectRef>
+          <a:fontRef idx="minor">
+            <a:schemeClr val="tx1"/>
+          </a:fontRef>
+        </p:style>
+      </p:cxnSp>
+      <p:cxnSp>
+        <p:nvCxnSpPr>
+          <p:cNvPr id="111" name="Straight Connector 110">
+            <a:extLst>
+              <a:ext uri="{FF2B5EF4-FFF2-40B4-BE49-F238E27FC236}">
+                <a16:creationId xmlns:a16="http://schemas.microsoft.com/office/drawing/2014/main" id="{38094F9A-ECC4-44C6-A2BD-DE789A48B3A6}"/>
+              </a:ext>
+            </a:extLst>
+          </p:cNvPr>
+          <p:cNvCxnSpPr>
+            <a:cxnSpLocks/>
+          </p:cNvCxnSpPr>
+          <p:nvPr/>
+        </p:nvCxnSpPr>
+        <p:spPr>
+          <a:xfrm>
+            <a:off x="3094284" y="4554736"/>
+            <a:ext cx="530975" cy="548720"/>
+          </a:xfrm>
+          <a:prstGeom prst="line">
+            <a:avLst/>
+          </a:prstGeom>
+          <a:ln w="76200">
+            <a:solidFill>
+              <a:schemeClr val="tx2"/>
+            </a:solidFill>
+          </a:ln>
+        </p:spPr>
+        <p:style>
+          <a:lnRef idx="1">
+            <a:schemeClr val="accent1"/>
+          </a:lnRef>
+          <a:fillRef idx="0">
+            <a:schemeClr val="accent1"/>
+          </a:fillRef>
+          <a:effectRef idx="0">
+            <a:schemeClr val="accent1"/>
+          </a:effectRef>
+          <a:fontRef idx="minor">
+            <a:schemeClr val="tx1"/>
+          </a:fontRef>
+        </p:style>
+      </p:cxnSp>
+      <p:cxnSp>
+        <p:nvCxnSpPr>
+          <p:cNvPr id="114" name="Straight Connector 113">
+            <a:extLst>
+              <a:ext uri="{FF2B5EF4-FFF2-40B4-BE49-F238E27FC236}">
+                <a16:creationId xmlns:a16="http://schemas.microsoft.com/office/drawing/2014/main" id="{6D11B892-5FB0-4BA9-A3F7-D949B96FE35C}"/>
+              </a:ext>
+            </a:extLst>
+          </p:cNvPr>
+          <p:cNvCxnSpPr>
+            <a:cxnSpLocks/>
+          </p:cNvCxnSpPr>
+          <p:nvPr/>
+        </p:nvCxnSpPr>
+        <p:spPr>
+          <a:xfrm>
+            <a:off x="3038238" y="2680888"/>
+            <a:ext cx="615031" cy="2441990"/>
+          </a:xfrm>
+          <a:prstGeom prst="line">
+            <a:avLst/>
+          </a:prstGeom>
+          <a:ln w="76200">
+            <a:solidFill>
+              <a:schemeClr val="tx2"/>
+            </a:solidFill>
+          </a:ln>
+        </p:spPr>
+        <p:style>
+          <a:lnRef idx="1">
+            <a:schemeClr val="accent1"/>
+          </a:lnRef>
+          <a:fillRef idx="0">
+            <a:schemeClr val="accent1"/>
+          </a:fillRef>
+          <a:effectRef idx="0">
+            <a:schemeClr val="accent1"/>
+          </a:effectRef>
+          <a:fontRef idx="minor">
+            <a:schemeClr val="tx1"/>
+          </a:fontRef>
+        </p:style>
+      </p:cxnSp>
+      <p:cxnSp>
+        <p:nvCxnSpPr>
+          <p:cNvPr id="117" name="Straight Connector 116">
+            <a:extLst>
+              <a:ext uri="{FF2B5EF4-FFF2-40B4-BE49-F238E27FC236}">
+                <a16:creationId xmlns:a16="http://schemas.microsoft.com/office/drawing/2014/main" id="{F22CB94F-4112-465F-9234-0DE226328EB2}"/>
+              </a:ext>
+            </a:extLst>
+          </p:cNvPr>
+          <p:cNvCxnSpPr>
+            <a:cxnSpLocks/>
+            <a:stCxn id="19" idx="1"/>
+          </p:cNvCxnSpPr>
+          <p:nvPr/>
+        </p:nvCxnSpPr>
+        <p:spPr>
+          <a:xfrm flipH="1">
+            <a:off x="3037985" y="2023146"/>
+            <a:ext cx="513576" cy="679823"/>
+          </a:xfrm>
+          <a:prstGeom prst="line">
+            <a:avLst/>
+          </a:prstGeom>
+          <a:ln w="76200">
+            <a:solidFill>
+              <a:schemeClr val="tx2"/>
+            </a:solidFill>
+          </a:ln>
+        </p:spPr>
+        <p:style>
+          <a:lnRef idx="1">
+            <a:schemeClr val="accent1"/>
+          </a:lnRef>
+          <a:fillRef idx="0">
+            <a:schemeClr val="accent1"/>
+          </a:fillRef>
+          <a:effectRef idx="0">
+            <a:schemeClr val="accent1"/>
+          </a:effectRef>
+          <a:fontRef idx="minor">
+            <a:schemeClr val="tx1"/>
+          </a:fontRef>
+        </p:style>
+      </p:cxnSp>
+      <p:cxnSp>
+        <p:nvCxnSpPr>
+          <p:cNvPr id="120" name="Straight Connector 119">
+            <a:extLst>
+              <a:ext uri="{FF2B5EF4-FFF2-40B4-BE49-F238E27FC236}">
+                <a16:creationId xmlns:a16="http://schemas.microsoft.com/office/drawing/2014/main" id="{DF30E7A7-837E-4B2C-BA82-8CF6A1031877}"/>
+              </a:ext>
+            </a:extLst>
+          </p:cNvPr>
+          <p:cNvCxnSpPr>
+            <a:cxnSpLocks/>
+            <a:stCxn id="17" idx="2"/>
+          </p:cNvCxnSpPr>
+          <p:nvPr/>
+        </p:nvCxnSpPr>
+        <p:spPr>
+          <a:xfrm>
+            <a:off x="2499061" y="2149089"/>
+            <a:ext cx="556195" cy="535297"/>
+          </a:xfrm>
+          <a:prstGeom prst="line">
+            <a:avLst/>
+          </a:prstGeom>
+          <a:ln w="76200">
+            <a:solidFill>
+              <a:schemeClr val="tx2"/>
+            </a:solidFill>
+          </a:ln>
+        </p:spPr>
+        <p:style>
+          <a:lnRef idx="1">
+            <a:schemeClr val="accent1"/>
+          </a:lnRef>
+          <a:fillRef idx="0">
+            <a:schemeClr val="accent1"/>
+          </a:fillRef>
+          <a:effectRef idx="0">
+            <a:schemeClr val="accent1"/>
+          </a:effectRef>
+          <a:fontRef idx="minor">
+            <a:schemeClr val="tx1"/>
+          </a:fontRef>
+        </p:style>
+      </p:cxnSp>
+      <p:cxnSp>
+        <p:nvCxnSpPr>
+          <p:cNvPr id="124" name="Straight Connector 123">
+            <a:extLst>
+              <a:ext uri="{FF2B5EF4-FFF2-40B4-BE49-F238E27FC236}">
+                <a16:creationId xmlns:a16="http://schemas.microsoft.com/office/drawing/2014/main" id="{C27A3CA4-C123-44E0-AC37-E2723589840D}"/>
+              </a:ext>
+            </a:extLst>
+          </p:cNvPr>
+          <p:cNvCxnSpPr>
+            <a:cxnSpLocks/>
+            <a:endCxn id="17" idx="2"/>
+          </p:cNvCxnSpPr>
+          <p:nvPr/>
+        </p:nvCxnSpPr>
+        <p:spPr>
+          <a:xfrm>
+            <a:off x="1932361" y="1453909"/>
+            <a:ext cx="566700" cy="695180"/>
+          </a:xfrm>
+          <a:prstGeom prst="line">
+            <a:avLst/>
+          </a:prstGeom>
+          <a:ln w="76200">
+            <a:solidFill>
+              <a:schemeClr val="tx2"/>
+            </a:solidFill>
+          </a:ln>
+        </p:spPr>
+        <p:style>
+          <a:lnRef idx="1">
+            <a:schemeClr val="accent1"/>
+          </a:lnRef>
+          <a:fillRef idx="0">
+            <a:schemeClr val="accent1"/>
+          </a:fillRef>
+          <a:effectRef idx="0">
+            <a:schemeClr val="accent1"/>
+          </a:effectRef>
+          <a:fontRef idx="minor">
+            <a:schemeClr val="tx1"/>
+          </a:fontRef>
+        </p:style>
+      </p:cxnSp>
+      <p:cxnSp>
+        <p:nvCxnSpPr>
+          <p:cNvPr id="127" name="Straight Connector 126">
+            <a:extLst>
+              <a:ext uri="{FF2B5EF4-FFF2-40B4-BE49-F238E27FC236}">
+                <a16:creationId xmlns:a16="http://schemas.microsoft.com/office/drawing/2014/main" id="{3AA6D349-BBD6-4C04-B0FA-566845698B68}"/>
+              </a:ext>
+            </a:extLst>
+          </p:cNvPr>
+          <p:cNvCxnSpPr>
+            <a:cxnSpLocks/>
+          </p:cNvCxnSpPr>
+          <p:nvPr/>
+        </p:nvCxnSpPr>
+        <p:spPr>
+          <a:xfrm>
+            <a:off x="2548533" y="798140"/>
+            <a:ext cx="2957174" cy="576915"/>
+          </a:xfrm>
+          <a:prstGeom prst="line">
+            <a:avLst/>
+          </a:prstGeom>
+          <a:ln w="76200">
+            <a:solidFill>
+              <a:schemeClr val="tx2"/>
+            </a:solidFill>
+          </a:ln>
+        </p:spPr>
+        <p:style>
+          <a:lnRef idx="1">
+            <a:schemeClr val="accent1"/>
+          </a:lnRef>
+          <a:fillRef idx="0">
+            <a:schemeClr val="accent1"/>
+          </a:fillRef>
+          <a:effectRef idx="0">
+            <a:schemeClr val="accent1"/>
+          </a:effectRef>
+          <a:fontRef idx="minor">
+            <a:schemeClr val="tx1"/>
+          </a:fontRef>
+        </p:style>
+      </p:cxnSp>
+    </p:spTree>
+    <p:extLst>
+      <p:ext uri="{BB962C8B-B14F-4D97-AF65-F5344CB8AC3E}">
+        <p14:creationId xmlns:p14="http://schemas.microsoft.com/office/powerpoint/2010/main" val="2339785313"/>
+      </p:ext>
+    </p:extLst>
+  </p:cSld>
+  <p:clrMapOvr>
+    <a:masterClrMapping/>
+  </p:clrMapOvr>
+</p:sld>
+</file>
+
 <file path=ppt/theme/theme1.xml><?xml version="1.0" encoding="utf-8"?>
 <a:theme xmlns:a="http://schemas.openxmlformats.org/drawingml/2006/main" name="Office Theme">
   <a:themeElements>
